--- a/CaregiverApp.pptx
+++ b/CaregiverApp.pptx
@@ -5,19 +5,20 @@
     <p:sldMasterId id="2147483846" r:id="rId1"/>
   </p:sldMasterIdLst>
   <p:notesMasterIdLst>
-    <p:notesMasterId r:id="rId12"/>
+    <p:notesMasterId r:id="rId13"/>
   </p:notesMasterIdLst>
   <p:sldIdLst>
     <p:sldId id="256" r:id="rId2"/>
     <p:sldId id="262" r:id="rId3"/>
     <p:sldId id="264" r:id="rId4"/>
-    <p:sldId id="263" r:id="rId5"/>
-    <p:sldId id="258" r:id="rId6"/>
-    <p:sldId id="266" r:id="rId7"/>
-    <p:sldId id="259" r:id="rId8"/>
-    <p:sldId id="260" r:id="rId9"/>
-    <p:sldId id="257" r:id="rId10"/>
-    <p:sldId id="265" r:id="rId11"/>
+    <p:sldId id="258" r:id="rId5"/>
+    <p:sldId id="267" r:id="rId6"/>
+    <p:sldId id="268" r:id="rId7"/>
+    <p:sldId id="272" r:id="rId8"/>
+    <p:sldId id="266" r:id="rId9"/>
+    <p:sldId id="274" r:id="rId10"/>
+    <p:sldId id="275" r:id="rId11"/>
+    <p:sldId id="265" r:id="rId12"/>
   </p:sldIdLst>
   <p:sldSz cx="12192000" cy="6858000"/>
   <p:notesSz cx="6858000" cy="9144000"/>
@@ -127,7 +128,7 @@
 <file path=ppt/revisionInfo.xml><?xml version="1.0" encoding="utf-8"?>
 <p1510:revInfo xmlns:a="http://schemas.openxmlformats.org/drawingml/2006/main" xmlns:r="http://schemas.openxmlformats.org/officeDocument/2006/relationships" xmlns:p1510="http://schemas.microsoft.com/office/powerpoint/2015/10/main">
   <p1510:revLst>
-    <p1510:client id="{D4FBA732-C0CB-4103-A539-6BB95830CC07}" v="158" dt="2022-12-05T06:02:06.646"/>
+    <p1510:client id="{D4FBA732-C0CB-4103-A539-6BB95830CC07}" v="368" dt="2022-12-08T17:19:11.698"/>
   </p1510:revLst>
 </p1510:revInfo>
 </file>
@@ -136,19 +137,19 @@
 <pc:chgInfo xmlns:a="http://schemas.openxmlformats.org/drawingml/2006/main" xmlns:r="http://schemas.openxmlformats.org/officeDocument/2006/relationships" xmlns:ac="http://schemas.microsoft.com/office/drawing/2013/main/command" xmlns:pc="http://schemas.microsoft.com/office/powerpoint/2013/main/command">
   <pc:docChgLst>
     <pc:chgData name="Nathan" userId="35cc2d6d4da03de6" providerId="LiveId" clId="{D4FBA732-C0CB-4103-A539-6BB95830CC07}"/>
-    <pc:docChg chg="undo redo custSel addSld delSld modSld">
-      <pc:chgData name="Nathan" userId="35cc2d6d4da03de6" providerId="LiveId" clId="{D4FBA732-C0CB-4103-A539-6BB95830CC07}" dt="2022-12-05T06:11:45.849" v="1989" actId="26606"/>
+    <pc:docChg chg="undo redo custSel addSld delSld modSld sldOrd">
+      <pc:chgData name="Nathan" userId="35cc2d6d4da03de6" providerId="LiveId" clId="{D4FBA732-C0CB-4103-A539-6BB95830CC07}" dt="2022-12-08T17:19:11.698" v="6214"/>
       <pc:docMkLst>
         <pc:docMk/>
       </pc:docMkLst>
-      <pc:sldChg chg="addSp delSp modSp mod setBg setClrOvrMap delDesignElem">
-        <pc:chgData name="Nathan" userId="35cc2d6d4da03de6" providerId="LiveId" clId="{D4FBA732-C0CB-4103-A539-6BB95830CC07}" dt="2022-12-05T05:08:46.738" v="1444"/>
+      <pc:sldChg chg="addSp delSp modSp mod setBg modAnim setClrOvrMap delDesignElem">
+        <pc:chgData name="Nathan" userId="35cc2d6d4da03de6" providerId="LiveId" clId="{D4FBA732-C0CB-4103-A539-6BB95830CC07}" dt="2022-12-08T16:52:55.817" v="6090" actId="20577"/>
         <pc:sldMkLst>
           <pc:docMk/>
           <pc:sldMk cId="621157313" sldId="256"/>
         </pc:sldMkLst>
         <pc:spChg chg="mod">
-          <ac:chgData name="Nathan" userId="35cc2d6d4da03de6" providerId="LiveId" clId="{D4FBA732-C0CB-4103-A539-6BB95830CC07}" dt="2022-12-05T05:08:46.738" v="1444"/>
+          <ac:chgData name="Nathan" userId="35cc2d6d4da03de6" providerId="LiveId" clId="{D4FBA732-C0CB-4103-A539-6BB95830CC07}" dt="2022-12-08T04:15:05.383" v="3251" actId="26606"/>
           <ac:spMkLst>
             <pc:docMk/>
             <pc:sldMk cId="621157313" sldId="256"/>
@@ -156,21 +157,29 @@
           </ac:spMkLst>
         </pc:spChg>
         <pc:spChg chg="mod">
-          <ac:chgData name="Nathan" userId="35cc2d6d4da03de6" providerId="LiveId" clId="{D4FBA732-C0CB-4103-A539-6BB95830CC07}" dt="2022-12-05T05:08:46.738" v="1444"/>
+          <ac:chgData name="Nathan" userId="35cc2d6d4da03de6" providerId="LiveId" clId="{D4FBA732-C0CB-4103-A539-6BB95830CC07}" dt="2022-12-08T16:52:55.817" v="6090" actId="20577"/>
           <ac:spMkLst>
             <pc:docMk/>
             <pc:sldMk cId="621157313" sldId="256"/>
             <ac:spMk id="3" creationId="{852D4046-C83B-A893-B04E-E55AEF698886}"/>
           </ac:spMkLst>
         </pc:spChg>
-        <pc:spChg chg="add mod">
-          <ac:chgData name="Nathan" userId="35cc2d6d4da03de6" providerId="LiveId" clId="{D4FBA732-C0CB-4103-A539-6BB95830CC07}" dt="2022-12-04T23:24:27.210" v="51" actId="26606"/>
+        <pc:spChg chg="add del mod">
+          <ac:chgData name="Nathan" userId="35cc2d6d4da03de6" providerId="LiveId" clId="{D4FBA732-C0CB-4103-A539-6BB95830CC07}" dt="2022-12-08T02:42:30.916" v="2024" actId="478"/>
           <ac:spMkLst>
             <pc:docMk/>
             <pc:sldMk cId="621157313" sldId="256"/>
             <ac:spMk id="7" creationId="{B28643BA-A485-F0AB-8052-41628CA12E5E}"/>
           </ac:spMkLst>
         </pc:spChg>
+        <pc:spChg chg="add mod">
+          <ac:chgData name="Nathan" userId="35cc2d6d4da03de6" providerId="LiveId" clId="{D4FBA732-C0CB-4103-A539-6BB95830CC07}" dt="2022-12-08T02:49:14.099" v="2034" actId="26606"/>
+          <ac:spMkLst>
+            <pc:docMk/>
+            <pc:sldMk cId="621157313" sldId="256"/>
+            <ac:spMk id="8" creationId="{E758883F-5971-362F-A487-6F95FDD86E13}"/>
+          </ac:spMkLst>
+        </pc:spChg>
         <pc:spChg chg="add del">
           <ac:chgData name="Nathan" userId="35cc2d6d4da03de6" providerId="LiveId" clId="{D4FBA732-C0CB-4103-A539-6BB95830CC07}" dt="2022-12-04T23:24:21.156" v="48" actId="26606"/>
           <ac:spMkLst>
@@ -292,6 +301,38 @@
           </ac:spMkLst>
         </pc:spChg>
         <pc:spChg chg="add del">
+          <ac:chgData name="Nathan" userId="35cc2d6d4da03de6" providerId="LiveId" clId="{D4FBA732-C0CB-4103-A539-6BB95830CC07}" dt="2022-12-08T02:49:05.935" v="2029" actId="26606"/>
+          <ac:spMkLst>
+            <pc:docMk/>
+            <pc:sldMk cId="621157313" sldId="256"/>
+            <ac:spMk id="26" creationId="{F6EF57EF-D042-41D3-83E8-41A1FE6C11EB}"/>
+          </ac:spMkLst>
+        </pc:spChg>
+        <pc:spChg chg="add del">
+          <ac:chgData name="Nathan" userId="35cc2d6d4da03de6" providerId="LiveId" clId="{D4FBA732-C0CB-4103-A539-6BB95830CC07}" dt="2022-12-08T02:49:05.935" v="2029" actId="26606"/>
+          <ac:spMkLst>
+            <pc:docMk/>
+            <pc:sldMk cId="621157313" sldId="256"/>
+            <ac:spMk id="27" creationId="{D00A59BB-A268-4F3E-9D41-CA265AF16870}"/>
+          </ac:spMkLst>
+        </pc:spChg>
+        <pc:spChg chg="add del">
+          <ac:chgData name="Nathan" userId="35cc2d6d4da03de6" providerId="LiveId" clId="{D4FBA732-C0CB-4103-A539-6BB95830CC07}" dt="2022-12-08T02:49:05.935" v="2029" actId="26606"/>
+          <ac:spMkLst>
+            <pc:docMk/>
+            <pc:sldMk cId="621157313" sldId="256"/>
+            <ac:spMk id="28" creationId="{63794DCE-9D34-40DF-AB3F-06DA8ACCDA97}"/>
+          </ac:spMkLst>
+        </pc:spChg>
+        <pc:spChg chg="add del">
+          <ac:chgData name="Nathan" userId="35cc2d6d4da03de6" providerId="LiveId" clId="{D4FBA732-C0CB-4103-A539-6BB95830CC07}" dt="2022-12-08T02:49:05.935" v="2029" actId="26606"/>
+          <ac:spMkLst>
+            <pc:docMk/>
+            <pc:sldMk cId="621157313" sldId="256"/>
+            <ac:spMk id="29" creationId="{45006452-918C-4282-A72C-C9692B669104}"/>
+          </ac:spMkLst>
+        </pc:spChg>
+        <pc:spChg chg="add del">
           <ac:chgData name="Nathan" userId="35cc2d6d4da03de6" providerId="LiveId" clId="{D4FBA732-C0CB-4103-A539-6BB95830CC07}" dt="2022-12-04T23:20:01.034" v="6"/>
           <ac:spMkLst>
             <pc:docMk/>
@@ -300,11 +341,131 @@
           </ac:spMkLst>
         </pc:spChg>
         <pc:spChg chg="add del">
+          <ac:chgData name="Nathan" userId="35cc2d6d4da03de6" providerId="LiveId" clId="{D4FBA732-C0CB-4103-A539-6BB95830CC07}" dt="2022-12-08T02:49:10.906" v="2031" actId="26606"/>
+          <ac:spMkLst>
+            <pc:docMk/>
+            <pc:sldMk cId="621157313" sldId="256"/>
+            <ac:spMk id="31" creationId="{665DBBEF-238B-476B-96AB-8AAC3224ECEA}"/>
+          </ac:spMkLst>
+        </pc:spChg>
+        <pc:spChg chg="add del">
           <ac:chgData name="Nathan" userId="35cc2d6d4da03de6" providerId="LiveId" clId="{D4FBA732-C0CB-4103-A539-6BB95830CC07}" dt="2022-12-04T23:20:01.034" v="6"/>
           <ac:spMkLst>
             <pc:docMk/>
             <pc:sldMk cId="621157313" sldId="256"/>
             <ac:spMk id="32" creationId="{1FD1CAA3-F07B-4451-A14C-176BCB1FC0D9}"/>
+          </ac:spMkLst>
+        </pc:spChg>
+        <pc:spChg chg="add del">
+          <ac:chgData name="Nathan" userId="35cc2d6d4da03de6" providerId="LiveId" clId="{D4FBA732-C0CB-4103-A539-6BB95830CC07}" dt="2022-12-08T02:49:10.906" v="2031" actId="26606"/>
+          <ac:spMkLst>
+            <pc:docMk/>
+            <pc:sldMk cId="621157313" sldId="256"/>
+            <ac:spMk id="33" creationId="{3FCFB1DE-0B7E-48CC-BA90-B2AB0889F9D6}"/>
+          </ac:spMkLst>
+        </pc:spChg>
+        <pc:spChg chg="add del">
+          <ac:chgData name="Nathan" userId="35cc2d6d4da03de6" providerId="LiveId" clId="{D4FBA732-C0CB-4103-A539-6BB95830CC07}" dt="2022-12-08T02:49:14.088" v="2033" actId="26606"/>
+          <ac:spMkLst>
+            <pc:docMk/>
+            <pc:sldMk cId="621157313" sldId="256"/>
+            <ac:spMk id="35" creationId="{6F40FBDA-CEB1-40F0-9AB9-BD9C402D70FE}"/>
+          </ac:spMkLst>
+        </pc:spChg>
+        <pc:spChg chg="add del">
+          <ac:chgData name="Nathan" userId="35cc2d6d4da03de6" providerId="LiveId" clId="{D4FBA732-C0CB-4103-A539-6BB95830CC07}" dt="2022-12-08T02:49:14.088" v="2033" actId="26606"/>
+          <ac:spMkLst>
+            <pc:docMk/>
+            <pc:sldMk cId="621157313" sldId="256"/>
+            <ac:spMk id="36" creationId="{0344D4FE-ABEF-4230-9E4E-AD5782FC78AC}"/>
+          </ac:spMkLst>
+        </pc:spChg>
+        <pc:spChg chg="add del">
+          <ac:chgData name="Nathan" userId="35cc2d6d4da03de6" providerId="LiveId" clId="{D4FBA732-C0CB-4103-A539-6BB95830CC07}" dt="2022-12-08T02:49:14.088" v="2033" actId="26606"/>
+          <ac:spMkLst>
+            <pc:docMk/>
+            <pc:sldMk cId="621157313" sldId="256"/>
+            <ac:spMk id="37" creationId="{9325F979-D3F9-4926-81B7-7ACCB31A501B}"/>
+          </ac:spMkLst>
+        </pc:spChg>
+        <pc:spChg chg="add del">
+          <ac:chgData name="Nathan" userId="35cc2d6d4da03de6" providerId="LiveId" clId="{D4FBA732-C0CB-4103-A539-6BB95830CC07}" dt="2022-12-08T04:14:42.187" v="3248" actId="26606"/>
+          <ac:spMkLst>
+            <pc:docMk/>
+            <pc:sldMk cId="621157313" sldId="256"/>
+            <ac:spMk id="39" creationId="{0671A8AE-40A1-4631-A6B8-581AFF065482}"/>
+          </ac:spMkLst>
+        </pc:spChg>
+        <pc:spChg chg="add del">
+          <ac:chgData name="Nathan" userId="35cc2d6d4da03de6" providerId="LiveId" clId="{D4FBA732-C0CB-4103-A539-6BB95830CC07}" dt="2022-12-08T04:14:42.187" v="3248" actId="26606"/>
+          <ac:spMkLst>
+            <pc:docMk/>
+            <pc:sldMk cId="621157313" sldId="256"/>
+            <ac:spMk id="40" creationId="{AB58EF07-17C2-48CF-ABB0-EEF1F17CB8F0}"/>
+          </ac:spMkLst>
+        </pc:spChg>
+        <pc:spChg chg="add del">
+          <ac:chgData name="Nathan" userId="35cc2d6d4da03de6" providerId="LiveId" clId="{D4FBA732-C0CB-4103-A539-6BB95830CC07}" dt="2022-12-08T04:14:42.187" v="3248" actId="26606"/>
+          <ac:spMkLst>
+            <pc:docMk/>
+            <pc:sldMk cId="621157313" sldId="256"/>
+            <ac:spMk id="41" creationId="{AF2F604E-43BE-4DC3-B983-E071523364F8}"/>
+          </ac:spMkLst>
+        </pc:spChg>
+        <pc:spChg chg="add del">
+          <ac:chgData name="Nathan" userId="35cc2d6d4da03de6" providerId="LiveId" clId="{D4FBA732-C0CB-4103-A539-6BB95830CC07}" dt="2022-12-08T04:14:42.187" v="3248" actId="26606"/>
+          <ac:spMkLst>
+            <pc:docMk/>
+            <pc:sldMk cId="621157313" sldId="256"/>
+            <ac:spMk id="42" creationId="{08C9B587-E65E-4B52-B37C-ABEBB6E87928}"/>
+          </ac:spMkLst>
+        </pc:spChg>
+        <pc:spChg chg="add del">
+          <ac:chgData name="Nathan" userId="35cc2d6d4da03de6" providerId="LiveId" clId="{D4FBA732-C0CB-4103-A539-6BB95830CC07}" dt="2022-12-08T04:15:05.383" v="3251" actId="26606"/>
+          <ac:spMkLst>
+            <pc:docMk/>
+            <pc:sldMk cId="621157313" sldId="256"/>
+            <ac:spMk id="47" creationId="{D4906370-1564-49FA-A802-58546B3922DC}"/>
+          </ac:spMkLst>
+        </pc:spChg>
+        <pc:spChg chg="add del">
+          <ac:chgData name="Nathan" userId="35cc2d6d4da03de6" providerId="LiveId" clId="{D4FBA732-C0CB-4103-A539-6BB95830CC07}" dt="2022-12-08T04:15:05.383" v="3251" actId="26606"/>
+          <ac:spMkLst>
+            <pc:docMk/>
+            <pc:sldMk cId="621157313" sldId="256"/>
+            <ac:spMk id="49" creationId="{EF640709-BDFD-453B-B75D-6212E7A870BA}"/>
+          </ac:spMkLst>
+        </pc:spChg>
+        <pc:spChg chg="add del">
+          <ac:chgData name="Nathan" userId="35cc2d6d4da03de6" providerId="LiveId" clId="{D4FBA732-C0CB-4103-A539-6BB95830CC07}" dt="2022-12-08T04:15:05.383" v="3251" actId="26606"/>
+          <ac:spMkLst>
+            <pc:docMk/>
+            <pc:sldMk cId="621157313" sldId="256"/>
+            <ac:spMk id="51" creationId="{B4019478-3FDC-438C-8848-1D7DA864AFC4}"/>
+          </ac:spMkLst>
+        </pc:spChg>
+        <pc:spChg chg="add del">
+          <ac:chgData name="Nathan" userId="35cc2d6d4da03de6" providerId="LiveId" clId="{D4FBA732-C0CB-4103-A539-6BB95830CC07}" dt="2022-12-08T04:15:05.383" v="3251" actId="26606"/>
+          <ac:spMkLst>
+            <pc:docMk/>
+            <pc:sldMk cId="621157313" sldId="256"/>
+            <ac:spMk id="53" creationId="{FE406479-1D57-4209-B128-3C81746247C6}"/>
+          </ac:spMkLst>
+        </pc:spChg>
+        <pc:spChg chg="add del">
+          <ac:chgData name="Nathan" userId="35cc2d6d4da03de6" providerId="LiveId" clId="{D4FBA732-C0CB-4103-A539-6BB95830CC07}" dt="2022-12-08T04:15:05.383" v="3251" actId="26606"/>
+          <ac:spMkLst>
+            <pc:docMk/>
+            <pc:sldMk cId="621157313" sldId="256"/>
+            <ac:spMk id="58" creationId="{D47766EE-4192-4B2D-A5A0-F60F9A5F743F}"/>
+          </ac:spMkLst>
+        </pc:spChg>
+        <pc:spChg chg="add del">
+          <ac:chgData name="Nathan" userId="35cc2d6d4da03de6" providerId="LiveId" clId="{D4FBA732-C0CB-4103-A539-6BB95830CC07}" dt="2022-12-08T04:15:05.383" v="3251" actId="26606"/>
+          <ac:spMkLst>
+            <pc:docMk/>
+            <pc:sldMk cId="621157313" sldId="256"/>
+            <ac:spMk id="60" creationId="{D6705569-F545-4F47-A260-A9202826EA20}"/>
           </ac:spMkLst>
         </pc:spChg>
         <pc:picChg chg="del mod ord">
@@ -316,7 +477,15 @@
           </ac:picMkLst>
         </pc:picChg>
         <pc:picChg chg="add mod ord">
-          <ac:chgData name="Nathan" userId="35cc2d6d4da03de6" providerId="LiveId" clId="{D4FBA732-C0CB-4103-A539-6BB95830CC07}" dt="2022-12-04T23:24:27.210" v="51" actId="26606"/>
+          <ac:chgData name="Nathan" userId="35cc2d6d4da03de6" providerId="LiveId" clId="{D4FBA732-C0CB-4103-A539-6BB95830CC07}" dt="2022-12-08T04:15:05.383" v="3251" actId="26606"/>
+          <ac:picMkLst>
+            <pc:docMk/>
+            <pc:sldMk cId="621157313" sldId="256"/>
+            <ac:picMk id="5" creationId="{ACD4D92F-E6EB-945C-2BB3-74F6E6AD8425}"/>
+          </ac:picMkLst>
+        </pc:picChg>
+        <pc:picChg chg="add del mod ord">
+          <ac:chgData name="Nathan" userId="35cc2d6d4da03de6" providerId="LiveId" clId="{D4FBA732-C0CB-4103-A539-6BB95830CC07}" dt="2022-12-08T02:42:30.916" v="2024" actId="478"/>
           <ac:picMkLst>
             <pc:docMk/>
             <pc:sldMk cId="621157313" sldId="256"/>
@@ -340,8 +509,8 @@
           </ac:cxnSpMkLst>
         </pc:cxnChg>
       </pc:sldChg>
-      <pc:sldChg chg="modSp mod">
-        <pc:chgData name="Nathan" userId="35cc2d6d4da03de6" providerId="LiveId" clId="{D4FBA732-C0CB-4103-A539-6BB95830CC07}" dt="2022-12-05T06:11:13.442" v="1982" actId="20577"/>
+      <pc:sldChg chg="modSp del mod">
+        <pc:chgData name="Nathan" userId="35cc2d6d4da03de6" providerId="LiveId" clId="{D4FBA732-C0CB-4103-A539-6BB95830CC07}" dt="2022-12-08T14:40:30.365" v="5074" actId="47"/>
         <pc:sldMkLst>
           <pc:docMk/>
           <pc:sldMk cId="3740905003" sldId="257"/>
@@ -363,20 +532,28 @@
           </ac:spMkLst>
         </pc:spChg>
       </pc:sldChg>
-      <pc:sldChg chg="addSp delSp modSp mod setBg setClrOvrMap delDesignElem modShow">
-        <pc:chgData name="Nathan" userId="35cc2d6d4da03de6" providerId="LiveId" clId="{D4FBA732-C0CB-4103-A539-6BB95830CC07}" dt="2022-12-05T05:11:11.763" v="1447" actId="729"/>
+      <pc:sldChg chg="addSp delSp modSp mod modTransition setBg setClrOvrMap delDesignElem modShow">
+        <pc:chgData name="Nathan" userId="35cc2d6d4da03de6" providerId="LiveId" clId="{D4FBA732-C0CB-4103-A539-6BB95830CC07}" dt="2022-12-08T17:04:42.281" v="6187" actId="1036"/>
         <pc:sldMkLst>
           <pc:docMk/>
           <pc:sldMk cId="4216673047" sldId="258"/>
         </pc:sldMkLst>
         <pc:spChg chg="mod ord">
-          <ac:chgData name="Nathan" userId="35cc2d6d4da03de6" providerId="LiveId" clId="{D4FBA732-C0CB-4103-A539-6BB95830CC07}" dt="2022-12-05T04:57:35.296" v="1409" actId="26606"/>
+          <ac:chgData name="Nathan" userId="35cc2d6d4da03de6" providerId="LiveId" clId="{D4FBA732-C0CB-4103-A539-6BB95830CC07}" dt="2022-12-08T17:03:48.322" v="6182" actId="14100"/>
           <ac:spMkLst>
             <pc:docMk/>
             <pc:sldMk cId="4216673047" sldId="258"/>
             <ac:spMk id="2" creationId="{A2022381-E588-66E4-D789-DDB8EADFE8BB}"/>
           </ac:spMkLst>
         </pc:spChg>
+        <pc:spChg chg="add mod">
+          <ac:chgData name="Nathan" userId="35cc2d6d4da03de6" providerId="LiveId" clId="{D4FBA732-C0CB-4103-A539-6BB95830CC07}" dt="2022-12-08T17:03:07.584" v="6147" actId="1036"/>
+          <ac:spMkLst>
+            <pc:docMk/>
+            <pc:sldMk cId="4216673047" sldId="258"/>
+            <ac:spMk id="3" creationId="{9DDB37E7-D5EA-D637-9947-C0E9B93896B6}"/>
+          </ac:spMkLst>
+        </pc:spChg>
         <pc:spChg chg="del mod">
           <ac:chgData name="Nathan" userId="35cc2d6d4da03de6" providerId="LiveId" clId="{D4FBA732-C0CB-4103-A539-6BB95830CC07}" dt="2022-12-05T04:08:45.982" v="1375" actId="931"/>
           <ac:spMkLst>
@@ -393,6 +570,22 @@
             <ac:spMk id="6" creationId="{10A95F05-00E9-47D6-42BF-2CF483C5CE8A}"/>
           </ac:spMkLst>
         </pc:spChg>
+        <pc:spChg chg="add mod">
+          <ac:chgData name="Nathan" userId="35cc2d6d4da03de6" providerId="LiveId" clId="{D4FBA732-C0CB-4103-A539-6BB95830CC07}" dt="2022-12-08T17:03:24.242" v="6179" actId="1036"/>
+          <ac:spMkLst>
+            <pc:docMk/>
+            <pc:sldMk cId="4216673047" sldId="258"/>
+            <ac:spMk id="6" creationId="{34174679-CD15-951C-D821-BBC417B0CCE2}"/>
+          </ac:spMkLst>
+        </pc:spChg>
+        <pc:spChg chg="add mod">
+          <ac:chgData name="Nathan" userId="35cc2d6d4da03de6" providerId="LiveId" clId="{D4FBA732-C0CB-4103-A539-6BB95830CC07}" dt="2022-12-08T17:02:37.959" v="6102" actId="14100"/>
+          <ac:spMkLst>
+            <pc:docMk/>
+            <pc:sldMk cId="4216673047" sldId="258"/>
+            <ac:spMk id="7" creationId="{F0E6DF34-3465-3DDA-C031-CAAED75BCC15}"/>
+          </ac:spMkLst>
+        </pc:spChg>
         <pc:spChg chg="add del mod">
           <ac:chgData name="Nathan" userId="35cc2d6d4da03de6" providerId="LiveId" clId="{D4FBA732-C0CB-4103-A539-6BB95830CC07}" dt="2022-12-05T04:10:23.186" v="1379" actId="931"/>
           <ac:spMkLst>
@@ -825,8 +1018,8 @@
             <ac:spMk id="1133" creationId="{172BE3F8-96D6-4535-9AE4-694DC4F5B13F}"/>
           </ac:spMkLst>
         </pc:spChg>
-        <pc:spChg chg="add mod">
-          <ac:chgData name="Nathan" userId="35cc2d6d4da03de6" providerId="LiveId" clId="{D4FBA732-C0CB-4103-A539-6BB95830CC07}" dt="2022-12-05T04:58:13.593" v="1418" actId="14100"/>
+        <pc:spChg chg="add del mod">
+          <ac:chgData name="Nathan" userId="35cc2d6d4da03de6" providerId="LiveId" clId="{D4FBA732-C0CB-4103-A539-6BB95830CC07}" dt="2022-12-08T17:02:51.635" v="6120" actId="1036"/>
           <ac:spMkLst>
             <pc:docMk/>
             <pc:sldMk cId="4216673047" sldId="258"/>
@@ -865,12 +1058,44 @@
             <ac:spMk id="1145" creationId="{DAA4FEEE-0B5F-41BF-825D-60F9FB089568}"/>
           </ac:spMkLst>
         </pc:spChg>
+        <pc:graphicFrameChg chg="add del">
+          <ac:chgData name="Nathan" userId="35cc2d6d4da03de6" providerId="LiveId" clId="{D4FBA732-C0CB-4103-A539-6BB95830CC07}" dt="2022-12-08T04:52:35.178" v="3856" actId="26606"/>
+          <ac:graphicFrameMkLst>
+            <pc:docMk/>
+            <pc:sldMk cId="4216673047" sldId="258"/>
+            <ac:graphicFrameMk id="1136" creationId="{6359D39A-5E19-BE10-2D78-DFE459742817}"/>
+          </ac:graphicFrameMkLst>
+        </pc:graphicFrameChg>
+        <pc:graphicFrameChg chg="add del">
+          <ac:chgData name="Nathan" userId="35cc2d6d4da03de6" providerId="LiveId" clId="{D4FBA732-C0CB-4103-A539-6BB95830CC07}" dt="2022-12-08T04:52:37.140" v="3858" actId="26606"/>
+          <ac:graphicFrameMkLst>
+            <pc:docMk/>
+            <pc:sldMk cId="4216673047" sldId="258"/>
+            <ac:graphicFrameMk id="1138" creationId="{B80F2B74-F86D-C38A-F9DE-B9E0F537B685}"/>
+          </ac:graphicFrameMkLst>
+        </pc:graphicFrameChg>
+        <pc:picChg chg="add mod">
+          <ac:chgData name="Nathan" userId="35cc2d6d4da03de6" providerId="LiveId" clId="{D4FBA732-C0CB-4103-A539-6BB95830CC07}" dt="2022-12-08T17:03:37.940" v="6180" actId="14100"/>
+          <ac:picMkLst>
+            <pc:docMk/>
+            <pc:sldMk cId="4216673047" sldId="258"/>
+            <ac:picMk id="4" creationId="{2F315C04-0F85-D161-03FE-C20653ECA43F}"/>
+          </ac:picMkLst>
+        </pc:picChg>
         <pc:picChg chg="add del mod">
           <ac:chgData name="Nathan" userId="35cc2d6d4da03de6" providerId="LiveId" clId="{D4FBA732-C0CB-4103-A539-6BB95830CC07}" dt="2022-12-05T04:09:16.172" v="1378" actId="478"/>
           <ac:picMkLst>
             <pc:docMk/>
             <pc:sldMk cId="4216673047" sldId="258"/>
             <ac:picMk id="5" creationId="{0199C468-B608-1B6F-BAE3-7D010A9CCAC7}"/>
+          </ac:picMkLst>
+        </pc:picChg>
+        <pc:picChg chg="add mod">
+          <ac:chgData name="Nathan" userId="35cc2d6d4da03de6" providerId="LiveId" clId="{D4FBA732-C0CB-4103-A539-6BB95830CC07}" dt="2022-12-08T17:04:42.281" v="6187" actId="1036"/>
+          <ac:picMkLst>
+            <pc:docMk/>
+            <pc:sldMk cId="4216673047" sldId="258"/>
+            <ac:picMk id="5" creationId="{89B4DF9B-C159-123B-71B6-3C89EA0CE92E}"/>
           </ac:picMkLst>
         </pc:picChg>
         <pc:picChg chg="add del mod">
@@ -881,8 +1106,8 @@
             <ac:picMk id="10" creationId="{F7B3DC40-5766-F9FC-2E27-2DBB097DD8E3}"/>
           </ac:picMkLst>
         </pc:picChg>
-        <pc:picChg chg="add mod ord">
-          <ac:chgData name="Nathan" userId="35cc2d6d4da03de6" providerId="LiveId" clId="{D4FBA732-C0CB-4103-A539-6BB95830CC07}" dt="2022-12-05T04:58:19.571" v="1419" actId="14100"/>
+        <pc:picChg chg="add del mod ord">
+          <ac:chgData name="Nathan" userId="35cc2d6d4da03de6" providerId="LiveId" clId="{D4FBA732-C0CB-4103-A539-6BB95830CC07}" dt="2022-12-08T04:15:27.466" v="3252" actId="478"/>
           <ac:picMkLst>
             <pc:docMk/>
             <pc:sldMk cId="4216673047" sldId="258"/>
@@ -1082,8 +1307,8 @@
           </ac:picMkLst>
         </pc:picChg>
       </pc:sldChg>
-      <pc:sldChg chg="addSp delSp modSp mod setBg">
-        <pc:chgData name="Nathan" userId="35cc2d6d4da03de6" providerId="LiveId" clId="{D4FBA732-C0CB-4103-A539-6BB95830CC07}" dt="2022-12-05T06:10:42.223" v="1973" actId="26606"/>
+      <pc:sldChg chg="addSp delSp modSp del mod setBg">
+        <pc:chgData name="Nathan" userId="35cc2d6d4da03de6" providerId="LiveId" clId="{D4FBA732-C0CB-4103-A539-6BB95830CC07}" dt="2022-12-08T04:43:03.547" v="3399" actId="47"/>
         <pc:sldMkLst>
           <pc:docMk/>
           <pc:sldMk cId="652739044" sldId="259"/>
@@ -1137,14 +1362,14 @@
           </ac:picMkLst>
         </pc:picChg>
       </pc:sldChg>
-      <pc:sldChg chg="addSp delSp modSp mod setBg delDesignElem">
-        <pc:chgData name="Nathan" userId="35cc2d6d4da03de6" providerId="LiveId" clId="{D4FBA732-C0CB-4103-A539-6BB95830CC07}" dt="2022-12-05T05:08:08.706" v="1433"/>
+      <pc:sldChg chg="addSp delSp modSp del mod setBg addAnim delAnim modAnim delDesignElem">
+        <pc:chgData name="Nathan" userId="35cc2d6d4da03de6" providerId="LiveId" clId="{D4FBA732-C0CB-4103-A539-6BB95830CC07}" dt="2022-12-08T14:56:41.699" v="5213" actId="47"/>
         <pc:sldMkLst>
           <pc:docMk/>
           <pc:sldMk cId="3439925928" sldId="260"/>
         </pc:sldMkLst>
-        <pc:spChg chg="mod">
-          <ac:chgData name="Nathan" userId="35cc2d6d4da03de6" providerId="LiveId" clId="{D4FBA732-C0CB-4103-A539-6BB95830CC07}" dt="2022-12-04T23:53:49.651" v="85" actId="26606"/>
+        <pc:spChg chg="add del mod ord">
+          <ac:chgData name="Nathan" userId="35cc2d6d4da03de6" providerId="LiveId" clId="{D4FBA732-C0CB-4103-A539-6BB95830CC07}" dt="2022-12-08T14:56:31.095" v="5204" actId="478"/>
           <ac:spMkLst>
             <pc:docMk/>
             <pc:sldMk cId="3439925928" sldId="260"/>
@@ -1159,6 +1384,30 @@
             <ac:spMk id="3" creationId="{3DFD183F-80EE-A79C-C453-94A346631F25}"/>
           </ac:spMkLst>
         </pc:spChg>
+        <pc:spChg chg="add del mod">
+          <ac:chgData name="Nathan" userId="35cc2d6d4da03de6" providerId="LiveId" clId="{D4FBA732-C0CB-4103-A539-6BB95830CC07}" dt="2022-12-08T14:56:38.228" v="5212" actId="478"/>
+          <ac:spMkLst>
+            <pc:docMk/>
+            <pc:sldMk cId="3439925928" sldId="260"/>
+            <ac:spMk id="6" creationId="{822464AB-929B-6478-A37E-A8CB8490F90B}"/>
+          </ac:spMkLst>
+        </pc:spChg>
+        <pc:spChg chg="add del mod">
+          <ac:chgData name="Nathan" userId="35cc2d6d4da03de6" providerId="LiveId" clId="{D4FBA732-C0CB-4103-A539-6BB95830CC07}" dt="2022-12-08T14:56:38.228" v="5212" actId="478"/>
+          <ac:spMkLst>
+            <pc:docMk/>
+            <pc:sldMk cId="3439925928" sldId="260"/>
+            <ac:spMk id="7" creationId="{67DEFE8D-A271-FAEA-06FC-BAD4299D071D}"/>
+          </ac:spMkLst>
+        </pc:spChg>
+        <pc:spChg chg="add">
+          <ac:chgData name="Nathan" userId="35cc2d6d4da03de6" providerId="LiveId" clId="{D4FBA732-C0CB-4103-A539-6BB95830CC07}" dt="2022-12-08T14:49:32.105" v="5109" actId="26606"/>
+          <ac:spMkLst>
+            <pc:docMk/>
+            <pc:sldMk cId="3439925928" sldId="260"/>
+            <ac:spMk id="8" creationId="{87CC2527-562A-4F69-B487-4371E5B243E7}"/>
+          </ac:spMkLst>
+        </pc:spChg>
         <pc:spChg chg="add del">
           <ac:chgData name="Nathan" userId="35cc2d6d4da03de6" providerId="LiveId" clId="{D4FBA732-C0CB-4103-A539-6BB95830CC07}" dt="2022-12-05T05:08:08.706" v="1433"/>
           <ac:spMkLst>
@@ -1183,8 +1432,16 @@
             <ac:spMk id="21" creationId="{C885E190-58DD-42DD-A4A8-401E15C92A52}"/>
           </ac:spMkLst>
         </pc:spChg>
-        <pc:picChg chg="add">
-          <ac:chgData name="Nathan" userId="35cc2d6d4da03de6" providerId="LiveId" clId="{D4FBA732-C0CB-4103-A539-6BB95830CC07}" dt="2022-12-04T23:53:49.651" v="85" actId="26606"/>
+        <pc:picChg chg="add del mod">
+          <ac:chgData name="Nathan" userId="35cc2d6d4da03de6" providerId="LiveId" clId="{D4FBA732-C0CB-4103-A539-6BB95830CC07}" dt="2022-12-08T14:56:38.228" v="5212" actId="478"/>
+          <ac:picMkLst>
+            <pc:docMk/>
+            <pc:sldMk cId="3439925928" sldId="260"/>
+            <ac:picMk id="4" creationId="{3DCA008E-8D9C-1232-A8F8-7DF78D52CB7B}"/>
+          </ac:picMkLst>
+        </pc:picChg>
+        <pc:picChg chg="add del">
+          <ac:chgData name="Nathan" userId="35cc2d6d4da03de6" providerId="LiveId" clId="{D4FBA732-C0CB-4103-A539-6BB95830CC07}" dt="2022-12-08T14:48:46.360" v="5105" actId="478"/>
           <ac:picMkLst>
             <pc:docMk/>
             <pc:sldMk cId="3439925928" sldId="260"/>
@@ -1223,29 +1480,53 @@
             <ac:picMk id="17" creationId="{94AAE3AA-3759-4D28-B0EF-575F25A5146C}"/>
           </ac:picMkLst>
         </pc:picChg>
+        <pc:cxnChg chg="add">
+          <ac:chgData name="Nathan" userId="35cc2d6d4da03de6" providerId="LiveId" clId="{D4FBA732-C0CB-4103-A539-6BB95830CC07}" dt="2022-12-08T14:49:32.105" v="5109" actId="26606"/>
+          <ac:cxnSpMkLst>
+            <pc:docMk/>
+            <pc:sldMk cId="3439925928" sldId="260"/>
+            <ac:cxnSpMk id="10" creationId="{BCDAEC91-5BCE-4B55-9CC0-43EF94CB734B}"/>
+          </ac:cxnSpMkLst>
+        </pc:cxnChg>
       </pc:sldChg>
-      <pc:sldChg chg="addSp delSp modSp mod setBg addAnim modAnim delDesignElem chgLayout">
-        <pc:chgData name="Nathan" userId="35cc2d6d4da03de6" providerId="LiveId" clId="{D4FBA732-C0CB-4103-A539-6BB95830CC07}" dt="2022-12-05T05:08:08.706" v="1433"/>
+      <pc:sldChg chg="addSp delSp modSp mod modTransition setBg addAnim delAnim modAnim setClrOvrMap delDesignElem chgLayout">
+        <pc:chgData name="Nathan" userId="35cc2d6d4da03de6" providerId="LiveId" clId="{D4FBA732-C0CB-4103-A539-6BB95830CC07}" dt="2022-12-08T16:51:32.461" v="6085"/>
         <pc:sldMkLst>
           <pc:docMk/>
           <pc:sldMk cId="4248611934" sldId="262"/>
         </pc:sldMkLst>
-        <pc:spChg chg="mod ord">
-          <ac:chgData name="Nathan" userId="35cc2d6d4da03de6" providerId="LiveId" clId="{D4FBA732-C0CB-4103-A539-6BB95830CC07}" dt="2022-12-05T01:02:44.771" v="912" actId="20577"/>
+        <pc:spChg chg="del mod ord">
+          <ac:chgData name="Nathan" userId="35cc2d6d4da03de6" providerId="LiveId" clId="{D4FBA732-C0CB-4103-A539-6BB95830CC07}" dt="2022-12-08T02:51:37.459" v="2039" actId="478"/>
           <ac:spMkLst>
             <pc:docMk/>
             <pc:sldMk cId="4248611934" sldId="262"/>
             <ac:spMk id="2" creationId="{2F4505E4-EFD5-E164-B1AC-EC8234DE29D1}"/>
           </ac:spMkLst>
         </pc:spChg>
-        <pc:spChg chg="mod ord">
-          <ac:chgData name="Nathan" userId="35cc2d6d4da03de6" providerId="LiveId" clId="{D4FBA732-C0CB-4103-A539-6BB95830CC07}" dt="2022-12-05T01:12:14.699" v="1211"/>
+        <pc:spChg chg="del mod ord">
+          <ac:chgData name="Nathan" userId="35cc2d6d4da03de6" providerId="LiveId" clId="{D4FBA732-C0CB-4103-A539-6BB95830CC07}" dt="2022-12-08T02:51:39.960" v="2040" actId="478"/>
           <ac:spMkLst>
             <pc:docMk/>
             <pc:sldMk cId="4248611934" sldId="262"/>
             <ac:spMk id="3" creationId="{A980222E-38B1-DB3C-DB74-22B5343D9DED}"/>
           </ac:spMkLst>
         </pc:spChg>
+        <pc:spChg chg="add mod">
+          <ac:chgData name="Nathan" userId="35cc2d6d4da03de6" providerId="LiveId" clId="{D4FBA732-C0CB-4103-A539-6BB95830CC07}" dt="2022-12-08T16:51:04.478" v="6084" actId="1076"/>
+          <ac:spMkLst>
+            <pc:docMk/>
+            <pc:sldMk cId="4248611934" sldId="262"/>
+            <ac:spMk id="6" creationId="{F6BDF1F7-EB33-B27A-6E86-6C868F8C29E4}"/>
+          </ac:spMkLst>
+        </pc:spChg>
+        <pc:spChg chg="add mod">
+          <ac:chgData name="Nathan" userId="35cc2d6d4da03de6" providerId="LiveId" clId="{D4FBA732-C0CB-4103-A539-6BB95830CC07}" dt="2022-12-08T03:53:52.996" v="2544" actId="20577"/>
+          <ac:spMkLst>
+            <pc:docMk/>
+            <pc:sldMk cId="4248611934" sldId="262"/>
+            <ac:spMk id="8" creationId="{6D6322A6-D170-89B2-8CBB-10B034C6794A}"/>
+          </ac:spMkLst>
+        </pc:spChg>
         <pc:spChg chg="add del">
           <ac:chgData name="Nathan" userId="35cc2d6d4da03de6" providerId="LiveId" clId="{D4FBA732-C0CB-4103-A539-6BB95830CC07}" dt="2022-12-04T23:47:07.504" v="81" actId="700"/>
           <ac:spMkLst>
@@ -1295,6 +1576,14 @@
           </ac:spMkLst>
         </pc:spChg>
         <pc:spChg chg="add del">
+          <ac:chgData name="Nathan" userId="35cc2d6d4da03de6" providerId="LiveId" clId="{D4FBA732-C0CB-4103-A539-6BB95830CC07}" dt="2022-12-08T02:52:23.029" v="2092" actId="26606"/>
+          <ac:spMkLst>
+            <pc:docMk/>
+            <pc:sldMk cId="4248611934" sldId="262"/>
+            <ac:spMk id="23" creationId="{7C432AFE-B3D2-4BFF-BF8F-96C27AFF1AC7}"/>
+          </ac:spMkLst>
+        </pc:spChg>
+        <pc:spChg chg="add del">
           <ac:chgData name="Nathan" userId="35cc2d6d4da03de6" providerId="LiveId" clId="{D4FBA732-C0CB-4103-A539-6BB95830CC07}" dt="2022-12-05T01:01:23.102" v="887" actId="26606"/>
           <ac:spMkLst>
             <pc:docMk/>
@@ -1303,6 +1592,30 @@
           </ac:spMkLst>
         </pc:spChg>
         <pc:spChg chg="add del">
+          <ac:chgData name="Nathan" userId="35cc2d6d4da03de6" providerId="LiveId" clId="{D4FBA732-C0CB-4103-A539-6BB95830CC07}" dt="2022-12-08T02:52:23.029" v="2092" actId="26606"/>
+          <ac:spMkLst>
+            <pc:docMk/>
+            <pc:sldMk cId="4248611934" sldId="262"/>
+            <ac:spMk id="25" creationId="{AF2F604E-43BE-4DC3-B983-E071523364F8}"/>
+          </ac:spMkLst>
+        </pc:spChg>
+        <pc:spChg chg="add del">
+          <ac:chgData name="Nathan" userId="35cc2d6d4da03de6" providerId="LiveId" clId="{D4FBA732-C0CB-4103-A539-6BB95830CC07}" dt="2022-12-08T02:52:23.029" v="2092" actId="26606"/>
+          <ac:spMkLst>
+            <pc:docMk/>
+            <pc:sldMk cId="4248611934" sldId="262"/>
+            <ac:spMk id="26" creationId="{08C9B587-E65E-4B52-B37C-ABEBB6E87928}"/>
+          </ac:spMkLst>
+        </pc:spChg>
+        <pc:spChg chg="add del">
+          <ac:chgData name="Nathan" userId="35cc2d6d4da03de6" providerId="LiveId" clId="{D4FBA732-C0CB-4103-A539-6BB95830CC07}" dt="2022-12-08T03:50:45.938" v="2361" actId="26606"/>
+          <ac:spMkLst>
+            <pc:docMk/>
+            <pc:sldMk cId="4248611934" sldId="262"/>
+            <ac:spMk id="28" creationId="{9AA72BD9-2C5A-4EDC-931F-5AA08EACA0F3}"/>
+          </ac:spMkLst>
+        </pc:spChg>
+        <pc:spChg chg="add del">
           <ac:chgData name="Nathan" userId="35cc2d6d4da03de6" providerId="LiveId" clId="{D4FBA732-C0CB-4103-A539-6BB95830CC07}" dt="2022-12-05T01:02:07.281" v="895" actId="26606"/>
           <ac:spMkLst>
             <pc:docMk/>
@@ -1311,6 +1624,30 @@
           </ac:spMkLst>
         </pc:spChg>
         <pc:spChg chg="add del">
+          <ac:chgData name="Nathan" userId="35cc2d6d4da03de6" providerId="LiveId" clId="{D4FBA732-C0CB-4103-A539-6BB95830CC07}" dt="2022-12-08T03:50:45.938" v="2361" actId="26606"/>
+          <ac:spMkLst>
+            <pc:docMk/>
+            <pc:sldMk cId="4248611934" sldId="262"/>
+            <ac:spMk id="30" creationId="{DD3981AC-7B61-4947-BCF3-F7AA7FA385B9}"/>
+          </ac:spMkLst>
+        </pc:spChg>
+        <pc:spChg chg="add del">
+          <ac:chgData name="Nathan" userId="35cc2d6d4da03de6" providerId="LiveId" clId="{D4FBA732-C0CB-4103-A539-6BB95830CC07}" dt="2022-12-08T03:50:45.938" v="2361" actId="26606"/>
+          <ac:spMkLst>
+            <pc:docMk/>
+            <pc:sldMk cId="4248611934" sldId="262"/>
+            <ac:spMk id="31" creationId="{55D4142C-5077-457F-A6AD-3FECFDB39685}"/>
+          </ac:spMkLst>
+        </pc:spChg>
+        <pc:spChg chg="add del">
+          <ac:chgData name="Nathan" userId="35cc2d6d4da03de6" providerId="LiveId" clId="{D4FBA732-C0CB-4103-A539-6BB95830CC07}" dt="2022-12-08T03:50:45.938" v="2361" actId="26606"/>
+          <ac:spMkLst>
+            <pc:docMk/>
+            <pc:sldMk cId="4248611934" sldId="262"/>
+            <ac:spMk id="32" creationId="{7A5F0580-5EE9-419F-96EE-B6529EF6E7D0}"/>
+          </ac:spMkLst>
+        </pc:spChg>
+        <pc:spChg chg="add del">
           <ac:chgData name="Nathan" userId="35cc2d6d4da03de6" providerId="LiveId" clId="{D4FBA732-C0CB-4103-A539-6BB95830CC07}" dt="2022-12-05T01:02:03.922" v="892" actId="26606"/>
           <ac:spMkLst>
             <pc:docMk/>
@@ -1327,6 +1664,14 @@
           </ac:spMkLst>
         </pc:spChg>
         <pc:spChg chg="add del">
+          <ac:chgData name="Nathan" userId="35cc2d6d4da03de6" providerId="LiveId" clId="{D4FBA732-C0CB-4103-A539-6BB95830CC07}" dt="2022-12-08T03:54:01.044" v="2545" actId="26606"/>
+          <ac:spMkLst>
+            <pc:docMk/>
+            <pc:sldMk cId="4248611934" sldId="262"/>
+            <ac:spMk id="37" creationId="{F13C74B1-5B17-4795-BED0-7140497B445A}"/>
+          </ac:spMkLst>
+        </pc:spChg>
+        <pc:spChg chg="add del">
           <ac:chgData name="Nathan" userId="35cc2d6d4da03de6" providerId="LiveId" clId="{D4FBA732-C0CB-4103-A539-6BB95830CC07}" dt="2022-12-05T01:02:07.265" v="894" actId="26606"/>
           <ac:spMkLst>
             <pc:docMk/>
@@ -1335,6 +1680,14 @@
           </ac:spMkLst>
         </pc:spChg>
         <pc:spChg chg="add del">
+          <ac:chgData name="Nathan" userId="35cc2d6d4da03de6" providerId="LiveId" clId="{D4FBA732-C0CB-4103-A539-6BB95830CC07}" dt="2022-12-08T03:54:01.044" v="2545" actId="26606"/>
+          <ac:spMkLst>
+            <pc:docMk/>
+            <pc:sldMk cId="4248611934" sldId="262"/>
+            <ac:spMk id="39" creationId="{D4974D33-8DC5-464E-8C6D-BE58F0669C17}"/>
+          </ac:spMkLst>
+        </pc:spChg>
+        <pc:spChg chg="add del">
           <ac:chgData name="Nathan" userId="35cc2d6d4da03de6" providerId="LiveId" clId="{D4FBA732-C0CB-4103-A539-6BB95830CC07}" dt="2022-12-05T01:02:28.338" v="901" actId="26606"/>
           <ac:spMkLst>
             <pc:docMk/>
@@ -1350,6 +1703,22 @@
             <ac:spMk id="41" creationId="{526152D8-615F-4A5A-886D-E14B136CD0D4}"/>
           </ac:spMkLst>
         </pc:spChg>
+        <pc:spChg chg="add">
+          <ac:chgData name="Nathan" userId="35cc2d6d4da03de6" providerId="LiveId" clId="{D4FBA732-C0CB-4103-A539-6BB95830CC07}" dt="2022-12-08T03:54:01.044" v="2545" actId="26606"/>
+          <ac:spMkLst>
+            <pc:docMk/>
+            <pc:sldMk cId="4248611934" sldId="262"/>
+            <ac:spMk id="42" creationId="{D4974D33-8DC5-464E-8C6D-BE58F0669C17}"/>
+          </ac:spMkLst>
+        </pc:spChg>
+        <pc:spChg chg="add">
+          <ac:chgData name="Nathan" userId="35cc2d6d4da03de6" providerId="LiveId" clId="{D4FBA732-C0CB-4103-A539-6BB95830CC07}" dt="2022-12-08T03:54:01.044" v="2545" actId="26606"/>
+          <ac:spMkLst>
+            <pc:docMk/>
+            <pc:sldMk cId="4248611934" sldId="262"/>
+            <ac:spMk id="44" creationId="{F13C74B1-5B17-4795-BED0-7140497B445A}"/>
+          </ac:spMkLst>
+        </pc:spChg>
         <pc:spChg chg="add del">
           <ac:chgData name="Nathan" userId="35cc2d6d4da03de6" providerId="LiveId" clId="{D4FBA732-C0CB-4103-A539-6BB95830CC07}" dt="2022-12-05T01:02:23.901" v="898" actId="26606"/>
           <ac:spMkLst>
@@ -1374,8 +1743,8 @@
             <ac:spMk id="50" creationId="{8D489E29-742E-4D34-AB08-CE3217805B81}"/>
           </ac:spMkLst>
         </pc:spChg>
-        <pc:picChg chg="add mod">
-          <ac:chgData name="Nathan" userId="35cc2d6d4da03de6" providerId="LiveId" clId="{D4FBA732-C0CB-4103-A539-6BB95830CC07}" dt="2022-12-05T01:02:28.338" v="901" actId="26606"/>
+        <pc:picChg chg="add mod ord">
+          <ac:chgData name="Nathan" userId="35cc2d6d4da03de6" providerId="LiveId" clId="{D4FBA732-C0CB-4103-A539-6BB95830CC07}" dt="2022-12-08T03:50:45.938" v="2361" actId="26606"/>
           <ac:picMkLst>
             <pc:docMk/>
             <pc:sldMk cId="4248611934" sldId="262"/>
@@ -1447,12 +1816,44 @@
           </ac:picMkLst>
         </pc:picChg>
       </pc:sldChg>
-      <pc:sldChg chg="delSp add mod delDesignElem modShow">
-        <pc:chgData name="Nathan" userId="35cc2d6d4da03de6" providerId="LiveId" clId="{D4FBA732-C0CB-4103-A539-6BB95830CC07}" dt="2022-12-05T05:58:29.018" v="1961" actId="729"/>
+      <pc:sldChg chg="addSp delSp modSp add del mod setBg delDesignElem modShow">
+        <pc:chgData name="Nathan" userId="35cc2d6d4da03de6" providerId="LiveId" clId="{D4FBA732-C0CB-4103-A539-6BB95830CC07}" dt="2022-12-08T04:14:49.321" v="3249" actId="47"/>
         <pc:sldMkLst>
           <pc:docMk/>
           <pc:sldMk cId="337400331" sldId="263"/>
         </pc:sldMkLst>
+        <pc:spChg chg="mod">
+          <ac:chgData name="Nathan" userId="35cc2d6d4da03de6" providerId="LiveId" clId="{D4FBA732-C0CB-4103-A539-6BB95830CC07}" dt="2022-12-08T04:14:12.803" v="3242" actId="1076"/>
+          <ac:spMkLst>
+            <pc:docMk/>
+            <pc:sldMk cId="337400331" sldId="263"/>
+            <ac:spMk id="2" creationId="{2F4505E4-EFD5-E164-B1AC-EC8234DE29D1}"/>
+          </ac:spMkLst>
+        </pc:spChg>
+        <pc:spChg chg="mod">
+          <ac:chgData name="Nathan" userId="35cc2d6d4da03de6" providerId="LiveId" clId="{D4FBA732-C0CB-4103-A539-6BB95830CC07}" dt="2022-12-08T04:14:25.811" v="3247" actId="5793"/>
+          <ac:spMkLst>
+            <pc:docMk/>
+            <pc:sldMk cId="337400331" sldId="263"/>
+            <ac:spMk id="3" creationId="{A980222E-38B1-DB3C-DB74-22B5343D9DED}"/>
+          </ac:spMkLst>
+        </pc:spChg>
+        <pc:spChg chg="add">
+          <ac:chgData name="Nathan" userId="35cc2d6d4da03de6" providerId="LiveId" clId="{D4FBA732-C0CB-4103-A539-6BB95830CC07}" dt="2022-12-08T04:13:34.873" v="3234" actId="26606"/>
+          <ac:spMkLst>
+            <pc:docMk/>
+            <pc:sldMk cId="337400331" sldId="263"/>
+            <ac:spMk id="10" creationId="{D4906370-1564-49FA-A802-58546B3922DC}"/>
+          </ac:spMkLst>
+        </pc:spChg>
+        <pc:spChg chg="add">
+          <ac:chgData name="Nathan" userId="35cc2d6d4da03de6" providerId="LiveId" clId="{D4FBA732-C0CB-4103-A539-6BB95830CC07}" dt="2022-12-08T04:13:34.873" v="3234" actId="26606"/>
+          <ac:spMkLst>
+            <pc:docMk/>
+            <pc:sldMk cId="337400331" sldId="263"/>
+            <ac:spMk id="12" creationId="{EF640709-BDFD-453B-B75D-6212E7A870BA}"/>
+          </ac:spMkLst>
+        </pc:spChg>
         <pc:spChg chg="del">
           <ac:chgData name="Nathan" userId="35cc2d6d4da03de6" providerId="LiveId" clId="{D4FBA732-C0CB-4103-A539-6BB95830CC07}" dt="2022-12-05T05:08:08.706" v="1433"/>
           <ac:spMkLst>
@@ -1461,6 +1862,22 @@
             <ac:spMk id="13" creationId="{989BE678-777B-482A-A616-FEDC47B162E5}"/>
           </ac:spMkLst>
         </pc:spChg>
+        <pc:spChg chg="add">
+          <ac:chgData name="Nathan" userId="35cc2d6d4da03de6" providerId="LiveId" clId="{D4FBA732-C0CB-4103-A539-6BB95830CC07}" dt="2022-12-08T04:13:34.873" v="3234" actId="26606"/>
+          <ac:spMkLst>
+            <pc:docMk/>
+            <pc:sldMk cId="337400331" sldId="263"/>
+            <ac:spMk id="14" creationId="{B4019478-3FDC-438C-8848-1D7DA864AFC4}"/>
+          </ac:spMkLst>
+        </pc:spChg>
+        <pc:spChg chg="add">
+          <ac:chgData name="Nathan" userId="35cc2d6d4da03de6" providerId="LiveId" clId="{D4FBA732-C0CB-4103-A539-6BB95830CC07}" dt="2022-12-08T04:13:34.873" v="3234" actId="26606"/>
+          <ac:spMkLst>
+            <pc:docMk/>
+            <pc:sldMk cId="337400331" sldId="263"/>
+            <ac:spMk id="16" creationId="{FE406479-1D57-4209-B128-3C81746247C6}"/>
+          </ac:spMkLst>
+        </pc:spChg>
         <pc:spChg chg="del">
           <ac:chgData name="Nathan" userId="35cc2d6d4da03de6" providerId="LiveId" clId="{D4FBA732-C0CB-4103-A539-6BB95830CC07}" dt="2022-12-05T05:08:08.706" v="1433"/>
           <ac:spMkLst>
@@ -1477,6 +1894,14 @@
             <ac:spMk id="21" creationId="{C885E190-58DD-42DD-A4A8-401E15C92A52}"/>
           </ac:spMkLst>
         </pc:spChg>
+        <pc:picChg chg="mod">
+          <ac:chgData name="Nathan" userId="35cc2d6d4da03de6" providerId="LiveId" clId="{D4FBA732-C0CB-4103-A539-6BB95830CC07}" dt="2022-12-08T04:13:59.026" v="3238" actId="1076"/>
+          <ac:picMkLst>
+            <pc:docMk/>
+            <pc:sldMk cId="337400331" sldId="263"/>
+            <ac:picMk id="5" creationId="{FE04DB18-7660-7F8A-C506-3176D6AC90FA}"/>
+          </ac:picMkLst>
+        </pc:picChg>
         <pc:picChg chg="del">
           <ac:chgData name="Nathan" userId="35cc2d6d4da03de6" providerId="LiveId" clId="{D4FBA732-C0CB-4103-A539-6BB95830CC07}" dt="2022-12-05T05:08:08.706" v="1433"/>
           <ac:picMkLst>
@@ -1510,22 +1935,22 @@
           </ac:picMkLst>
         </pc:picChg>
       </pc:sldChg>
-      <pc:sldChg chg="addSp delSp modSp new mod setBg delDesignElem">
-        <pc:chgData name="Nathan" userId="35cc2d6d4da03de6" providerId="LiveId" clId="{D4FBA732-C0CB-4103-A539-6BB95830CC07}" dt="2022-12-05T05:08:08.706" v="1433"/>
+      <pc:sldChg chg="addSp delSp modSp new mod modTransition setBg addAnim modAnim setClrOvrMap delDesignElem">
+        <pc:chgData name="Nathan" userId="35cc2d6d4da03de6" providerId="LiveId" clId="{D4FBA732-C0CB-4103-A539-6BB95830CC07}" dt="2022-12-08T16:57:25.114" v="6096"/>
         <pc:sldMkLst>
           <pc:docMk/>
           <pc:sldMk cId="3141247890" sldId="264"/>
         </pc:sldMkLst>
         <pc:spChg chg="mod ord">
-          <ac:chgData name="Nathan" userId="35cc2d6d4da03de6" providerId="LiveId" clId="{D4FBA732-C0CB-4103-A539-6BB95830CC07}" dt="2022-12-05T01:06:26.115" v="1145" actId="26606"/>
+          <ac:chgData name="Nathan" userId="35cc2d6d4da03de6" providerId="LiveId" clId="{D4FBA732-C0CB-4103-A539-6BB95830CC07}" dt="2022-12-08T04:17:07.093" v="3327" actId="122"/>
           <ac:spMkLst>
             <pc:docMk/>
             <pc:sldMk cId="3141247890" sldId="264"/>
             <ac:spMk id="2" creationId="{C252D21F-55BF-A6E0-DAB9-BBE5C2FCB6B1}"/>
           </ac:spMkLst>
         </pc:spChg>
-        <pc:spChg chg="mod">
-          <ac:chgData name="Nathan" userId="35cc2d6d4da03de6" providerId="LiveId" clId="{D4FBA732-C0CB-4103-A539-6BB95830CC07}" dt="2022-12-05T01:16:39.046" v="1288" actId="20577"/>
+        <pc:spChg chg="add del mod ord">
+          <ac:chgData name="Nathan" userId="35cc2d6d4da03de6" providerId="LiveId" clId="{D4FBA732-C0CB-4103-A539-6BB95830CC07}" dt="2022-12-08T04:06:25" v="2716" actId="26606"/>
           <ac:spMkLst>
             <pc:docMk/>
             <pc:sldMk cId="3141247890" sldId="264"/>
@@ -1533,6 +1958,22 @@
           </ac:spMkLst>
         </pc:spChg>
         <pc:spChg chg="add del">
+          <ac:chgData name="Nathan" userId="35cc2d6d4da03de6" providerId="LiveId" clId="{D4FBA732-C0CB-4103-A539-6BB95830CC07}" dt="2022-12-08T03:54:36.490" v="2547" actId="26606"/>
+          <ac:spMkLst>
+            <pc:docMk/>
+            <pc:sldMk cId="3141247890" sldId="264"/>
+            <ac:spMk id="7" creationId="{72F566C7-63F6-430E-A25E-75C1BAA56D99}"/>
+          </ac:spMkLst>
+        </pc:spChg>
+        <pc:spChg chg="add mod">
+          <ac:chgData name="Nathan" userId="35cc2d6d4da03de6" providerId="LiveId" clId="{D4FBA732-C0CB-4103-A539-6BB95830CC07}" dt="2022-12-08T04:12:33.339" v="3233" actId="26606"/>
+          <ac:spMkLst>
+            <pc:docMk/>
+            <pc:sldMk cId="3141247890" sldId="264"/>
+            <ac:spMk id="8" creationId="{18AF2BF2-7F4C-6853-68B5-DD115804CF1C}"/>
+          </ac:spMkLst>
+        </pc:spChg>
+        <pc:spChg chg="add del">
           <ac:chgData name="Nathan" userId="35cc2d6d4da03de6" providerId="LiveId" clId="{D4FBA732-C0CB-4103-A539-6BB95830CC07}" dt="2022-12-05T05:08:08.706" v="1433"/>
           <ac:spMkLst>
             <pc:docMk/>
@@ -1540,14 +1981,294 @@
             <ac:spMk id="10" creationId="{8D489E29-742E-4D34-AB08-CE3217805B81}"/>
           </ac:spMkLst>
         </pc:spChg>
-        <pc:picChg chg="add mod">
-          <ac:chgData name="Nathan" userId="35cc2d6d4da03de6" providerId="LiveId" clId="{D4FBA732-C0CB-4103-A539-6BB95830CC07}" dt="2022-12-05T01:06:26.115" v="1145" actId="26606"/>
+        <pc:spChg chg="add del">
+          <ac:chgData name="Nathan" userId="35cc2d6d4da03de6" providerId="LiveId" clId="{D4FBA732-C0CB-4103-A539-6BB95830CC07}" dt="2022-12-08T03:54:36.490" v="2547" actId="26606"/>
+          <ac:spMkLst>
+            <pc:docMk/>
+            <pc:sldMk cId="3141247890" sldId="264"/>
+            <ac:spMk id="12" creationId="{C8701D3F-ED29-4931-958A-CBC8AE704787}"/>
+          </ac:spMkLst>
+        </pc:spChg>
+        <pc:spChg chg="add del">
+          <ac:chgData name="Nathan" userId="35cc2d6d4da03de6" providerId="LiveId" clId="{D4FBA732-C0CB-4103-A539-6BB95830CC07}" dt="2022-12-08T03:54:36.490" v="2547" actId="26606"/>
+          <ac:spMkLst>
+            <pc:docMk/>
+            <pc:sldMk cId="3141247890" sldId="264"/>
+            <ac:spMk id="14" creationId="{40A0961B-9DBA-43AD-A3C0-F7EBBFF2087A}"/>
+          </ac:spMkLst>
+        </pc:spChg>
+        <pc:spChg chg="add del">
+          <ac:chgData name="Nathan" userId="35cc2d6d4da03de6" providerId="LiveId" clId="{D4FBA732-C0CB-4103-A539-6BB95830CC07}" dt="2022-12-08T03:57:28.562" v="2555" actId="26606"/>
+          <ac:spMkLst>
+            <pc:docMk/>
+            <pc:sldMk cId="3141247890" sldId="264"/>
+            <ac:spMk id="16" creationId="{1453BF6C-B012-48B7-B4E8-6D7AC7C27D02}"/>
+          </ac:spMkLst>
+        </pc:spChg>
+        <pc:spChg chg="add del">
+          <ac:chgData name="Nathan" userId="35cc2d6d4da03de6" providerId="LiveId" clId="{D4FBA732-C0CB-4103-A539-6BB95830CC07}" dt="2022-12-08T03:57:28.562" v="2555" actId="26606"/>
+          <ac:spMkLst>
+            <pc:docMk/>
+            <pc:sldMk cId="3141247890" sldId="264"/>
+            <ac:spMk id="17" creationId="{327D73B4-9F5C-4A64-A179-51B9500CB8B5}"/>
+          </ac:spMkLst>
+        </pc:spChg>
+        <pc:spChg chg="add del">
+          <ac:chgData name="Nathan" userId="35cc2d6d4da03de6" providerId="LiveId" clId="{D4FBA732-C0CB-4103-A539-6BB95830CC07}" dt="2022-12-08T03:57:28.562" v="2555" actId="26606"/>
+          <ac:spMkLst>
+            <pc:docMk/>
+            <pc:sldMk cId="3141247890" sldId="264"/>
+            <ac:spMk id="18" creationId="{E3020543-B24B-4EC4-8FFC-8DD88EEA91A8}"/>
+          </ac:spMkLst>
+        </pc:spChg>
+        <pc:spChg chg="add del">
+          <ac:chgData name="Nathan" userId="35cc2d6d4da03de6" providerId="LiveId" clId="{D4FBA732-C0CB-4103-A539-6BB95830CC07}" dt="2022-12-08T03:57:28.562" v="2555" actId="26606"/>
+          <ac:spMkLst>
+            <pc:docMk/>
+            <pc:sldMk cId="3141247890" sldId="264"/>
+            <ac:spMk id="19" creationId="{C1F06963-6374-4B48-844F-071A9BAAAE02}"/>
+          </ac:spMkLst>
+        </pc:spChg>
+        <pc:spChg chg="add del">
+          <ac:chgData name="Nathan" userId="35cc2d6d4da03de6" providerId="LiveId" clId="{D4FBA732-C0CB-4103-A539-6BB95830CC07}" dt="2022-12-08T03:57:28.562" v="2555" actId="26606"/>
+          <ac:spMkLst>
+            <pc:docMk/>
+            <pc:sldMk cId="3141247890" sldId="264"/>
+            <ac:spMk id="21" creationId="{6CB927A4-E432-4310-9CD5-E89FF5063179}"/>
+          </ac:spMkLst>
+        </pc:spChg>
+        <pc:spChg chg="add del">
+          <ac:chgData name="Nathan" userId="35cc2d6d4da03de6" providerId="LiveId" clId="{D4FBA732-C0CB-4103-A539-6BB95830CC07}" dt="2022-12-08T04:00:17.629" v="2615" actId="26606"/>
+          <ac:spMkLst>
+            <pc:docMk/>
+            <pc:sldMk cId="3141247890" sldId="264"/>
+            <ac:spMk id="26" creationId="{327D73B4-9F5C-4A64-A179-51B9500CB8B5}"/>
+          </ac:spMkLst>
+        </pc:spChg>
+        <pc:spChg chg="add del">
+          <ac:chgData name="Nathan" userId="35cc2d6d4da03de6" providerId="LiveId" clId="{D4FBA732-C0CB-4103-A539-6BB95830CC07}" dt="2022-12-08T04:00:17.629" v="2615" actId="26606"/>
+          <ac:spMkLst>
+            <pc:docMk/>
+            <pc:sldMk cId="3141247890" sldId="264"/>
+            <ac:spMk id="28" creationId="{C1F06963-6374-4B48-844F-071A9BAAAE02}"/>
+          </ac:spMkLst>
+        </pc:spChg>
+        <pc:spChg chg="add del">
+          <ac:chgData name="Nathan" userId="35cc2d6d4da03de6" providerId="LiveId" clId="{D4FBA732-C0CB-4103-A539-6BB95830CC07}" dt="2022-12-08T04:00:17.629" v="2615" actId="26606"/>
+          <ac:spMkLst>
+            <pc:docMk/>
+            <pc:sldMk cId="3141247890" sldId="264"/>
+            <ac:spMk id="30" creationId="{6CB927A4-E432-4310-9CD5-E89FF5063179}"/>
+          </ac:spMkLst>
+        </pc:spChg>
+        <pc:spChg chg="add del">
+          <ac:chgData name="Nathan" userId="35cc2d6d4da03de6" providerId="LiveId" clId="{D4FBA732-C0CB-4103-A539-6BB95830CC07}" dt="2022-12-08T04:00:17.629" v="2615" actId="26606"/>
+          <ac:spMkLst>
+            <pc:docMk/>
+            <pc:sldMk cId="3141247890" sldId="264"/>
+            <ac:spMk id="32" creationId="{1453BF6C-B012-48B7-B4E8-6D7AC7C27D02}"/>
+          </ac:spMkLst>
+        </pc:spChg>
+        <pc:spChg chg="add del">
+          <ac:chgData name="Nathan" userId="35cc2d6d4da03de6" providerId="LiveId" clId="{D4FBA732-C0CB-4103-A539-6BB95830CC07}" dt="2022-12-08T04:00:17.629" v="2615" actId="26606"/>
+          <ac:spMkLst>
+            <pc:docMk/>
+            <pc:sldMk cId="3141247890" sldId="264"/>
+            <ac:spMk id="34" creationId="{E3020543-B24B-4EC4-8FFC-8DD88EEA91A8}"/>
+          </ac:spMkLst>
+        </pc:spChg>
+        <pc:spChg chg="add del">
+          <ac:chgData name="Nathan" userId="35cc2d6d4da03de6" providerId="LiveId" clId="{D4FBA732-C0CB-4103-A539-6BB95830CC07}" dt="2022-12-08T04:06:25" v="2716" actId="26606"/>
+          <ac:spMkLst>
+            <pc:docMk/>
+            <pc:sldMk cId="3141247890" sldId="264"/>
+            <ac:spMk id="41" creationId="{E49CC64F-7275-4E33-961B-0C5CDC439875}"/>
+          </ac:spMkLst>
+        </pc:spChg>
+        <pc:spChg chg="add del">
+          <ac:chgData name="Nathan" userId="35cc2d6d4da03de6" providerId="LiveId" clId="{D4FBA732-C0CB-4103-A539-6BB95830CC07}" dt="2022-12-08T04:06:21.389" v="2709" actId="26606"/>
+          <ac:spMkLst>
+            <pc:docMk/>
+            <pc:sldMk cId="3141247890" sldId="264"/>
+            <ac:spMk id="46" creationId="{3BA513B0-82FF-4F41-8178-885375D1CFB5}"/>
+          </ac:spMkLst>
+        </pc:spChg>
+        <pc:spChg chg="add del">
+          <ac:chgData name="Nathan" userId="35cc2d6d4da03de6" providerId="LiveId" clId="{D4FBA732-C0CB-4103-A539-6BB95830CC07}" dt="2022-12-08T04:06:22.979" v="2711" actId="26606"/>
+          <ac:spMkLst>
+            <pc:docMk/>
+            <pc:sldMk cId="3141247890" sldId="264"/>
+            <ac:spMk id="54" creationId="{F8260ED5-17F7-4158-B241-D51DD4CF1B7E}"/>
+          </ac:spMkLst>
+        </pc:spChg>
+        <pc:spChg chg="add del">
+          <ac:chgData name="Nathan" userId="35cc2d6d4da03de6" providerId="LiveId" clId="{D4FBA732-C0CB-4103-A539-6BB95830CC07}" dt="2022-12-08T04:06:22.979" v="2711" actId="26606"/>
+          <ac:spMkLst>
+            <pc:docMk/>
+            <pc:sldMk cId="3141247890" sldId="264"/>
+            <ac:spMk id="55" creationId="{A8384FB5-9ADC-4DDC-881B-597D56F5B15D}"/>
+          </ac:spMkLst>
+        </pc:spChg>
+        <pc:spChg chg="add del">
+          <ac:chgData name="Nathan" userId="35cc2d6d4da03de6" providerId="LiveId" clId="{D4FBA732-C0CB-4103-A539-6BB95830CC07}" dt="2022-12-08T04:06:22.979" v="2711" actId="26606"/>
+          <ac:spMkLst>
+            <pc:docMk/>
+            <pc:sldMk cId="3141247890" sldId="264"/>
+            <ac:spMk id="56" creationId="{91E5A9A7-95C6-4F4F-B00E-C82E07FE62EF}"/>
+          </ac:spMkLst>
+        </pc:spChg>
+        <pc:spChg chg="add del">
+          <ac:chgData name="Nathan" userId="35cc2d6d4da03de6" providerId="LiveId" clId="{D4FBA732-C0CB-4103-A539-6BB95830CC07}" dt="2022-12-08T04:06:22.979" v="2711" actId="26606"/>
+          <ac:spMkLst>
+            <pc:docMk/>
+            <pc:sldMk cId="3141247890" sldId="264"/>
+            <ac:spMk id="57" creationId="{D07DD2DE-F619-49DD-B5E7-03A290FF4ED1}"/>
+          </ac:spMkLst>
+        </pc:spChg>
+        <pc:spChg chg="add del">
+          <ac:chgData name="Nathan" userId="35cc2d6d4da03de6" providerId="LiveId" clId="{D4FBA732-C0CB-4103-A539-6BB95830CC07}" dt="2022-12-08T04:06:22.979" v="2711" actId="26606"/>
+          <ac:spMkLst>
+            <pc:docMk/>
+            <pc:sldMk cId="3141247890" sldId="264"/>
+            <ac:spMk id="58" creationId="{85149191-5F60-4A28-AAFF-039F96B0F3EC}"/>
+          </ac:spMkLst>
+        </pc:spChg>
+        <pc:spChg chg="add del">
+          <ac:chgData name="Nathan" userId="35cc2d6d4da03de6" providerId="LiveId" clId="{D4FBA732-C0CB-4103-A539-6BB95830CC07}" dt="2022-12-08T04:06:24.011" v="2713" actId="26606"/>
+          <ac:spMkLst>
+            <pc:docMk/>
+            <pc:sldMk cId="3141247890" sldId="264"/>
+            <ac:spMk id="60" creationId="{04812C46-200A-4DEB-A05E-3ED6C68C2387}"/>
+          </ac:spMkLst>
+        </pc:spChg>
+        <pc:spChg chg="add del">
+          <ac:chgData name="Nathan" userId="35cc2d6d4da03de6" providerId="LiveId" clId="{D4FBA732-C0CB-4103-A539-6BB95830CC07}" dt="2022-12-08T04:06:24.011" v="2713" actId="26606"/>
+          <ac:spMkLst>
+            <pc:docMk/>
+            <pc:sldMk cId="3141247890" sldId="264"/>
+            <ac:spMk id="61" creationId="{D1EA859B-E555-4109-94F3-6700E046E008}"/>
+          </ac:spMkLst>
+        </pc:spChg>
+        <pc:spChg chg="add del">
+          <ac:chgData name="Nathan" userId="35cc2d6d4da03de6" providerId="LiveId" clId="{D4FBA732-C0CB-4103-A539-6BB95830CC07}" dt="2022-12-08T04:06:24.011" v="2713" actId="26606"/>
+          <ac:spMkLst>
+            <pc:docMk/>
+            <pc:sldMk cId="3141247890" sldId="264"/>
+            <ac:spMk id="62" creationId="{18F61F5D-9726-C825-F451-306DE5E49649}"/>
+          </ac:spMkLst>
+        </pc:spChg>
+        <pc:spChg chg="add del">
+          <ac:chgData name="Nathan" userId="35cc2d6d4da03de6" providerId="LiveId" clId="{D4FBA732-C0CB-4103-A539-6BB95830CC07}" dt="2022-12-08T04:06:24.995" v="2715" actId="26606"/>
+          <ac:spMkLst>
+            <pc:docMk/>
+            <pc:sldMk cId="3141247890" sldId="264"/>
+            <ac:spMk id="64" creationId="{C6FC42E6-6C25-4922-95D2-B97B1E123559}"/>
+          </ac:spMkLst>
+        </pc:spChg>
+        <pc:spChg chg="add del">
+          <ac:chgData name="Nathan" userId="35cc2d6d4da03de6" providerId="LiveId" clId="{D4FBA732-C0CB-4103-A539-6BB95830CC07}" dt="2022-12-08T04:06:24.995" v="2715" actId="26606"/>
+          <ac:spMkLst>
+            <pc:docMk/>
+            <pc:sldMk cId="3141247890" sldId="264"/>
+            <ac:spMk id="65" creationId="{0295F874-A8A5-4A14-8CFC-828968DE64C4}"/>
+          </ac:spMkLst>
+        </pc:spChg>
+        <pc:spChg chg="add del">
+          <ac:chgData name="Nathan" userId="35cc2d6d4da03de6" providerId="LiveId" clId="{D4FBA732-C0CB-4103-A539-6BB95830CC07}" dt="2022-12-08T04:12:33.339" v="3233" actId="26606"/>
+          <ac:spMkLst>
+            <pc:docMk/>
+            <pc:sldMk cId="3141247890" sldId="264"/>
+            <ac:spMk id="67" creationId="{79BB35BC-D5C2-4C8B-A22A-A71E6191913B}"/>
+          </ac:spMkLst>
+        </pc:spChg>
+        <pc:spChg chg="add mod">
+          <ac:chgData name="Nathan" userId="35cc2d6d4da03de6" providerId="LiveId" clId="{D4FBA732-C0CB-4103-A539-6BB95830CC07}" dt="2022-12-08T04:12:33.339" v="3233" actId="26606"/>
+          <ac:spMkLst>
+            <pc:docMk/>
+            <pc:sldMk cId="3141247890" sldId="264"/>
+            <ac:spMk id="68" creationId="{18F61F5D-9726-C825-F451-306DE5E49649}"/>
+          </ac:spMkLst>
+        </pc:spChg>
+        <pc:spChg chg="add">
+          <ac:chgData name="Nathan" userId="35cc2d6d4da03de6" providerId="LiveId" clId="{D4FBA732-C0CB-4103-A539-6BB95830CC07}" dt="2022-12-08T04:12:33.339" v="3233" actId="26606"/>
+          <ac:spMkLst>
+            <pc:docMk/>
+            <pc:sldMk cId="3141247890" sldId="264"/>
+            <ac:spMk id="73" creationId="{201CC55D-ED54-4C5C-95E6-10947BD1103B}"/>
+          </ac:spMkLst>
+        </pc:spChg>
+        <pc:spChg chg="add">
+          <ac:chgData name="Nathan" userId="35cc2d6d4da03de6" providerId="LiveId" clId="{D4FBA732-C0CB-4103-A539-6BB95830CC07}" dt="2022-12-08T04:12:33.339" v="3233" actId="26606"/>
+          <ac:spMkLst>
+            <pc:docMk/>
+            <pc:sldMk cId="3141247890" sldId="264"/>
+            <ac:spMk id="79" creationId="{3873B707-463F-40B0-8227-E8CC6C67EB25}"/>
+          </ac:spMkLst>
+        </pc:spChg>
+        <pc:spChg chg="add">
+          <ac:chgData name="Nathan" userId="35cc2d6d4da03de6" providerId="LiveId" clId="{D4FBA732-C0CB-4103-A539-6BB95830CC07}" dt="2022-12-08T04:12:33.339" v="3233" actId="26606"/>
+          <ac:spMkLst>
+            <pc:docMk/>
+            <pc:sldMk cId="3141247890" sldId="264"/>
+            <ac:spMk id="81" creationId="{C13237C8-E62C-4F0D-A318-BD6FB6C2D138}"/>
+          </ac:spMkLst>
+        </pc:spChg>
+        <pc:spChg chg="add">
+          <ac:chgData name="Nathan" userId="35cc2d6d4da03de6" providerId="LiveId" clId="{D4FBA732-C0CB-4103-A539-6BB95830CC07}" dt="2022-12-08T04:12:33.339" v="3233" actId="26606"/>
+          <ac:spMkLst>
+            <pc:docMk/>
+            <pc:sldMk cId="3141247890" sldId="264"/>
+            <ac:spMk id="83" creationId="{19C9EAEA-39D0-4B0E-A0EB-51E7B26740B1}"/>
+          </ac:spMkLst>
+        </pc:spChg>
+        <pc:grpChg chg="add del">
+          <ac:chgData name="Nathan" userId="35cc2d6d4da03de6" providerId="LiveId" clId="{D4FBA732-C0CB-4103-A539-6BB95830CC07}" dt="2022-12-08T04:06:21.389" v="2709" actId="26606"/>
+          <ac:grpSpMkLst>
+            <pc:docMk/>
+            <pc:sldMk cId="3141247890" sldId="264"/>
+            <ac:grpSpMk id="48" creationId="{93DB8501-F9F2-4ACD-B56A-9019CD5006D6}"/>
+          </ac:grpSpMkLst>
+        </pc:grpChg>
+        <pc:grpChg chg="add">
+          <ac:chgData name="Nathan" userId="35cc2d6d4da03de6" providerId="LiveId" clId="{D4FBA732-C0CB-4103-A539-6BB95830CC07}" dt="2022-12-08T04:12:33.339" v="3233" actId="26606"/>
+          <ac:grpSpMkLst>
+            <pc:docMk/>
+            <pc:sldMk cId="3141247890" sldId="264"/>
+            <ac:grpSpMk id="75" creationId="{1DE889C7-FAD6-4397-98E2-05D503484459}"/>
+          </ac:grpSpMkLst>
+        </pc:grpChg>
+        <pc:picChg chg="add del mod ord">
+          <ac:chgData name="Nathan" userId="35cc2d6d4da03de6" providerId="LiveId" clId="{D4FBA732-C0CB-4103-A539-6BB95830CC07}" dt="2022-12-08T03:57:23.323" v="2553" actId="478"/>
           <ac:picMkLst>
             <pc:docMk/>
             <pc:sldMk cId="3141247890" sldId="264"/>
             <ac:picMk id="5" creationId="{7C2293A3-1E51-75BA-3AF5-BACC7A1C7697}"/>
           </ac:picMkLst>
         </pc:picChg>
+        <pc:picChg chg="add mod ord">
+          <ac:chgData name="Nathan" userId="35cc2d6d4da03de6" providerId="LiveId" clId="{D4FBA732-C0CB-4103-A539-6BB95830CC07}" dt="2022-12-08T04:12:33.339" v="3233" actId="26606"/>
+          <ac:picMkLst>
+            <pc:docMk/>
+            <pc:sldMk cId="3141247890" sldId="264"/>
+            <ac:picMk id="6" creationId="{857CF93D-0E58-916B-55F0-F5AF3B19E4F1}"/>
+          </ac:picMkLst>
+        </pc:picChg>
+        <pc:cxnChg chg="add del">
+          <ac:chgData name="Nathan" userId="35cc2d6d4da03de6" providerId="LiveId" clId="{D4FBA732-C0CB-4103-A539-6BB95830CC07}" dt="2022-12-08T03:57:28.562" v="2555" actId="26606"/>
+          <ac:cxnSpMkLst>
+            <pc:docMk/>
+            <pc:sldMk cId="3141247890" sldId="264"/>
+            <ac:cxnSpMk id="20" creationId="{C49DA8F6-BCC1-4447-B54C-57856834B94B}"/>
+          </ac:cxnSpMkLst>
+        </pc:cxnChg>
+        <pc:cxnChg chg="add del">
+          <ac:chgData name="Nathan" userId="35cc2d6d4da03de6" providerId="LiveId" clId="{D4FBA732-C0CB-4103-A539-6BB95830CC07}" dt="2022-12-08T04:00:17.629" v="2615" actId="26606"/>
+          <ac:cxnSpMkLst>
+            <pc:docMk/>
+            <pc:sldMk cId="3141247890" sldId="264"/>
+            <ac:cxnSpMk id="36" creationId="{C49DA8F6-BCC1-4447-B54C-57856834B94B}"/>
+          </ac:cxnSpMkLst>
+        </pc:cxnChg>
       </pc:sldChg>
       <pc:sldChg chg="addSp delSp modSp new del mod setBg addAnim">
         <pc:chgData name="Nathan" userId="35cc2d6d4da03de6" providerId="LiveId" clId="{D4FBA732-C0CB-4103-A539-6BB95830CC07}" dt="2022-12-05T01:17:03.662" v="1289" actId="47"/>
@@ -1700,8 +2421,8 @@
           </ac:picMkLst>
         </pc:picChg>
       </pc:sldChg>
-      <pc:sldChg chg="addSp delSp modSp new mod setBg setClrOvrMap delDesignElem">
-        <pc:chgData name="Nathan" userId="35cc2d6d4da03de6" providerId="LiveId" clId="{D4FBA732-C0CB-4103-A539-6BB95830CC07}" dt="2022-12-05T06:11:45.849" v="1989" actId="26606"/>
+      <pc:sldChg chg="addSp delSp modSp new mod modTransition setBg setClrOvrMap delDesignElem">
+        <pc:chgData name="Nathan" userId="35cc2d6d4da03de6" providerId="LiveId" clId="{D4FBA732-C0CB-4103-A539-6BB95830CC07}" dt="2022-12-08T17:15:13.030" v="6208"/>
         <pc:sldMkLst>
           <pc:docMk/>
           <pc:sldMk cId="2467800702" sldId="265"/>
@@ -1715,7 +2436,7 @@
           </ac:spMkLst>
         </pc:spChg>
         <pc:spChg chg="mod">
-          <ac:chgData name="Nathan" userId="35cc2d6d4da03de6" providerId="LiveId" clId="{D4FBA732-C0CB-4103-A539-6BB95830CC07}" dt="2022-12-05T06:11:45.849" v="1989" actId="26606"/>
+          <ac:chgData name="Nathan" userId="35cc2d6d4da03de6" providerId="LiveId" clId="{D4FBA732-C0CB-4103-A539-6BB95830CC07}" dt="2022-12-08T14:16:40.650" v="4500"/>
           <ac:spMkLst>
             <pc:docMk/>
             <pc:sldMk cId="2467800702" sldId="265"/>
@@ -1859,8 +2580,8 @@
           </ac:picMkLst>
         </pc:picChg>
       </pc:sldChg>
-      <pc:sldChg chg="addSp delSp modSp new mod setBg delDesignElem">
-        <pc:chgData name="Nathan" userId="35cc2d6d4da03de6" providerId="LiveId" clId="{D4FBA732-C0CB-4103-A539-6BB95830CC07}" dt="2022-12-05T06:01:36.775" v="1972" actId="113"/>
+      <pc:sldChg chg="addSp delSp modSp new mod modTransition setBg delDesignElem modNotesTx">
+        <pc:chgData name="Nathan" userId="35cc2d6d4da03de6" providerId="LiveId" clId="{D4FBA732-C0CB-4103-A539-6BB95830CC07}" dt="2022-12-08T17:14:44.852" v="6205" actId="20577"/>
         <pc:sldMkLst>
           <pc:docMk/>
           <pc:sldMk cId="1554225883" sldId="266"/>
@@ -1879,6 +2600,14 @@
             <pc:docMk/>
             <pc:sldMk cId="1554225883" sldId="266"/>
             <ac:spMk id="3" creationId="{B34703F9-B3D4-09AB-49CC-5F065843AC46}"/>
+          </ac:spMkLst>
+        </pc:spChg>
+        <pc:spChg chg="mod">
+          <ac:chgData name="Nathan" userId="35cc2d6d4da03de6" providerId="LiveId" clId="{D4FBA732-C0CB-4103-A539-6BB95830CC07}" dt="2022-12-08T17:14:41.729" v="6204" actId="1076"/>
+          <ac:spMkLst>
+            <pc:docMk/>
+            <pc:sldMk cId="1554225883" sldId="266"/>
+            <ac:spMk id="3" creationId="{FEA1A8B6-AA41-87F1-98C5-5E82BD7A0E45}"/>
           </ac:spMkLst>
         </pc:spChg>
         <pc:spChg chg="add del mod">
@@ -2215,6 +2944,797 @@
             <pc:docMk/>
             <pc:sldMk cId="1554225883" sldId="266"/>
             <ac:picMk id="2075" creationId="{A2D49266-1F08-40F2-B0E1-1D919DCB5780}"/>
+          </ac:picMkLst>
+        </pc:picChg>
+      </pc:sldChg>
+      <pc:sldChg chg="addSp modSp new mod modTransition setBg modAnim">
+        <pc:chgData name="Nathan" userId="35cc2d6d4da03de6" providerId="LiveId" clId="{D4FBA732-C0CB-4103-A539-6BB95830CC07}" dt="2022-12-08T17:19:11.698" v="6214"/>
+        <pc:sldMkLst>
+          <pc:docMk/>
+          <pc:sldMk cId="2329174054" sldId="267"/>
+        </pc:sldMkLst>
+        <pc:spChg chg="mod">
+          <ac:chgData name="Nathan" userId="35cc2d6d4da03de6" providerId="LiveId" clId="{D4FBA732-C0CB-4103-A539-6BB95830CC07}" dt="2022-12-08T14:28:17.244" v="5024" actId="20577"/>
+          <ac:spMkLst>
+            <pc:docMk/>
+            <pc:sldMk cId="2329174054" sldId="267"/>
+            <ac:spMk id="2" creationId="{1D36B06C-9899-5C03-3010-E709E5773272}"/>
+          </ac:spMkLst>
+        </pc:spChg>
+        <pc:spChg chg="mod">
+          <ac:chgData name="Nathan" userId="35cc2d6d4da03de6" providerId="LiveId" clId="{D4FBA732-C0CB-4103-A539-6BB95830CC07}" dt="2022-12-08T17:16:35.859" v="6211" actId="1036"/>
+          <ac:spMkLst>
+            <pc:docMk/>
+            <pc:sldMk cId="2329174054" sldId="267"/>
+            <ac:spMk id="3" creationId="{A30797CB-C394-3A07-05B0-0BE91150AE3F}"/>
+          </ac:spMkLst>
+        </pc:spChg>
+        <pc:spChg chg="add">
+          <ac:chgData name="Nathan" userId="35cc2d6d4da03de6" providerId="LiveId" clId="{D4FBA732-C0CB-4103-A539-6BB95830CC07}" dt="2022-12-08T14:27:43.114" v="4990" actId="26606"/>
+          <ac:spMkLst>
+            <pc:docMk/>
+            <pc:sldMk cId="2329174054" sldId="267"/>
+            <ac:spMk id="8" creationId="{B6CDA21F-E7AF-4C75-8395-33F58D5B0E45}"/>
+          </ac:spMkLst>
+        </pc:spChg>
+        <pc:spChg chg="add">
+          <ac:chgData name="Nathan" userId="35cc2d6d4da03de6" providerId="LiveId" clId="{D4FBA732-C0CB-4103-A539-6BB95830CC07}" dt="2022-12-08T14:27:43.114" v="4990" actId="26606"/>
+          <ac:spMkLst>
+            <pc:docMk/>
+            <pc:sldMk cId="2329174054" sldId="267"/>
+            <ac:spMk id="15" creationId="{D5B0017B-2ECA-49AF-B397-DC140825DF8D}"/>
+          </ac:spMkLst>
+        </pc:spChg>
+        <pc:grpChg chg="add">
+          <ac:chgData name="Nathan" userId="35cc2d6d4da03de6" providerId="LiveId" clId="{D4FBA732-C0CB-4103-A539-6BB95830CC07}" dt="2022-12-08T14:27:43.114" v="4990" actId="26606"/>
+          <ac:grpSpMkLst>
+            <pc:docMk/>
+            <pc:sldMk cId="2329174054" sldId="267"/>
+            <ac:grpSpMk id="10" creationId="{AE1C45F0-260A-458C-96ED-C1F6D2151219}"/>
+          </ac:grpSpMkLst>
+        </pc:grpChg>
+        <pc:cxnChg chg="add">
+          <ac:chgData name="Nathan" userId="35cc2d6d4da03de6" providerId="LiveId" clId="{D4FBA732-C0CB-4103-A539-6BB95830CC07}" dt="2022-12-08T14:27:43.114" v="4990" actId="26606"/>
+          <ac:cxnSpMkLst>
+            <pc:docMk/>
+            <pc:sldMk cId="2329174054" sldId="267"/>
+            <ac:cxnSpMk id="17" creationId="{6CF1BAF6-AD41-4082-B212-8A1F9A2E8779}"/>
+          </ac:cxnSpMkLst>
+        </pc:cxnChg>
+      </pc:sldChg>
+      <pc:sldChg chg="addSp delSp modSp new mod modTransition setBg">
+        <pc:chgData name="Nathan" userId="35cc2d6d4da03de6" providerId="LiveId" clId="{D4FBA732-C0CB-4103-A539-6BB95830CC07}" dt="2022-12-08T17:09:48.877" v="6190"/>
+        <pc:sldMkLst>
+          <pc:docMk/>
+          <pc:sldMk cId="1228298807" sldId="268"/>
+        </pc:sldMkLst>
+        <pc:spChg chg="mod">
+          <ac:chgData name="Nathan" userId="35cc2d6d4da03de6" providerId="LiveId" clId="{D4FBA732-C0CB-4103-A539-6BB95830CC07}" dt="2022-12-08T14:32:22.351" v="5073" actId="122"/>
+          <ac:spMkLst>
+            <pc:docMk/>
+            <pc:sldMk cId="1228298807" sldId="268"/>
+            <ac:spMk id="2" creationId="{8CCFA2ED-9479-55D5-691F-A61906A44698}"/>
+          </ac:spMkLst>
+        </pc:spChg>
+        <pc:spChg chg="del">
+          <ac:chgData name="Nathan" userId="35cc2d6d4da03de6" providerId="LiveId" clId="{D4FBA732-C0CB-4103-A539-6BB95830CC07}" dt="2022-12-08T14:30:51.760" v="5052" actId="931"/>
+          <ac:spMkLst>
+            <pc:docMk/>
+            <pc:sldMk cId="1228298807" sldId="268"/>
+            <ac:spMk id="3" creationId="{158F3A4A-33B3-9C4C-E7EA-3C3D37453BCF}"/>
+          </ac:spMkLst>
+        </pc:spChg>
+        <pc:spChg chg="add mod">
+          <ac:chgData name="Nathan" userId="35cc2d6d4da03de6" providerId="LiveId" clId="{D4FBA732-C0CB-4103-A539-6BB95830CC07}" dt="2022-12-08T14:31:43.165" v="5063" actId="1076"/>
+          <ac:spMkLst>
+            <pc:docMk/>
+            <pc:sldMk cId="1228298807" sldId="268"/>
+            <ac:spMk id="6" creationId="{BEB4B268-4AB9-5F48-F534-96CE9B4633AB}"/>
+          </ac:spMkLst>
+        </pc:spChg>
+        <pc:spChg chg="add">
+          <ac:chgData name="Nathan" userId="35cc2d6d4da03de6" providerId="LiveId" clId="{D4FBA732-C0CB-4103-A539-6BB95830CC07}" dt="2022-12-08T14:31:04.042" v="5055" actId="26606"/>
+          <ac:spMkLst>
+            <pc:docMk/>
+            <pc:sldMk cId="1228298807" sldId="268"/>
+            <ac:spMk id="11" creationId="{16C5FA50-8D52-4617-AF91-5C7B1C8352F1}"/>
+          </ac:spMkLst>
+        </pc:spChg>
+        <pc:spChg chg="add">
+          <ac:chgData name="Nathan" userId="35cc2d6d4da03de6" providerId="LiveId" clId="{D4FBA732-C0CB-4103-A539-6BB95830CC07}" dt="2022-12-08T14:31:04.042" v="5055" actId="26606"/>
+          <ac:spMkLst>
+            <pc:docMk/>
+            <pc:sldMk cId="1228298807" sldId="268"/>
+            <ac:spMk id="13" creationId="{E223798C-12AD-4B0C-A50C-D676347D67CF}"/>
+          </ac:spMkLst>
+        </pc:spChg>
+        <pc:picChg chg="add mod">
+          <ac:chgData name="Nathan" userId="35cc2d6d4da03de6" providerId="LiveId" clId="{D4FBA732-C0CB-4103-A539-6BB95830CC07}" dt="2022-12-08T14:31:58.629" v="5065" actId="14100"/>
+          <ac:picMkLst>
+            <pc:docMk/>
+            <pc:sldMk cId="1228298807" sldId="268"/>
+            <ac:picMk id="5" creationId="{1B4D539E-9D72-43E8-82DD-903EA0566CCA}"/>
+          </ac:picMkLst>
+        </pc:picChg>
+      </pc:sldChg>
+      <pc:sldChg chg="addSp delSp modSp new del mod ord setBg modClrScheme modShow chgLayout">
+        <pc:chgData name="Nathan" userId="35cc2d6d4da03de6" providerId="LiveId" clId="{D4FBA732-C0CB-4103-A539-6BB95830CC07}" dt="2022-12-08T16:38:03.271" v="6027" actId="47"/>
+        <pc:sldMkLst>
+          <pc:docMk/>
+          <pc:sldMk cId="1126261079" sldId="269"/>
+        </pc:sldMkLst>
+        <pc:spChg chg="del">
+          <ac:chgData name="Nathan" userId="35cc2d6d4da03de6" providerId="LiveId" clId="{D4FBA732-C0CB-4103-A539-6BB95830CC07}" dt="2022-12-08T14:56:53.595" v="5217" actId="700"/>
+          <ac:spMkLst>
+            <pc:docMk/>
+            <pc:sldMk cId="1126261079" sldId="269"/>
+            <ac:spMk id="2" creationId="{5A5633D0-2579-5386-5924-39F62799099B}"/>
+          </ac:spMkLst>
+        </pc:spChg>
+        <pc:spChg chg="del">
+          <ac:chgData name="Nathan" userId="35cc2d6d4da03de6" providerId="LiveId" clId="{D4FBA732-C0CB-4103-A539-6BB95830CC07}" dt="2022-12-08T14:56:53.595" v="5217" actId="700"/>
+          <ac:spMkLst>
+            <pc:docMk/>
+            <pc:sldMk cId="1126261079" sldId="269"/>
+            <ac:spMk id="3" creationId="{C199B4BE-CA87-F70C-9431-CD5B7889F204}"/>
+          </ac:spMkLst>
+        </pc:spChg>
+        <pc:spChg chg="add del mod">
+          <ac:chgData name="Nathan" userId="35cc2d6d4da03de6" providerId="LiveId" clId="{D4FBA732-C0CB-4103-A539-6BB95830CC07}" dt="2022-12-08T16:18:55.630" v="5890" actId="478"/>
+          <ac:spMkLst>
+            <pc:docMk/>
+            <pc:sldMk cId="1126261079" sldId="269"/>
+            <ac:spMk id="4" creationId="{07973CA2-7BBD-C9E2-397A-E1853E1DC0AF}"/>
+          </ac:spMkLst>
+        </pc:spChg>
+        <pc:spChg chg="add mod">
+          <ac:chgData name="Nathan" userId="35cc2d6d4da03de6" providerId="LiveId" clId="{D4FBA732-C0CB-4103-A539-6BB95830CC07}" dt="2022-12-08T16:18:55.461" v="5889" actId="6549"/>
+          <ac:spMkLst>
+            <pc:docMk/>
+            <pc:sldMk cId="1126261079" sldId="269"/>
+            <ac:spMk id="5" creationId="{504B9B9C-88FF-599F-C8ED-6028FFEAA2F9}"/>
+          </ac:spMkLst>
+        </pc:spChg>
+        <pc:spChg chg="add mod">
+          <ac:chgData name="Nathan" userId="35cc2d6d4da03de6" providerId="LiveId" clId="{D4FBA732-C0CB-4103-A539-6BB95830CC07}" dt="2022-12-08T16:18:55.213" v="5888" actId="6549"/>
+          <ac:spMkLst>
+            <pc:docMk/>
+            <pc:sldMk cId="1126261079" sldId="269"/>
+            <ac:spMk id="6" creationId="{67E8B9BA-BDD4-D9E2-31E5-B5D87E7B61E9}"/>
+          </ac:spMkLst>
+        </pc:spChg>
+        <pc:spChg chg="add del mod ord">
+          <ac:chgData name="Nathan" userId="35cc2d6d4da03de6" providerId="LiveId" clId="{D4FBA732-C0CB-4103-A539-6BB95830CC07}" dt="2022-12-08T15:09:52.321" v="5621" actId="478"/>
+          <ac:spMkLst>
+            <pc:docMk/>
+            <pc:sldMk cId="1126261079" sldId="269"/>
+            <ac:spMk id="7" creationId="{93D77BE8-57AC-A38E-DB88-11EAB5606EFF}"/>
+          </ac:spMkLst>
+        </pc:spChg>
+        <pc:spChg chg="add mod">
+          <ac:chgData name="Nathan" userId="35cc2d6d4da03de6" providerId="LiveId" clId="{D4FBA732-C0CB-4103-A539-6BB95830CC07}" dt="2022-12-08T16:08:29.046" v="5804" actId="1076"/>
+          <ac:spMkLst>
+            <pc:docMk/>
+            <pc:sldMk cId="1126261079" sldId="269"/>
+            <ac:spMk id="8" creationId="{591B00A3-FF0E-254D-ECDB-BD0443DA1B55}"/>
+          </ac:spMkLst>
+        </pc:spChg>
+        <pc:spChg chg="add del mod">
+          <ac:chgData name="Nathan" userId="35cc2d6d4da03de6" providerId="LiveId" clId="{D4FBA732-C0CB-4103-A539-6BB95830CC07}" dt="2022-12-08T15:13:24.796" v="5716" actId="478"/>
+          <ac:spMkLst>
+            <pc:docMk/>
+            <pc:sldMk cId="1126261079" sldId="269"/>
+            <ac:spMk id="9" creationId="{5FEEE1AF-1165-7D14-4384-CB3362A18375}"/>
+          </ac:spMkLst>
+        </pc:spChg>
+        <pc:spChg chg="add del mod">
+          <ac:chgData name="Nathan" userId="35cc2d6d4da03de6" providerId="LiveId" clId="{D4FBA732-C0CB-4103-A539-6BB95830CC07}" dt="2022-12-08T16:18:56.101" v="5891" actId="478"/>
+          <ac:spMkLst>
+            <pc:docMk/>
+            <pc:sldMk cId="1126261079" sldId="269"/>
+            <ac:spMk id="12" creationId="{2D4B946C-3C0F-37A4-F9F7-D946B794BCF7}"/>
+          </ac:spMkLst>
+        </pc:spChg>
+        <pc:spChg chg="add mod">
+          <ac:chgData name="Nathan" userId="35cc2d6d4da03de6" providerId="LiveId" clId="{D4FBA732-C0CB-4103-A539-6BB95830CC07}" dt="2022-12-08T15:13:11.061" v="5711" actId="571"/>
+          <ac:spMkLst>
+            <pc:docMk/>
+            <pc:sldMk cId="1126261079" sldId="269"/>
+            <ac:spMk id="13" creationId="{B896971F-6BCA-0904-D9B3-B4BFBFAD178E}"/>
+          </ac:spMkLst>
+        </pc:spChg>
+        <pc:spChg chg="add del mod">
+          <ac:chgData name="Nathan" userId="35cc2d6d4da03de6" providerId="LiveId" clId="{D4FBA732-C0CB-4103-A539-6BB95830CC07}" dt="2022-12-08T16:18:57.151" v="5892" actId="478"/>
+          <ac:spMkLst>
+            <pc:docMk/>
+            <pc:sldMk cId="1126261079" sldId="269"/>
+            <ac:spMk id="14" creationId="{C99C4BF1-5B08-AD45-E906-4A68F00F923B}"/>
+          </ac:spMkLst>
+        </pc:spChg>
+        <pc:spChg chg="add del mod">
+          <ac:chgData name="Nathan" userId="35cc2d6d4da03de6" providerId="LiveId" clId="{D4FBA732-C0CB-4103-A539-6BB95830CC07}" dt="2022-12-08T16:22:49.019" v="5962" actId="21"/>
+          <ac:spMkLst>
+            <pc:docMk/>
+            <pc:sldMk cId="1126261079" sldId="269"/>
+            <ac:spMk id="19" creationId="{6DF4358B-308B-C5A0-2407-6B2A8602728B}"/>
+          </ac:spMkLst>
+        </pc:spChg>
+        <pc:picChg chg="add del mod">
+          <ac:chgData name="Nathan" userId="35cc2d6d4da03de6" providerId="LiveId" clId="{D4FBA732-C0CB-4103-A539-6BB95830CC07}" dt="2022-12-08T16:18:56.101" v="5891" actId="478"/>
+          <ac:picMkLst>
+            <pc:docMk/>
+            <pc:sldMk cId="1126261079" sldId="269"/>
+            <ac:picMk id="11" creationId="{CC1FA86B-B21D-9795-6B63-AE1AD154A5AD}"/>
+          </ac:picMkLst>
+        </pc:picChg>
+        <pc:picChg chg="add del mod">
+          <ac:chgData name="Nathan" userId="35cc2d6d4da03de6" providerId="LiveId" clId="{D4FBA732-C0CB-4103-A539-6BB95830CC07}" dt="2022-12-08T16:19:28.858" v="5899" actId="21"/>
+          <ac:picMkLst>
+            <pc:docMk/>
+            <pc:sldMk cId="1126261079" sldId="269"/>
+            <ac:picMk id="16" creationId="{DFAD925E-2EF4-7B3B-91C7-4AF77E330FDB}"/>
+          </ac:picMkLst>
+        </pc:picChg>
+        <pc:picChg chg="add del mod">
+          <ac:chgData name="Nathan" userId="35cc2d6d4da03de6" providerId="LiveId" clId="{D4FBA732-C0CB-4103-A539-6BB95830CC07}" dt="2022-12-08T16:22:49.019" v="5962" actId="21"/>
+          <ac:picMkLst>
+            <pc:docMk/>
+            <pc:sldMk cId="1126261079" sldId="269"/>
+            <ac:picMk id="18" creationId="{5CAEA74F-A2B4-2FFC-3733-9B759227BA2F}"/>
+          </ac:picMkLst>
+        </pc:picChg>
+        <pc:picChg chg="add mod">
+          <ac:chgData name="Nathan" userId="35cc2d6d4da03de6" providerId="LiveId" clId="{D4FBA732-C0CB-4103-A539-6BB95830CC07}" dt="2022-12-08T16:24:33.995" v="5973" actId="14100"/>
+          <ac:picMkLst>
+            <pc:docMk/>
+            <pc:sldMk cId="1126261079" sldId="269"/>
+            <ac:picMk id="21" creationId="{7ACFD909-7805-B049-FBC2-DEA7C7861C51}"/>
+          </ac:picMkLst>
+        </pc:picChg>
+      </pc:sldChg>
+      <pc:sldChg chg="addSp delSp modSp new del mod setBg setClrOvrMap chgLayout">
+        <pc:chgData name="Nathan" userId="35cc2d6d4da03de6" providerId="LiveId" clId="{D4FBA732-C0CB-4103-A539-6BB95830CC07}" dt="2022-12-08T16:27:46.359" v="6003" actId="47"/>
+        <pc:sldMkLst>
+          <pc:docMk/>
+          <pc:sldMk cId="2395048467" sldId="270"/>
+        </pc:sldMkLst>
+        <pc:spChg chg="del mod ord">
+          <ac:chgData name="Nathan" userId="35cc2d6d4da03de6" providerId="LiveId" clId="{D4FBA732-C0CB-4103-A539-6BB95830CC07}" dt="2022-12-08T15:15:12.429" v="5733" actId="478"/>
+          <ac:spMkLst>
+            <pc:docMk/>
+            <pc:sldMk cId="2395048467" sldId="270"/>
+            <ac:spMk id="2" creationId="{507FF9CA-AEA1-57DF-141B-D1412EEEF7C2}"/>
+          </ac:spMkLst>
+        </pc:spChg>
+        <pc:spChg chg="del">
+          <ac:chgData name="Nathan" userId="35cc2d6d4da03de6" providerId="LiveId" clId="{D4FBA732-C0CB-4103-A539-6BB95830CC07}" dt="2022-12-08T15:14:26.280" v="5725"/>
+          <ac:spMkLst>
+            <pc:docMk/>
+            <pc:sldMk cId="2395048467" sldId="270"/>
+            <ac:spMk id="3" creationId="{35277E5A-C815-4C36-E6A9-1685724C9CEE}"/>
+          </ac:spMkLst>
+        </pc:spChg>
+        <pc:spChg chg="add del">
+          <ac:chgData name="Nathan" userId="35cc2d6d4da03de6" providerId="LiveId" clId="{D4FBA732-C0CB-4103-A539-6BB95830CC07}" dt="2022-12-08T15:15:09.938" v="5732" actId="26606"/>
+          <ac:spMkLst>
+            <pc:docMk/>
+            <pc:sldMk cId="2395048467" sldId="270"/>
+            <ac:spMk id="7" creationId="{4CBC69AF-AE9D-43C7-A183-244646418BB4}"/>
+          </ac:spMkLst>
+        </pc:spChg>
+        <pc:spChg chg="add del">
+          <ac:chgData name="Nathan" userId="35cc2d6d4da03de6" providerId="LiveId" clId="{D4FBA732-C0CB-4103-A539-6BB95830CC07}" dt="2022-12-08T15:15:09.938" v="5732" actId="26606"/>
+          <ac:spMkLst>
+            <pc:docMk/>
+            <pc:sldMk cId="2395048467" sldId="270"/>
+            <ac:spMk id="8" creationId="{7B3C3E5E-1E77-6EC7-553A-A2BA1CE3882A}"/>
+          </ac:spMkLst>
+        </pc:spChg>
+        <pc:spChg chg="add del">
+          <ac:chgData name="Nathan" userId="35cc2d6d4da03de6" providerId="LiveId" clId="{D4FBA732-C0CB-4103-A539-6BB95830CC07}" dt="2022-12-08T15:14:53.997" v="5730" actId="26606"/>
+          <ac:spMkLst>
+            <pc:docMk/>
+            <pc:sldMk cId="2395048467" sldId="270"/>
+            <ac:spMk id="9" creationId="{1759B489-B1AF-817C-EB71-96BA0E42E684}"/>
+          </ac:spMkLst>
+        </pc:spChg>
+        <pc:spChg chg="add del mod">
+          <ac:chgData name="Nathan" userId="35cc2d6d4da03de6" providerId="LiveId" clId="{D4FBA732-C0CB-4103-A539-6BB95830CC07}" dt="2022-12-08T15:18:40.785" v="5756" actId="478"/>
+          <ac:spMkLst>
+            <pc:docMk/>
+            <pc:sldMk cId="2395048467" sldId="270"/>
+            <ac:spMk id="10" creationId="{B3FB4B6E-FBD4-78E2-19D7-5DC2C5C7777B}"/>
+          </ac:spMkLst>
+        </pc:spChg>
+        <pc:spChg chg="add del mod">
+          <ac:chgData name="Nathan" userId="35cc2d6d4da03de6" providerId="LiveId" clId="{D4FBA732-C0CB-4103-A539-6BB95830CC07}" dt="2022-12-08T15:18:40.163" v="5755"/>
+          <ac:spMkLst>
+            <pc:docMk/>
+            <pc:sldMk cId="2395048467" sldId="270"/>
+            <ac:spMk id="11" creationId="{4DC20CB2-F3BE-E14A-36C5-28D86E5DA3B4}"/>
+          </ac:spMkLst>
+        </pc:spChg>
+        <pc:spChg chg="add del">
+          <ac:chgData name="Nathan" userId="35cc2d6d4da03de6" providerId="LiveId" clId="{D4FBA732-C0CB-4103-A539-6BB95830CC07}" dt="2022-12-08T15:14:53.997" v="5730" actId="26606"/>
+          <ac:spMkLst>
+            <pc:docMk/>
+            <pc:sldMk cId="2395048467" sldId="270"/>
+            <ac:spMk id="12" creationId="{37FEB674-D811-4FFE-A878-29D0C0ED18D4}"/>
+          </ac:spMkLst>
+        </pc:spChg>
+        <pc:spChg chg="add del">
+          <ac:chgData name="Nathan" userId="35cc2d6d4da03de6" providerId="LiveId" clId="{D4FBA732-C0CB-4103-A539-6BB95830CC07}" dt="2022-12-08T15:15:09.938" v="5732" actId="26606"/>
+          <ac:spMkLst>
+            <pc:docMk/>
+            <pc:sldMk cId="2395048467" sldId="270"/>
+            <ac:spMk id="14" creationId="{BE64232A-D912-4882-BF58-104918115741}"/>
+          </ac:spMkLst>
+        </pc:spChg>
+        <pc:spChg chg="add del mod">
+          <ac:chgData name="Nathan" userId="35cc2d6d4da03de6" providerId="LiveId" clId="{D4FBA732-C0CB-4103-A539-6BB95830CC07}" dt="2022-12-08T15:21:56.450" v="5792" actId="478"/>
+          <ac:spMkLst>
+            <pc:docMk/>
+            <pc:sldMk cId="2395048467" sldId="270"/>
+            <ac:spMk id="15" creationId="{548499F7-91E0-983C-35F5-E911589735BD}"/>
+          </ac:spMkLst>
+        </pc:spChg>
+        <pc:spChg chg="add del">
+          <ac:chgData name="Nathan" userId="35cc2d6d4da03de6" providerId="LiveId" clId="{D4FBA732-C0CB-4103-A539-6BB95830CC07}" dt="2022-12-08T15:15:09.938" v="5732" actId="26606"/>
+          <ac:spMkLst>
+            <pc:docMk/>
+            <pc:sldMk cId="2395048467" sldId="270"/>
+            <ac:spMk id="16" creationId="{E8E4E9D8-6D9C-4646-83A2-11844D84EAE4}"/>
+          </ac:spMkLst>
+        </pc:spChg>
+        <pc:spChg chg="add del mod">
+          <ac:chgData name="Nathan" userId="35cc2d6d4da03de6" providerId="LiveId" clId="{D4FBA732-C0CB-4103-A539-6BB95830CC07}" dt="2022-12-08T15:21:09.024" v="5775"/>
+          <ac:spMkLst>
+            <pc:docMk/>
+            <pc:sldMk cId="2395048467" sldId="270"/>
+            <ac:spMk id="17" creationId="{4CB25136-CFD2-FB6F-264C-8B597ED6CAF7}"/>
+          </ac:spMkLst>
+        </pc:spChg>
+        <pc:spChg chg="add del mod">
+          <ac:chgData name="Nathan" userId="35cc2d6d4da03de6" providerId="LiveId" clId="{D4FBA732-C0CB-4103-A539-6BB95830CC07}" dt="2022-12-08T15:21:56.196" v="5791"/>
+          <ac:spMkLst>
+            <pc:docMk/>
+            <pc:sldMk cId="2395048467" sldId="270"/>
+            <ac:spMk id="18" creationId="{041EB50D-16D9-65E5-78FA-F7A4E89FC918}"/>
+          </ac:spMkLst>
+        </pc:spChg>
+        <pc:spChg chg="add del mod">
+          <ac:chgData name="Nathan" userId="35cc2d6d4da03de6" providerId="LiveId" clId="{D4FBA732-C0CB-4103-A539-6BB95830CC07}" dt="2022-12-08T15:21:56.196" v="5791"/>
+          <ac:spMkLst>
+            <pc:docMk/>
+            <pc:sldMk cId="2395048467" sldId="270"/>
+            <ac:spMk id="19" creationId="{A6AD614F-6E62-C5B6-BC50-8D3B31561041}"/>
+          </ac:spMkLst>
+        </pc:spChg>
+        <pc:spChg chg="add del mod">
+          <ac:chgData name="Nathan" userId="35cc2d6d4da03de6" providerId="LiveId" clId="{D4FBA732-C0CB-4103-A539-6BB95830CC07}" dt="2022-12-08T15:21:56.196" v="5791"/>
+          <ac:spMkLst>
+            <pc:docMk/>
+            <pc:sldMk cId="2395048467" sldId="270"/>
+            <ac:spMk id="20" creationId="{9969B6B7-0521-637A-E9E8-284218C5F7C7}"/>
+          </ac:spMkLst>
+        </pc:spChg>
+        <pc:spChg chg="add del mod ord">
+          <ac:chgData name="Nathan" userId="35cc2d6d4da03de6" providerId="LiveId" clId="{D4FBA732-C0CB-4103-A539-6BB95830CC07}" dt="2022-12-08T15:21:55.949" v="5790"/>
+          <ac:spMkLst>
+            <pc:docMk/>
+            <pc:sldMk cId="2395048467" sldId="270"/>
+            <ac:spMk id="21" creationId="{B96D34BF-855D-AF11-DECD-B9C59566DD4A}"/>
+          </ac:spMkLst>
+        </pc:spChg>
+        <pc:spChg chg="add del mod ord">
+          <ac:chgData name="Nathan" userId="35cc2d6d4da03de6" providerId="LiveId" clId="{D4FBA732-C0CB-4103-A539-6BB95830CC07}" dt="2022-12-08T15:21:55.548" v="5788" actId="700"/>
+          <ac:spMkLst>
+            <pc:docMk/>
+            <pc:sldMk cId="2395048467" sldId="270"/>
+            <ac:spMk id="22" creationId="{F50BD126-A014-51F7-7995-6BCBAA7FA6E6}"/>
+          </ac:spMkLst>
+        </pc:spChg>
+        <pc:picChg chg="add del mod ord">
+          <ac:chgData name="Nathan" userId="35cc2d6d4da03de6" providerId="LiveId" clId="{D4FBA732-C0CB-4103-A539-6BB95830CC07}" dt="2022-12-08T15:21:56.450" v="5792" actId="478"/>
+          <ac:picMkLst>
+            <pc:docMk/>
+            <pc:sldMk cId="2395048467" sldId="270"/>
+            <ac:picMk id="4" creationId="{BA04AAC4-625D-3A9B-3AD7-5A2C95A835F0}"/>
+          </ac:picMkLst>
+        </pc:picChg>
+        <pc:picChg chg="add del mod">
+          <ac:chgData name="Nathan" userId="35cc2d6d4da03de6" providerId="LiveId" clId="{D4FBA732-C0CB-4103-A539-6BB95830CC07}" dt="2022-12-08T15:15:42.747" v="5739" actId="21"/>
+          <ac:picMkLst>
+            <pc:docMk/>
+            <pc:sldMk cId="2395048467" sldId="270"/>
+            <ac:picMk id="5" creationId="{F5B5A8D7-E9FA-9FE2-8740-1DDB4ECC5E19}"/>
+          </ac:picMkLst>
+        </pc:picChg>
+      </pc:sldChg>
+      <pc:sldChg chg="addSp delSp modSp new del mod modClrScheme chgLayout">
+        <pc:chgData name="Nathan" userId="35cc2d6d4da03de6" providerId="LiveId" clId="{D4FBA732-C0CB-4103-A539-6BB95830CC07}" dt="2022-12-08T16:27:35.921" v="6002" actId="47"/>
+        <pc:sldMkLst>
+          <pc:docMk/>
+          <pc:sldMk cId="2985217500" sldId="271"/>
+        </pc:sldMkLst>
+        <pc:spChg chg="del mod">
+          <ac:chgData name="Nathan" userId="35cc2d6d4da03de6" providerId="LiveId" clId="{D4FBA732-C0CB-4103-A539-6BB95830CC07}" dt="2022-12-08T16:12:16.699" v="5849" actId="478"/>
+          <ac:spMkLst>
+            <pc:docMk/>
+            <pc:sldMk cId="2985217500" sldId="271"/>
+            <ac:spMk id="2" creationId="{607E7A25-8946-FF8D-86A1-AA6401D2989A}"/>
+          </ac:spMkLst>
+        </pc:spChg>
+        <pc:spChg chg="del mod ord">
+          <ac:chgData name="Nathan" userId="35cc2d6d4da03de6" providerId="LiveId" clId="{D4FBA732-C0CB-4103-A539-6BB95830CC07}" dt="2022-12-08T16:12:39.958" v="5853" actId="700"/>
+          <ac:spMkLst>
+            <pc:docMk/>
+            <pc:sldMk cId="2985217500" sldId="271"/>
+            <ac:spMk id="3" creationId="{56CF740F-50CD-BDBF-E1E6-5FAF853C705A}"/>
+          </ac:spMkLst>
+        </pc:spChg>
+        <pc:spChg chg="add del mod">
+          <ac:chgData name="Nathan" userId="35cc2d6d4da03de6" providerId="LiveId" clId="{D4FBA732-C0CB-4103-A539-6BB95830CC07}" dt="2022-12-08T16:12:28.014" v="5851" actId="478"/>
+          <ac:spMkLst>
+            <pc:docMk/>
+            <pc:sldMk cId="2985217500" sldId="271"/>
+            <ac:spMk id="4" creationId="{3DF4E902-F0EF-2DFD-93ED-EE731FC63F4C}"/>
+          </ac:spMkLst>
+        </pc:spChg>
+        <pc:spChg chg="add del mod">
+          <ac:chgData name="Nathan" userId="35cc2d6d4da03de6" providerId="LiveId" clId="{D4FBA732-C0CB-4103-A539-6BB95830CC07}" dt="2022-12-08T16:14:46.571" v="5867"/>
+          <ac:spMkLst>
+            <pc:docMk/>
+            <pc:sldMk cId="2985217500" sldId="271"/>
+            <ac:spMk id="5" creationId="{A360BD26-D8FE-331D-9377-50EB56565F6B}"/>
+          </ac:spMkLst>
+        </pc:spChg>
+        <pc:spChg chg="add del mod">
+          <ac:chgData name="Nathan" userId="35cc2d6d4da03de6" providerId="LiveId" clId="{D4FBA732-C0CB-4103-A539-6BB95830CC07}" dt="2022-12-08T16:14:05.240" v="5857" actId="478"/>
+          <ac:spMkLst>
+            <pc:docMk/>
+            <pc:sldMk cId="2985217500" sldId="271"/>
+            <ac:spMk id="6" creationId="{A8D4AC9B-8056-A0FA-96D7-252947848C0D}"/>
+          </ac:spMkLst>
+        </pc:spChg>
+        <pc:spChg chg="add mod">
+          <ac:chgData name="Nathan" userId="35cc2d6d4da03de6" providerId="LiveId" clId="{D4FBA732-C0CB-4103-A539-6BB95830CC07}" dt="2022-12-08T16:15:17.729" v="5878" actId="1076"/>
+          <ac:spMkLst>
+            <pc:docMk/>
+            <pc:sldMk cId="2985217500" sldId="271"/>
+            <ac:spMk id="7" creationId="{61936635-04A1-2EF8-229F-4762C6494149}"/>
+          </ac:spMkLst>
+        </pc:spChg>
+        <pc:spChg chg="add del mod">
+          <ac:chgData name="Nathan" userId="35cc2d6d4da03de6" providerId="LiveId" clId="{D4FBA732-C0CB-4103-A539-6BB95830CC07}" dt="2022-12-08T16:12:44.589" v="5855" actId="21"/>
+          <ac:spMkLst>
+            <pc:docMk/>
+            <pc:sldMk cId="2985217500" sldId="271"/>
+            <ac:spMk id="9" creationId="{D97A824B-805F-1EC2-5972-51FFD7A27698}"/>
+          </ac:spMkLst>
+        </pc:spChg>
+        <pc:spChg chg="add del mod">
+          <ac:chgData name="Nathan" userId="35cc2d6d4da03de6" providerId="LiveId" clId="{D4FBA732-C0CB-4103-A539-6BB95830CC07}" dt="2022-12-08T16:15:18.768" v="5879" actId="47"/>
+          <ac:spMkLst>
+            <pc:docMk/>
+            <pc:sldMk cId="2985217500" sldId="271"/>
+            <ac:spMk id="10" creationId="{0B8B1457-6B9A-112A-483E-3761ABD115F5}"/>
+          </ac:spMkLst>
+        </pc:spChg>
+        <pc:spChg chg="add del mod ord">
+          <ac:chgData name="Nathan" userId="35cc2d6d4da03de6" providerId="LiveId" clId="{D4FBA732-C0CB-4103-A539-6BB95830CC07}" dt="2022-12-08T16:19:56.360" v="5903" actId="478"/>
+          <ac:spMkLst>
+            <pc:docMk/>
+            <pc:sldMk cId="2985217500" sldId="271"/>
+            <ac:spMk id="11" creationId="{301D7E5D-8A7E-9965-7719-BDBE3EE0D32B}"/>
+          </ac:spMkLst>
+        </pc:spChg>
+        <pc:spChg chg="add mod ord">
+          <ac:chgData name="Nathan" userId="35cc2d6d4da03de6" providerId="LiveId" clId="{D4FBA732-C0CB-4103-A539-6BB95830CC07}" dt="2022-12-08T16:20:10.318" v="5906"/>
+          <ac:spMkLst>
+            <pc:docMk/>
+            <pc:sldMk cId="2985217500" sldId="271"/>
+            <ac:spMk id="12" creationId="{2D579647-72F1-815A-2568-858C70AC2226}"/>
+          </ac:spMkLst>
+        </pc:spChg>
+        <pc:spChg chg="add del mod ord">
+          <ac:chgData name="Nathan" userId="35cc2d6d4da03de6" providerId="LiveId" clId="{D4FBA732-C0CB-4103-A539-6BB95830CC07}" dt="2022-12-08T16:20:13.893" v="5907" actId="478"/>
+          <ac:spMkLst>
+            <pc:docMk/>
+            <pc:sldMk cId="2985217500" sldId="271"/>
+            <ac:spMk id="13" creationId="{0356B300-DCEC-51A3-E85B-2530E4ED1ABD}"/>
+          </ac:spMkLst>
+        </pc:spChg>
+        <pc:spChg chg="add del mod">
+          <ac:chgData name="Nathan" userId="35cc2d6d4da03de6" providerId="LiveId" clId="{D4FBA732-C0CB-4103-A539-6BB95830CC07}" dt="2022-12-08T16:15:12.438" v="5876"/>
+          <ac:spMkLst>
+            <pc:docMk/>
+            <pc:sldMk cId="2985217500" sldId="271"/>
+            <ac:spMk id="15" creationId="{4D8FA200-004F-BF03-1067-512D8CE6D74D}"/>
+          </ac:spMkLst>
+        </pc:spChg>
+        <pc:spChg chg="add mod">
+          <ac:chgData name="Nathan" userId="35cc2d6d4da03de6" providerId="LiveId" clId="{D4FBA732-C0CB-4103-A539-6BB95830CC07}" dt="2022-12-08T16:20:27.428" v="5934" actId="20577"/>
+          <ac:spMkLst>
+            <pc:docMk/>
+            <pc:sldMk cId="2985217500" sldId="271"/>
+            <ac:spMk id="18" creationId="{E42DFEE3-E487-C567-493A-5F9D52818B80}"/>
+          </ac:spMkLst>
+        </pc:spChg>
+        <pc:picChg chg="add del mod">
+          <ac:chgData name="Nathan" userId="35cc2d6d4da03de6" providerId="LiveId" clId="{D4FBA732-C0CB-4103-A539-6BB95830CC07}" dt="2022-12-08T16:12:44.589" v="5855" actId="21"/>
+          <ac:picMkLst>
+            <pc:docMk/>
+            <pc:sldMk cId="2985217500" sldId="271"/>
+            <ac:picMk id="8" creationId="{9C75776A-F585-E455-16C4-A747004CED19}"/>
+          </ac:picMkLst>
+        </pc:picChg>
+        <pc:picChg chg="add del mod">
+          <ac:chgData name="Nathan" userId="35cc2d6d4da03de6" providerId="LiveId" clId="{D4FBA732-C0CB-4103-A539-6BB95830CC07}" dt="2022-12-08T16:15:12.438" v="5876"/>
+          <ac:picMkLst>
+            <pc:docMk/>
+            <pc:sldMk cId="2985217500" sldId="271"/>
+            <ac:picMk id="14" creationId="{4ACDD2C6-D078-16E3-0BCC-BED373C6A412}"/>
+          </ac:picMkLst>
+        </pc:picChg>
+        <pc:picChg chg="add mod">
+          <ac:chgData name="Nathan" userId="35cc2d6d4da03de6" providerId="LiveId" clId="{D4FBA732-C0CB-4103-A539-6BB95830CC07}" dt="2022-12-08T16:20:32.920" v="5935" actId="1076"/>
+          <ac:picMkLst>
+            <pc:docMk/>
+            <pc:sldMk cId="2985217500" sldId="271"/>
+            <ac:picMk id="16" creationId="{F2530916-62C5-934A-4816-1E79083AC613}"/>
+          </ac:picMkLst>
+        </pc:picChg>
+      </pc:sldChg>
+      <pc:sldChg chg="addSp delSp modSp new mod modTransition setBg modAnim modNotesTx">
+        <pc:chgData name="Nathan" userId="35cc2d6d4da03de6" providerId="LiveId" clId="{D4FBA732-C0CB-4103-A539-6BB95830CC07}" dt="2022-12-08T17:13:34.383" v="6202"/>
+        <pc:sldMkLst>
+          <pc:docMk/>
+          <pc:sldMk cId="253268017" sldId="272"/>
+        </pc:sldMkLst>
+        <pc:spChg chg="mod ord">
+          <ac:chgData name="Nathan" userId="35cc2d6d4da03de6" providerId="LiveId" clId="{D4FBA732-C0CB-4103-A539-6BB95830CC07}" dt="2022-12-08T16:25:38.161" v="5989" actId="1076"/>
+          <ac:spMkLst>
+            <pc:docMk/>
+            <pc:sldMk cId="253268017" sldId="272"/>
+            <ac:spMk id="2" creationId="{4E1B0C33-0EDD-5FD3-0D02-FCC6AAEF2D90}"/>
+          </ac:spMkLst>
+        </pc:spChg>
+        <pc:spChg chg="del">
+          <ac:chgData name="Nathan" userId="35cc2d6d4da03de6" providerId="LiveId" clId="{D4FBA732-C0CB-4103-A539-6BB95830CC07}" dt="2022-12-08T16:20:55.333" v="5937"/>
+          <ac:spMkLst>
+            <pc:docMk/>
+            <pc:sldMk cId="253268017" sldId="272"/>
+            <ac:spMk id="3" creationId="{FD40C24B-4308-5D99-4F46-429AEA9A100C}"/>
+          </ac:spMkLst>
+        </pc:spChg>
+        <pc:spChg chg="add mod">
+          <ac:chgData name="Nathan" userId="35cc2d6d4da03de6" providerId="LiveId" clId="{D4FBA732-C0CB-4103-A539-6BB95830CC07}" dt="2022-12-08T16:26:27.623" v="5994" actId="5793"/>
+          <ac:spMkLst>
+            <pc:docMk/>
+            <pc:sldMk cId="253268017" sldId="272"/>
+            <ac:spMk id="6" creationId="{A2434039-4204-232D-98A8-0B15CC03A6CA}"/>
+          </ac:spMkLst>
+        </pc:spChg>
+        <pc:spChg chg="add mod">
+          <ac:chgData name="Nathan" userId="35cc2d6d4da03de6" providerId="LiveId" clId="{D4FBA732-C0CB-4103-A539-6BB95830CC07}" dt="2022-12-08T16:23:17.300" v="5967" actId="26606"/>
+          <ac:spMkLst>
+            <pc:docMk/>
+            <pc:sldMk cId="253268017" sldId="272"/>
+            <ac:spMk id="8" creationId="{58C3C2EE-CDF5-F001-F78A-2A9811703E4A}"/>
+          </ac:spMkLst>
+        </pc:spChg>
+        <pc:spChg chg="add del">
+          <ac:chgData name="Nathan" userId="35cc2d6d4da03de6" providerId="LiveId" clId="{D4FBA732-C0CB-4103-A539-6BB95830CC07}" dt="2022-12-08T16:23:06.205" v="5965" actId="26606"/>
+          <ac:spMkLst>
+            <pc:docMk/>
+            <pc:sldMk cId="253268017" sldId="272"/>
+            <ac:spMk id="9" creationId="{37C89E4B-3C9F-44B9-8B86-D9E3D112D8EC}"/>
+          </ac:spMkLst>
+        </pc:spChg>
+        <pc:spChg chg="add mod">
+          <ac:chgData name="Nathan" userId="35cc2d6d4da03de6" providerId="LiveId" clId="{D4FBA732-C0CB-4103-A539-6BB95830CC07}" dt="2022-12-08T17:13:29.584" v="6200" actId="164"/>
+          <ac:spMkLst>
+            <pc:docMk/>
+            <pc:sldMk cId="253268017" sldId="272"/>
+            <ac:spMk id="12" creationId="{08621FAD-C21B-385A-13C9-DCA5E240B279}"/>
+          </ac:spMkLst>
+        </pc:spChg>
+        <pc:spChg chg="add del">
+          <ac:chgData name="Nathan" userId="35cc2d6d4da03de6" providerId="LiveId" clId="{D4FBA732-C0CB-4103-A539-6BB95830CC07}" dt="2022-12-08T16:23:17.300" v="5967" actId="26606"/>
+          <ac:spMkLst>
+            <pc:docMk/>
+            <pc:sldMk cId="253268017" sldId="272"/>
+            <ac:spMk id="18" creationId="{3CD9DF72-87A3-404E-A828-84CBF11A8303}"/>
+          </ac:spMkLst>
+        </pc:spChg>
+        <pc:spChg chg="add">
+          <ac:chgData name="Nathan" userId="35cc2d6d4da03de6" providerId="LiveId" clId="{D4FBA732-C0CB-4103-A539-6BB95830CC07}" dt="2022-12-08T16:23:17.300" v="5967" actId="26606"/>
+          <ac:spMkLst>
+            <pc:docMk/>
+            <pc:sldMk cId="253268017" sldId="272"/>
+            <ac:spMk id="25" creationId="{3CD9DF72-87A3-404E-A828-84CBF11A8303}"/>
+          </ac:spMkLst>
+        </pc:spChg>
+        <pc:grpChg chg="add mod">
+          <ac:chgData name="Nathan" userId="35cc2d6d4da03de6" providerId="LiveId" clId="{D4FBA732-C0CB-4103-A539-6BB95830CC07}" dt="2022-12-08T17:13:29.584" v="6200" actId="164"/>
+          <ac:grpSpMkLst>
+            <pc:docMk/>
+            <pc:sldMk cId="253268017" sldId="272"/>
+            <ac:grpSpMk id="14" creationId="{B30DA727-0D4F-D68A-E891-2E71E76B3D58}"/>
+          </ac:grpSpMkLst>
+        </pc:grpChg>
+        <pc:picChg chg="add del mod">
+          <ac:chgData name="Nathan" userId="35cc2d6d4da03de6" providerId="LiveId" clId="{D4FBA732-C0CB-4103-A539-6BB95830CC07}" dt="2022-12-08T16:22:57.987" v="5963" actId="478"/>
+          <ac:picMkLst>
+            <pc:docMk/>
+            <pc:sldMk cId="253268017" sldId="272"/>
+            <ac:picMk id="4" creationId="{571F505E-CE85-28C1-33C1-2D1E094535D1}"/>
+          </ac:picMkLst>
+        </pc:picChg>
+        <pc:picChg chg="add mod ord">
+          <ac:chgData name="Nathan" userId="35cc2d6d4da03de6" providerId="LiveId" clId="{D4FBA732-C0CB-4103-A539-6BB95830CC07}" dt="2022-12-08T16:23:20.354" v="5969" actId="962"/>
+          <ac:picMkLst>
+            <pc:docMk/>
+            <pc:sldMk cId="253268017" sldId="272"/>
+            <ac:picMk id="7" creationId="{7CC89EB2-7EEA-E242-1830-2F14389B73CA}"/>
+          </ac:picMkLst>
+        </pc:picChg>
+        <pc:picChg chg="add mod">
+          <ac:chgData name="Nathan" userId="35cc2d6d4da03de6" providerId="LiveId" clId="{D4FBA732-C0CB-4103-A539-6BB95830CC07}" dt="2022-12-08T17:13:29.584" v="6200" actId="164"/>
+          <ac:picMkLst>
+            <pc:docMk/>
+            <pc:sldMk cId="253268017" sldId="272"/>
+            <ac:picMk id="10" creationId="{4B0A5F15-EE76-594B-B8BC-E8BF09CAB725}"/>
+          </ac:picMkLst>
+        </pc:picChg>
+        <pc:cxnChg chg="add del">
+          <ac:chgData name="Nathan" userId="35cc2d6d4da03de6" providerId="LiveId" clId="{D4FBA732-C0CB-4103-A539-6BB95830CC07}" dt="2022-12-08T16:23:06.205" v="5965" actId="26606"/>
+          <ac:cxnSpMkLst>
+            <pc:docMk/>
+            <pc:sldMk cId="253268017" sldId="272"/>
+            <ac:cxnSpMk id="11" creationId="{AA2EAA10-076F-46BD-8F0F-B9A2FB77A85C}"/>
+          </ac:cxnSpMkLst>
+        </pc:cxnChg>
+        <pc:cxnChg chg="add del">
+          <ac:chgData name="Nathan" userId="35cc2d6d4da03de6" providerId="LiveId" clId="{D4FBA732-C0CB-4103-A539-6BB95830CC07}" dt="2022-12-08T16:23:06.205" v="5965" actId="26606"/>
+          <ac:cxnSpMkLst>
+            <pc:docMk/>
+            <pc:sldMk cId="253268017" sldId="272"/>
+            <ac:cxnSpMk id="13" creationId="{D891E407-403B-4764-86C9-33A56D3BCAA3}"/>
+          </ac:cxnSpMkLst>
+        </pc:cxnChg>
+        <pc:cxnChg chg="add del">
+          <ac:chgData name="Nathan" userId="35cc2d6d4da03de6" providerId="LiveId" clId="{D4FBA732-C0CB-4103-A539-6BB95830CC07}" dt="2022-12-08T16:23:17.300" v="5967" actId="26606"/>
+          <ac:cxnSpMkLst>
+            <pc:docMk/>
+            <pc:sldMk cId="253268017" sldId="272"/>
+            <ac:cxnSpMk id="20" creationId="{20E3A342-4D61-4E3F-AF90-1AB42AEB96CC}"/>
+          </ac:cxnSpMkLst>
+        </pc:cxnChg>
+        <pc:cxnChg chg="add">
+          <ac:chgData name="Nathan" userId="35cc2d6d4da03de6" providerId="LiveId" clId="{D4FBA732-C0CB-4103-A539-6BB95830CC07}" dt="2022-12-08T16:23:17.300" v="5967" actId="26606"/>
+          <ac:cxnSpMkLst>
+            <pc:docMk/>
+            <pc:sldMk cId="253268017" sldId="272"/>
+            <ac:cxnSpMk id="27" creationId="{20E3A342-4D61-4E3F-AF90-1AB42AEB96CC}"/>
+          </ac:cxnSpMkLst>
+        </pc:cxnChg>
+      </pc:sldChg>
+      <pc:sldChg chg="add del mod modShow">
+        <pc:chgData name="Nathan" userId="35cc2d6d4da03de6" providerId="LiveId" clId="{D4FBA732-C0CB-4103-A539-6BB95830CC07}" dt="2022-12-08T16:38:06.148" v="6028" actId="47"/>
+        <pc:sldMkLst>
+          <pc:docMk/>
+          <pc:sldMk cId="2925357595" sldId="273"/>
+        </pc:sldMkLst>
+      </pc:sldChg>
+      <pc:sldChg chg="addSp delSp modSp new mod modTransition setBg setClrOvrMap">
+        <pc:chgData name="Nathan" userId="35cc2d6d4da03de6" providerId="LiveId" clId="{D4FBA732-C0CB-4103-A539-6BB95830CC07}" dt="2022-12-08T17:14:54.577" v="6206"/>
+        <pc:sldMkLst>
+          <pc:docMk/>
+          <pc:sldMk cId="1750510218" sldId="274"/>
+        </pc:sldMkLst>
+        <pc:spChg chg="mod">
+          <ac:chgData name="Nathan" userId="35cc2d6d4da03de6" providerId="LiveId" clId="{D4FBA732-C0CB-4103-A539-6BB95830CC07}" dt="2022-12-08T16:29:53.081" v="6014" actId="26606"/>
+          <ac:spMkLst>
+            <pc:docMk/>
+            <pc:sldMk cId="1750510218" sldId="274"/>
+            <ac:spMk id="2" creationId="{DA76B74D-C19E-772B-0631-FE189C1CE4F9}"/>
+          </ac:spMkLst>
+        </pc:spChg>
+        <pc:spChg chg="del">
+          <ac:chgData name="Nathan" userId="35cc2d6d4da03de6" providerId="LiveId" clId="{D4FBA732-C0CB-4103-A539-6BB95830CC07}" dt="2022-12-08T16:29:53.081" v="6014" actId="26606"/>
+          <ac:spMkLst>
+            <pc:docMk/>
+            <pc:sldMk cId="1750510218" sldId="274"/>
+            <ac:spMk id="3" creationId="{5131041D-CC8C-B010-3522-0BCE303113E7}"/>
+          </ac:spMkLst>
+        </pc:spChg>
+        <pc:spChg chg="add">
+          <ac:chgData name="Nathan" userId="35cc2d6d4da03de6" providerId="LiveId" clId="{D4FBA732-C0CB-4103-A539-6BB95830CC07}" dt="2022-12-08T16:29:53.081" v="6014" actId="26606"/>
+          <ac:spMkLst>
+            <pc:docMk/>
+            <pc:sldMk cId="1750510218" sldId="274"/>
+            <ac:spMk id="9" creationId="{6F40FBDA-CEB1-40F0-9AB9-BD9C402D70FE}"/>
+          </ac:spMkLst>
+        </pc:spChg>
+        <pc:spChg chg="add">
+          <ac:chgData name="Nathan" userId="35cc2d6d4da03de6" providerId="LiveId" clId="{D4FBA732-C0CB-4103-A539-6BB95830CC07}" dt="2022-12-08T16:29:53.081" v="6014" actId="26606"/>
+          <ac:spMkLst>
+            <pc:docMk/>
+            <pc:sldMk cId="1750510218" sldId="274"/>
+            <ac:spMk id="11" creationId="{0344D4FE-ABEF-4230-9E4E-AD5782FC78AC}"/>
+          </ac:spMkLst>
+        </pc:spChg>
+        <pc:spChg chg="add">
+          <ac:chgData name="Nathan" userId="35cc2d6d4da03de6" providerId="LiveId" clId="{D4FBA732-C0CB-4103-A539-6BB95830CC07}" dt="2022-12-08T16:29:53.081" v="6014" actId="26606"/>
+          <ac:spMkLst>
+            <pc:docMk/>
+            <pc:sldMk cId="1750510218" sldId="274"/>
+            <ac:spMk id="13" creationId="{9325F979-D3F9-4926-81B7-7ACCB31A501B}"/>
+          </ac:spMkLst>
+        </pc:spChg>
+        <pc:picChg chg="add">
+          <ac:chgData name="Nathan" userId="35cc2d6d4da03de6" providerId="LiveId" clId="{D4FBA732-C0CB-4103-A539-6BB95830CC07}" dt="2022-12-08T16:29:53.081" v="6014" actId="26606"/>
+          <ac:picMkLst>
+            <pc:docMk/>
+            <pc:sldMk cId="1750510218" sldId="274"/>
+            <ac:picMk id="5" creationId="{1386D827-BB6B-F5F2-2C69-BB778AFF2A31}"/>
+          </ac:picMkLst>
+        </pc:picChg>
+      </pc:sldChg>
+      <pc:sldChg chg="addSp delSp modSp new mod modTransition setBg setClrOvrMap">
+        <pc:chgData name="Nathan" userId="35cc2d6d4da03de6" providerId="LiveId" clId="{D4FBA732-C0CB-4103-A539-6BB95830CC07}" dt="2022-12-08T17:15:03.953" v="6207"/>
+        <pc:sldMkLst>
+          <pc:docMk/>
+          <pc:sldMk cId="483355607" sldId="275"/>
+        </pc:sldMkLst>
+        <pc:spChg chg="mod">
+          <ac:chgData name="Nathan" userId="35cc2d6d4da03de6" providerId="LiveId" clId="{D4FBA732-C0CB-4103-A539-6BB95830CC07}" dt="2022-12-08T16:31:33.798" v="6026" actId="26606"/>
+          <ac:spMkLst>
+            <pc:docMk/>
+            <pc:sldMk cId="483355607" sldId="275"/>
+            <ac:spMk id="2" creationId="{AB603358-1725-9329-3D7D-5746AAB7C4EC}"/>
+          </ac:spMkLst>
+        </pc:spChg>
+        <pc:spChg chg="del">
+          <ac:chgData name="Nathan" userId="35cc2d6d4da03de6" providerId="LiveId" clId="{D4FBA732-C0CB-4103-A539-6BB95830CC07}" dt="2022-12-08T16:31:33.798" v="6026" actId="26606"/>
+          <ac:spMkLst>
+            <pc:docMk/>
+            <pc:sldMk cId="483355607" sldId="275"/>
+            <ac:spMk id="3" creationId="{ACE35240-9CA6-9A1E-766A-21AC0EE17E6C}"/>
+          </ac:spMkLst>
+        </pc:spChg>
+        <pc:spChg chg="add">
+          <ac:chgData name="Nathan" userId="35cc2d6d4da03de6" providerId="LiveId" clId="{D4FBA732-C0CB-4103-A539-6BB95830CC07}" dt="2022-12-08T16:31:33.798" v="6026" actId="26606"/>
+          <ac:spMkLst>
+            <pc:docMk/>
+            <pc:sldMk cId="483355607" sldId="275"/>
+            <ac:spMk id="9" creationId="{6F40FBDA-CEB1-40F0-9AB9-BD9C402D70FE}"/>
+          </ac:spMkLst>
+        </pc:spChg>
+        <pc:spChg chg="add">
+          <ac:chgData name="Nathan" userId="35cc2d6d4da03de6" providerId="LiveId" clId="{D4FBA732-C0CB-4103-A539-6BB95830CC07}" dt="2022-12-08T16:31:33.798" v="6026" actId="26606"/>
+          <ac:spMkLst>
+            <pc:docMk/>
+            <pc:sldMk cId="483355607" sldId="275"/>
+            <ac:spMk id="11" creationId="{0344D4FE-ABEF-4230-9E4E-AD5782FC78AC}"/>
+          </ac:spMkLst>
+        </pc:spChg>
+        <pc:spChg chg="add">
+          <ac:chgData name="Nathan" userId="35cc2d6d4da03de6" providerId="LiveId" clId="{D4FBA732-C0CB-4103-A539-6BB95830CC07}" dt="2022-12-08T16:31:33.798" v="6026" actId="26606"/>
+          <ac:spMkLst>
+            <pc:docMk/>
+            <pc:sldMk cId="483355607" sldId="275"/>
+            <ac:spMk id="13" creationId="{9325F979-D3F9-4926-81B7-7ACCB31A501B}"/>
+          </ac:spMkLst>
+        </pc:spChg>
+        <pc:picChg chg="add">
+          <ac:chgData name="Nathan" userId="35cc2d6d4da03de6" providerId="LiveId" clId="{D4FBA732-C0CB-4103-A539-6BB95830CC07}" dt="2022-12-08T16:31:33.798" v="6026" actId="26606"/>
+          <ac:picMkLst>
+            <pc:docMk/>
+            <pc:sldMk cId="483355607" sldId="275"/>
+            <ac:picMk id="5" creationId="{E13A0EF6-9E49-397B-F7EA-CB6ABC4C47AC}"/>
           </ac:picMkLst>
         </pc:picChg>
       </pc:sldChg>
@@ -2305,7 +3825,7 @@
           <a:p>
             <a:fld id="{A56F1B0E-0E60-48B3-8953-3A0DD8948655}" type="datetimeFigureOut">
               <a:rPr lang="en-CA" smtClean="0"/>
-              <a:t>2022-12-05</a:t>
+              <a:t>2022-12-08</a:t>
             </a:fld>
             <a:endParaRPr lang="en-CA"/>
           </a:p>
@@ -2617,12 +4137,6 @@
           <a:bodyPr/>
           <a:lstStyle/>
           <a:p>
-            <a:r>
-              <a:rPr lang="en-CA" dirty="0">
-                <a:hlinkClick r:id="rId3"/>
-              </a:rPr>
-              <a:t>https://litslink.com/blog/web-application-architecture</a:t>
-            </a:r>
             <a:endParaRPr lang="en-CA" dirty="0"/>
           </a:p>
         </p:txBody>
@@ -2645,6 +4159,177 @@
             <a:fld id="{83D0C16C-D69E-4FD2-B78F-E5A324A8A061}" type="slidenum">
               <a:rPr lang="en-CA" smtClean="0"/>
               <a:t>6</a:t>
+            </a:fld>
+            <a:endParaRPr lang="en-CA"/>
+          </a:p>
+        </p:txBody>
+      </p:sp>
+    </p:spTree>
+    <p:extLst>
+      <p:ext uri="{BB962C8B-B14F-4D97-AF65-F5344CB8AC3E}">
+        <p14:creationId xmlns:p14="http://schemas.microsoft.com/office/powerpoint/2010/main" val="3927034494"/>
+      </p:ext>
+    </p:extLst>
+  </p:cSld>
+  <p:clrMapOvr>
+    <a:masterClrMapping/>
+  </p:clrMapOvr>
+</p:notes>
+</file>
+
+<file path=ppt/notesSlides/notesSlide2.xml><?xml version="1.0" encoding="utf-8"?>
+<p:notes xmlns:a="http://schemas.openxmlformats.org/drawingml/2006/main" xmlns:r="http://schemas.openxmlformats.org/officeDocument/2006/relationships" xmlns:p="http://schemas.openxmlformats.org/presentationml/2006/main">
+  <p:cSld>
+    <p:spTree>
+      <p:nvGrpSpPr>
+        <p:cNvPr id="1" name=""/>
+        <p:cNvGrpSpPr/>
+        <p:nvPr/>
+      </p:nvGrpSpPr>
+      <p:grpSpPr>
+        <a:xfrm>
+          <a:off x="0" y="0"/>
+          <a:ext cx="0" cy="0"/>
+          <a:chOff x="0" y="0"/>
+          <a:chExt cx="0" cy="0"/>
+        </a:xfrm>
+      </p:grpSpPr>
+      <p:sp>
+        <p:nvSpPr>
+          <p:cNvPr id="2" name="Slide Image Placeholder 1"/>
+          <p:cNvSpPr>
+            <a:spLocks noGrp="1" noRot="1" noChangeAspect="1"/>
+          </p:cNvSpPr>
+          <p:nvPr>
+            <p:ph type="sldImg"/>
+          </p:nvPr>
+        </p:nvSpPr>
+        <p:spPr/>
+      </p:sp>
+      <p:sp>
+        <p:nvSpPr>
+          <p:cNvPr id="3" name="Notes Placeholder 2"/>
+          <p:cNvSpPr>
+            <a:spLocks noGrp="1"/>
+          </p:cNvSpPr>
+          <p:nvPr>
+            <p:ph type="body" idx="1"/>
+          </p:nvPr>
+        </p:nvSpPr>
+        <p:spPr/>
+        <p:txBody>
+          <a:bodyPr/>
+          <a:lstStyle/>
+          <a:p>
+            <a:r>
+              <a:rPr lang="en-CA" dirty="0"/>
+              <a:t>Mention FHIR in the presentation of the form</a:t>
+            </a:r>
+          </a:p>
+        </p:txBody>
+      </p:sp>
+      <p:sp>
+        <p:nvSpPr>
+          <p:cNvPr id="4" name="Slide Number Placeholder 3"/>
+          <p:cNvSpPr>
+            <a:spLocks noGrp="1"/>
+          </p:cNvSpPr>
+          <p:nvPr>
+            <p:ph type="sldNum" sz="quarter" idx="5"/>
+          </p:nvPr>
+        </p:nvSpPr>
+        <p:spPr/>
+        <p:txBody>
+          <a:bodyPr/>
+          <a:lstStyle/>
+          <a:p>
+            <a:fld id="{83D0C16C-D69E-4FD2-B78F-E5A324A8A061}" type="slidenum">
+              <a:rPr lang="en-CA" smtClean="0"/>
+              <a:t>7</a:t>
+            </a:fld>
+            <a:endParaRPr lang="en-CA"/>
+          </a:p>
+        </p:txBody>
+      </p:sp>
+    </p:spTree>
+    <p:extLst>
+      <p:ext uri="{BB962C8B-B14F-4D97-AF65-F5344CB8AC3E}">
+        <p14:creationId xmlns:p14="http://schemas.microsoft.com/office/powerpoint/2010/main" val="63430261"/>
+      </p:ext>
+    </p:extLst>
+  </p:cSld>
+  <p:clrMapOvr>
+    <a:masterClrMapping/>
+  </p:clrMapOvr>
+</p:notes>
+</file>
+
+<file path=ppt/notesSlides/notesSlide3.xml><?xml version="1.0" encoding="utf-8"?>
+<p:notes xmlns:a="http://schemas.openxmlformats.org/drawingml/2006/main" xmlns:r="http://schemas.openxmlformats.org/officeDocument/2006/relationships" xmlns:p="http://schemas.openxmlformats.org/presentationml/2006/main">
+  <p:cSld>
+    <p:spTree>
+      <p:nvGrpSpPr>
+        <p:cNvPr id="1" name=""/>
+        <p:cNvGrpSpPr/>
+        <p:nvPr/>
+      </p:nvGrpSpPr>
+      <p:grpSpPr>
+        <a:xfrm>
+          <a:off x="0" y="0"/>
+          <a:ext cx="0" cy="0"/>
+          <a:chOff x="0" y="0"/>
+          <a:chExt cx="0" cy="0"/>
+        </a:xfrm>
+      </p:grpSpPr>
+      <p:sp>
+        <p:nvSpPr>
+          <p:cNvPr id="2" name="Slide Image Placeholder 1"/>
+          <p:cNvSpPr>
+            <a:spLocks noGrp="1" noRot="1" noChangeAspect="1"/>
+          </p:cNvSpPr>
+          <p:nvPr>
+            <p:ph type="sldImg"/>
+          </p:nvPr>
+        </p:nvSpPr>
+        <p:spPr/>
+      </p:sp>
+      <p:sp>
+        <p:nvSpPr>
+          <p:cNvPr id="3" name="Notes Placeholder 2"/>
+          <p:cNvSpPr>
+            <a:spLocks noGrp="1"/>
+          </p:cNvSpPr>
+          <p:nvPr>
+            <p:ph type="body" idx="1"/>
+          </p:nvPr>
+        </p:nvSpPr>
+        <p:spPr/>
+        <p:txBody>
+          <a:bodyPr/>
+          <a:lstStyle/>
+          <a:p>
+            <a:endParaRPr lang="en-CA" dirty="0"/>
+          </a:p>
+        </p:txBody>
+      </p:sp>
+      <p:sp>
+        <p:nvSpPr>
+          <p:cNvPr id="4" name="Slide Number Placeholder 3"/>
+          <p:cNvSpPr>
+            <a:spLocks noGrp="1"/>
+          </p:cNvSpPr>
+          <p:nvPr>
+            <p:ph type="sldNum" sz="quarter" idx="5"/>
+          </p:nvPr>
+        </p:nvSpPr>
+        <p:spPr/>
+        <p:txBody>
+          <a:bodyPr/>
+          <a:lstStyle/>
+          <a:p>
+            <a:fld id="{83D0C16C-D69E-4FD2-B78F-E5A324A8A061}" type="slidenum">
+              <a:rPr lang="en-CA" smtClean="0"/>
+              <a:t>8</a:t>
             </a:fld>
             <a:endParaRPr lang="en-CA"/>
           </a:p>
@@ -2812,7 +4497,7 @@
           <a:p>
             <a:fld id="{D341B595-366B-43E2-A22E-EA6A78C03F06}" type="datetimeFigureOut">
               <a:rPr lang="en-US" smtClean="0"/>
-              <a:t>12/5/2022</a:t>
+              <a:t>12/8/2022</a:t>
             </a:fld>
             <a:endParaRPr lang="en-US" dirty="0"/>
           </a:p>
@@ -3012,7 +4697,7 @@
           <a:p>
             <a:fld id="{D341B595-366B-43E2-A22E-EA6A78C03F06}" type="datetimeFigureOut">
               <a:rPr lang="en-US" smtClean="0"/>
-              <a:t>12/5/2022</a:t>
+              <a:t>12/8/2022</a:t>
             </a:fld>
             <a:endParaRPr lang="en-US" dirty="0"/>
           </a:p>
@@ -3222,7 +4907,7 @@
           <a:p>
             <a:fld id="{D341B595-366B-43E2-A22E-EA6A78C03F06}" type="datetimeFigureOut">
               <a:rPr lang="en-US" smtClean="0"/>
-              <a:t>12/5/2022</a:t>
+              <a:t>12/8/2022</a:t>
             </a:fld>
             <a:endParaRPr lang="en-US" dirty="0"/>
           </a:p>
@@ -3422,7 +5107,7 @@
           <a:p>
             <a:fld id="{D341B595-366B-43E2-A22E-EA6A78C03F06}" type="datetimeFigureOut">
               <a:rPr lang="en-US" smtClean="0"/>
-              <a:t>12/5/2022</a:t>
+              <a:t>12/8/2022</a:t>
             </a:fld>
             <a:endParaRPr lang="en-US" dirty="0"/>
           </a:p>
@@ -3698,7 +5383,7 @@
           <a:p>
             <a:fld id="{D341B595-366B-43E2-A22E-EA6A78C03F06}" type="datetimeFigureOut">
               <a:rPr lang="en-US" smtClean="0"/>
-              <a:t>12/5/2022</a:t>
+              <a:t>12/8/2022</a:t>
             </a:fld>
             <a:endParaRPr lang="en-US" dirty="0"/>
           </a:p>
@@ -3966,7 +5651,7 @@
           <a:p>
             <a:fld id="{D341B595-366B-43E2-A22E-EA6A78C03F06}" type="datetimeFigureOut">
               <a:rPr lang="en-US" smtClean="0"/>
-              <a:t>12/5/2022</a:t>
+              <a:t>12/8/2022</a:t>
             </a:fld>
             <a:endParaRPr lang="en-US" dirty="0"/>
           </a:p>
@@ -4381,7 +6066,7 @@
           <a:p>
             <a:fld id="{D341B595-366B-43E2-A22E-EA6A78C03F06}" type="datetimeFigureOut">
               <a:rPr lang="en-US" smtClean="0"/>
-              <a:t>12/5/2022</a:t>
+              <a:t>12/8/2022</a:t>
             </a:fld>
             <a:endParaRPr lang="en-US" dirty="0"/>
           </a:p>
@@ -4523,7 +6208,7 @@
           <a:p>
             <a:fld id="{D341B595-366B-43E2-A22E-EA6A78C03F06}" type="datetimeFigureOut">
               <a:rPr lang="en-US" smtClean="0"/>
-              <a:t>12/5/2022</a:t>
+              <a:t>12/8/2022</a:t>
             </a:fld>
             <a:endParaRPr lang="en-US" dirty="0"/>
           </a:p>
@@ -4636,7 +6321,7 @@
           <a:p>
             <a:fld id="{D341B595-366B-43E2-A22E-EA6A78C03F06}" type="datetimeFigureOut">
               <a:rPr lang="en-US" smtClean="0"/>
-              <a:t>12/5/2022</a:t>
+              <a:t>12/8/2022</a:t>
             </a:fld>
             <a:endParaRPr lang="en-US" dirty="0"/>
           </a:p>
@@ -4949,7 +6634,7 @@
           <a:p>
             <a:fld id="{D341B595-366B-43E2-A22E-EA6A78C03F06}" type="datetimeFigureOut">
               <a:rPr lang="en-US" smtClean="0"/>
-              <a:t>12/5/2022</a:t>
+              <a:t>12/8/2022</a:t>
             </a:fld>
             <a:endParaRPr lang="en-US" dirty="0"/>
           </a:p>
@@ -5238,7 +6923,7 @@
           <a:p>
             <a:fld id="{D341B595-366B-43E2-A22E-EA6A78C03F06}" type="datetimeFigureOut">
               <a:rPr lang="en-US" smtClean="0"/>
-              <a:t>12/5/2022</a:t>
+              <a:t>12/8/2022</a:t>
             </a:fld>
             <a:endParaRPr lang="en-US" dirty="0"/>
           </a:p>
@@ -5481,7 +7166,7 @@
           <a:p>
             <a:fld id="{D341B595-366B-43E2-A22E-EA6A78C03F06}" type="datetimeFigureOut">
               <a:rPr lang="en-US" smtClean="0"/>
-              <a:t>12/5/2022</a:t>
+              <a:t>12/8/2022</a:t>
             </a:fld>
             <a:endParaRPr lang="en-US" dirty="0"/>
           </a:p>
@@ -5906,12 +7591,75 @@
           <a:chExt cx="0" cy="0"/>
         </a:xfrm>
       </p:grpSpPr>
+      <p:sp>
+        <p:nvSpPr>
+          <p:cNvPr id="47" name="!!Rectangle">
+            <a:extLst>
+              <a:ext uri="{FF2B5EF4-FFF2-40B4-BE49-F238E27FC236}">
+                <a16:creationId xmlns:a16="http://schemas.microsoft.com/office/drawing/2014/main" id="{D4906370-1564-49FA-A802-58546B3922DC}"/>
+              </a:ext>
+              <a:ext uri="{C183D7F6-B498-43B3-948B-1728B52AA6E4}">
+                <adec:decorative xmlns:adec="http://schemas.microsoft.com/office/drawing/2017/decorative" val="1"/>
+              </a:ext>
+            </a:extLst>
+          </p:cNvPr>
+          <p:cNvSpPr>
+            <a:spLocks noGrp="1" noRot="1" noChangeAspect="1" noMove="1" noResize="1" noEditPoints="1" noAdjustHandles="1" noChangeArrowheads="1" noChangeShapeType="1" noTextEdit="1"/>
+          </p:cNvSpPr>
+          <p:nvPr>
+            <p:extLst>
+              <p:ext uri="{386F3935-93C4-4BCD-93E2-E3B085C9AB24}">
+                <p16:designElem xmlns:p16="http://schemas.microsoft.com/office/powerpoint/2015/main" val="1"/>
+              </p:ext>
+            </p:extLst>
+          </p:nvPr>
+        </p:nvSpPr>
+        <p:spPr>
+          <a:xfrm>
+            <a:off x="1" y="0"/>
+            <a:ext cx="12191999" cy="6866467"/>
+          </a:xfrm>
+          <a:prstGeom prst="rect">
+            <a:avLst/>
+          </a:prstGeom>
+          <a:solidFill>
+            <a:schemeClr val="tx1"/>
+          </a:solidFill>
+          <a:ln>
+            <a:noFill/>
+          </a:ln>
+        </p:spPr>
+        <p:style>
+          <a:lnRef idx="2">
+            <a:schemeClr val="accent1">
+              <a:shade val="50000"/>
+            </a:schemeClr>
+          </a:lnRef>
+          <a:fillRef idx="1">
+            <a:schemeClr val="accent1"/>
+          </a:fillRef>
+          <a:effectRef idx="0">
+            <a:schemeClr val="accent1"/>
+          </a:effectRef>
+          <a:fontRef idx="minor">
+            <a:schemeClr val="lt1"/>
+          </a:fontRef>
+        </p:style>
+        <p:txBody>
+          <a:bodyPr rtlCol="0" anchor="ctr"/>
+          <a:lstStyle/>
+          <a:p>
+            <a:pPr algn="ctr"/>
+            <a:endParaRPr lang="en-US"/>
+          </a:p>
+        </p:txBody>
+      </p:sp>
       <p:pic>
         <p:nvPicPr>
-          <p:cNvPr id="6" name="Picture 5" descr="A picture containing person, indoor&#10;&#10;Description automatically generated">
+          <p:cNvPr id="5" name="Picture 4" descr="A picture containing text, computer">
             <a:extLst>
               <a:ext uri="{FF2B5EF4-FFF2-40B4-BE49-F238E27FC236}">
-                <a16:creationId xmlns:a16="http://schemas.microsoft.com/office/drawing/2014/main" id="{F39F2E54-38C5-7251-AB96-39663C77E384}"/>
+                <a16:creationId xmlns:a16="http://schemas.microsoft.com/office/drawing/2014/main" id="{ACD4D92F-E6EB-945C-2BB3-74F6E6AD8425}"/>
               </a:ext>
             </a:extLst>
           </p:cNvPr>
@@ -5922,7 +7670,7 @@
         </p:nvPicPr>
         <p:blipFill rotWithShape="1">
           <a:blip r:embed="rId2">
-            <a:alphaModFix amt="40000"/>
+            <a:alphaModFix amt="55000"/>
             <a:extLst>
               <a:ext uri="{28A0092B-C50C-407E-A947-70E740481C1C}">
                 <a14:useLocalDpi xmlns:a14="http://schemas.microsoft.com/office/drawing/2010/main" val="0"/>
@@ -5932,7 +7680,7 @@
               </a:ext>
             </a:extLst>
           </a:blip>
-          <a:srcRect t="7865" b="7865"/>
+          <a:srcRect t="2906" b="5258"/>
           <a:stretch/>
         </p:blipFill>
         <p:spPr>
@@ -5947,6 +7695,71 @@
       </p:pic>
       <p:sp>
         <p:nvSpPr>
+          <p:cNvPr id="49" name="Oval 48">
+            <a:extLst>
+              <a:ext uri="{FF2B5EF4-FFF2-40B4-BE49-F238E27FC236}">
+                <a16:creationId xmlns:a16="http://schemas.microsoft.com/office/drawing/2014/main" id="{EF640709-BDFD-453B-B75D-6212E7A870BA}"/>
+              </a:ext>
+              <a:ext uri="{C183D7F6-B498-43B3-948B-1728B52AA6E4}">
+                <adec:decorative xmlns:adec="http://schemas.microsoft.com/office/drawing/2017/decorative" val="1"/>
+              </a:ext>
+            </a:extLst>
+          </p:cNvPr>
+          <p:cNvSpPr>
+            <a:spLocks noGrp="1" noRot="1" noChangeAspect="1" noMove="1" noResize="1" noEditPoints="1" noAdjustHandles="1" noChangeArrowheads="1" noChangeShapeType="1" noTextEdit="1"/>
+          </p:cNvSpPr>
+          <p:nvPr>
+            <p:extLst>
+              <p:ext uri="{386F3935-93C4-4BCD-93E2-E3B085C9AB24}">
+                <p16:designElem xmlns:p16="http://schemas.microsoft.com/office/powerpoint/2015/main" val="1"/>
+              </p:ext>
+            </p:extLst>
+          </p:nvPr>
+        </p:nvSpPr>
+        <p:spPr>
+          <a:xfrm>
+            <a:off x="3111500" y="370600"/>
+            <a:ext cx="5923842" cy="5923842"/>
+          </a:xfrm>
+          <a:prstGeom prst="ellipse">
+            <a:avLst/>
+          </a:prstGeom>
+          <a:solidFill>
+            <a:schemeClr val="bg1">
+              <a:alpha val="95000"/>
+            </a:schemeClr>
+          </a:solidFill>
+          <a:ln>
+            <a:noFill/>
+          </a:ln>
+        </p:spPr>
+        <p:style>
+          <a:lnRef idx="2">
+            <a:schemeClr val="accent1">
+              <a:shade val="50000"/>
+            </a:schemeClr>
+          </a:lnRef>
+          <a:fillRef idx="1">
+            <a:schemeClr val="accent1"/>
+          </a:fillRef>
+          <a:effectRef idx="0">
+            <a:schemeClr val="accent1"/>
+          </a:effectRef>
+          <a:fontRef idx="minor">
+            <a:schemeClr val="lt1"/>
+          </a:fontRef>
+        </p:style>
+        <p:txBody>
+          <a:bodyPr rtlCol="0" anchor="ctr"/>
+          <a:lstStyle/>
+          <a:p>
+            <a:pPr algn="ctr"/>
+            <a:endParaRPr lang="en-US"/>
+          </a:p>
+        </p:txBody>
+      </p:sp>
+      <p:sp>
+        <p:nvSpPr>
           <p:cNvPr id="2" name="Title 1">
             <a:extLst>
               <a:ext uri="{FF2B5EF4-FFF2-40B4-BE49-F238E27FC236}">
@@ -5961,24 +7774,21 @@
             <p:ph type="ctrTitle"/>
           </p:nvPr>
         </p:nvSpPr>
-        <p:spPr/>
+        <p:spPr>
+          <a:xfrm>
+            <a:off x="3577192" y="1032483"/>
+            <a:ext cx="5037616" cy="2982360"/>
+          </a:xfrm>
+        </p:spPr>
         <p:txBody>
           <a:bodyPr>
             <a:normAutofit/>
           </a:bodyPr>
           <a:lstStyle/>
           <a:p>
-            <a:pPr>
-              <a:lnSpc>
-                <a:spcPct val="90000"/>
-              </a:lnSpc>
-            </a:pPr>
             <a:r>
               <a:rPr lang="en-CA" dirty="0">
                 <a:ln w="0"/>
-                <a:solidFill>
-                  <a:schemeClr val="tx1"/>
-                </a:solidFill>
                 <a:effectLst>
                   <a:outerShdw blurRad="38100" dist="25400" dir="5400000" algn="ctr" rotWithShape="0">
                     <a:srgbClr val="6E747A">
@@ -5987,7 +7797,7 @@
                   </a:outerShdw>
                 </a:effectLst>
               </a:rPr>
-              <a:t>Caregiver Management Application</a:t>
+              <a:t>Full Stack Application Development</a:t>
             </a:r>
           </a:p>
         </p:txBody>
@@ -6008,7 +7818,12 @@
             <p:ph type="subTitle" idx="1"/>
           </p:nvPr>
         </p:nvSpPr>
-        <p:spPr/>
+        <p:spPr>
+          <a:xfrm>
+            <a:off x="3577192" y="4106918"/>
+            <a:ext cx="5037616" cy="1655762"/>
+          </a:xfrm>
+        </p:spPr>
         <p:txBody>
           <a:bodyPr>
             <a:normAutofit/>
@@ -6016,22 +7831,147 @@
           <a:lstStyle/>
           <a:p>
             <a:r>
-              <a:rPr lang="en-CA" dirty="0">
-                <a:solidFill>
-                  <a:schemeClr val="tx1"/>
-                </a:solidFill>
-              </a:rPr>
-              <a:t>Nathan annoh-kwafo</a:t>
+              <a:rPr lang="en-CA" dirty="0"/>
+              <a:t>Nathan Annoh-Kwafo</a:t>
             </a:r>
           </a:p>
         </p:txBody>
       </p:sp>
       <p:sp>
         <p:nvSpPr>
-          <p:cNvPr id="7" name="TextBox 6">
+          <p:cNvPr id="51" name="Arc 50">
             <a:extLst>
               <a:ext uri="{FF2B5EF4-FFF2-40B4-BE49-F238E27FC236}">
-                <a16:creationId xmlns:a16="http://schemas.microsoft.com/office/drawing/2014/main" id="{B28643BA-A485-F0AB-8052-41628CA12E5E}"/>
+                <a16:creationId xmlns:a16="http://schemas.microsoft.com/office/drawing/2014/main" id="{B4019478-3FDC-438C-8848-1D7DA864AFC4}"/>
+              </a:ext>
+              <a:ext uri="{C183D7F6-B498-43B3-948B-1728B52AA6E4}">
+                <adec:decorative xmlns:adec="http://schemas.microsoft.com/office/drawing/2017/decorative" val="1"/>
+              </a:ext>
+            </a:extLst>
+          </p:cNvPr>
+          <p:cNvSpPr>
+            <a:spLocks noGrp="1" noRot="1" noChangeAspect="1" noMove="1" noResize="1" noEditPoints="1" noAdjustHandles="1" noChangeArrowheads="1" noChangeShapeType="1" noTextEdit="1"/>
+          </p:cNvSpPr>
+          <p:nvPr>
+            <p:extLst>
+              <p:ext uri="{386F3935-93C4-4BCD-93E2-E3B085C9AB24}">
+                <p16:designElem xmlns:p16="http://schemas.microsoft.com/office/powerpoint/2015/main" val="1"/>
+              </p:ext>
+            </p:extLst>
+          </p:nvPr>
+        </p:nvSpPr>
+        <p:spPr>
+          <a:xfrm rot="9366740" flipV="1">
+            <a:off x="2607299" y="8363"/>
+            <a:ext cx="6816262" cy="6816262"/>
+          </a:xfrm>
+          <a:prstGeom prst="arc">
+            <a:avLst>
+              <a:gd name="adj1" fmla="val 16200000"/>
+              <a:gd name="adj2" fmla="val 20401595"/>
+            </a:avLst>
+          </a:prstGeom>
+          <a:ln w="127000" cap="rnd">
+            <a:solidFill>
+              <a:schemeClr val="accent4">
+                <a:alpha val="95000"/>
+              </a:schemeClr>
+            </a:solidFill>
+            <a:prstDash val="dash"/>
+          </a:ln>
+        </p:spPr>
+        <p:style>
+          <a:lnRef idx="1">
+            <a:schemeClr val="accent1"/>
+          </a:lnRef>
+          <a:fillRef idx="0">
+            <a:schemeClr val="accent1"/>
+          </a:fillRef>
+          <a:effectRef idx="0">
+            <a:schemeClr val="accent1"/>
+          </a:effectRef>
+          <a:fontRef idx="minor">
+            <a:schemeClr val="tx1"/>
+          </a:fontRef>
+        </p:style>
+        <p:txBody>
+          <a:bodyPr rtlCol="0" anchor="ctr"/>
+          <a:lstStyle/>
+          <a:p>
+            <a:pPr algn="ctr"/>
+            <a:endParaRPr lang="en-US" dirty="0"/>
+          </a:p>
+        </p:txBody>
+      </p:sp>
+      <p:sp>
+        <p:nvSpPr>
+          <p:cNvPr id="53" name="Oval 52">
+            <a:extLst>
+              <a:ext uri="{FF2B5EF4-FFF2-40B4-BE49-F238E27FC236}">
+                <a16:creationId xmlns:a16="http://schemas.microsoft.com/office/drawing/2014/main" id="{FE406479-1D57-4209-B128-3C81746247C6}"/>
+              </a:ext>
+              <a:ext uri="{C183D7F6-B498-43B3-948B-1728B52AA6E4}">
+                <adec:decorative xmlns:adec="http://schemas.microsoft.com/office/drawing/2017/decorative" val="1"/>
+              </a:ext>
+            </a:extLst>
+          </p:cNvPr>
+          <p:cNvSpPr>
+            <a:spLocks noGrp="1" noRot="1" noChangeAspect="1" noMove="1" noResize="1" noEditPoints="1" noAdjustHandles="1" noChangeArrowheads="1" noChangeShapeType="1" noTextEdit="1"/>
+          </p:cNvSpPr>
+          <p:nvPr>
+            <p:extLst>
+              <p:ext uri="{386F3935-93C4-4BCD-93E2-E3B085C9AB24}">
+                <p16:designElem xmlns:p16="http://schemas.microsoft.com/office/powerpoint/2015/main" val="1"/>
+              </p:ext>
+            </p:extLst>
+          </p:nvPr>
+        </p:nvSpPr>
+        <p:spPr>
+          <a:xfrm>
+            <a:off x="8153400" y="4609861"/>
+            <a:ext cx="873032" cy="849349"/>
+          </a:xfrm>
+          <a:prstGeom prst="ellipse">
+            <a:avLst/>
+          </a:prstGeom>
+          <a:solidFill>
+            <a:schemeClr val="accent2"/>
+          </a:solidFill>
+          <a:ln>
+            <a:noFill/>
+          </a:ln>
+        </p:spPr>
+        <p:style>
+          <a:lnRef idx="2">
+            <a:schemeClr val="accent1">
+              <a:shade val="50000"/>
+            </a:schemeClr>
+          </a:lnRef>
+          <a:fillRef idx="1">
+            <a:schemeClr val="accent1"/>
+          </a:fillRef>
+          <a:effectRef idx="0">
+            <a:schemeClr val="accent1"/>
+          </a:effectRef>
+          <a:fontRef idx="minor">
+            <a:schemeClr val="lt1"/>
+          </a:fontRef>
+        </p:style>
+        <p:txBody>
+          <a:bodyPr rtlCol="0" anchor="ctr"/>
+          <a:lstStyle/>
+          <a:p>
+            <a:pPr algn="ctr"/>
+            <a:endParaRPr lang="en-US"/>
+          </a:p>
+        </p:txBody>
+      </p:sp>
+      <p:sp>
+        <p:nvSpPr>
+          <p:cNvPr id="8" name="TextBox 7">
+            <a:extLst>
+              <a:ext uri="{FF2B5EF4-FFF2-40B4-BE49-F238E27FC236}">
+                <a16:creationId xmlns:a16="http://schemas.microsoft.com/office/drawing/2014/main" id="{E758883F-5971-362F-A487-6F95FDD86E13}"/>
               </a:ext>
             </a:extLst>
           </p:cNvPr>
@@ -6040,8 +7980,8 @@
         </p:nvSpPr>
         <p:spPr>
           <a:xfrm>
-            <a:off x="9511458" y="6657945"/>
-            <a:ext cx="2680542" cy="200055"/>
+            <a:off x="9872134" y="6657945"/>
+            <a:ext cx="2319866" cy="200055"/>
           </a:xfrm>
           <a:prstGeom prst="rect">
             <a:avLst/>
@@ -6062,11 +8002,11 @@
               </a:spcAft>
             </a:pPr>
             <a:r>
-              <a:rPr lang="en-CA" sz="700" dirty="0">
+              <a:rPr lang="en-CA" sz="700">
                 <a:solidFill>
                   <a:srgbClr val="FFFFFF"/>
                 </a:solidFill>
-                <a:hlinkClick r:id="rId3" tooltip="http://www.progressive-charlestown.com/2014/10/first-contracts-in-southern-new-england.html">
+                <a:hlinkClick r:id="rId3" tooltip="https://www.pngall.com/application-png">
                   <a:extLst>
                     <a:ext uri="{A12FA001-AC4F-418D-AE19-62706E023703}">
                       <ahyp:hlinkClr xmlns:ahyp="http://schemas.microsoft.com/office/drawing/2018/hyperlinkcolor" val="tx"/>
@@ -6077,7 +8017,7 @@
               <a:t>This Photo</a:t>
             </a:r>
             <a:r>
-              <a:rPr lang="en-CA" sz="700" dirty="0">
+              <a:rPr lang="en-CA" sz="700">
                 <a:solidFill>
                   <a:srgbClr val="FFFFFF"/>
                 </a:solidFill>
@@ -6085,11 +8025,11 @@
               <a:t> by Unknown Author is licensed under </a:t>
             </a:r>
             <a:r>
-              <a:rPr lang="en-CA" sz="700" dirty="0">
+              <a:rPr lang="en-CA" sz="700">
                 <a:solidFill>
                   <a:srgbClr val="FFFFFF"/>
                 </a:solidFill>
-                <a:hlinkClick r:id="rId4" tooltip="https://creativecommons.org/licenses/by-sa/3.0/">
+                <a:hlinkClick r:id="rId4" tooltip="https://creativecommons.org/licenses/by-nc/3.0/">
                   <a:extLst>
                     <a:ext uri="{A12FA001-AC4F-418D-AE19-62706E023703}">
                       <ahyp:hlinkClr xmlns:ahyp="http://schemas.microsoft.com/office/drawing/2018/hyperlinkcolor" val="tx"/>
@@ -6097,9 +8037,9 @@
                   </a:extLst>
                 </a:hlinkClick>
               </a:rPr>
-              <a:t>CC BY-SA</a:t>
+              <a:t>CC BY-NC</a:t>
             </a:r>
-            <a:endParaRPr lang="en-CA" sz="700" dirty="0">
+            <a:endParaRPr lang="en-CA" sz="700">
               <a:solidFill>
                 <a:srgbClr val="FFFFFF"/>
               </a:solidFill>
@@ -6115,7 +8055,7 @@
     </p:extLst>
   </p:cSld>
   <p:clrMapOvr>
-    <a:overrideClrMapping bg1="dk1" tx1="lt1" bg2="dk2" tx2="lt2" accent1="accent1" accent2="accent2" accent3="accent3" accent4="accent4" accent5="accent5" accent6="accent6" hlink="hlink" folHlink="folHlink"/>
+    <a:masterClrMapping/>
   </p:clrMapOvr>
   <p:timing>
     <p:tnLst>
@@ -6181,6 +8121,100 @@
                             </p:childTnLst>
                           </p:cTn>
                         </p:par>
+                        <p:par>
+                          <p:cTn id="8" fill="hold">
+                            <p:stCondLst>
+                              <p:cond delay="2600"/>
+                            </p:stCondLst>
+                            <p:childTnLst>
+                              <p:par>
+                                <p:cTn id="9" presetID="2" presetClass="entr" presetSubtype="4" fill="hold" grpId="0" nodeType="afterEffect">
+                                  <p:stCondLst>
+                                    <p:cond delay="0"/>
+                                  </p:stCondLst>
+                                  <p:childTnLst>
+                                    <p:set>
+                                      <p:cBhvr>
+                                        <p:cTn id="10" dur="1" fill="hold">
+                                          <p:stCondLst>
+                                            <p:cond delay="0"/>
+                                          </p:stCondLst>
+                                        </p:cTn>
+                                        <p:tgtEl>
+                                          <p:spTgt spid="3">
+                                            <p:txEl>
+                                              <p:pRg st="0" end="0"/>
+                                            </p:txEl>
+                                          </p:spTgt>
+                                        </p:tgtEl>
+                                        <p:attrNameLst>
+                                          <p:attrName>style.visibility</p:attrName>
+                                        </p:attrNameLst>
+                                      </p:cBhvr>
+                                      <p:to>
+                                        <p:strVal val="visible"/>
+                                      </p:to>
+                                    </p:set>
+                                    <p:anim calcmode="lin" valueType="num">
+                                      <p:cBhvr additive="base">
+                                        <p:cTn id="11" dur="500" fill="hold"/>
+                                        <p:tgtEl>
+                                          <p:spTgt spid="3">
+                                            <p:txEl>
+                                              <p:pRg st="0" end="0"/>
+                                            </p:txEl>
+                                          </p:spTgt>
+                                        </p:tgtEl>
+                                        <p:attrNameLst>
+                                          <p:attrName>ppt_x</p:attrName>
+                                        </p:attrNameLst>
+                                      </p:cBhvr>
+                                      <p:tavLst>
+                                        <p:tav tm="0">
+                                          <p:val>
+                                            <p:strVal val="#ppt_x"/>
+                                          </p:val>
+                                        </p:tav>
+                                        <p:tav tm="100000">
+                                          <p:val>
+                                            <p:strVal val="#ppt_x"/>
+                                          </p:val>
+                                        </p:tav>
+                                      </p:tavLst>
+                                    </p:anim>
+                                    <p:anim calcmode="lin" valueType="num">
+                                      <p:cBhvr additive="base">
+                                        <p:cTn id="12" dur="500" fill="hold"/>
+                                        <p:tgtEl>
+                                          <p:spTgt spid="3">
+                                            <p:txEl>
+                                              <p:pRg st="0" end="0"/>
+                                            </p:txEl>
+                                          </p:spTgt>
+                                        </p:tgtEl>
+                                        <p:attrNameLst>
+                                          <p:attrName>ppt_y</p:attrName>
+                                        </p:attrNameLst>
+                                      </p:cBhvr>
+                                      <p:tavLst>
+                                        <p:tav tm="0">
+                                          <p:val>
+                                            <p:strVal val="1+#ppt_h/2"/>
+                                          </p:val>
+                                        </p:tav>
+                                        <p:tav tm="100000">
+                                          <p:val>
+                                            <p:strVal val="#ppt_y"/>
+                                          </p:val>
+                                        </p:tav>
+                                      </p:tavLst>
+                                    </p:anim>
+                                  </p:childTnLst>
+                                </p:cTn>
+                              </p:par>
+                            </p:childTnLst>
+                          </p:cTn>
+                        </p:par>
                       </p:childTnLst>
                     </p:cTn>
                   </p:par>
@@ -6207,12 +8241,283 @@
     </p:tnLst>
     <p:bldLst>
       <p:bldP spid="2" grpId="0"/>
+      <p:bldP spid="3" grpId="0" build="p"/>
     </p:bldLst>
   </p:timing>
 </p:sld>
 </file>
 
 <file path=ppt/slides/slide10.xml><?xml version="1.0" encoding="utf-8"?>
+<p:sld xmlns:a="http://schemas.openxmlformats.org/drawingml/2006/main" xmlns:r="http://schemas.openxmlformats.org/officeDocument/2006/relationships" xmlns:p="http://schemas.openxmlformats.org/presentationml/2006/main">
+  <p:cSld>
+    <p:bg>
+      <p:bgPr>
+        <a:solidFill>
+          <a:schemeClr val="bg1"/>
+        </a:solidFill>
+        <a:effectLst/>
+      </p:bgPr>
+    </p:bg>
+    <p:spTree>
+      <p:nvGrpSpPr>
+        <p:cNvPr id="1" name=""/>
+        <p:cNvGrpSpPr/>
+        <p:nvPr/>
+      </p:nvGrpSpPr>
+      <p:grpSpPr>
+        <a:xfrm>
+          <a:off x="0" y="0"/>
+          <a:ext cx="0" cy="0"/>
+          <a:chOff x="0" y="0"/>
+          <a:chExt cx="0" cy="0"/>
+        </a:xfrm>
+      </p:grpSpPr>
+      <p:sp useBgFill="1">
+        <p:nvSpPr>
+          <p:cNvPr id="9" name="Rectangle 8">
+            <a:extLst>
+              <a:ext uri="{FF2B5EF4-FFF2-40B4-BE49-F238E27FC236}">
+                <a16:creationId xmlns:a16="http://schemas.microsoft.com/office/drawing/2014/main" id="{6F40FBDA-CEB1-40F0-9AB9-BD9C402D70FE}"/>
+              </a:ext>
+              <a:ext uri="{C183D7F6-B498-43B3-948B-1728B52AA6E4}">
+                <adec:decorative xmlns:adec="http://schemas.microsoft.com/office/drawing/2017/decorative" val="1"/>
+              </a:ext>
+            </a:extLst>
+          </p:cNvPr>
+          <p:cNvSpPr>
+            <a:spLocks noGrp="1" noRot="1" noChangeAspect="1" noMove="1" noResize="1" noEditPoints="1" noAdjustHandles="1" noChangeArrowheads="1" noChangeShapeType="1" noTextEdit="1"/>
+          </p:cNvSpPr>
+          <p:nvPr>
+            <p:extLst>
+              <p:ext uri="{386F3935-93C4-4BCD-93E2-E3B085C9AB24}">
+                <p16:designElem xmlns:p16="http://schemas.microsoft.com/office/powerpoint/2015/main" val="1"/>
+              </p:ext>
+            </p:extLst>
+          </p:nvPr>
+        </p:nvSpPr>
+        <p:spPr>
+          <a:xfrm>
+            <a:off x="0" y="0"/>
+            <a:ext cx="12192000" cy="6858000"/>
+          </a:xfrm>
+          <a:prstGeom prst="rect">
+            <a:avLst/>
+          </a:prstGeom>
+          <a:ln>
+            <a:noFill/>
+          </a:ln>
+        </p:spPr>
+        <p:style>
+          <a:lnRef idx="2">
+            <a:schemeClr val="accent1">
+              <a:shade val="50000"/>
+            </a:schemeClr>
+          </a:lnRef>
+          <a:fillRef idx="1">
+            <a:schemeClr val="accent1"/>
+          </a:fillRef>
+          <a:effectRef idx="0">
+            <a:schemeClr val="accent1"/>
+          </a:effectRef>
+          <a:fontRef idx="minor">
+            <a:schemeClr val="lt1"/>
+          </a:fontRef>
+        </p:style>
+        <p:txBody>
+          <a:bodyPr rtlCol="0" anchor="ctr"/>
+          <a:lstStyle/>
+          <a:p>
+            <a:pPr algn="ctr"/>
+            <a:endParaRPr lang="en-US"/>
+          </a:p>
+        </p:txBody>
+      </p:sp>
+      <p:pic>
+        <p:nvPicPr>
+          <p:cNvPr id="5" name="Picture 4" descr="Tying a bow in an arrangment of presents">
+            <a:extLst>
+              <a:ext uri="{FF2B5EF4-FFF2-40B4-BE49-F238E27FC236}">
+                <a16:creationId xmlns:a16="http://schemas.microsoft.com/office/drawing/2014/main" id="{E13A0EF6-9E49-397B-F7EA-CB6ABC4C47AC}"/>
+              </a:ext>
+            </a:extLst>
+          </p:cNvPr>
+          <p:cNvPicPr>
+            <a:picLocks noChangeAspect="1"/>
+          </p:cNvPicPr>
+          <p:nvPr/>
+        </p:nvPicPr>
+        <p:blipFill rotWithShape="1">
+          <a:blip r:embed="rId2">
+            <a:alphaModFix amt="45000"/>
+          </a:blip>
+          <a:srcRect t="7026" b="8705"/>
+          <a:stretch/>
+        </p:blipFill>
+        <p:spPr>
+          <a:xfrm>
+            <a:off x="20" y="10"/>
+            <a:ext cx="12191980" cy="6857990"/>
+          </a:xfrm>
+          <a:prstGeom prst="rect">
+            <a:avLst/>
+          </a:prstGeom>
+        </p:spPr>
+      </p:pic>
+      <p:sp>
+        <p:nvSpPr>
+          <p:cNvPr id="11" name="Rectangle 10">
+            <a:extLst>
+              <a:ext uri="{FF2B5EF4-FFF2-40B4-BE49-F238E27FC236}">
+                <a16:creationId xmlns:a16="http://schemas.microsoft.com/office/drawing/2014/main" id="{0344D4FE-ABEF-4230-9E4E-AD5782FC78AC}"/>
+              </a:ext>
+              <a:ext uri="{C183D7F6-B498-43B3-948B-1728B52AA6E4}">
+                <adec:decorative xmlns:adec="http://schemas.microsoft.com/office/drawing/2017/decorative" val="1"/>
+              </a:ext>
+            </a:extLst>
+          </p:cNvPr>
+          <p:cNvSpPr>
+            <a:spLocks noGrp="1" noRot="1" noChangeAspect="1" noMove="1" noResize="1" noEditPoints="1" noAdjustHandles="1" noChangeArrowheads="1" noChangeShapeType="1" noTextEdit="1"/>
+          </p:cNvSpPr>
+          <p:nvPr>
+            <p:extLst>
+              <p:ext uri="{386F3935-93C4-4BCD-93E2-E3B085C9AB24}">
+                <p16:designElem xmlns:p16="http://schemas.microsoft.com/office/powerpoint/2015/main" val="1"/>
+              </p:ext>
+            </p:extLst>
+          </p:nvPr>
+        </p:nvSpPr>
+        <p:spPr>
+          <a:xfrm>
+            <a:off x="1307870" y="1267730"/>
+            <a:ext cx="9576262" cy="4307950"/>
+          </a:xfrm>
+          <a:prstGeom prst="rect">
+            <a:avLst/>
+          </a:prstGeom>
+          <a:noFill/>
+          <a:ln w="9525" cap="sq" cmpd="sng" algn="ctr">
+            <a:solidFill>
+              <a:schemeClr val="tx1">
+                <a:lumMod val="75000"/>
+                <a:lumOff val="25000"/>
+              </a:schemeClr>
+            </a:solidFill>
+            <a:prstDash val="solid"/>
+            <a:miter lim="800000"/>
+          </a:ln>
+          <a:effectLst>
+            <a:softEdge rad="0"/>
+          </a:effectLst>
+        </p:spPr>
+      </p:sp>
+      <p:sp>
+        <p:nvSpPr>
+          <p:cNvPr id="2" name="Title 1">
+            <a:extLst>
+              <a:ext uri="{FF2B5EF4-FFF2-40B4-BE49-F238E27FC236}">
+                <a16:creationId xmlns:a16="http://schemas.microsoft.com/office/drawing/2014/main" id="{AB603358-1725-9329-3D7D-5746AAB7C4EC}"/>
+              </a:ext>
+            </a:extLst>
+          </p:cNvPr>
+          <p:cNvSpPr>
+            <a:spLocks noGrp="1"/>
+          </p:cNvSpPr>
+          <p:nvPr>
+            <p:ph type="title"/>
+          </p:nvPr>
+        </p:nvSpPr>
+        <p:spPr>
+          <a:xfrm>
+            <a:off x="1769532" y="1695576"/>
+            <a:ext cx="8652938" cy="2857191"/>
+          </a:xfrm>
+        </p:spPr>
+        <p:txBody>
+          <a:bodyPr vert="horz" lIns="91440" tIns="45720" rIns="91440" bIns="45720" rtlCol="0" anchor="ctr">
+            <a:normAutofit/>
+          </a:bodyPr>
+          <a:lstStyle/>
+          <a:p>
+            <a:pPr algn="ctr"/>
+            <a:r>
+              <a:rPr lang="en-US" sz="8000" dirty="0"/>
+              <a:t>Thank you!</a:t>
+            </a:r>
+          </a:p>
+        </p:txBody>
+      </p:sp>
+      <p:sp>
+        <p:nvSpPr>
+          <p:cNvPr id="13" name="Rectangle 12">
+            <a:extLst>
+              <a:ext uri="{FF2B5EF4-FFF2-40B4-BE49-F238E27FC236}">
+                <a16:creationId xmlns:a16="http://schemas.microsoft.com/office/drawing/2014/main" id="{9325F979-D3F9-4926-81B7-7ACCB31A501B}"/>
+              </a:ext>
+              <a:ext uri="{C183D7F6-B498-43B3-948B-1728B52AA6E4}">
+                <adec:decorative xmlns:adec="http://schemas.microsoft.com/office/drawing/2017/decorative" val="1"/>
+              </a:ext>
+            </a:extLst>
+          </p:cNvPr>
+          <p:cNvSpPr>
+            <a:spLocks noGrp="1" noRot="1" noChangeAspect="1" noMove="1" noResize="1" noEditPoints="1" noAdjustHandles="1" noChangeArrowheads="1" noChangeShapeType="1" noTextEdit="1"/>
+          </p:cNvSpPr>
+          <p:nvPr>
+            <p:extLst>
+              <p:ext uri="{386F3935-93C4-4BCD-93E2-E3B085C9AB24}">
+                <p16:designElem xmlns:p16="http://schemas.microsoft.com/office/powerpoint/2015/main" val="1"/>
+              </p:ext>
+            </p:extLst>
+          </p:nvPr>
+        </p:nvSpPr>
+        <p:spPr>
+          <a:xfrm>
+            <a:off x="1447801" y="1411615"/>
+            <a:ext cx="9296400" cy="4034770"/>
+          </a:xfrm>
+          <a:prstGeom prst="rect">
+            <a:avLst/>
+          </a:prstGeom>
+          <a:noFill/>
+          <a:ln w="9525" cap="sq" cmpd="sng" algn="ctr">
+            <a:solidFill>
+              <a:schemeClr val="tx1">
+                <a:lumMod val="75000"/>
+                <a:lumOff val="25000"/>
+                <a:alpha val="80000"/>
+              </a:schemeClr>
+            </a:solidFill>
+            <a:prstDash val="solid"/>
+            <a:miter lim="800000"/>
+          </a:ln>
+          <a:effectLst/>
+        </p:spPr>
+      </p:sp>
+    </p:spTree>
+    <p:extLst>
+      <p:ext uri="{BB962C8B-B14F-4D97-AF65-F5344CB8AC3E}">
+        <p14:creationId xmlns:p14="http://schemas.microsoft.com/office/powerpoint/2010/main" val="483355607"/>
+      </p:ext>
+    </p:extLst>
+  </p:cSld>
+  <p:clrMapOvr>
+    <a:overrideClrMapping bg1="dk1" tx1="lt1" bg2="dk2" tx2="lt2" accent1="accent1" accent2="accent2" accent3="accent3" accent4="accent4" accent5="accent5" accent6="accent6" hlink="hlink" folHlink="folHlink"/>
+  </p:clrMapOvr>
+  <mc:AlternateContent xmlns:mc="http://schemas.openxmlformats.org/markup-compatibility/2006">
+    <mc:Choice xmlns:p14="http://schemas.microsoft.com/office/powerpoint/2010/main" Requires="p14">
+      <p:transition spd="slow" p14:dur="3900">
+        <p14:glitter pattern="hexagon"/>
+      </p:transition>
+    </mc:Choice>
+    <mc:Fallback>
+      <p:transition spd="slow">
+        <p:fade/>
+      </p:transition>
+    </mc:Fallback>
+  </mc:AlternateContent>
+</p:sld>
+</file>
+
+<file path=ppt/slides/slide11.xml><?xml version="1.0" encoding="utf-8"?>
 <p:sld xmlns:a="http://schemas.openxmlformats.org/drawingml/2006/main" xmlns:r="http://schemas.openxmlformats.org/officeDocument/2006/relationships" xmlns:p="http://schemas.openxmlformats.org/presentationml/2006/main">
   <p:cSld>
     <p:bg>
@@ -6655,6 +8960,30 @@
               </a:rPr>
               <a:t>Web Application Architecture: A Guide Through the Intricate Process of Building an App | LITSLINK Blog</a:t>
             </a:r>
+            <a:endParaRPr lang="en-GB" sz="1800" dirty="0"/>
+          </a:p>
+          <a:p>
+            <a:r>
+              <a:rPr lang="en-CA" sz="1200" dirty="0" err="1">
+                <a:hlinkClick r:id="rId6"/>
+              </a:rPr>
+              <a:t>Axios</a:t>
+            </a:r>
+            <a:r>
+              <a:rPr lang="en-CA" sz="1200" dirty="0">
+                <a:hlinkClick r:id="rId6"/>
+              </a:rPr>
+              <a:t> (axios-http.com)</a:t>
+            </a:r>
+            <a:endParaRPr lang="en-CA" sz="1200" dirty="0"/>
+          </a:p>
+          <a:p>
+            <a:r>
+              <a:rPr lang="en-GB" sz="1200" dirty="0">
+                <a:hlinkClick r:id="rId7"/>
+              </a:rPr>
+              <a:t>Python Flask Introduction - Python Geeks</a:t>
+            </a:r>
             <a:endParaRPr lang="en-CA" sz="1800" dirty="0"/>
           </a:p>
         </p:txBody>
@@ -6669,6 +8998,9 @@
   <p:clrMapOvr>
     <a:overrideClrMapping bg1="dk1" tx1="lt1" bg2="dk2" tx2="lt2" accent1="accent1" accent2="accent2" accent3="accent3" accent4="accent4" accent5="accent5" accent6="accent6" hlink="hlink" folHlink="folHlink"/>
   </p:clrMapOvr>
+  <p:transition spd="slow">
+    <p:push dir="u"/>
+  </p:transition>
 </p:sld>
 </file>
 
@@ -6677,25 +9009,9 @@
   <p:cSld>
     <p:bg>
       <p:bgPr>
-        <a:blipFill rotWithShape="1">
-          <a:blip r:embed="rId2">
-            <a:duotone>
-              <a:schemeClr val="bg2">
-                <a:shade val="69000"/>
-                <a:hueMod val="108000"/>
-                <a:satMod val="164000"/>
-                <a:lumMod val="74000"/>
-              </a:schemeClr>
-              <a:schemeClr val="bg2">
-                <a:tint val="96000"/>
-                <a:hueMod val="88000"/>
-                <a:satMod val="140000"/>
-                <a:lumMod val="132000"/>
-              </a:schemeClr>
-            </a:duotone>
-          </a:blip>
-          <a:stretch/>
-        </a:blipFill>
+        <a:solidFill>
+          <a:schemeClr val="bg1"/>
+        </a:solidFill>
         <a:effectLst/>
       </p:bgPr>
     </p:bg>
@@ -6713,41 +9029,72 @@
           <a:chExt cx="0" cy="0"/>
         </a:xfrm>
       </p:grpSpPr>
-      <p:pic>
-        <p:nvPicPr>
-          <p:cNvPr id="5" name="Picture 4" descr="Different coloured question marks">
+      <p:sp useBgFill="1">
+        <p:nvSpPr>
+          <p:cNvPr id="44" name="Rectangle 43">
             <a:extLst>
               <a:ext uri="{FF2B5EF4-FFF2-40B4-BE49-F238E27FC236}">
-                <a16:creationId xmlns:a16="http://schemas.microsoft.com/office/drawing/2014/main" id="{FE04DB18-7660-7F8A-C506-3176D6AC90FA}"/>
+                <a16:creationId xmlns:a16="http://schemas.microsoft.com/office/drawing/2014/main" id="{F13C74B1-5B17-4795-BED0-7140497B445A}"/>
+              </a:ext>
+              <a:ext uri="{C183D7F6-B498-43B3-948B-1728B52AA6E4}">
+                <adec:decorative xmlns:adec="http://schemas.microsoft.com/office/drawing/2017/decorative" val="1"/>
               </a:ext>
             </a:extLst>
           </p:cNvPr>
-          <p:cNvPicPr>
-            <a:picLocks noChangeAspect="1"/>
-          </p:cNvPicPr>
-          <p:nvPr/>
-        </p:nvPicPr>
-        <p:blipFill rotWithShape="1">
-          <a:blip r:embed="rId3"/>
-          <a:srcRect/>
-          <a:stretch/>
-        </p:blipFill>
+          <p:cNvSpPr>
+            <a:spLocks noGrp="1" noRot="1" noChangeAspect="1" noMove="1" noResize="1" noEditPoints="1" noAdjustHandles="1" noChangeArrowheads="1" noChangeShapeType="1" noTextEdit="1"/>
+          </p:cNvSpPr>
+          <p:nvPr>
+            <p:extLst>
+              <p:ext uri="{386F3935-93C4-4BCD-93E2-E3B085C9AB24}">
+                <p16:designElem xmlns:p16="http://schemas.microsoft.com/office/powerpoint/2015/main" val="1"/>
+              </p:ext>
+            </p:extLst>
+          </p:nvPr>
+        </p:nvSpPr>
         <p:spPr>
           <a:xfrm>
-            <a:off x="20" y="10"/>
-            <a:ext cx="12191980" cy="6857990"/>
+            <a:off x="0" y="0"/>
+            <a:ext cx="12188952" cy="6858000"/>
           </a:xfrm>
           <a:prstGeom prst="rect">
             <a:avLst/>
           </a:prstGeom>
+          <a:ln>
+            <a:noFill/>
+          </a:ln>
         </p:spPr>
-      </p:pic>
+        <p:style>
+          <a:lnRef idx="2">
+            <a:schemeClr val="accent1">
+              <a:shade val="50000"/>
+            </a:schemeClr>
+          </a:lnRef>
+          <a:fillRef idx="1">
+            <a:schemeClr val="accent1"/>
+          </a:fillRef>
+          <a:effectRef idx="0">
+            <a:schemeClr val="accent1"/>
+          </a:effectRef>
+          <a:fontRef idx="minor">
+            <a:schemeClr val="lt1"/>
+          </a:fontRef>
+        </p:style>
+        <p:txBody>
+          <a:bodyPr rtlCol="0" anchor="ctr"/>
+          <a:lstStyle/>
+          <a:p>
+            <a:pPr algn="ctr"/>
+            <a:endParaRPr lang="en-US"/>
+          </a:p>
+        </p:txBody>
+      </p:sp>
       <p:sp>
         <p:nvSpPr>
-          <p:cNvPr id="2" name="Title 1">
+          <p:cNvPr id="6" name="Title 5">
             <a:extLst>
               <a:ext uri="{FF2B5EF4-FFF2-40B4-BE49-F238E27FC236}">
-                <a16:creationId xmlns:a16="http://schemas.microsoft.com/office/drawing/2014/main" id="{2F4505E4-EFD5-E164-B1AC-EC8234DE29D1}"/>
+                <a16:creationId xmlns:a16="http://schemas.microsoft.com/office/drawing/2014/main" id="{F6BDF1F7-EB33-B27A-6E86-6C868F8C29E4}"/>
               </a:ext>
             </a:extLst>
           </p:cNvPr>
@@ -6760,29 +9107,312 @@
         </p:nvSpPr>
         <p:spPr>
           <a:xfrm>
-            <a:off x="6374887" y="1641860"/>
-            <a:ext cx="4204298" cy="1034728"/>
+            <a:off x="640080" y="251625"/>
+            <a:ext cx="4368602" cy="1956841"/>
           </a:xfrm>
         </p:spPr>
         <p:txBody>
-          <a:bodyPr vert="horz" lIns="91440" tIns="45720" rIns="91440" bIns="45720" rtlCol="0">
+          <a:bodyPr anchor="b">
             <a:normAutofit/>
           </a:bodyPr>
           <a:lstStyle/>
           <a:p>
             <a:r>
-              <a:rPr lang="en-US" sz="2800" dirty="0"/>
-              <a:t>Industry Challenges</a:t>
+              <a:rPr lang="en-CA" sz="4200" dirty="0"/>
+              <a:t>What is a Full Stack Application?</a:t>
             </a:r>
           </a:p>
         </p:txBody>
       </p:sp>
       <p:sp>
         <p:nvSpPr>
-          <p:cNvPr id="3" name="Content Placeholder 2">
+          <p:cNvPr id="42" name="sketchy line">
             <a:extLst>
               <a:ext uri="{FF2B5EF4-FFF2-40B4-BE49-F238E27FC236}">
-                <a16:creationId xmlns:a16="http://schemas.microsoft.com/office/drawing/2014/main" id="{A980222E-38B1-DB3C-DB74-22B5343D9DED}"/>
+                <a16:creationId xmlns:a16="http://schemas.microsoft.com/office/drawing/2014/main" id="{D4974D33-8DC5-464E-8C6D-BE58F0669C17}"/>
+              </a:ext>
+              <a:ext uri="{C183D7F6-B498-43B3-948B-1728B52AA6E4}">
+                <adec:decorative xmlns:adec="http://schemas.microsoft.com/office/drawing/2017/decorative" val="1"/>
+              </a:ext>
+            </a:extLst>
+          </p:cNvPr>
+          <p:cNvSpPr>
+            <a:spLocks noGrp="1" noRot="1" noChangeAspect="1" noMove="1" noResize="1" noEditPoints="1" noAdjustHandles="1" noChangeArrowheads="1" noChangeShapeType="1" noTextEdit="1"/>
+          </p:cNvSpPr>
+          <p:nvPr>
+            <p:extLst>
+              <p:ext uri="{386F3935-93C4-4BCD-93E2-E3B085C9AB24}">
+                <p16:designElem xmlns:p16="http://schemas.microsoft.com/office/powerpoint/2015/main" val="1"/>
+              </p:ext>
+            </p:extLst>
+          </p:nvPr>
+        </p:nvSpPr>
+        <p:spPr>
+          <a:xfrm>
+            <a:off x="640080" y="2586994"/>
+            <a:ext cx="3474720" cy="18288"/>
+          </a:xfrm>
+          <a:custGeom>
+            <a:avLst/>
+            <a:gdLst>
+              <a:gd name="connsiteX0" fmla="*/ 0 w 3474720"/>
+              <a:gd name="connsiteY0" fmla="*/ 0 h 18288"/>
+              <a:gd name="connsiteX1" fmla="*/ 694944 w 3474720"/>
+              <a:gd name="connsiteY1" fmla="*/ 0 h 18288"/>
+              <a:gd name="connsiteX2" fmla="*/ 1355141 w 3474720"/>
+              <a:gd name="connsiteY2" fmla="*/ 0 h 18288"/>
+              <a:gd name="connsiteX3" fmla="*/ 2015338 w 3474720"/>
+              <a:gd name="connsiteY3" fmla="*/ 0 h 18288"/>
+              <a:gd name="connsiteX4" fmla="*/ 2779776 w 3474720"/>
+              <a:gd name="connsiteY4" fmla="*/ 0 h 18288"/>
+              <a:gd name="connsiteX5" fmla="*/ 3474720 w 3474720"/>
+              <a:gd name="connsiteY5" fmla="*/ 0 h 18288"/>
+              <a:gd name="connsiteX6" fmla="*/ 3474720 w 3474720"/>
+              <a:gd name="connsiteY6" fmla="*/ 18288 h 18288"/>
+              <a:gd name="connsiteX7" fmla="*/ 2779776 w 3474720"/>
+              <a:gd name="connsiteY7" fmla="*/ 18288 h 18288"/>
+              <a:gd name="connsiteX8" fmla="*/ 2189074 w 3474720"/>
+              <a:gd name="connsiteY8" fmla="*/ 18288 h 18288"/>
+              <a:gd name="connsiteX9" fmla="*/ 1528877 w 3474720"/>
+              <a:gd name="connsiteY9" fmla="*/ 18288 h 18288"/>
+              <a:gd name="connsiteX10" fmla="*/ 868680 w 3474720"/>
+              <a:gd name="connsiteY10" fmla="*/ 18288 h 18288"/>
+              <a:gd name="connsiteX11" fmla="*/ 0 w 3474720"/>
+              <a:gd name="connsiteY11" fmla="*/ 18288 h 18288"/>
+              <a:gd name="connsiteX12" fmla="*/ 0 w 3474720"/>
+              <a:gd name="connsiteY12" fmla="*/ 0 h 18288"/>
+            </a:gdLst>
+            <a:ahLst/>
+            <a:cxnLst>
+              <a:cxn ang="0">
+                <a:pos x="connsiteX0" y="connsiteY0"/>
+              </a:cxn>
+              <a:cxn ang="0">
+                <a:pos x="connsiteX1" y="connsiteY1"/>
+              </a:cxn>
+              <a:cxn ang="0">
+                <a:pos x="connsiteX2" y="connsiteY2"/>
+              </a:cxn>
+              <a:cxn ang="0">
+                <a:pos x="connsiteX3" y="connsiteY3"/>
+              </a:cxn>
+              <a:cxn ang="0">
+                <a:pos x="connsiteX4" y="connsiteY4"/>
+              </a:cxn>
+              <a:cxn ang="0">
+                <a:pos x="connsiteX5" y="connsiteY5"/>
+              </a:cxn>
+              <a:cxn ang="0">
+                <a:pos x="connsiteX6" y="connsiteY6"/>
+              </a:cxn>
+              <a:cxn ang="0">
+                <a:pos x="connsiteX7" y="connsiteY7"/>
+              </a:cxn>
+              <a:cxn ang="0">
+                <a:pos x="connsiteX8" y="connsiteY8"/>
+              </a:cxn>
+              <a:cxn ang="0">
+                <a:pos x="connsiteX9" y="connsiteY9"/>
+              </a:cxn>
+              <a:cxn ang="0">
+                <a:pos x="connsiteX10" y="connsiteY10"/>
+              </a:cxn>
+              <a:cxn ang="0">
+                <a:pos x="connsiteX11" y="connsiteY11"/>
+              </a:cxn>
+              <a:cxn ang="0">
+                <a:pos x="connsiteX12" y="connsiteY12"/>
+              </a:cxn>
+            </a:cxnLst>
+            <a:rect l="l" t="t" r="r" b="b"/>
+            <a:pathLst>
+              <a:path w="3474720" h="18288" fill="none" extrusionOk="0">
+                <a:moveTo>
+                  <a:pt x="0" y="0"/>
+                </a:moveTo>
+                <a:cubicBezTo>
+                  <a:pt x="224454" y="-14544"/>
+                  <a:pt x="495407" y="26540"/>
+                  <a:pt x="694944" y="0"/>
+                </a:cubicBezTo>
+                <a:cubicBezTo>
+                  <a:pt x="894481" y="-26540"/>
+                  <a:pt x="1130063" y="24713"/>
+                  <a:pt x="1355141" y="0"/>
+                </a:cubicBezTo>
+                <a:cubicBezTo>
+                  <a:pt x="1580219" y="-24713"/>
+                  <a:pt x="1820099" y="26695"/>
+                  <a:pt x="2015338" y="0"/>
+                </a:cubicBezTo>
+                <a:cubicBezTo>
+                  <a:pt x="2210577" y="-26695"/>
+                  <a:pt x="2402045" y="165"/>
+                  <a:pt x="2779776" y="0"/>
+                </a:cubicBezTo>
+                <a:cubicBezTo>
+                  <a:pt x="3157507" y="-165"/>
+                  <a:pt x="3286859" y="-15571"/>
+                  <a:pt x="3474720" y="0"/>
+                </a:cubicBezTo>
+                <a:cubicBezTo>
+                  <a:pt x="3474286" y="7551"/>
+                  <a:pt x="3474253" y="9822"/>
+                  <a:pt x="3474720" y="18288"/>
+                </a:cubicBezTo>
+                <a:cubicBezTo>
+                  <a:pt x="3233904" y="29845"/>
+                  <a:pt x="2945134" y="-5256"/>
+                  <a:pt x="2779776" y="18288"/>
+                </a:cubicBezTo>
+                <a:cubicBezTo>
+                  <a:pt x="2614418" y="41832"/>
+                  <a:pt x="2339768" y="22709"/>
+                  <a:pt x="2189074" y="18288"/>
+                </a:cubicBezTo>
+                <a:cubicBezTo>
+                  <a:pt x="2038380" y="13867"/>
+                  <a:pt x="1817434" y="-4947"/>
+                  <a:pt x="1528877" y="18288"/>
+                </a:cubicBezTo>
+                <a:cubicBezTo>
+                  <a:pt x="1240320" y="41523"/>
+                  <a:pt x="1042447" y="37198"/>
+                  <a:pt x="868680" y="18288"/>
+                </a:cubicBezTo>
+                <a:cubicBezTo>
+                  <a:pt x="694913" y="-622"/>
+                  <a:pt x="233232" y="44909"/>
+                  <a:pt x="0" y="18288"/>
+                </a:cubicBezTo>
+                <a:cubicBezTo>
+                  <a:pt x="60" y="11696"/>
+                  <a:pt x="66" y="3758"/>
+                  <a:pt x="0" y="0"/>
+                </a:cubicBezTo>
+                <a:close/>
+              </a:path>
+              <a:path w="3474720" h="18288" stroke="0" extrusionOk="0">
+                <a:moveTo>
+                  <a:pt x="0" y="0"/>
+                </a:moveTo>
+                <a:cubicBezTo>
+                  <a:pt x="202328" y="-14716"/>
+                  <a:pt x="332722" y="-11499"/>
+                  <a:pt x="625450" y="0"/>
+                </a:cubicBezTo>
+                <a:cubicBezTo>
+                  <a:pt x="918178" y="11499"/>
+                  <a:pt x="1096688" y="5123"/>
+                  <a:pt x="1389888" y="0"/>
+                </a:cubicBezTo>
+                <a:cubicBezTo>
+                  <a:pt x="1683088" y="-5123"/>
+                  <a:pt x="1835981" y="-14038"/>
+                  <a:pt x="1980590" y="0"/>
+                </a:cubicBezTo>
+                <a:cubicBezTo>
+                  <a:pt x="2125199" y="14038"/>
+                  <a:pt x="2396099" y="-7203"/>
+                  <a:pt x="2571293" y="0"/>
+                </a:cubicBezTo>
+                <a:cubicBezTo>
+                  <a:pt x="2746487" y="7203"/>
+                  <a:pt x="3041609" y="-12036"/>
+                  <a:pt x="3474720" y="0"/>
+                </a:cubicBezTo>
+                <a:cubicBezTo>
+                  <a:pt x="3474638" y="4406"/>
+                  <a:pt x="3474631" y="9982"/>
+                  <a:pt x="3474720" y="18288"/>
+                </a:cubicBezTo>
+                <a:cubicBezTo>
+                  <a:pt x="3324873" y="21876"/>
+                  <a:pt x="3136771" y="12587"/>
+                  <a:pt x="2814523" y="18288"/>
+                </a:cubicBezTo>
+                <a:cubicBezTo>
+                  <a:pt x="2492275" y="23989"/>
+                  <a:pt x="2294402" y="47111"/>
+                  <a:pt x="2154326" y="18288"/>
+                </a:cubicBezTo>
+                <a:cubicBezTo>
+                  <a:pt x="2014250" y="-10535"/>
+                  <a:pt x="1820317" y="33903"/>
+                  <a:pt x="1494130" y="18288"/>
+                </a:cubicBezTo>
+                <a:cubicBezTo>
+                  <a:pt x="1167943" y="2673"/>
+                  <a:pt x="948432" y="14868"/>
+                  <a:pt x="729691" y="18288"/>
+                </a:cubicBezTo>
+                <a:cubicBezTo>
+                  <a:pt x="510950" y="21708"/>
+                  <a:pt x="264032" y="24354"/>
+                  <a:pt x="0" y="18288"/>
+                </a:cubicBezTo>
+                <a:cubicBezTo>
+                  <a:pt x="189" y="14288"/>
+                  <a:pt x="-703" y="3747"/>
+                  <a:pt x="0" y="0"/>
+                </a:cubicBezTo>
+                <a:close/>
+              </a:path>
+            </a:pathLst>
+          </a:custGeom>
+          <a:solidFill>
+            <a:schemeClr val="accent2"/>
+          </a:solidFill>
+          <a:ln w="44450" cap="rnd">
+            <a:solidFill>
+              <a:schemeClr val="accent2"/>
+            </a:solidFill>
+            <a:round/>
+            <a:extLst>
+              <a:ext uri="{C807C97D-BFC1-408E-A445-0C87EB9F89A2}">
+                <ask:lineSketchStyleProps xmlns:ask="http://schemas.microsoft.com/office/drawing/2018/sketchyshapes" sd="2863741219">
+                  <a:prstGeom prst="rect">
+                    <a:avLst/>
+                  </a:prstGeom>
+                  <ask:type>
+                    <ask:lineSketchFreehand/>
+                  </ask:type>
+                </ask:lineSketchStyleProps>
+              </a:ext>
+            </a:extLst>
+          </a:ln>
+        </p:spPr>
+        <p:style>
+          <a:lnRef idx="2">
+            <a:schemeClr val="accent1">
+              <a:shade val="50000"/>
+            </a:schemeClr>
+          </a:lnRef>
+          <a:fillRef idx="1">
+            <a:schemeClr val="accent1"/>
+          </a:fillRef>
+          <a:effectRef idx="0">
+            <a:schemeClr val="accent1"/>
+          </a:effectRef>
+          <a:fontRef idx="minor">
+            <a:schemeClr val="lt1"/>
+          </a:fontRef>
+        </p:style>
+        <p:txBody>
+          <a:bodyPr rtlCol="0" anchor="ctr"/>
+          <a:lstStyle/>
+          <a:p>
+            <a:pPr algn="ctr"/>
+            <a:endParaRPr lang="en-US"/>
+          </a:p>
+        </p:txBody>
+      </p:sp>
+      <p:sp>
+        <p:nvSpPr>
+          <p:cNvPr id="8" name="Content Placeholder 7">
+            <a:extLst>
+              <a:ext uri="{FF2B5EF4-FFF2-40B4-BE49-F238E27FC236}">
+                <a16:creationId xmlns:a16="http://schemas.microsoft.com/office/drawing/2014/main" id="{6D6322A6-D170-89B2-8CBB-10B034C6794A}"/>
               </a:ext>
             </a:extLst>
           </p:cNvPr>
@@ -6795,43 +9425,164 @@
         </p:nvSpPr>
         <p:spPr>
           <a:xfrm>
-            <a:off x="6096001" y="2676588"/>
-            <a:ext cx="4653064" cy="2702808"/>
+            <a:off x="640080" y="2872899"/>
+            <a:ext cx="4243589" cy="3320668"/>
           </a:xfrm>
         </p:spPr>
         <p:txBody>
-          <a:bodyPr vert="horz" lIns="91440" tIns="45720" rIns="91440" bIns="45720" rtlCol="0">
+          <a:bodyPr>
             <a:normAutofit/>
           </a:bodyPr>
           <a:lstStyle/>
           <a:p>
-            <a:pPr lvl="1">
-              <a:lnSpc>
-                <a:spcPct val="90000"/>
-              </a:lnSpc>
-            </a:pPr>
             <a:r>
-              <a:rPr lang="en-US" sz="1700" dirty="0">
-                <a:latin typeface="+mn-lt"/>
-              </a:rPr>
-              <a:t>Difficulty in keeping track of caregivers and their aligned patients</a:t>
-            </a:r>
-          </a:p>
-          <a:p>
-            <a:pPr lvl="1">
-              <a:lnSpc>
-                <a:spcPct val="90000"/>
-              </a:lnSpc>
-            </a:pPr>
-            <a:r>
-              <a:rPr lang="en-US" sz="1700" dirty="0">
-                <a:latin typeface="+mn-lt"/>
-              </a:rPr>
-              <a:t>Outsourcing patient information management technologies</a:t>
+              <a:rPr lang="en-CA" sz="2200" dirty="0"/>
+              <a:t>An end-to-end application software made up of components (stacks) that include both back (server components) and front end (client components)</a:t>
             </a:r>
           </a:p>
         </p:txBody>
       </p:sp>
+      <p:pic>
+        <p:nvPicPr>
+          <p:cNvPr id="5" name="Picture 4" descr="Different coloured question marks">
+            <a:extLst>
+              <a:ext uri="{FF2B5EF4-FFF2-40B4-BE49-F238E27FC236}">
+                <a16:creationId xmlns:a16="http://schemas.microsoft.com/office/drawing/2014/main" id="{FE04DB18-7660-7F8A-C506-3176D6AC90FA}"/>
+              </a:ext>
+            </a:extLst>
+          </p:cNvPr>
+          <p:cNvPicPr>
+            <a:picLocks noChangeAspect="1"/>
+          </p:cNvPicPr>
+          <p:nvPr/>
+        </p:nvPicPr>
+        <p:blipFill rotWithShape="1">
+          <a:blip r:embed="rId2"/>
+          <a:srcRect l="9858" r="33722"/>
+          <a:stretch/>
+        </p:blipFill>
+        <p:spPr>
+          <a:xfrm>
+            <a:off x="5311702" y="10"/>
+            <a:ext cx="6878775" cy="6857990"/>
+          </a:xfrm>
+          <a:custGeom>
+            <a:avLst/>
+            <a:gdLst/>
+            <a:ahLst/>
+            <a:cxnLst/>
+            <a:rect l="l" t="t" r="r" b="b"/>
+            <a:pathLst>
+              <a:path w="6878775" h="6858000">
+                <a:moveTo>
+                  <a:pt x="1102973" y="0"/>
+                </a:moveTo>
+                <a:lnTo>
+                  <a:pt x="1160688" y="0"/>
+                </a:lnTo>
+                <a:lnTo>
+                  <a:pt x="983189" y="331786"/>
+                </a:lnTo>
+                <a:cubicBezTo>
+                  <a:pt x="914866" y="469145"/>
+                  <a:pt x="850355" y="608712"/>
+                  <a:pt x="789261" y="750263"/>
+                </a:cubicBezTo>
+                <a:cubicBezTo>
+                  <a:pt x="774307" y="784928"/>
+                  <a:pt x="759992" y="819849"/>
+                  <a:pt x="745295" y="854514"/>
+                </a:cubicBezTo>
+                <a:cubicBezTo>
+                  <a:pt x="756682" y="845393"/>
+                  <a:pt x="765489" y="833492"/>
+                  <a:pt x="770857" y="819975"/>
+                </a:cubicBezTo>
+                <a:cubicBezTo>
+                  <a:pt x="879943" y="589569"/>
+                  <a:pt x="999605" y="365513"/>
+                  <a:pt x="1131329" y="148742"/>
+                </a:cubicBezTo>
+                <a:lnTo>
+                  <a:pt x="1227589" y="0"/>
+                </a:lnTo>
+                <a:lnTo>
+                  <a:pt x="6878775" y="0"/>
+                </a:lnTo>
+                <a:lnTo>
+                  <a:pt x="6878775" y="6858000"/>
+                </a:lnTo>
+                <a:lnTo>
+                  <a:pt x="713521" y="6858000"/>
+                </a:lnTo>
+                <a:lnTo>
+                  <a:pt x="625642" y="6670527"/>
+                </a:lnTo>
+                <a:cubicBezTo>
+                  <a:pt x="507232" y="6398531"/>
+                  <a:pt x="403083" y="6118381"/>
+                  <a:pt x="312785" y="5830359"/>
+                </a:cubicBezTo>
+                <a:cubicBezTo>
+                  <a:pt x="278149" y="5719759"/>
+                  <a:pt x="248879" y="5607635"/>
+                  <a:pt x="212198" y="5480401"/>
+                </a:cubicBezTo>
+                <a:cubicBezTo>
+                  <a:pt x="212208" y="5491601"/>
+                  <a:pt x="212803" y="5502788"/>
+                  <a:pt x="213988" y="5513923"/>
+                </a:cubicBezTo>
+                <a:cubicBezTo>
+                  <a:pt x="264089" y="5723695"/>
+                  <a:pt x="307290" y="5935370"/>
+                  <a:pt x="365826" y="6142729"/>
+                </a:cubicBezTo>
+                <a:cubicBezTo>
+                  <a:pt x="433152" y="6380817"/>
+                  <a:pt x="510068" y="6614016"/>
+                  <a:pt x="597975" y="6841549"/>
+                </a:cubicBezTo>
+                <a:lnTo>
+                  <a:pt x="604824" y="6858000"/>
+                </a:lnTo>
+                <a:lnTo>
+                  <a:pt x="552056" y="6858000"/>
+                </a:lnTo>
+                <a:lnTo>
+                  <a:pt x="539576" y="6828295"/>
+                </a:lnTo>
+                <a:cubicBezTo>
+                  <a:pt x="380597" y="6414594"/>
+                  <a:pt x="260223" y="5988893"/>
+                  <a:pt x="171555" y="5552906"/>
+                </a:cubicBezTo>
+                <a:cubicBezTo>
+                  <a:pt x="91163" y="5157998"/>
+                  <a:pt x="43746" y="4758899"/>
+                  <a:pt x="12305" y="4357388"/>
+                </a:cubicBezTo>
+                <a:cubicBezTo>
+                  <a:pt x="-14281" y="4013908"/>
+                  <a:pt x="4507" y="3672965"/>
+                  <a:pt x="46684" y="3331516"/>
+                </a:cubicBezTo>
+                <a:cubicBezTo>
+                  <a:pt x="127203" y="2664286"/>
+                  <a:pt x="277819" y="2007265"/>
+                  <a:pt x="496065" y="1371196"/>
+                </a:cubicBezTo>
+                <a:cubicBezTo>
+                  <a:pt x="636273" y="966066"/>
+                  <a:pt x="800445" y="573253"/>
+                  <a:pt x="995723" y="196614"/>
+                </a:cubicBezTo>
+                <a:close/>
+              </a:path>
+            </a:pathLst>
+          </a:custGeom>
+        </p:spPr>
+      </p:pic>
     </p:spTree>
     <p:extLst>
       <p:ext uri="{BB962C8B-B14F-4D97-AF65-F5344CB8AC3E}">
@@ -6842,6 +9593,674 @@
   <p:clrMapOvr>
     <a:masterClrMapping/>
   </p:clrMapOvr>
+  <p:transition spd="slow">
+    <p:wipe/>
+  </p:transition>
+</p:sld>
+</file>
+
+<file path=ppt/slides/slide3.xml><?xml version="1.0" encoding="utf-8"?>
+<p:sld xmlns:a="http://schemas.openxmlformats.org/drawingml/2006/main" xmlns:r="http://schemas.openxmlformats.org/officeDocument/2006/relationships" xmlns:p="http://schemas.openxmlformats.org/presentationml/2006/main">
+  <p:cSld>
+    <p:bg>
+      <p:bgPr>
+        <a:solidFill>
+          <a:schemeClr val="bg1"/>
+        </a:solidFill>
+        <a:effectLst/>
+      </p:bgPr>
+    </p:bg>
+    <p:spTree>
+      <p:nvGrpSpPr>
+        <p:cNvPr id="1" name=""/>
+        <p:cNvGrpSpPr/>
+        <p:nvPr/>
+      </p:nvGrpSpPr>
+      <p:grpSpPr>
+        <a:xfrm>
+          <a:off x="0" y="0"/>
+          <a:ext cx="0" cy="0"/>
+          <a:chOff x="0" y="0"/>
+          <a:chExt cx="0" cy="0"/>
+        </a:xfrm>
+      </p:grpSpPr>
+      <p:sp useBgFill="1">
+        <p:nvSpPr>
+          <p:cNvPr id="73" name="Rectangle 72">
+            <a:extLst>
+              <a:ext uri="{FF2B5EF4-FFF2-40B4-BE49-F238E27FC236}">
+                <a16:creationId xmlns:a16="http://schemas.microsoft.com/office/drawing/2014/main" id="{201CC55D-ED54-4C5C-95E6-10947BD1103B}"/>
+              </a:ext>
+              <a:ext uri="{C183D7F6-B498-43B3-948B-1728B52AA6E4}">
+                <adec:decorative xmlns:adec="http://schemas.microsoft.com/office/drawing/2017/decorative" val="1"/>
+              </a:ext>
+            </a:extLst>
+          </p:cNvPr>
+          <p:cNvSpPr>
+            <a:spLocks noGrp="1" noRot="1" noChangeAspect="1" noMove="1" noResize="1" noEditPoints="1" noAdjustHandles="1" noChangeArrowheads="1" noChangeShapeType="1" noTextEdit="1"/>
+          </p:cNvSpPr>
+          <p:nvPr>
+            <p:extLst>
+              <p:ext uri="{386F3935-93C4-4BCD-93E2-E3B085C9AB24}">
+                <p16:designElem xmlns:p16="http://schemas.microsoft.com/office/powerpoint/2015/main" val="1"/>
+              </p:ext>
+            </p:extLst>
+          </p:nvPr>
+        </p:nvSpPr>
+        <p:spPr>
+          <a:xfrm>
+            <a:off x="0" y="0"/>
+            <a:ext cx="12191999" cy="6857365"/>
+          </a:xfrm>
+          <a:prstGeom prst="rect">
+            <a:avLst/>
+          </a:prstGeom>
+          <a:ln>
+            <a:noFill/>
+          </a:ln>
+        </p:spPr>
+        <p:style>
+          <a:lnRef idx="2">
+            <a:schemeClr val="accent1">
+              <a:shade val="50000"/>
+            </a:schemeClr>
+          </a:lnRef>
+          <a:fillRef idx="1">
+            <a:schemeClr val="accent1"/>
+          </a:fillRef>
+          <a:effectRef idx="0">
+            <a:schemeClr val="accent1"/>
+          </a:effectRef>
+          <a:fontRef idx="minor">
+            <a:schemeClr val="lt1"/>
+          </a:fontRef>
+        </p:style>
+        <p:txBody>
+          <a:bodyPr rtlCol="0" anchor="ctr"/>
+          <a:lstStyle/>
+          <a:p>
+            <a:pPr algn="ctr"/>
+            <a:endParaRPr lang="en-US"/>
+          </a:p>
+        </p:txBody>
+      </p:sp>
+      <p:sp>
+        <p:nvSpPr>
+          <p:cNvPr id="2" name="Title 1">
+            <a:extLst>
+              <a:ext uri="{FF2B5EF4-FFF2-40B4-BE49-F238E27FC236}">
+                <a16:creationId xmlns:a16="http://schemas.microsoft.com/office/drawing/2014/main" id="{C252D21F-55BF-A6E0-DAB9-BBE5C2FCB6B1}"/>
+              </a:ext>
+            </a:extLst>
+          </p:cNvPr>
+          <p:cNvSpPr>
+            <a:spLocks noGrp="1"/>
+          </p:cNvSpPr>
+          <p:nvPr>
+            <p:ph type="title"/>
+          </p:nvPr>
+        </p:nvSpPr>
+        <p:spPr>
+          <a:xfrm>
+            <a:off x="589560" y="856180"/>
+            <a:ext cx="4560584" cy="1128068"/>
+          </a:xfrm>
+        </p:spPr>
+        <p:txBody>
+          <a:bodyPr vert="horz" lIns="91440" tIns="45720" rIns="91440" bIns="45720" rtlCol="0" anchor="ctr">
+            <a:normAutofit/>
+          </a:bodyPr>
+          <a:lstStyle/>
+          <a:p>
+            <a:pPr algn="ctr"/>
+            <a:r>
+              <a:rPr lang="en-US" sz="3700" dirty="0"/>
+              <a:t>Front-end Component (Vue.js)</a:t>
+            </a:r>
+          </a:p>
+        </p:txBody>
+      </p:sp>
+      <p:grpSp>
+        <p:nvGrpSpPr>
+          <p:cNvPr id="75" name="Group 74">
+            <a:extLst>
+              <a:ext uri="{FF2B5EF4-FFF2-40B4-BE49-F238E27FC236}">
+                <a16:creationId xmlns:a16="http://schemas.microsoft.com/office/drawing/2014/main" id="{1DE889C7-FAD6-4397-98E2-05D503484459}"/>
+              </a:ext>
+              <a:ext uri="{C183D7F6-B498-43B3-948B-1728B52AA6E4}">
+                <adec:decorative xmlns:adec="http://schemas.microsoft.com/office/drawing/2017/decorative" val="1"/>
+              </a:ext>
+            </a:extLst>
+          </p:cNvPr>
+          <p:cNvGrpSpPr>
+            <a:grpSpLocks noGrp="1" noUngrp="1" noRot="1" noChangeAspect="1" noMove="1" noResize="1"/>
+          </p:cNvGrpSpPr>
+          <p:nvPr>
+            <p:extLst>
+              <p:ext uri="{386F3935-93C4-4BCD-93E2-E3B085C9AB24}">
+                <p16:designElem xmlns:p16="http://schemas.microsoft.com/office/powerpoint/2015/main" val="1"/>
+              </p:ext>
+            </p:extLst>
+          </p:nvPr>
+        </p:nvGrpSpPr>
+        <p:grpSpPr>
+          <a:xfrm>
+            <a:off x="0" y="1083484"/>
+            <a:ext cx="355196" cy="673460"/>
+            <a:chOff x="0" y="823811"/>
+            <a:chExt cx="355196" cy="673460"/>
+          </a:xfrm>
+        </p:grpSpPr>
+        <p:sp>
+          <p:nvSpPr>
+            <p:cNvPr id="76" name="Rectangle 75">
+              <a:extLst>
+                <a:ext uri="{FF2B5EF4-FFF2-40B4-BE49-F238E27FC236}">
+                  <a16:creationId xmlns:a16="http://schemas.microsoft.com/office/drawing/2014/main" id="{F399A70F-F8CD-4992-9EF5-6CF15472E73F}"/>
+                </a:ext>
+                <a:ext uri="{C183D7F6-B498-43B3-948B-1728B52AA6E4}">
+                  <adec:decorative xmlns:adec="http://schemas.microsoft.com/office/drawing/2017/decorative" val="1"/>
+                </a:ext>
+              </a:extLst>
+            </p:cNvPr>
+            <p:cNvSpPr/>
+            <p:nvPr>
+              <p:extLst>
+                <p:ext uri="{386F3935-93C4-4BCD-93E2-E3B085C9AB24}">
+                  <p16:designElem xmlns:p16="http://schemas.microsoft.com/office/powerpoint/2015/main" val="1"/>
+                </p:ext>
+              </p:extLst>
+            </p:nvPr>
+          </p:nvSpPr>
+          <p:spPr>
+            <a:xfrm>
+              <a:off x="0" y="823811"/>
+              <a:ext cx="87363" cy="673460"/>
+            </a:xfrm>
+            <a:prstGeom prst="rect">
+              <a:avLst/>
+            </a:prstGeom>
+            <a:solidFill>
+              <a:schemeClr val="accent4"/>
+            </a:solidFill>
+            <a:ln>
+              <a:noFill/>
+            </a:ln>
+          </p:spPr>
+          <p:style>
+            <a:lnRef idx="2">
+              <a:schemeClr val="accent1">
+                <a:shade val="50000"/>
+              </a:schemeClr>
+            </a:lnRef>
+            <a:fillRef idx="1">
+              <a:schemeClr val="accent1"/>
+            </a:fillRef>
+            <a:effectRef idx="0">
+              <a:schemeClr val="accent1"/>
+            </a:effectRef>
+            <a:fontRef idx="minor">
+              <a:schemeClr val="lt1"/>
+            </a:fontRef>
+          </p:style>
+          <p:txBody>
+            <a:bodyPr rtlCol="0" anchor="ctr"/>
+            <a:lstStyle/>
+            <a:p>
+              <a:pPr algn="ctr"/>
+              <a:endParaRPr lang="en-US"/>
+            </a:p>
+          </p:txBody>
+        </p:sp>
+        <p:sp>
+          <p:nvSpPr>
+            <p:cNvPr id="77" name="Rectangle 76">
+              <a:extLst>
+                <a:ext uri="{FF2B5EF4-FFF2-40B4-BE49-F238E27FC236}">
+                  <a16:creationId xmlns:a16="http://schemas.microsoft.com/office/drawing/2014/main" id="{48F4FEDC-6D80-458C-A665-075D9B9500FD}"/>
+                </a:ext>
+                <a:ext uri="{C183D7F6-B498-43B3-948B-1728B52AA6E4}">
+                  <adec:decorative xmlns:adec="http://schemas.microsoft.com/office/drawing/2017/decorative" val="1"/>
+                </a:ext>
+              </a:extLst>
+            </p:cNvPr>
+            <p:cNvSpPr/>
+            <p:nvPr>
+              <p:extLst>
+                <p:ext uri="{386F3935-93C4-4BCD-93E2-E3B085C9AB24}">
+                  <p16:designElem xmlns:p16="http://schemas.microsoft.com/office/powerpoint/2015/main" val="1"/>
+                </p:ext>
+              </p:extLst>
+            </p:nvPr>
+          </p:nvSpPr>
+          <p:spPr>
+            <a:xfrm>
+              <a:off x="159341" y="823811"/>
+              <a:ext cx="195855" cy="673460"/>
+            </a:xfrm>
+            <a:prstGeom prst="rect">
+              <a:avLst/>
+            </a:prstGeom>
+            <a:solidFill>
+              <a:schemeClr val="accent4"/>
+            </a:solidFill>
+            <a:ln>
+              <a:noFill/>
+            </a:ln>
+          </p:spPr>
+          <p:style>
+            <a:lnRef idx="2">
+              <a:schemeClr val="accent1">
+                <a:shade val="50000"/>
+              </a:schemeClr>
+            </a:lnRef>
+            <a:fillRef idx="1">
+              <a:schemeClr val="accent1"/>
+            </a:fillRef>
+            <a:effectRef idx="0">
+              <a:schemeClr val="accent1"/>
+            </a:effectRef>
+            <a:fontRef idx="minor">
+              <a:schemeClr val="lt1"/>
+            </a:fontRef>
+          </p:style>
+          <p:txBody>
+            <a:bodyPr rtlCol="0" anchor="ctr"/>
+            <a:lstStyle/>
+            <a:p>
+              <a:pPr algn="ctr"/>
+              <a:endParaRPr lang="en-US"/>
+            </a:p>
+          </p:txBody>
+        </p:sp>
+      </p:grpSp>
+      <p:sp>
+        <p:nvSpPr>
+          <p:cNvPr id="79" name="Rectangle 78">
+            <a:extLst>
+              <a:ext uri="{FF2B5EF4-FFF2-40B4-BE49-F238E27FC236}">
+                <a16:creationId xmlns:a16="http://schemas.microsoft.com/office/drawing/2014/main" id="{3873B707-463F-40B0-8227-E8CC6C67EB25}"/>
+              </a:ext>
+              <a:ext uri="{C183D7F6-B498-43B3-948B-1728B52AA6E4}">
+                <adec:decorative xmlns:adec="http://schemas.microsoft.com/office/drawing/2017/decorative" val="1"/>
+              </a:ext>
+            </a:extLst>
+          </p:cNvPr>
+          <p:cNvSpPr>
+            <a:spLocks noGrp="1" noRot="1" noChangeAspect="1" noMove="1" noResize="1" noEditPoints="1" noAdjustHandles="1" noChangeArrowheads="1" noChangeShapeType="1" noTextEdit="1"/>
+          </p:cNvSpPr>
+          <p:nvPr>
+            <p:extLst>
+              <p:ext uri="{386F3935-93C4-4BCD-93E2-E3B085C9AB24}">
+                <p16:designElem xmlns:p16="http://schemas.microsoft.com/office/powerpoint/2015/main" val="1"/>
+              </p:ext>
+            </p:extLst>
+          </p:nvPr>
+        </p:nvSpPr>
+        <p:spPr>
+          <a:xfrm flipH="1">
+            <a:off x="665085" y="2090569"/>
+            <a:ext cx="4297680" cy="27432"/>
+          </a:xfrm>
+          <a:prstGeom prst="rect">
+            <a:avLst/>
+          </a:prstGeom>
+          <a:solidFill>
+            <a:schemeClr val="accent4"/>
+          </a:solidFill>
+          <a:ln>
+            <a:noFill/>
+          </a:ln>
+        </p:spPr>
+        <p:style>
+          <a:lnRef idx="2">
+            <a:schemeClr val="accent1">
+              <a:shade val="50000"/>
+            </a:schemeClr>
+          </a:lnRef>
+          <a:fillRef idx="1">
+            <a:schemeClr val="accent1"/>
+          </a:fillRef>
+          <a:effectRef idx="0">
+            <a:schemeClr val="accent1"/>
+          </a:effectRef>
+          <a:fontRef idx="minor">
+            <a:schemeClr val="lt1"/>
+          </a:fontRef>
+        </p:style>
+        <p:txBody>
+          <a:bodyPr rtlCol="0" anchor="ctr"/>
+          <a:lstStyle/>
+          <a:p>
+            <a:pPr algn="ctr"/>
+            <a:endParaRPr lang="en-US"/>
+          </a:p>
+        </p:txBody>
+      </p:sp>
+      <p:sp>
+        <p:nvSpPr>
+          <p:cNvPr id="68" name="Content Placeholder 2">
+            <a:extLst>
+              <a:ext uri="{FF2B5EF4-FFF2-40B4-BE49-F238E27FC236}">
+                <a16:creationId xmlns:a16="http://schemas.microsoft.com/office/drawing/2014/main" id="{18F61F5D-9726-C825-F451-306DE5E49649}"/>
+              </a:ext>
+            </a:extLst>
+          </p:cNvPr>
+          <p:cNvSpPr>
+            <a:spLocks noGrp="1"/>
+          </p:cNvSpPr>
+          <p:nvPr>
+            <p:ph idx="1"/>
+          </p:nvPr>
+        </p:nvSpPr>
+        <p:spPr>
+          <a:xfrm>
+            <a:off x="590719" y="2330505"/>
+            <a:ext cx="4559425" cy="3979585"/>
+          </a:xfrm>
+        </p:spPr>
+        <p:txBody>
+          <a:bodyPr vert="horz" lIns="91440" tIns="45720" rIns="91440" bIns="45720" rtlCol="0" anchor="ctr">
+            <a:normAutofit/>
+          </a:bodyPr>
+          <a:lstStyle/>
+          <a:p>
+            <a:pPr>
+              <a:buFont typeface="Wingdings" panose="05000000000000000000" pitchFamily="2" charset="2"/>
+              <a:buChar char="§"/>
+            </a:pPr>
+            <a:r>
+              <a:rPr lang="en-US" sz="2000" dirty="0"/>
+              <a:t>A highly adaptable JavaScript framework used to create interactive user interfaces.</a:t>
+            </a:r>
+          </a:p>
+          <a:p>
+            <a:pPr>
+              <a:buFont typeface="Wingdings" panose="05000000000000000000" pitchFamily="2" charset="2"/>
+              <a:buChar char="§"/>
+            </a:pPr>
+            <a:r>
+              <a:rPr lang="en-US" sz="2000" dirty="0"/>
+              <a:t>It has a mildly steep learning curve for beginners because of its simple and light weight nature.</a:t>
+            </a:r>
+          </a:p>
+          <a:p>
+            <a:pPr>
+              <a:buFont typeface="Wingdings" panose="05000000000000000000" pitchFamily="2" charset="2"/>
+              <a:buChar char="§"/>
+            </a:pPr>
+            <a:r>
+              <a:rPr lang="en-US" sz="2000" dirty="0"/>
+              <a:t>Due to its lightweight properties, pages developed in Vue are highly responsive and have a short load time as compared to other JavaScript Frameworks</a:t>
+            </a:r>
+          </a:p>
+        </p:txBody>
+      </p:sp>
+      <p:sp>
+        <p:nvSpPr>
+          <p:cNvPr id="81" name="Rectangle 80">
+            <a:extLst>
+              <a:ext uri="{FF2B5EF4-FFF2-40B4-BE49-F238E27FC236}">
+                <a16:creationId xmlns:a16="http://schemas.microsoft.com/office/drawing/2014/main" id="{C13237C8-E62C-4F0D-A318-BD6FB6C2D138}"/>
+              </a:ext>
+              <a:ext uri="{C183D7F6-B498-43B3-948B-1728B52AA6E4}">
+                <adec:decorative xmlns:adec="http://schemas.microsoft.com/office/drawing/2017/decorative" val="1"/>
+              </a:ext>
+            </a:extLst>
+          </p:cNvPr>
+          <p:cNvSpPr>
+            <a:spLocks noGrp="1" noRot="1" noChangeAspect="1" noMove="1" noResize="1" noEditPoints="1" noAdjustHandles="1" noChangeArrowheads="1" noChangeShapeType="1" noTextEdit="1"/>
+          </p:cNvSpPr>
+          <p:nvPr>
+            <p:extLst>
+              <p:ext uri="{386F3935-93C4-4BCD-93E2-E3B085C9AB24}">
+                <p16:designElem xmlns:p16="http://schemas.microsoft.com/office/powerpoint/2015/main" val="1"/>
+              </p:ext>
+            </p:extLst>
+          </p:nvPr>
+        </p:nvSpPr>
+        <p:spPr>
+          <a:xfrm flipH="1">
+            <a:off x="10697670" y="0"/>
+            <a:ext cx="1494330" cy="6858000"/>
+          </a:xfrm>
+          <a:prstGeom prst="rect">
+            <a:avLst/>
+          </a:prstGeom>
+          <a:solidFill>
+            <a:schemeClr val="accent4"/>
+          </a:solidFill>
+          <a:ln>
+            <a:noFill/>
+          </a:ln>
+        </p:spPr>
+        <p:style>
+          <a:lnRef idx="2">
+            <a:schemeClr val="accent1">
+              <a:shade val="50000"/>
+            </a:schemeClr>
+          </a:lnRef>
+          <a:fillRef idx="1">
+            <a:schemeClr val="accent1"/>
+          </a:fillRef>
+          <a:effectRef idx="0">
+            <a:schemeClr val="accent1"/>
+          </a:effectRef>
+          <a:fontRef idx="minor">
+            <a:schemeClr val="lt1"/>
+          </a:fontRef>
+        </p:style>
+        <p:txBody>
+          <a:bodyPr rtlCol="0" anchor="ctr"/>
+          <a:lstStyle/>
+          <a:p>
+            <a:pPr algn="ctr"/>
+            <a:endParaRPr lang="en-US"/>
+          </a:p>
+        </p:txBody>
+      </p:sp>
+      <p:sp>
+        <p:nvSpPr>
+          <p:cNvPr id="83" name="Rectangle 82">
+            <a:extLst>
+              <a:ext uri="{FF2B5EF4-FFF2-40B4-BE49-F238E27FC236}">
+                <a16:creationId xmlns:a16="http://schemas.microsoft.com/office/drawing/2014/main" id="{19C9EAEA-39D0-4B0E-A0EB-51E7B26740B1}"/>
+              </a:ext>
+              <a:ext uri="{C183D7F6-B498-43B3-948B-1728B52AA6E4}">
+                <adec:decorative xmlns:adec="http://schemas.microsoft.com/office/drawing/2017/decorative" val="1"/>
+              </a:ext>
+            </a:extLst>
+          </p:cNvPr>
+          <p:cNvSpPr>
+            <a:spLocks noGrp="1" noRot="1" noChangeAspect="1" noMove="1" noResize="1" noEditPoints="1" noAdjustHandles="1" noChangeArrowheads="1" noChangeShapeType="1" noTextEdit="1"/>
+          </p:cNvSpPr>
+          <p:nvPr>
+            <p:extLst>
+              <p:ext uri="{386F3935-93C4-4BCD-93E2-E3B085C9AB24}">
+                <p16:designElem xmlns:p16="http://schemas.microsoft.com/office/powerpoint/2015/main" val="1"/>
+              </p:ext>
+            </p:extLst>
+          </p:nvPr>
+        </p:nvSpPr>
+        <p:spPr>
+          <a:xfrm>
+            <a:off x="5685810" y="513853"/>
+            <a:ext cx="6009366" cy="5834577"/>
+          </a:xfrm>
+          <a:prstGeom prst="rect">
+            <a:avLst/>
+          </a:prstGeom>
+          <a:solidFill>
+            <a:schemeClr val="bg1"/>
+          </a:solidFill>
+          <a:ln>
+            <a:noFill/>
+          </a:ln>
+          <a:effectLst>
+            <a:outerShdw blurRad="139700" dist="127000" dir="5400000" algn="t" rotWithShape="0">
+              <a:prstClr val="black">
+                <a:alpha val="15000"/>
+              </a:prstClr>
+            </a:outerShdw>
+          </a:effectLst>
+        </p:spPr>
+        <p:style>
+          <a:lnRef idx="2">
+            <a:schemeClr val="accent1">
+              <a:shade val="50000"/>
+            </a:schemeClr>
+          </a:lnRef>
+          <a:fillRef idx="1">
+            <a:schemeClr val="accent1"/>
+          </a:fillRef>
+          <a:effectRef idx="0">
+            <a:schemeClr val="accent1"/>
+          </a:effectRef>
+          <a:fontRef idx="minor">
+            <a:schemeClr val="lt1"/>
+          </a:fontRef>
+        </p:style>
+        <p:txBody>
+          <a:bodyPr rtlCol="0" anchor="ctr"/>
+          <a:lstStyle/>
+          <a:p>
+            <a:pPr algn="ctr"/>
+            <a:endParaRPr lang="en-US"/>
+          </a:p>
+        </p:txBody>
+      </p:sp>
+      <p:pic>
+        <p:nvPicPr>
+          <p:cNvPr id="6" name="Picture 5" descr="Logo&#10;&#10;Description automatically generated">
+            <a:extLst>
+              <a:ext uri="{FF2B5EF4-FFF2-40B4-BE49-F238E27FC236}">
+                <a16:creationId xmlns:a16="http://schemas.microsoft.com/office/drawing/2014/main" id="{857CF93D-0E58-916B-55F0-F5AF3B19E4F1}"/>
+              </a:ext>
+            </a:extLst>
+          </p:cNvPr>
+          <p:cNvPicPr>
+            <a:picLocks noChangeAspect="1"/>
+          </p:cNvPicPr>
+          <p:nvPr/>
+        </p:nvPicPr>
+        <p:blipFill rotWithShape="1">
+          <a:blip r:embed="rId2">
+            <a:extLst>
+              <a:ext uri="{28A0092B-C50C-407E-A947-70E740481C1C}">
+                <a14:useLocalDpi xmlns:a14="http://schemas.microsoft.com/office/drawing/2010/main" val="0"/>
+              </a:ext>
+              <a:ext uri="{837473B0-CC2E-450A-ABE3-18F120FF3D39}">
+                <a1611:picAttrSrcUrl xmlns:a1611="http://schemas.microsoft.com/office/drawing/2016/11/main" r:id="rId3"/>
+              </a:ext>
+            </a:extLst>
+          </a:blip>
+          <a:srcRect l="19353" r="19268" b="1"/>
+          <a:stretch/>
+        </p:blipFill>
+        <p:spPr>
+          <a:xfrm>
+            <a:off x="5977788" y="799352"/>
+            <a:ext cx="5425410" cy="5259296"/>
+          </a:xfrm>
+          <a:prstGeom prst="rect">
+            <a:avLst/>
+          </a:prstGeom>
+        </p:spPr>
+      </p:pic>
+      <p:sp>
+        <p:nvSpPr>
+          <p:cNvPr id="8" name="TextBox 7">
+            <a:extLst>
+              <a:ext uri="{FF2B5EF4-FFF2-40B4-BE49-F238E27FC236}">
+                <a16:creationId xmlns:a16="http://schemas.microsoft.com/office/drawing/2014/main" id="{18AF2BF2-7F4C-6853-68B5-DD115804CF1C}"/>
+              </a:ext>
+            </a:extLst>
+          </p:cNvPr>
+          <p:cNvSpPr txBox="1"/>
+          <p:nvPr/>
+        </p:nvSpPr>
+        <p:spPr>
+          <a:xfrm>
+            <a:off x="8963107" y="5858593"/>
+            <a:ext cx="2440091" cy="200055"/>
+          </a:xfrm>
+          <a:prstGeom prst="rect">
+            <a:avLst/>
+          </a:prstGeom>
+          <a:solidFill>
+            <a:srgbClr val="000000"/>
+          </a:solidFill>
+        </p:spPr>
+        <p:txBody>
+          <a:bodyPr wrap="none" rtlCol="0">
+            <a:spAutoFit/>
+          </a:bodyPr>
+          <a:lstStyle/>
+          <a:p>
+            <a:pPr algn="r">
+              <a:spcAft>
+                <a:spcPts val="600"/>
+              </a:spcAft>
+            </a:pPr>
+            <a:r>
+              <a:rPr lang="en-CA" sz="700">
+                <a:solidFill>
+                  <a:srgbClr val="FFFFFF"/>
+                </a:solidFill>
+                <a:hlinkClick r:id="rId3" tooltip="https://www.techug.com/post/vue-js-the-good-the-meh-and-the-ugly.html">
+                  <a:extLst>
+                    <a:ext uri="{A12FA001-AC4F-418D-AE19-62706E023703}">
+                      <ahyp:hlinkClr xmlns:ahyp="http://schemas.microsoft.com/office/drawing/2018/hyperlinkcolor" val="tx"/>
+                    </a:ext>
+                  </a:extLst>
+                </a:hlinkClick>
+              </a:rPr>
+              <a:t>This Photo</a:t>
+            </a:r>
+            <a:r>
+              <a:rPr lang="en-CA" sz="700">
+                <a:solidFill>
+                  <a:srgbClr val="FFFFFF"/>
+                </a:solidFill>
+              </a:rPr>
+              <a:t> by Unknown Author is licensed under </a:t>
+            </a:r>
+            <a:r>
+              <a:rPr lang="en-CA" sz="700">
+                <a:solidFill>
+                  <a:srgbClr val="FFFFFF"/>
+                </a:solidFill>
+                <a:hlinkClick r:id="rId4" tooltip="https://creativecommons.org/licenses/by-nc-sa/3.0/">
+                  <a:extLst>
+                    <a:ext uri="{A12FA001-AC4F-418D-AE19-62706E023703}">
+                      <ahyp:hlinkClr xmlns:ahyp="http://schemas.microsoft.com/office/drawing/2018/hyperlinkcolor" val="tx"/>
+                    </a:ext>
+                  </a:extLst>
+                </a:hlinkClick>
+              </a:rPr>
+              <a:t>CC BY-SA-NC</a:t>
+            </a:r>
+            <a:endParaRPr lang="en-CA" sz="700">
+              <a:solidFill>
+                <a:srgbClr val="FFFFFF"/>
+              </a:solidFill>
+            </a:endParaRPr>
+          </a:p>
+        </p:txBody>
+      </p:sp>
+    </p:spTree>
+    <p:extLst>
+      <p:ext uri="{BB962C8B-B14F-4D97-AF65-F5344CB8AC3E}">
+        <p14:creationId xmlns:p14="http://schemas.microsoft.com/office/powerpoint/2010/main" val="3141247890"/>
+      </p:ext>
+    </p:extLst>
+  </p:cSld>
+  <p:clrMapOvr>
+    <a:masterClrMapping/>
+  </p:clrMapOvr>
+  <p:transition spd="slow">
+    <p:wipe/>
+  </p:transition>
   <p:timing>
     <p:tnLst>
       <p:par>
@@ -6866,13 +10285,10 @@
                             </p:stCondLst>
                             <p:childTnLst>
                               <p:par>
-                                <p:cTn id="5" presetID="10" presetClass="entr" presetSubtype="0" fill="hold" grpId="0" nodeType="withEffect">
+                                <p:cTn id="5" presetID="14" presetClass="entr" presetSubtype="10" fill="hold" grpId="0" nodeType="afterEffect">
                                   <p:stCondLst>
-                                    <p:cond delay="1000"/>
+                                    <p:cond delay="0"/>
                                   </p:stCondLst>
-                                  <p:iterate type="lt">
-                                    <p:tmPct val="10000"/>
-                                  </p:iterate>
                                   <p:childTnLst>
                                     <p:set>
                                       <p:cBhvr>
@@ -6892,11 +10308,167 @@
                                         <p:strVal val="visible"/>
                                       </p:to>
                                     </p:set>
-                                    <p:animEffect transition="in" filter="fade">
+                                    <p:animEffect transition="in" filter="randombar(horizontal)">
                                       <p:cBhvr>
-                                        <p:cTn id="7" dur="400"/>
+                                        <p:cTn id="7" dur="500"/>
                                         <p:tgtEl>
                                           <p:spTgt spid="2"/>
+                                        </p:tgtEl>
+                                      </p:cBhvr>
+                                    </p:animEffect>
+                                  </p:childTnLst>
+                                </p:cTn>
+                              </p:par>
+                            </p:childTnLst>
+                          </p:cTn>
+                        </p:par>
+                        <p:par>
+                          <p:cTn id="8" fill="hold">
+                            <p:stCondLst>
+                              <p:cond delay="500"/>
+                            </p:stCondLst>
+                            <p:childTnLst>
+                              <p:par>
+                                <p:cTn id="9" presetID="22" presetClass="entr" presetSubtype="1" fill="hold" grpId="0" nodeType="afterEffect">
+                                  <p:stCondLst>
+                                    <p:cond delay="0"/>
+                                  </p:stCondLst>
+                                  <p:childTnLst>
+                                    <p:set>
+                                      <p:cBhvr>
+                                        <p:cTn id="10" dur="1" fill="hold">
+                                          <p:stCondLst>
+                                            <p:cond delay="0"/>
+                                          </p:stCondLst>
+                                        </p:cTn>
+                                        <p:tgtEl>
+                                          <p:spTgt spid="68">
+                                            <p:txEl>
+                                              <p:pRg st="0" end="0"/>
+                                            </p:txEl>
+                                          </p:spTgt>
+                                        </p:tgtEl>
+                                        <p:attrNameLst>
+                                          <p:attrName>style.visibility</p:attrName>
+                                        </p:attrNameLst>
+                                      </p:cBhvr>
+                                      <p:to>
+                                        <p:strVal val="visible"/>
+                                      </p:to>
+                                    </p:set>
+                                    <p:animEffect transition="in" filter="wipe(up)">
+                                      <p:cBhvr>
+                                        <p:cTn id="11" dur="500"/>
+                                        <p:tgtEl>
+                                          <p:spTgt spid="68">
+                                            <p:txEl>
+                                              <p:pRg st="0" end="0"/>
+                                            </p:txEl>
+                                          </p:spTgt>
+                                        </p:tgtEl>
+                                      </p:cBhvr>
+                                    </p:animEffect>
+                                  </p:childTnLst>
+                                </p:cTn>
+                              </p:par>
+                            </p:childTnLst>
+                          </p:cTn>
+                        </p:par>
+                        <p:par>
+                          <p:cTn id="12" fill="hold">
+                            <p:stCondLst>
+                              <p:cond delay="1000"/>
+                            </p:stCondLst>
+                            <p:childTnLst>
+                              <p:par>
+                                <p:cTn id="13" presetID="22" presetClass="entr" presetSubtype="1" fill="hold" grpId="0" nodeType="afterEffect">
+                                  <p:stCondLst>
+                                    <p:cond delay="0"/>
+                                  </p:stCondLst>
+                                  <p:childTnLst>
+                                    <p:set>
+                                      <p:cBhvr>
+                                        <p:cTn id="14" dur="1" fill="hold">
+                                          <p:stCondLst>
+                                            <p:cond delay="0"/>
+                                          </p:stCondLst>
+                                        </p:cTn>
+                                        <p:tgtEl>
+                                          <p:spTgt spid="68">
+                                            <p:txEl>
+                                              <p:pRg st="1" end="1"/>
+                                            </p:txEl>
+                                          </p:spTgt>
+                                        </p:tgtEl>
+                                        <p:attrNameLst>
+                                          <p:attrName>style.visibility</p:attrName>
+                                        </p:attrNameLst>
+                                      </p:cBhvr>
+                                      <p:to>
+                                        <p:strVal val="visible"/>
+                                      </p:to>
+                                    </p:set>
+                                    <p:animEffect transition="in" filter="wipe(up)">
+                                      <p:cBhvr>
+                                        <p:cTn id="15" dur="500"/>
+                                        <p:tgtEl>
+                                          <p:spTgt spid="68">
+                                            <p:txEl>
+                                              <p:pRg st="1" end="1"/>
+                                            </p:txEl>
+                                          </p:spTgt>
+                                        </p:tgtEl>
+                                      </p:cBhvr>
+                                    </p:animEffect>
+                                  </p:childTnLst>
+                                </p:cTn>
+                              </p:par>
+                            </p:childTnLst>
+                          </p:cTn>
+                        </p:par>
+                        <p:par>
+                          <p:cTn id="16" fill="hold">
+                            <p:stCondLst>
+                              <p:cond delay="1500"/>
+                            </p:stCondLst>
+                            <p:childTnLst>
+                              <p:par>
+                                <p:cTn id="17" presetID="22" presetClass="entr" presetSubtype="1" fill="hold" grpId="0" nodeType="afterEffect">
+                                  <p:stCondLst>
+                                    <p:cond delay="0"/>
+                                  </p:stCondLst>
+                                  <p:childTnLst>
+                                    <p:set>
+                                      <p:cBhvr>
+                                        <p:cTn id="18" dur="1" fill="hold">
+                                          <p:stCondLst>
+                                            <p:cond delay="0"/>
+                                          </p:stCondLst>
+                                        </p:cTn>
+                                        <p:tgtEl>
+                                          <p:spTgt spid="68">
+                                            <p:txEl>
+                                              <p:pRg st="2" end="2"/>
+                                            </p:txEl>
+                                          </p:spTgt>
+                                        </p:tgtEl>
+                                        <p:attrNameLst>
+                                          <p:attrName>style.visibility</p:attrName>
+                                        </p:attrNameLst>
+                                      </p:cBhvr>
+                                      <p:to>
+                                        <p:strVal val="visible"/>
+                                      </p:to>
+                                    </p:set>
+                                    <p:animEffect transition="in" filter="wipe(up)">
+                                      <p:cBhvr>
+                                        <p:cTn id="19" dur="500"/>
+                                        <p:tgtEl>
+                                          <p:spTgt spid="68">
+                                            <p:txEl>
+                                              <p:pRg st="2" end="2"/>
+                                            </p:txEl>
+                                          </p:spTgt>
                                         </p:tgtEl>
                                       </p:cBhvr>
                                     </p:animEffect>
@@ -6932,35 +10504,20 @@
     </p:tnLst>
     <p:bldLst>
       <p:bldP spid="2" grpId="0"/>
+      <p:bldP spid="68" grpId="0" build="p"/>
     </p:bldLst>
   </p:timing>
 </p:sld>
 </file>
 
-<file path=ppt/slides/slide3.xml><?xml version="1.0" encoding="utf-8"?>
+<file path=ppt/slides/slide4.xml><?xml version="1.0" encoding="utf-8"?>
 <p:sld xmlns:a="http://schemas.openxmlformats.org/drawingml/2006/main" xmlns:r="http://schemas.openxmlformats.org/officeDocument/2006/relationships" xmlns:p="http://schemas.openxmlformats.org/presentationml/2006/main">
   <p:cSld>
     <p:bg>
       <p:bgPr>
-        <a:blipFill rotWithShape="1">
-          <a:blip r:embed="rId2">
-            <a:duotone>
-              <a:schemeClr val="bg2">
-                <a:shade val="69000"/>
-                <a:hueMod val="108000"/>
-                <a:satMod val="164000"/>
-                <a:lumMod val="74000"/>
-              </a:schemeClr>
-              <a:schemeClr val="bg2">
-                <a:tint val="96000"/>
-                <a:hueMod val="88000"/>
-                <a:satMod val="140000"/>
-                <a:lumMod val="132000"/>
-              </a:schemeClr>
-            </a:duotone>
-          </a:blip>
-          <a:stretch/>
-        </a:blipFill>
+        <a:solidFill>
+          <a:schemeClr val="bg1"/>
+        </a:solidFill>
         <a:effectLst/>
       </p:bgPr>
     </p:bg>
@@ -6978,41 +10535,12 @@
           <a:chExt cx="0" cy="0"/>
         </a:xfrm>
       </p:grpSpPr>
-      <p:pic>
-        <p:nvPicPr>
-          <p:cNvPr id="5" name="Picture 4" descr="A yellow puzzle piece completing a black puzzle">
-            <a:extLst>
-              <a:ext uri="{FF2B5EF4-FFF2-40B4-BE49-F238E27FC236}">
-                <a16:creationId xmlns:a16="http://schemas.microsoft.com/office/drawing/2014/main" id="{7C2293A3-1E51-75BA-3AF5-BACC7A1C7697}"/>
-              </a:ext>
-            </a:extLst>
-          </p:cNvPr>
-          <p:cNvPicPr>
-            <a:picLocks noChangeAspect="1"/>
-          </p:cNvPicPr>
-          <p:nvPr/>
-        </p:nvPicPr>
-        <p:blipFill rotWithShape="1">
-          <a:blip r:embed="rId3"/>
-          <a:srcRect b="15730"/>
-          <a:stretch/>
-        </p:blipFill>
-        <p:spPr>
-          <a:xfrm>
-            <a:off x="20" y="10"/>
-            <a:ext cx="12191980" cy="6857990"/>
-          </a:xfrm>
-          <a:prstGeom prst="rect">
-            <a:avLst/>
-          </a:prstGeom>
-        </p:spPr>
-      </p:pic>
       <p:sp>
         <p:nvSpPr>
           <p:cNvPr id="2" name="Title 1">
             <a:extLst>
               <a:ext uri="{FF2B5EF4-FFF2-40B4-BE49-F238E27FC236}">
-                <a16:creationId xmlns:a16="http://schemas.microsoft.com/office/drawing/2014/main" id="{C252D21F-55BF-A6E0-DAB9-BBE5C2FCB6B1}"/>
+                <a16:creationId xmlns:a16="http://schemas.microsoft.com/office/drawing/2014/main" id="{A2022381-E588-66E4-D789-DDB8EADFE8BB}"/>
               </a:ext>
             </a:extLst>
           </p:cNvPr>
@@ -7025,29 +10553,48 @@
         </p:nvSpPr>
         <p:spPr>
           <a:xfrm>
-            <a:off x="6374887" y="1641860"/>
-            <a:ext cx="4204298" cy="1034728"/>
+            <a:off x="648930" y="176253"/>
+            <a:ext cx="11031949" cy="1016654"/>
           </a:xfrm>
         </p:spPr>
+        <p:style>
+          <a:lnRef idx="3">
+            <a:schemeClr val="lt1"/>
+          </a:lnRef>
+          <a:fillRef idx="1">
+            <a:schemeClr val="accent4"/>
+          </a:fillRef>
+          <a:effectRef idx="1">
+            <a:schemeClr val="accent4"/>
+          </a:effectRef>
+          <a:fontRef idx="minor">
+            <a:schemeClr val="lt1"/>
+          </a:fontRef>
+        </p:style>
         <p:txBody>
-          <a:bodyPr>
+          <a:bodyPr vert="horz" lIns="91440" tIns="45720" rIns="91440" bIns="45720" rtlCol="0">
             <a:normAutofit/>
           </a:bodyPr>
           <a:lstStyle/>
           <a:p>
+            <a:pPr algn="ctr"/>
             <a:r>
-              <a:rPr lang="en-CA" sz="2800" dirty="0"/>
-              <a:t>The solution</a:t>
+              <a:rPr lang="en-US" b="0" i="0" kern="1200" dirty="0">
+                <a:latin typeface="+mj-lt"/>
+                <a:ea typeface="+mj-ea"/>
+                <a:cs typeface="+mj-cs"/>
+              </a:rPr>
+              <a:t>Back-end Components</a:t>
             </a:r>
           </a:p>
         </p:txBody>
       </p:sp>
       <p:sp>
         <p:nvSpPr>
-          <p:cNvPr id="3" name="Content Placeholder 2">
+          <p:cNvPr id="1134" name="Content Placeholder 1083">
             <a:extLst>
               <a:ext uri="{FF2B5EF4-FFF2-40B4-BE49-F238E27FC236}">
-                <a16:creationId xmlns:a16="http://schemas.microsoft.com/office/drawing/2014/main" id="{18F61F5D-9726-C825-F451-306DE5E49649}"/>
+                <a16:creationId xmlns:a16="http://schemas.microsoft.com/office/drawing/2014/main" id="{FFE58B92-15ED-3B2F-7FD2-015E6AEB8CA1}"/>
               </a:ext>
             </a:extLst>
           </p:cNvPr>
@@ -7060,13 +10607,13 @@
         </p:nvSpPr>
         <p:spPr>
           <a:xfrm>
-            <a:off x="6374886" y="2809812"/>
-            <a:ext cx="4169380" cy="2384064"/>
+            <a:off x="648930" y="2664450"/>
+            <a:ext cx="4516456" cy="3711424"/>
           </a:xfrm>
         </p:spPr>
         <p:txBody>
           <a:bodyPr>
-            <a:normAutofit/>
+            <a:normAutofit lnSpcReduction="10000"/>
           </a:bodyPr>
           <a:lstStyle/>
           <a:p>
@@ -7074,71 +10621,547 @@
               <a:buNone/>
             </a:pPr>
             <a:r>
-              <a:rPr lang="en-CA" sz="1800" dirty="0"/>
-              <a:t>A</a:t>
+              <a:rPr lang="en-US" dirty="0"/>
+              <a:t>Python Server Application</a:t>
             </a:r>
+          </a:p>
+          <a:p>
             <a:r>
-              <a:rPr lang="en-CA" sz="1800" b="1" dirty="0"/>
-              <a:t> </a:t>
+              <a:rPr lang="en-US" dirty="0"/>
+              <a:t>Contains libraries that make managing server capabilities relatively easy</a:t>
             </a:r>
+          </a:p>
+          <a:p>
             <a:r>
-              <a:rPr lang="en-CA" sz="1800" dirty="0">
+              <a:rPr lang="en-US" dirty="0"/>
+              <a:t>Easy access to documentation</a:t>
+            </a:r>
+          </a:p>
+          <a:p>
+            <a:r>
+              <a:rPr lang="en-US" dirty="0"/>
+              <a:t>Easily interacts and manages database functionalities</a:t>
+            </a:r>
+          </a:p>
+        </p:txBody>
+      </p:sp>
+      <p:sp>
+        <p:nvSpPr>
+          <p:cNvPr id="3" name="Content Placeholder 1083">
+            <a:extLst>
+              <a:ext uri="{FF2B5EF4-FFF2-40B4-BE49-F238E27FC236}">
+                <a16:creationId xmlns:a16="http://schemas.microsoft.com/office/drawing/2014/main" id="{9DDB37E7-D5EA-D637-9947-C0E9B93896B6}"/>
+              </a:ext>
+            </a:extLst>
+          </p:cNvPr>
+          <p:cNvSpPr txBox="1">
+            <a:spLocks/>
+          </p:cNvSpPr>
+          <p:nvPr/>
+        </p:nvSpPr>
+        <p:spPr>
+          <a:xfrm>
+            <a:off x="7164424" y="2661405"/>
+            <a:ext cx="4516456" cy="3711424"/>
+          </a:xfrm>
+          <a:prstGeom prst="rect">
+            <a:avLst/>
+          </a:prstGeom>
+        </p:spPr>
+        <p:txBody>
+          <a:bodyPr vert="horz" lIns="91440" tIns="45720" rIns="91440" bIns="45720" rtlCol="0">
+            <a:normAutofit/>
+          </a:bodyPr>
+          <a:lstStyle>
+            <a:lvl1pPr marL="228600" indent="-228600" algn="l" defTabSz="914400" rtl="0" eaLnBrk="1" latinLnBrk="0" hangingPunct="1">
+              <a:lnSpc>
+                <a:spcPct val="90000"/>
+              </a:lnSpc>
+              <a:spcBef>
+                <a:spcPts val="1000"/>
+              </a:spcBef>
+              <a:buFont typeface="Arial" panose="020B0604020202020204" pitchFamily="34" charset="0"/>
+              <a:buChar char="•"/>
+              <a:defRPr sz="2800" kern="1200">
                 <a:solidFill>
-                  <a:srgbClr val="FFFF00"/>
+                  <a:schemeClr val="tx1"/>
                 </a:solidFill>
-              </a:rPr>
-              <a:t>Web Application</a:t>
-            </a:r>
-            <a:r>
-              <a:rPr lang="en-CA" sz="1800" dirty="0"/>
-              <a:t> where both caregivers and hospitality organizations can both have access to managed patient and user information</a:t>
-            </a:r>
-          </a:p>
+                <a:latin typeface="+mn-lt"/>
+                <a:ea typeface="+mn-ea"/>
+                <a:cs typeface="+mn-cs"/>
+              </a:defRPr>
+            </a:lvl1pPr>
+            <a:lvl2pPr marL="685800" indent="-228600" algn="l" defTabSz="914400" rtl="0" eaLnBrk="1" latinLnBrk="0" hangingPunct="1">
+              <a:lnSpc>
+                <a:spcPct val="90000"/>
+              </a:lnSpc>
+              <a:spcBef>
+                <a:spcPts val="500"/>
+              </a:spcBef>
+              <a:buFont typeface="Arial" panose="020B0604020202020204" pitchFamily="34" charset="0"/>
+              <a:buChar char="•"/>
+              <a:defRPr sz="2400" kern="1200">
+                <a:solidFill>
+                  <a:schemeClr val="tx1"/>
+                </a:solidFill>
+                <a:latin typeface="+mn-lt"/>
+                <a:ea typeface="+mn-ea"/>
+                <a:cs typeface="+mn-cs"/>
+              </a:defRPr>
+            </a:lvl2pPr>
+            <a:lvl3pPr marL="1143000" indent="-228600" algn="l" defTabSz="914400" rtl="0" eaLnBrk="1" latinLnBrk="0" hangingPunct="1">
+              <a:lnSpc>
+                <a:spcPct val="90000"/>
+              </a:lnSpc>
+              <a:spcBef>
+                <a:spcPts val="500"/>
+              </a:spcBef>
+              <a:buFont typeface="Arial" panose="020B0604020202020204" pitchFamily="34" charset="0"/>
+              <a:buChar char="•"/>
+              <a:defRPr sz="2000" kern="1200">
+                <a:solidFill>
+                  <a:schemeClr val="tx1"/>
+                </a:solidFill>
+                <a:latin typeface="+mn-lt"/>
+                <a:ea typeface="+mn-ea"/>
+                <a:cs typeface="+mn-cs"/>
+              </a:defRPr>
+            </a:lvl3pPr>
+            <a:lvl4pPr marL="1600200" indent="-228600" algn="l" defTabSz="914400" rtl="0" eaLnBrk="1" latinLnBrk="0" hangingPunct="1">
+              <a:lnSpc>
+                <a:spcPct val="90000"/>
+              </a:lnSpc>
+              <a:spcBef>
+                <a:spcPts val="500"/>
+              </a:spcBef>
+              <a:buFont typeface="Arial" panose="020B0604020202020204" pitchFamily="34" charset="0"/>
+              <a:buChar char="•"/>
+              <a:defRPr sz="1800" kern="1200">
+                <a:solidFill>
+                  <a:schemeClr val="tx1"/>
+                </a:solidFill>
+                <a:latin typeface="+mn-lt"/>
+                <a:ea typeface="+mn-ea"/>
+                <a:cs typeface="+mn-cs"/>
+              </a:defRPr>
+            </a:lvl4pPr>
+            <a:lvl5pPr marL="2057400" indent="-228600" algn="l" defTabSz="914400" rtl="0" eaLnBrk="1" latinLnBrk="0" hangingPunct="1">
+              <a:lnSpc>
+                <a:spcPct val="90000"/>
+              </a:lnSpc>
+              <a:spcBef>
+                <a:spcPts val="500"/>
+              </a:spcBef>
+              <a:buFont typeface="Arial" panose="020B0604020202020204" pitchFamily="34" charset="0"/>
+              <a:buChar char="•"/>
+              <a:defRPr sz="1800" kern="1200">
+                <a:solidFill>
+                  <a:schemeClr val="tx1"/>
+                </a:solidFill>
+                <a:latin typeface="+mn-lt"/>
+                <a:ea typeface="+mn-ea"/>
+                <a:cs typeface="+mn-cs"/>
+              </a:defRPr>
+            </a:lvl5pPr>
+            <a:lvl6pPr marL="2514600" indent="-228600" algn="l" defTabSz="914400" rtl="0" eaLnBrk="1" latinLnBrk="0" hangingPunct="1">
+              <a:lnSpc>
+                <a:spcPct val="90000"/>
+              </a:lnSpc>
+              <a:spcBef>
+                <a:spcPts val="500"/>
+              </a:spcBef>
+              <a:buFont typeface="Arial" panose="020B0604020202020204" pitchFamily="34" charset="0"/>
+              <a:buChar char="•"/>
+              <a:defRPr sz="1800" kern="1200">
+                <a:solidFill>
+                  <a:schemeClr val="tx1"/>
+                </a:solidFill>
+                <a:latin typeface="+mn-lt"/>
+                <a:ea typeface="+mn-ea"/>
+                <a:cs typeface="+mn-cs"/>
+              </a:defRPr>
+            </a:lvl6pPr>
+            <a:lvl7pPr marL="2971800" indent="-228600" algn="l" defTabSz="914400" rtl="0" eaLnBrk="1" latinLnBrk="0" hangingPunct="1">
+              <a:lnSpc>
+                <a:spcPct val="90000"/>
+              </a:lnSpc>
+              <a:spcBef>
+                <a:spcPts val="500"/>
+              </a:spcBef>
+              <a:buFont typeface="Arial" panose="020B0604020202020204" pitchFamily="34" charset="0"/>
+              <a:buChar char="•"/>
+              <a:defRPr sz="1800" kern="1200">
+                <a:solidFill>
+                  <a:schemeClr val="tx1"/>
+                </a:solidFill>
+                <a:latin typeface="+mn-lt"/>
+                <a:ea typeface="+mn-ea"/>
+                <a:cs typeface="+mn-cs"/>
+              </a:defRPr>
+            </a:lvl7pPr>
+            <a:lvl8pPr marL="3429000" indent="-228600" algn="l" defTabSz="914400" rtl="0" eaLnBrk="1" latinLnBrk="0" hangingPunct="1">
+              <a:lnSpc>
+                <a:spcPct val="90000"/>
+              </a:lnSpc>
+              <a:spcBef>
+                <a:spcPts val="500"/>
+              </a:spcBef>
+              <a:buFont typeface="Arial" panose="020B0604020202020204" pitchFamily="34" charset="0"/>
+              <a:buChar char="•"/>
+              <a:defRPr sz="1800" kern="1200">
+                <a:solidFill>
+                  <a:schemeClr val="tx1"/>
+                </a:solidFill>
+                <a:latin typeface="+mn-lt"/>
+                <a:ea typeface="+mn-ea"/>
+                <a:cs typeface="+mn-cs"/>
+              </a:defRPr>
+            </a:lvl8pPr>
+            <a:lvl9pPr marL="3886200" indent="-228600" algn="l" defTabSz="914400" rtl="0" eaLnBrk="1" latinLnBrk="0" hangingPunct="1">
+              <a:lnSpc>
+                <a:spcPct val="90000"/>
+              </a:lnSpc>
+              <a:spcBef>
+                <a:spcPts val="500"/>
+              </a:spcBef>
+              <a:buFont typeface="Arial" panose="020B0604020202020204" pitchFamily="34" charset="0"/>
+              <a:buChar char="•"/>
+              <a:defRPr sz="1800" kern="1200">
+                <a:solidFill>
+                  <a:schemeClr val="tx1"/>
+                </a:solidFill>
+                <a:latin typeface="+mn-lt"/>
+                <a:ea typeface="+mn-ea"/>
+                <a:cs typeface="+mn-cs"/>
+              </a:defRPr>
+            </a:lvl9pPr>
+          </a:lstStyle>
           <a:p>
             <a:pPr marL="0" indent="0">
               <a:buNone/>
             </a:pPr>
-            <a:endParaRPr lang="en-CA" sz="1800" dirty="0"/>
+            <a:r>
+              <a:rPr lang="en-US" dirty="0"/>
+              <a:t>SQLite Database</a:t>
+            </a:r>
+          </a:p>
+          <a:p>
+            <a:r>
+              <a:rPr lang="en-US" dirty="0"/>
+              <a:t>Follows the acid principle</a:t>
+            </a:r>
+          </a:p>
+          <a:p>
+            <a:r>
+              <a:rPr lang="en-US" dirty="0"/>
+              <a:t>Stores data in one database file</a:t>
+            </a:r>
+          </a:p>
+          <a:p>
+            <a:r>
+              <a:rPr lang="en-US" dirty="0"/>
+              <a:t>Contains a database catalog initialized upon the database’s creation</a:t>
+            </a:r>
+          </a:p>
+          <a:p>
+            <a:endParaRPr lang="en-US" dirty="0"/>
+          </a:p>
+        </p:txBody>
+      </p:sp>
+      <p:pic>
+        <p:nvPicPr>
+          <p:cNvPr id="4" name="Graphic 3" descr="Database">
+            <a:extLst>
+              <a:ext uri="{FF2B5EF4-FFF2-40B4-BE49-F238E27FC236}">
+                <a16:creationId xmlns:a16="http://schemas.microsoft.com/office/drawing/2014/main" id="{2F315C04-0F85-D161-03FE-C20653ECA43F}"/>
+              </a:ext>
+            </a:extLst>
+          </p:cNvPr>
+          <p:cNvPicPr>
+            <a:picLocks noChangeAspect="1"/>
+          </p:cNvPicPr>
+          <p:nvPr/>
+        </p:nvPicPr>
+        <p:blipFill>
+          <a:blip r:embed="rId2">
+            <a:extLst>
+              <a:ext uri="{28A0092B-C50C-407E-A947-70E740481C1C}">
+                <a14:useLocalDpi xmlns:a14="http://schemas.microsoft.com/office/drawing/2010/main" val="0"/>
+              </a:ext>
+              <a:ext uri="{96DAC541-7B7A-43D3-8B79-37D633B846F1}">
+                <asvg:svgBlip xmlns:asvg="http://schemas.microsoft.com/office/drawing/2016/SVG/main" r:embed="rId3"/>
+              </a:ext>
+            </a:extLst>
+          </a:blip>
+          <a:stretch>
+            <a:fillRect/>
+          </a:stretch>
+        </p:blipFill>
+        <p:spPr>
+          <a:xfrm>
+            <a:off x="8684870" y="1306728"/>
+            <a:ext cx="1364103" cy="1364103"/>
+          </a:xfrm>
+          <a:custGeom>
+            <a:avLst/>
+            <a:gdLst/>
+            <a:ahLst/>
+            <a:cxnLst/>
+            <a:rect l="l" t="t" r="r" b="b"/>
+            <a:pathLst>
+              <a:path w="4141760" h="4377846">
+                <a:moveTo>
+                  <a:pt x="0" y="0"/>
+                </a:moveTo>
+                <a:lnTo>
+                  <a:pt x="4141760" y="0"/>
+                </a:lnTo>
+                <a:lnTo>
+                  <a:pt x="4141760" y="4377846"/>
+                </a:lnTo>
+                <a:lnTo>
+                  <a:pt x="0" y="4377846"/>
+                </a:lnTo>
+                <a:close/>
+              </a:path>
+            </a:pathLst>
+          </a:custGeom>
+        </p:spPr>
+      </p:pic>
+      <p:pic>
+        <p:nvPicPr>
+          <p:cNvPr id="5" name="Content Placeholder 14" descr="Icon">
+            <a:extLst>
+              <a:ext uri="{FF2B5EF4-FFF2-40B4-BE49-F238E27FC236}">
+                <a16:creationId xmlns:a16="http://schemas.microsoft.com/office/drawing/2014/main" id="{89B4DF9B-C159-123B-71B6-3C89EA0CE92E}"/>
+              </a:ext>
+            </a:extLst>
+          </p:cNvPr>
+          <p:cNvPicPr>
+            <a:picLocks noChangeAspect="1"/>
+          </p:cNvPicPr>
+          <p:nvPr/>
+        </p:nvPicPr>
+        <p:blipFill>
+          <a:blip r:embed="rId4">
+            <a:extLst>
+              <a:ext uri="{28A0092B-C50C-407E-A947-70E740481C1C}">
+                <a14:useLocalDpi xmlns:a14="http://schemas.microsoft.com/office/drawing/2010/main" val="0"/>
+              </a:ext>
+              <a:ext uri="{837473B0-CC2E-450A-ABE3-18F120FF3D39}">
+                <a1611:picAttrSrcUrl xmlns:a1611="http://schemas.microsoft.com/office/drawing/2016/11/main" r:id="rId5"/>
+              </a:ext>
+            </a:extLst>
+          </a:blip>
+          <a:stretch>
+            <a:fillRect/>
+          </a:stretch>
+        </p:blipFill>
+        <p:spPr>
+          <a:xfrm>
+            <a:off x="1909965" y="1408205"/>
+            <a:ext cx="1212425" cy="1328616"/>
+          </a:xfrm>
+          <a:prstGeom prst="rect">
+            <a:avLst/>
+          </a:prstGeom>
+        </p:spPr>
+      </p:pic>
+      <p:sp>
+        <p:nvSpPr>
+          <p:cNvPr id="6" name="TextBox 5">
+            <a:extLst>
+              <a:ext uri="{FF2B5EF4-FFF2-40B4-BE49-F238E27FC236}">
+                <a16:creationId xmlns:a16="http://schemas.microsoft.com/office/drawing/2014/main" id="{34174679-CD15-951C-D821-BBC417B0CCE2}"/>
+              </a:ext>
+            </a:extLst>
+          </p:cNvPr>
+          <p:cNvSpPr txBox="1"/>
+          <p:nvPr/>
+        </p:nvSpPr>
+        <p:spPr>
+          <a:xfrm>
+            <a:off x="338933" y="6617571"/>
+            <a:ext cx="3362361" cy="230832"/>
+          </a:xfrm>
+          <a:prstGeom prst="rect">
+            <a:avLst/>
+          </a:prstGeom>
+          <a:noFill/>
+        </p:spPr>
+        <p:txBody>
+          <a:bodyPr wrap="square" rtlCol="0">
+            <a:spAutoFit/>
+          </a:bodyPr>
+          <a:lstStyle/>
+          <a:p>
+            <a:r>
+              <a:rPr lang="en-CA" sz="900" dirty="0">
+                <a:hlinkClick r:id="rId5" tooltip="https://en.wikiversity.org/wiki/Python_Concepts"/>
+              </a:rPr>
+              <a:t>This Photo</a:t>
+            </a:r>
+            <a:r>
+              <a:rPr lang="en-CA" sz="900" dirty="0"/>
+              <a:t> by Unknown Author is licensed under </a:t>
+            </a:r>
+            <a:r>
+              <a:rPr lang="en-CA" sz="900" dirty="0">
+                <a:hlinkClick r:id="rId6" tooltip="https://creativecommons.org/licenses/by-sa/3.0/"/>
+              </a:rPr>
+              <a:t>CC BY-SA</a:t>
+            </a:r>
+            <a:endParaRPr lang="en-CA" sz="900" dirty="0"/>
+          </a:p>
+        </p:txBody>
+      </p:sp>
+      <p:sp>
+        <p:nvSpPr>
+          <p:cNvPr id="7" name="Minus Sign 26">
+            <a:extLst>
+              <a:ext uri="{FF2B5EF4-FFF2-40B4-BE49-F238E27FC236}">
+                <a16:creationId xmlns:a16="http://schemas.microsoft.com/office/drawing/2014/main" id="{F0E6DF34-3465-3DDA-C031-CAAED75BCC15}"/>
+              </a:ext>
+            </a:extLst>
+          </p:cNvPr>
+          <p:cNvSpPr/>
+          <p:nvPr/>
+        </p:nvSpPr>
+        <p:spPr>
+          <a:xfrm>
+            <a:off x="5920124" y="1072716"/>
+            <a:ext cx="374940" cy="5785283"/>
+          </a:xfrm>
+          <a:custGeom>
+            <a:avLst/>
+            <a:gdLst>
+              <a:gd name="connsiteX0" fmla="*/ 86294 w 651030"/>
+              <a:gd name="connsiteY0" fmla="*/ 2326522 h 6084000"/>
+              <a:gd name="connsiteX1" fmla="*/ 564736 w 651030"/>
+              <a:gd name="connsiteY1" fmla="*/ 2326522 h 6084000"/>
+              <a:gd name="connsiteX2" fmla="*/ 564736 w 651030"/>
+              <a:gd name="connsiteY2" fmla="*/ 3757478 h 6084000"/>
+              <a:gd name="connsiteX3" fmla="*/ 86294 w 651030"/>
+              <a:gd name="connsiteY3" fmla="*/ 3757478 h 6084000"/>
+              <a:gd name="connsiteX4" fmla="*/ 86294 w 651030"/>
+              <a:gd name="connsiteY4" fmla="*/ 2326522 h 6084000"/>
+              <a:gd name="connsiteX0" fmla="*/ 0 w 478442"/>
+              <a:gd name="connsiteY0" fmla="*/ 2157274 h 3588230"/>
+              <a:gd name="connsiteX1" fmla="*/ 469564 w 478442"/>
+              <a:gd name="connsiteY1" fmla="*/ 0 h 3588230"/>
+              <a:gd name="connsiteX2" fmla="*/ 478442 w 478442"/>
+              <a:gd name="connsiteY2" fmla="*/ 3588230 h 3588230"/>
+              <a:gd name="connsiteX3" fmla="*/ 0 w 478442"/>
+              <a:gd name="connsiteY3" fmla="*/ 3588230 h 3588230"/>
+              <a:gd name="connsiteX4" fmla="*/ 0 w 478442"/>
+              <a:gd name="connsiteY4" fmla="*/ 2157274 h 3588230"/>
+              <a:gd name="connsiteX0" fmla="*/ 0 w 496198"/>
+              <a:gd name="connsiteY0" fmla="*/ 0 h 3588230"/>
+              <a:gd name="connsiteX1" fmla="*/ 487320 w 496198"/>
+              <a:gd name="connsiteY1" fmla="*/ 0 h 3588230"/>
+              <a:gd name="connsiteX2" fmla="*/ 496198 w 496198"/>
+              <a:gd name="connsiteY2" fmla="*/ 3588230 h 3588230"/>
+              <a:gd name="connsiteX3" fmla="*/ 17756 w 496198"/>
+              <a:gd name="connsiteY3" fmla="*/ 3588230 h 3588230"/>
+              <a:gd name="connsiteX4" fmla="*/ 0 w 496198"/>
+              <a:gd name="connsiteY4" fmla="*/ 0 h 3588230"/>
+            </a:gdLst>
+            <a:ahLst/>
+            <a:cxnLst>
+              <a:cxn ang="0">
+                <a:pos x="connsiteX0" y="connsiteY0"/>
+              </a:cxn>
+              <a:cxn ang="0">
+                <a:pos x="connsiteX1" y="connsiteY1"/>
+              </a:cxn>
+              <a:cxn ang="0">
+                <a:pos x="connsiteX2" y="connsiteY2"/>
+              </a:cxn>
+              <a:cxn ang="0">
+                <a:pos x="connsiteX3" y="connsiteY3"/>
+              </a:cxn>
+              <a:cxn ang="0">
+                <a:pos x="connsiteX4" y="connsiteY4"/>
+              </a:cxn>
+            </a:cxnLst>
+            <a:rect l="l" t="t" r="r" b="b"/>
+            <a:pathLst>
+              <a:path w="496198" h="3588230">
+                <a:moveTo>
+                  <a:pt x="0" y="0"/>
+                </a:moveTo>
+                <a:lnTo>
+                  <a:pt x="487320" y="0"/>
+                </a:lnTo>
+                <a:cubicBezTo>
+                  <a:pt x="490279" y="1196077"/>
+                  <a:pt x="493239" y="2392153"/>
+                  <a:pt x="496198" y="3588230"/>
+                </a:cubicBezTo>
+                <a:lnTo>
+                  <a:pt x="17756" y="3588230"/>
+                </a:lnTo>
+                <a:cubicBezTo>
+                  <a:pt x="11837" y="2392153"/>
+                  <a:pt x="5919" y="1196077"/>
+                  <a:pt x="0" y="0"/>
+                </a:cubicBezTo>
+                <a:close/>
+              </a:path>
+            </a:pathLst>
+          </a:custGeom>
+          <a:solidFill>
+            <a:srgbClr val="FFC000"/>
+          </a:solidFill>
+          <a:ln/>
+        </p:spPr>
+        <p:style>
+          <a:lnRef idx="2">
+            <a:schemeClr val="accent4"/>
+          </a:lnRef>
+          <a:fillRef idx="1">
+            <a:schemeClr val="lt1"/>
+          </a:fillRef>
+          <a:effectRef idx="0">
+            <a:schemeClr val="accent4"/>
+          </a:effectRef>
+          <a:fontRef idx="minor">
+            <a:schemeClr val="dk1"/>
+          </a:fontRef>
+        </p:style>
+        <p:txBody>
+          <a:bodyPr rtlCol="0" anchor="ctr"/>
+          <a:lstStyle/>
+          <a:p>
+            <a:pPr algn="ctr"/>
+            <a:endParaRPr lang="en-CA" dirty="0"/>
           </a:p>
         </p:txBody>
       </p:sp>
     </p:spTree>
     <p:extLst>
       <p:ext uri="{BB962C8B-B14F-4D97-AF65-F5344CB8AC3E}">
-        <p14:creationId xmlns:p14="http://schemas.microsoft.com/office/powerpoint/2010/main" val="3141247890"/>
+        <p14:creationId xmlns:p14="http://schemas.microsoft.com/office/powerpoint/2010/main" val="4216673047"/>
       </p:ext>
     </p:extLst>
   </p:cSld>
   <p:clrMapOvr>
-    <a:masterClrMapping/>
+    <a:overrideClrMapping bg1="lt1" tx1="dk1" bg2="lt2" tx2="dk2" accent1="accent1" accent2="accent2" accent3="accent3" accent4="accent4" accent5="accent5" accent6="accent6" hlink="hlink" folHlink="folHlink"/>
   </p:clrMapOvr>
+  <p:transition spd="slow">
+    <p:wipe/>
+  </p:transition>
 </p:sld>
 </file>
 
-<file path=ppt/slides/slide4.xml><?xml version="1.0" encoding="utf-8"?>
-<p:sld xmlns:a="http://schemas.openxmlformats.org/drawingml/2006/main" xmlns:r="http://schemas.openxmlformats.org/officeDocument/2006/relationships" xmlns:p="http://schemas.openxmlformats.org/presentationml/2006/main" show="0">
+<file path=ppt/slides/slide5.xml><?xml version="1.0" encoding="utf-8"?>
+<p:sld xmlns:a="http://schemas.openxmlformats.org/drawingml/2006/main" xmlns:r="http://schemas.openxmlformats.org/officeDocument/2006/relationships" xmlns:p="http://schemas.openxmlformats.org/presentationml/2006/main">
   <p:cSld>
     <p:bg>
       <p:bgPr>
-        <a:blipFill rotWithShape="1">
-          <a:blip r:embed="rId2">
-            <a:duotone>
-              <a:schemeClr val="bg2">
-                <a:shade val="69000"/>
-                <a:hueMod val="108000"/>
-                <a:satMod val="164000"/>
-                <a:lumMod val="74000"/>
-              </a:schemeClr>
-              <a:schemeClr val="bg2">
-                <a:tint val="96000"/>
-                <a:hueMod val="88000"/>
-                <a:satMod val="140000"/>
-                <a:lumMod val="132000"/>
-              </a:schemeClr>
-            </a:duotone>
-          </a:blip>
-          <a:stretch/>
-        </a:blipFill>
+        <a:solidFill>
+          <a:schemeClr val="bg1"/>
+        </a:solidFill>
         <a:effectLst/>
       </p:bgPr>
     </p:bg>
@@ -7156,50 +11179,354 @@
           <a:chExt cx="0" cy="0"/>
         </a:xfrm>
       </p:grpSpPr>
-      <p:pic>
-        <p:nvPicPr>
-          <p:cNvPr id="5" name="Picture 4" descr="Different coloured question marks">
+      <p:sp useBgFill="1">
+        <p:nvSpPr>
+          <p:cNvPr id="8" name="Rectangle 7">
             <a:extLst>
               <a:ext uri="{FF2B5EF4-FFF2-40B4-BE49-F238E27FC236}">
-                <a16:creationId xmlns:a16="http://schemas.microsoft.com/office/drawing/2014/main" id="{FE04DB18-7660-7F8A-C506-3176D6AC90FA}"/>
+                <a16:creationId xmlns:a16="http://schemas.microsoft.com/office/drawing/2014/main" id="{B6CDA21F-E7AF-4C75-8395-33F58D5B0E45}"/>
+              </a:ext>
+              <a:ext uri="{C183D7F6-B498-43B3-948B-1728B52AA6E4}">
+                <adec:decorative xmlns:adec="http://schemas.microsoft.com/office/drawing/2017/decorative" val="1"/>
               </a:ext>
             </a:extLst>
           </p:cNvPr>
-          <p:cNvPicPr>
-            <a:picLocks noChangeAspect="1"/>
-          </p:cNvPicPr>
-          <p:nvPr/>
-        </p:nvPicPr>
-        <p:blipFill rotWithShape="1">
-          <a:blip r:embed="rId3">
-            <a:duotone>
-              <a:prstClr val="black"/>
-              <a:schemeClr val="accent5">
-                <a:tint val="45000"/>
-                <a:satMod val="400000"/>
-              </a:schemeClr>
-            </a:duotone>
-            <a:alphaModFix amt="25000"/>
-          </a:blip>
-          <a:srcRect/>
-          <a:stretch/>
-        </p:blipFill>
+          <p:cNvSpPr>
+            <a:spLocks noGrp="1" noRot="1" noChangeAspect="1" noMove="1" noResize="1" noEditPoints="1" noAdjustHandles="1" noChangeArrowheads="1" noChangeShapeType="1" noTextEdit="1"/>
+          </p:cNvSpPr>
+          <p:nvPr>
+            <p:extLst>
+              <p:ext uri="{386F3935-93C4-4BCD-93E2-E3B085C9AB24}">
+                <p16:designElem xmlns:p16="http://schemas.microsoft.com/office/powerpoint/2015/main" val="1"/>
+              </p:ext>
+            </p:extLst>
+          </p:nvPr>
+        </p:nvSpPr>
         <p:spPr>
           <a:xfrm>
-            <a:off x="20" y="10"/>
-            <a:ext cx="12191980" cy="6857990"/>
+            <a:off x="0" y="0"/>
+            <a:ext cx="12191999" cy="6857365"/>
           </a:xfrm>
           <a:prstGeom prst="rect">
             <a:avLst/>
           </a:prstGeom>
+          <a:ln>
+            <a:noFill/>
+          </a:ln>
         </p:spPr>
-      </p:pic>
+        <p:style>
+          <a:lnRef idx="2">
+            <a:schemeClr val="accent1">
+              <a:shade val="50000"/>
+            </a:schemeClr>
+          </a:lnRef>
+          <a:fillRef idx="1">
+            <a:schemeClr val="accent1"/>
+          </a:fillRef>
+          <a:effectRef idx="0">
+            <a:schemeClr val="accent1"/>
+          </a:effectRef>
+          <a:fontRef idx="minor">
+            <a:schemeClr val="lt1"/>
+          </a:fontRef>
+        </p:style>
+        <p:txBody>
+          <a:bodyPr rtlCol="0" anchor="ctr"/>
+          <a:lstStyle/>
+          <a:p>
+            <a:pPr algn="ctr"/>
+            <a:endParaRPr lang="en-US"/>
+          </a:p>
+        </p:txBody>
+      </p:sp>
+      <p:grpSp>
+        <p:nvGrpSpPr>
+          <p:cNvPr id="10" name="Group 9">
+            <a:extLst>
+              <a:ext uri="{FF2B5EF4-FFF2-40B4-BE49-F238E27FC236}">
+                <a16:creationId xmlns:a16="http://schemas.microsoft.com/office/drawing/2014/main" id="{AE1C45F0-260A-458C-96ED-C1F6D2151219}"/>
+              </a:ext>
+              <a:ext uri="{C183D7F6-B498-43B3-948B-1728B52AA6E4}">
+                <adec:decorative xmlns:adec="http://schemas.microsoft.com/office/drawing/2017/decorative" val="1"/>
+              </a:ext>
+            </a:extLst>
+          </p:cNvPr>
+          <p:cNvGrpSpPr>
+            <a:grpSpLocks noGrp="1" noUngrp="1" noRot="1" noChangeAspect="1" noMove="1" noResize="1"/>
+          </p:cNvGrpSpPr>
+          <p:nvPr>
+            <p:extLst>
+              <p:ext uri="{386F3935-93C4-4BCD-93E2-E3B085C9AB24}">
+                <p16:designElem xmlns:p16="http://schemas.microsoft.com/office/powerpoint/2015/main" val="1"/>
+              </p:ext>
+            </p:extLst>
+          </p:nvPr>
+        </p:nvGrpSpPr>
+        <p:grpSpPr>
+          <a:xfrm>
+            <a:off x="4" y="1216597"/>
+            <a:ext cx="731521" cy="673460"/>
+            <a:chOff x="3940602" y="308034"/>
+            <a:chExt cx="2116791" cy="3428999"/>
+          </a:xfrm>
+          <a:solidFill>
+            <a:schemeClr val="accent4"/>
+          </a:solidFill>
+        </p:grpSpPr>
+        <p:sp>
+          <p:nvSpPr>
+            <p:cNvPr id="11" name="Rectangle 10">
+              <a:extLst>
+                <a:ext uri="{FF2B5EF4-FFF2-40B4-BE49-F238E27FC236}">
+                  <a16:creationId xmlns:a16="http://schemas.microsoft.com/office/drawing/2014/main" id="{A6604B49-AD5C-4590-B051-06C8222ECD99}"/>
+                </a:ext>
+                <a:ext uri="{C183D7F6-B498-43B3-948B-1728B52AA6E4}">
+                  <adec:decorative xmlns:adec="http://schemas.microsoft.com/office/drawing/2017/decorative" val="1"/>
+                </a:ext>
+              </a:extLst>
+            </p:cNvPr>
+            <p:cNvSpPr/>
+            <p:nvPr>
+              <p:extLst>
+                <p:ext uri="{386F3935-93C4-4BCD-93E2-E3B085C9AB24}">
+                  <p16:designElem xmlns:p16="http://schemas.microsoft.com/office/powerpoint/2015/main" val="1"/>
+                </p:ext>
+              </p:extLst>
+            </p:nvPr>
+          </p:nvSpPr>
+          <p:spPr>
+            <a:xfrm>
+              <a:off x="3940602" y="308034"/>
+              <a:ext cx="566743" cy="3428999"/>
+            </a:xfrm>
+            <a:prstGeom prst="rect">
+              <a:avLst/>
+            </a:prstGeom>
+            <a:grpFill/>
+            <a:ln>
+              <a:noFill/>
+            </a:ln>
+          </p:spPr>
+          <p:style>
+            <a:lnRef idx="2">
+              <a:schemeClr val="accent1">
+                <a:shade val="50000"/>
+              </a:schemeClr>
+            </a:lnRef>
+            <a:fillRef idx="1">
+              <a:schemeClr val="accent1"/>
+            </a:fillRef>
+            <a:effectRef idx="0">
+              <a:schemeClr val="accent1"/>
+            </a:effectRef>
+            <a:fontRef idx="minor">
+              <a:schemeClr val="lt1"/>
+            </a:fontRef>
+          </p:style>
+          <p:txBody>
+            <a:bodyPr rtlCol="0" anchor="ctr"/>
+            <a:lstStyle/>
+            <a:p>
+              <a:pPr algn="ctr"/>
+              <a:endParaRPr lang="en-US"/>
+            </a:p>
+          </p:txBody>
+        </p:sp>
+        <p:sp>
+          <p:nvSpPr>
+            <p:cNvPr id="12" name="Rectangle 11">
+              <a:extLst>
+                <a:ext uri="{FF2B5EF4-FFF2-40B4-BE49-F238E27FC236}">
+                  <a16:creationId xmlns:a16="http://schemas.microsoft.com/office/drawing/2014/main" id="{743ECCAF-29C5-4537-947C-7EA1292463DB}"/>
+                </a:ext>
+                <a:ext uri="{C183D7F6-B498-43B3-948B-1728B52AA6E4}">
+                  <adec:decorative xmlns:adec="http://schemas.microsoft.com/office/drawing/2017/decorative" val="1"/>
+                </a:ext>
+              </a:extLst>
+            </p:cNvPr>
+            <p:cNvSpPr/>
+            <p:nvPr>
+              <p:extLst>
+                <p:ext uri="{386F3935-93C4-4BCD-93E2-E3B085C9AB24}">
+                  <p16:designElem xmlns:p16="http://schemas.microsoft.com/office/powerpoint/2015/main" val="1"/>
+                </p:ext>
+              </p:extLst>
+            </p:nvPr>
+          </p:nvSpPr>
+          <p:spPr>
+            <a:xfrm>
+              <a:off x="4715626" y="308034"/>
+              <a:ext cx="566743" cy="3428999"/>
+            </a:xfrm>
+            <a:prstGeom prst="rect">
+              <a:avLst/>
+            </a:prstGeom>
+            <a:grpFill/>
+            <a:ln>
+              <a:noFill/>
+            </a:ln>
+          </p:spPr>
+          <p:style>
+            <a:lnRef idx="2">
+              <a:schemeClr val="accent1">
+                <a:shade val="50000"/>
+              </a:schemeClr>
+            </a:lnRef>
+            <a:fillRef idx="1">
+              <a:schemeClr val="accent1"/>
+            </a:fillRef>
+            <a:effectRef idx="0">
+              <a:schemeClr val="accent1"/>
+            </a:effectRef>
+            <a:fontRef idx="minor">
+              <a:schemeClr val="lt1"/>
+            </a:fontRef>
+          </p:style>
+          <p:txBody>
+            <a:bodyPr rtlCol="0" anchor="ctr"/>
+            <a:lstStyle/>
+            <a:p>
+              <a:pPr algn="ctr"/>
+              <a:endParaRPr lang="en-US"/>
+            </a:p>
+          </p:txBody>
+        </p:sp>
+        <p:sp>
+          <p:nvSpPr>
+            <p:cNvPr id="13" name="Rectangle 12">
+              <a:extLst>
+                <a:ext uri="{FF2B5EF4-FFF2-40B4-BE49-F238E27FC236}">
+                  <a16:creationId xmlns:a16="http://schemas.microsoft.com/office/drawing/2014/main" id="{ED49787B-8DE6-4467-AD0A-8DECC6E0C2D6}"/>
+                </a:ext>
+                <a:ext uri="{C183D7F6-B498-43B3-948B-1728B52AA6E4}">
+                  <adec:decorative xmlns:adec="http://schemas.microsoft.com/office/drawing/2017/decorative" val="1"/>
+                </a:ext>
+              </a:extLst>
+            </p:cNvPr>
+            <p:cNvSpPr/>
+            <p:nvPr>
+              <p:extLst>
+                <p:ext uri="{386F3935-93C4-4BCD-93E2-E3B085C9AB24}">
+                  <p16:designElem xmlns:p16="http://schemas.microsoft.com/office/powerpoint/2015/main" val="1"/>
+                </p:ext>
+              </p:extLst>
+            </p:nvPr>
+          </p:nvSpPr>
+          <p:spPr>
+            <a:xfrm>
+              <a:off x="5490650" y="308034"/>
+              <a:ext cx="566743" cy="3428999"/>
+            </a:xfrm>
+            <a:prstGeom prst="rect">
+              <a:avLst/>
+            </a:prstGeom>
+            <a:grpFill/>
+            <a:ln>
+              <a:noFill/>
+            </a:ln>
+          </p:spPr>
+          <p:style>
+            <a:lnRef idx="2">
+              <a:schemeClr val="accent1">
+                <a:shade val="50000"/>
+              </a:schemeClr>
+            </a:lnRef>
+            <a:fillRef idx="1">
+              <a:schemeClr val="accent1"/>
+            </a:fillRef>
+            <a:effectRef idx="0">
+              <a:schemeClr val="accent1"/>
+            </a:effectRef>
+            <a:fontRef idx="minor">
+              <a:schemeClr val="lt1"/>
+            </a:fontRef>
+          </p:style>
+          <p:txBody>
+            <a:bodyPr rtlCol="0" anchor="ctr"/>
+            <a:lstStyle/>
+            <a:p>
+              <a:pPr algn="ctr"/>
+              <a:endParaRPr lang="en-US"/>
+            </a:p>
+          </p:txBody>
+        </p:sp>
+      </p:grpSp>
+      <p:sp>
+        <p:nvSpPr>
+          <p:cNvPr id="15" name="Rectangle 14">
+            <a:extLst>
+              <a:ext uri="{FF2B5EF4-FFF2-40B4-BE49-F238E27FC236}">
+                <a16:creationId xmlns:a16="http://schemas.microsoft.com/office/drawing/2014/main" id="{D5B0017B-2ECA-49AF-B397-DC140825DF8D}"/>
+              </a:ext>
+              <a:ext uri="{C183D7F6-B498-43B3-948B-1728B52AA6E4}">
+                <adec:decorative xmlns:adec="http://schemas.microsoft.com/office/drawing/2017/decorative" val="1"/>
+              </a:ext>
+            </a:extLst>
+          </p:cNvPr>
+          <p:cNvSpPr>
+            <a:spLocks noGrp="1" noRot="1" noChangeAspect="1" noMove="1" noResize="1" noEditPoints="1" noAdjustHandles="1" noChangeArrowheads="1" noChangeShapeType="1" noTextEdit="1"/>
+          </p:cNvSpPr>
+          <p:nvPr>
+            <p:extLst>
+              <p:ext uri="{386F3935-93C4-4BCD-93E2-E3B085C9AB24}">
+                <p16:designElem xmlns:p16="http://schemas.microsoft.com/office/powerpoint/2015/main" val="1"/>
+              </p:ext>
+            </p:extLst>
+          </p:nvPr>
+        </p:nvSpPr>
+        <p:spPr>
+          <a:xfrm>
+            <a:off x="640079" y="613954"/>
+            <a:ext cx="10907487" cy="1894116"/>
+          </a:xfrm>
+          <a:prstGeom prst="rect">
+            <a:avLst/>
+          </a:prstGeom>
+          <a:solidFill>
+            <a:schemeClr val="bg1"/>
+          </a:solidFill>
+          <a:ln>
+            <a:noFill/>
+          </a:ln>
+          <a:effectLst>
+            <a:outerShdw blurRad="139700" dist="127000" dir="5400000" algn="t" rotWithShape="0">
+              <a:prstClr val="black">
+                <a:alpha val="15000"/>
+              </a:prstClr>
+            </a:outerShdw>
+          </a:effectLst>
+        </p:spPr>
+        <p:style>
+          <a:lnRef idx="2">
+            <a:schemeClr val="accent1">
+              <a:shade val="50000"/>
+            </a:schemeClr>
+          </a:lnRef>
+          <a:fillRef idx="1">
+            <a:schemeClr val="accent1"/>
+          </a:fillRef>
+          <a:effectRef idx="0">
+            <a:schemeClr val="accent1"/>
+          </a:effectRef>
+          <a:fontRef idx="minor">
+            <a:schemeClr val="lt1"/>
+          </a:fontRef>
+        </p:style>
+        <p:txBody>
+          <a:bodyPr rtlCol="0" anchor="ctr"/>
+          <a:lstStyle/>
+          <a:p>
+            <a:pPr algn="ctr"/>
+            <a:endParaRPr lang="en-US"/>
+          </a:p>
+        </p:txBody>
+      </p:sp>
       <p:sp>
         <p:nvSpPr>
           <p:cNvPr id="2" name="Title 1">
             <a:extLst>
               <a:ext uri="{FF2B5EF4-FFF2-40B4-BE49-F238E27FC236}">
-                <a16:creationId xmlns:a16="http://schemas.microsoft.com/office/drawing/2014/main" id="{2F4505E4-EFD5-E164-B1AC-EC8234DE29D1}"/>
+                <a16:creationId xmlns:a16="http://schemas.microsoft.com/office/drawing/2014/main" id="{1D36B06C-9899-5C03-3010-E709E5773272}"/>
               </a:ext>
             </a:extLst>
           </p:cNvPr>
@@ -7212,19 +11539,19 @@
         </p:nvSpPr>
         <p:spPr>
           <a:xfrm>
-            <a:off x="1154955" y="1447800"/>
-            <a:ext cx="8825658" cy="3329581"/>
+            <a:off x="1043631" y="809898"/>
+            <a:ext cx="9942716" cy="1554480"/>
           </a:xfrm>
         </p:spPr>
         <p:txBody>
-          <a:bodyPr vert="horz" lIns="91440" tIns="45720" rIns="91440" bIns="45720" rtlCol="0" anchor="b">
+          <a:bodyPr anchor="ctr">
             <a:normAutofit/>
           </a:bodyPr>
           <a:lstStyle/>
           <a:p>
             <a:r>
-              <a:rPr lang="en-US" sz="7200" dirty="0"/>
-              <a:t>Why , What, How</a:t>
+              <a:rPr lang="en-CA" sz="4800" dirty="0"/>
+              <a:t>Key Application Modules</a:t>
             </a:r>
           </a:p>
         </p:txBody>
@@ -7234,7 +11561,7 @@
           <p:cNvPr id="3" name="Content Placeholder 2">
             <a:extLst>
               <a:ext uri="{FF2B5EF4-FFF2-40B4-BE49-F238E27FC236}">
-                <a16:creationId xmlns:a16="http://schemas.microsoft.com/office/drawing/2014/main" id="{A980222E-38B1-DB3C-DB74-22B5343D9DED}"/>
+                <a16:creationId xmlns:a16="http://schemas.microsoft.com/office/drawing/2014/main" id="{A30797CB-C394-3A07-05B0-0BE91150AE3F}"/>
               </a:ext>
             </a:extLst>
           </p:cNvPr>
@@ -7247,43 +11574,133 @@
         </p:nvSpPr>
         <p:spPr>
           <a:xfrm>
-            <a:off x="1154955" y="4777380"/>
-            <a:ext cx="8825658" cy="861420"/>
+            <a:off x="1045028" y="2942298"/>
+            <a:ext cx="9941319" cy="3124658"/>
           </a:xfrm>
         </p:spPr>
         <p:txBody>
-          <a:bodyPr vert="horz" lIns="91440" tIns="45720" rIns="91440" bIns="45720" rtlCol="0" anchor="t">
+          <a:bodyPr anchor="ctr">
             <a:normAutofit/>
           </a:bodyPr>
           <a:lstStyle/>
           <a:p>
-            <a:pPr marL="0" indent="0">
-              <a:buNone/>
+            <a:pPr>
+              <a:buFont typeface="Wingdings" panose="05000000000000000000" pitchFamily="2" charset="2"/>
+              <a:buChar char="v"/>
             </a:pPr>
             <a:r>
-              <a:rPr lang="en-US" cap="all" dirty="0">
-                <a:solidFill>
-                  <a:schemeClr val="bg2">
-                    <a:lumMod val="40000"/>
-                    <a:lumOff val="60000"/>
-                  </a:schemeClr>
-                </a:solidFill>
-              </a:rPr>
-              <a:t>App story line</a:t>
+              <a:rPr lang="en-CA" sz="2400" dirty="0" err="1"/>
+              <a:t>Axios</a:t>
             </a:r>
+            <a:r>
+              <a:rPr lang="en-CA" sz="2400" dirty="0"/>
+              <a:t>: A simple promise based HTTP client for browsers and node.js</a:t>
+            </a:r>
+          </a:p>
+          <a:p>
+            <a:pPr>
+              <a:buFont typeface="Wingdings" panose="05000000000000000000" pitchFamily="2" charset="2"/>
+              <a:buChar char="v"/>
+            </a:pPr>
+            <a:r>
+              <a:rPr lang="en-CA" sz="2400" dirty="0"/>
+              <a:t>Flask: A python microframework used to develop web applications quickly and efficiently by managing core functionalities such as routing </a:t>
+            </a:r>
+          </a:p>
+          <a:p>
+            <a:pPr>
+              <a:buFont typeface="Wingdings" panose="05000000000000000000" pitchFamily="2" charset="2"/>
+              <a:buChar char="v"/>
+            </a:pPr>
+            <a:r>
+              <a:rPr lang="en-CA" sz="2400" dirty="0"/>
+              <a:t>Flask Cross Origin Resource Sharing: This flask extension handles resource sharing between different domains and specified routes   </a:t>
+            </a:r>
+          </a:p>
+          <a:p>
+            <a:pPr>
+              <a:buFont typeface="Wingdings" panose="05000000000000000000" pitchFamily="2" charset="2"/>
+              <a:buChar char="v"/>
+            </a:pPr>
+            <a:r>
+              <a:rPr lang="en-CA" sz="2400" dirty="0"/>
+              <a:t>JSON library: This python library is mainly used to serialize to and from JSON when processing client requests.</a:t>
+            </a:r>
+          </a:p>
+          <a:p>
+            <a:pPr>
+              <a:buFont typeface="Wingdings" panose="05000000000000000000" pitchFamily="2" charset="2"/>
+              <a:buChar char="v"/>
+            </a:pPr>
+            <a:endParaRPr lang="en-CA" sz="2400" dirty="0"/>
           </a:p>
         </p:txBody>
       </p:sp>
+      <p:cxnSp>
+        <p:nvCxnSpPr>
+          <p:cNvPr id="17" name="Straight Connector 16">
+            <a:extLst>
+              <a:ext uri="{FF2B5EF4-FFF2-40B4-BE49-F238E27FC236}">
+                <a16:creationId xmlns:a16="http://schemas.microsoft.com/office/drawing/2014/main" id="{6CF1BAF6-AD41-4082-B212-8A1F9A2E8779}"/>
+              </a:ext>
+              <a:ext uri="{C183D7F6-B498-43B3-948B-1728B52AA6E4}">
+                <adec:decorative xmlns:adec="http://schemas.microsoft.com/office/drawing/2017/decorative" val="1"/>
+              </a:ext>
+            </a:extLst>
+          </p:cNvPr>
+          <p:cNvCxnSpPr>
+            <a:cxnSpLocks noGrp="1" noRot="1" noChangeAspect="1" noMove="1" noResize="1" noEditPoints="1" noAdjustHandles="1" noChangeArrowheads="1" noChangeShapeType="1"/>
+          </p:cNvCxnSpPr>
+          <p:nvPr>
+            <p:extLst>
+              <p:ext uri="{386F3935-93C4-4BCD-93E2-E3B085C9AB24}">
+                <p16:designElem xmlns:p16="http://schemas.microsoft.com/office/powerpoint/2015/main" val="1"/>
+              </p:ext>
+            </p:extLst>
+          </p:nvPr>
+        </p:nvCxnSpPr>
+        <p:spPr>
+          <a:xfrm flipH="1">
+            <a:off x="838200" y="6485313"/>
+            <a:ext cx="10515600" cy="0"/>
+          </a:xfrm>
+          <a:prstGeom prst="line">
+            <a:avLst/>
+          </a:prstGeom>
+          <a:ln w="57150">
+            <a:solidFill>
+              <a:schemeClr val="accent4"/>
+            </a:solidFill>
+          </a:ln>
+        </p:spPr>
+        <p:style>
+          <a:lnRef idx="1">
+            <a:schemeClr val="accent1"/>
+          </a:lnRef>
+          <a:fillRef idx="0">
+            <a:schemeClr val="accent1"/>
+          </a:fillRef>
+          <a:effectRef idx="0">
+            <a:schemeClr val="accent1"/>
+          </a:effectRef>
+          <a:fontRef idx="minor">
+            <a:schemeClr val="tx1"/>
+          </a:fontRef>
+        </p:style>
+      </p:cxnSp>
     </p:spTree>
     <p:extLst>
       <p:ext uri="{BB962C8B-B14F-4D97-AF65-F5344CB8AC3E}">
-        <p14:creationId xmlns:p14="http://schemas.microsoft.com/office/powerpoint/2010/main" val="337400331"/>
+        <p14:creationId xmlns:p14="http://schemas.microsoft.com/office/powerpoint/2010/main" val="2329174054"/>
       </p:ext>
     </p:extLst>
   </p:cSld>
   <p:clrMapOvr>
     <a:masterClrMapping/>
   </p:clrMapOvr>
+  <p:transition spd="slow">
+    <p:wipe/>
+  </p:transition>
   <p:timing>
     <p:tnLst>
       <p:par>
@@ -7308,13 +11725,10 @@
                             </p:stCondLst>
                             <p:childTnLst>
                               <p:par>
-                                <p:cTn id="5" presetID="10" presetClass="entr" presetSubtype="0" fill="hold" grpId="0" nodeType="withEffect">
+                                <p:cTn id="5" presetID="22" presetClass="entr" presetSubtype="1" fill="hold" grpId="0" nodeType="afterEffect">
                                   <p:stCondLst>
-                                    <p:cond delay="1000"/>
+                                    <p:cond delay="0"/>
                                   </p:stCondLst>
-                                  <p:iterate type="lt">
-                                    <p:tmPct val="10000"/>
-                                  </p:iterate>
                                   <p:childTnLst>
                                     <p:set>
                                       <p:cBhvr>
@@ -7324,7 +11738,11 @@
                                           </p:stCondLst>
                                         </p:cTn>
                                         <p:tgtEl>
-                                          <p:spTgt spid="2"/>
+                                          <p:spTgt spid="3">
+                                            <p:txEl>
+                                              <p:pRg st="0" end="0"/>
+                                            </p:txEl>
+                                          </p:spTgt>
                                         </p:tgtEl>
                                         <p:attrNameLst>
                                           <p:attrName>style.visibility</p:attrName>
@@ -7334,11 +11752,171 @@
                                         <p:strVal val="visible"/>
                                       </p:to>
                                     </p:set>
-                                    <p:animEffect transition="in" filter="fade">
+                                    <p:animEffect transition="in" filter="wipe(up)">
                                       <p:cBhvr>
-                                        <p:cTn id="7" dur="400"/>
+                                        <p:cTn id="7" dur="500"/>
                                         <p:tgtEl>
-                                          <p:spTgt spid="2"/>
+                                          <p:spTgt spid="3">
+                                            <p:txEl>
+                                              <p:pRg st="0" end="0"/>
+                                            </p:txEl>
+                                          </p:spTgt>
+                                        </p:tgtEl>
+                                      </p:cBhvr>
+                                    </p:animEffect>
+                                  </p:childTnLst>
+                                </p:cTn>
+                              </p:par>
+                            </p:childTnLst>
+                          </p:cTn>
+                        </p:par>
+                        <p:par>
+                          <p:cTn id="8" fill="hold">
+                            <p:stCondLst>
+                              <p:cond delay="500"/>
+                            </p:stCondLst>
+                            <p:childTnLst>
+                              <p:par>
+                                <p:cTn id="9" presetID="22" presetClass="entr" presetSubtype="1" fill="hold" grpId="0" nodeType="afterEffect">
+                                  <p:stCondLst>
+                                    <p:cond delay="0"/>
+                                  </p:stCondLst>
+                                  <p:childTnLst>
+                                    <p:set>
+                                      <p:cBhvr>
+                                        <p:cTn id="10" dur="1" fill="hold">
+                                          <p:stCondLst>
+                                            <p:cond delay="0"/>
+                                          </p:stCondLst>
+                                        </p:cTn>
+                                        <p:tgtEl>
+                                          <p:spTgt spid="3">
+                                            <p:txEl>
+                                              <p:pRg st="1" end="1"/>
+                                            </p:txEl>
+                                          </p:spTgt>
+                                        </p:tgtEl>
+                                        <p:attrNameLst>
+                                          <p:attrName>style.visibility</p:attrName>
+                                        </p:attrNameLst>
+                                      </p:cBhvr>
+                                      <p:to>
+                                        <p:strVal val="visible"/>
+                                      </p:to>
+                                    </p:set>
+                                    <p:animEffect transition="in" filter="wipe(up)">
+                                      <p:cBhvr>
+                                        <p:cTn id="11" dur="500"/>
+                                        <p:tgtEl>
+                                          <p:spTgt spid="3">
+                                            <p:txEl>
+                                              <p:pRg st="1" end="1"/>
+                                            </p:txEl>
+                                          </p:spTgt>
+                                        </p:tgtEl>
+                                      </p:cBhvr>
+                                    </p:animEffect>
+                                  </p:childTnLst>
+                                </p:cTn>
+                              </p:par>
+                            </p:childTnLst>
+                          </p:cTn>
+                        </p:par>
+                        <p:par>
+                          <p:cTn id="12" fill="hold">
+                            <p:stCondLst>
+                              <p:cond delay="1000"/>
+                            </p:stCondLst>
+                            <p:childTnLst>
+                              <p:par>
+                                <p:cTn id="13" presetID="22" presetClass="entr" presetSubtype="1" fill="hold" grpId="0" nodeType="afterEffect">
+                                  <p:stCondLst>
+                                    <p:cond delay="0"/>
+                                  </p:stCondLst>
+                                  <p:childTnLst>
+                                    <p:set>
+                                      <p:cBhvr>
+                                        <p:cTn id="14" dur="1" fill="hold">
+                                          <p:stCondLst>
+                                            <p:cond delay="0"/>
+                                          </p:stCondLst>
+                                        </p:cTn>
+                                        <p:tgtEl>
+                                          <p:spTgt spid="3">
+                                            <p:txEl>
+                                              <p:pRg st="2" end="2"/>
+                                            </p:txEl>
+                                          </p:spTgt>
+                                        </p:tgtEl>
+                                        <p:attrNameLst>
+                                          <p:attrName>style.visibility</p:attrName>
+                                        </p:attrNameLst>
+                                      </p:cBhvr>
+                                      <p:to>
+                                        <p:strVal val="visible"/>
+                                      </p:to>
+                                    </p:set>
+                                    <p:animEffect transition="in" filter="wipe(up)">
+                                      <p:cBhvr>
+                                        <p:cTn id="15" dur="500"/>
+                                        <p:tgtEl>
+                                          <p:spTgt spid="3">
+                                            <p:txEl>
+                                              <p:pRg st="2" end="2"/>
+                                            </p:txEl>
+                                          </p:spTgt>
+                                        </p:tgtEl>
+                                      </p:cBhvr>
+                                    </p:animEffect>
+                                  </p:childTnLst>
+                                </p:cTn>
+                              </p:par>
+                            </p:childTnLst>
+                          </p:cTn>
+                        </p:par>
+                        <p:par>
+                          <p:cTn id="16" fill="hold">
+                            <p:stCondLst>
+                              <p:cond delay="1500"/>
+                            </p:stCondLst>
+                            <p:childTnLst>
+                              <p:par>
+                                <p:cTn id="17" presetID="22" presetClass="entr" presetSubtype="1" fill="hold" grpId="0" nodeType="afterEffect">
+                                  <p:stCondLst>
+                                    <p:cond delay="0"/>
+                                  </p:stCondLst>
+                                  <p:childTnLst>
+                                    <p:set>
+                                      <p:cBhvr>
+                                        <p:cTn id="18" dur="1" fill="hold">
+                                          <p:stCondLst>
+                                            <p:cond delay="0"/>
+                                          </p:stCondLst>
+                                        </p:cTn>
+                                        <p:tgtEl>
+                                          <p:spTgt spid="3">
+                                            <p:txEl>
+                                              <p:pRg st="3" end="3"/>
+                                            </p:txEl>
+                                          </p:spTgt>
+                                        </p:tgtEl>
+                                        <p:attrNameLst>
+                                          <p:attrName>style.visibility</p:attrName>
+                                        </p:attrNameLst>
+                                      </p:cBhvr>
+                                      <p:to>
+                                        <p:strVal val="visible"/>
+                                      </p:to>
+                                    </p:set>
+                                    <p:animEffect transition="in" filter="wipe(up)">
+                                      <p:cBhvr>
+                                        <p:cTn id="19" dur="500"/>
+                                        <p:tgtEl>
+                                          <p:spTgt spid="3">
+                                            <p:txEl>
+                                              <p:pRg st="3" end="3"/>
+                                            </p:txEl>
+                                          </p:spTgt>
                                         </p:tgtEl>
                                       </p:cBhvr>
                                     </p:animEffect>
@@ -7373,14 +11951,378 @@
       </p:par>
     </p:tnLst>
     <p:bldLst>
-      <p:bldP spid="2" grpId="0"/>
+      <p:bldP spid="3" grpId="0" build="p"/>
     </p:bldLst>
   </p:timing>
 </p:sld>
 </file>
 
-<file path=ppt/slides/slide5.xml><?xml version="1.0" encoding="utf-8"?>
-<p:sld xmlns:a="http://schemas.openxmlformats.org/drawingml/2006/main" xmlns:r="http://schemas.openxmlformats.org/officeDocument/2006/relationships" xmlns:p="http://schemas.openxmlformats.org/presentationml/2006/main" show="0">
+<file path=ppt/slides/slide6.xml><?xml version="1.0" encoding="utf-8"?>
+<p:sld xmlns:a="http://schemas.openxmlformats.org/drawingml/2006/main" xmlns:r="http://schemas.openxmlformats.org/officeDocument/2006/relationships" xmlns:p="http://schemas.openxmlformats.org/presentationml/2006/main">
+  <p:cSld>
+    <p:bg>
+      <p:bgPr>
+        <a:solidFill>
+          <a:schemeClr val="bg2"/>
+        </a:solidFill>
+        <a:effectLst/>
+      </p:bgPr>
+    </p:bg>
+    <p:spTree>
+      <p:nvGrpSpPr>
+        <p:cNvPr id="1" name=""/>
+        <p:cNvGrpSpPr/>
+        <p:nvPr/>
+      </p:nvGrpSpPr>
+      <p:grpSpPr>
+        <a:xfrm>
+          <a:off x="0" y="0"/>
+          <a:ext cx="0" cy="0"/>
+          <a:chOff x="0" y="0"/>
+          <a:chExt cx="0" cy="0"/>
+        </a:xfrm>
+      </p:grpSpPr>
+      <p:sp>
+        <p:nvSpPr>
+          <p:cNvPr id="11" name="Rectangle 10">
+            <a:extLst>
+              <a:ext uri="{FF2B5EF4-FFF2-40B4-BE49-F238E27FC236}">
+                <a16:creationId xmlns:a16="http://schemas.microsoft.com/office/drawing/2014/main" id="{16C5FA50-8D52-4617-AF91-5C7B1C8352F1}"/>
+              </a:ext>
+              <a:ext uri="{C183D7F6-B498-43B3-948B-1728B52AA6E4}">
+                <adec:decorative xmlns:adec="http://schemas.microsoft.com/office/drawing/2017/decorative" val="1"/>
+              </a:ext>
+            </a:extLst>
+          </p:cNvPr>
+          <p:cNvSpPr>
+            <a:spLocks noGrp="1" noRot="1" noChangeAspect="1" noMove="1" noResize="1" noEditPoints="1" noAdjustHandles="1" noChangeArrowheads="1" noChangeShapeType="1" noTextEdit="1"/>
+          </p:cNvSpPr>
+          <p:nvPr>
+            <p:extLst>
+              <p:ext uri="{386F3935-93C4-4BCD-93E2-E3B085C9AB24}">
+                <p16:designElem xmlns:p16="http://schemas.microsoft.com/office/powerpoint/2015/main" val="1"/>
+              </p:ext>
+            </p:extLst>
+          </p:nvPr>
+        </p:nvSpPr>
+        <p:spPr>
+          <a:xfrm>
+            <a:off x="0" y="0"/>
+            <a:ext cx="12192000" cy="6858000"/>
+          </a:xfrm>
+          <a:prstGeom prst="rect">
+            <a:avLst/>
+          </a:prstGeom>
+          <a:solidFill>
+            <a:srgbClr val="324B66"/>
+          </a:solidFill>
+          <a:ln>
+            <a:noFill/>
+          </a:ln>
+        </p:spPr>
+        <p:style>
+          <a:lnRef idx="2">
+            <a:schemeClr val="accent1">
+              <a:shade val="50000"/>
+            </a:schemeClr>
+          </a:lnRef>
+          <a:fillRef idx="1">
+            <a:schemeClr val="accent1"/>
+          </a:fillRef>
+          <a:effectRef idx="0">
+            <a:schemeClr val="accent1"/>
+          </a:effectRef>
+          <a:fontRef idx="minor">
+            <a:schemeClr val="lt1"/>
+          </a:fontRef>
+        </p:style>
+        <p:txBody>
+          <a:bodyPr rtlCol="0" anchor="ctr"/>
+          <a:lstStyle/>
+          <a:p>
+            <a:pPr algn="ctr"/>
+            <a:endParaRPr lang="en-US"/>
+          </a:p>
+        </p:txBody>
+      </p:sp>
+      <p:sp>
+        <p:nvSpPr>
+          <p:cNvPr id="2" name="Title 1">
+            <a:extLst>
+              <a:ext uri="{FF2B5EF4-FFF2-40B4-BE49-F238E27FC236}">
+                <a16:creationId xmlns:a16="http://schemas.microsoft.com/office/drawing/2014/main" id="{8CCFA2ED-9479-55D5-691F-A61906A44698}"/>
+              </a:ext>
+            </a:extLst>
+          </p:cNvPr>
+          <p:cNvSpPr>
+            <a:spLocks noGrp="1"/>
+          </p:cNvSpPr>
+          <p:nvPr>
+            <p:ph type="title"/>
+          </p:nvPr>
+        </p:nvSpPr>
+        <p:spPr>
+          <a:xfrm>
+            <a:off x="9093496" y="618681"/>
+            <a:ext cx="2613872" cy="4794567"/>
+          </a:xfrm>
+        </p:spPr>
+        <p:txBody>
+          <a:bodyPr vert="horz" lIns="91440" tIns="45720" rIns="91440" bIns="45720" rtlCol="0" anchor="ctr">
+            <a:normAutofit/>
+          </a:bodyPr>
+          <a:lstStyle/>
+          <a:p>
+            <a:pPr algn="ctr"/>
+            <a:r>
+              <a:rPr lang="en-US" sz="3300" dirty="0">
+                <a:solidFill>
+                  <a:srgbClr val="FFFFFF"/>
+                </a:solidFill>
+              </a:rPr>
+              <a:t>Source Code Management</a:t>
+            </a:r>
+            <a:br>
+              <a:rPr lang="en-US" sz="3300" dirty="0">
+                <a:solidFill>
+                  <a:srgbClr val="FFFFFF"/>
+                </a:solidFill>
+              </a:rPr>
+            </a:br>
+            <a:r>
+              <a:rPr lang="en-US" sz="3300" dirty="0">
+                <a:solidFill>
+                  <a:srgbClr val="FFFFFF"/>
+                </a:solidFill>
+              </a:rPr>
+              <a:t>System</a:t>
+            </a:r>
+          </a:p>
+        </p:txBody>
+      </p:sp>
+      <p:sp>
+        <p:nvSpPr>
+          <p:cNvPr id="13" name="Rounded Rectangle 9">
+            <a:extLst>
+              <a:ext uri="{FF2B5EF4-FFF2-40B4-BE49-F238E27FC236}">
+                <a16:creationId xmlns:a16="http://schemas.microsoft.com/office/drawing/2014/main" id="{E223798C-12AD-4B0C-A50C-D676347D67CF}"/>
+              </a:ext>
+              <a:ext uri="{C183D7F6-B498-43B3-948B-1728B52AA6E4}">
+                <adec:decorative xmlns:adec="http://schemas.microsoft.com/office/drawing/2017/decorative" val="1"/>
+              </a:ext>
+            </a:extLst>
+          </p:cNvPr>
+          <p:cNvSpPr>
+            <a:spLocks noGrp="1" noRot="1" noChangeAspect="1" noMove="1" noResize="1" noEditPoints="1" noAdjustHandles="1" noChangeArrowheads="1" noChangeShapeType="1" noTextEdit="1"/>
+          </p:cNvSpPr>
+          <p:nvPr>
+            <p:extLst>
+              <p:ext uri="{386F3935-93C4-4BCD-93E2-E3B085C9AB24}">
+                <p16:designElem xmlns:p16="http://schemas.microsoft.com/office/powerpoint/2015/main" val="1"/>
+              </p:ext>
+            </p:extLst>
+          </p:nvPr>
+        </p:nvSpPr>
+        <p:spPr>
+          <a:xfrm>
+            <a:off x="493354" y="484632"/>
+            <a:ext cx="8129016" cy="5724144"/>
+          </a:xfrm>
+          <a:prstGeom prst="roundRect">
+            <a:avLst>
+              <a:gd name="adj" fmla="val 0"/>
+            </a:avLst>
+          </a:prstGeom>
+          <a:solidFill>
+            <a:srgbClr val="FFFFFF"/>
+          </a:solidFill>
+          <a:ln w="9525">
+            <a:solidFill>
+              <a:srgbClr val="C8CACA"/>
+            </a:solidFill>
+          </a:ln>
+          <a:effectLst>
+            <a:outerShdw blurRad="57150" dist="19050" dir="5400000" algn="t" rotWithShape="0">
+              <a:prstClr val="black">
+                <a:alpha val="63000"/>
+              </a:prstClr>
+            </a:outerShdw>
+          </a:effectLst>
+        </p:spPr>
+        <p:style>
+          <a:lnRef idx="2">
+            <a:schemeClr val="accent1">
+              <a:shade val="50000"/>
+            </a:schemeClr>
+          </a:lnRef>
+          <a:fillRef idx="1">
+            <a:schemeClr val="accent1"/>
+          </a:fillRef>
+          <a:effectRef idx="0">
+            <a:schemeClr val="accent1"/>
+          </a:effectRef>
+          <a:fontRef idx="minor">
+            <a:schemeClr val="lt1"/>
+          </a:fontRef>
+        </p:style>
+        <p:txBody>
+          <a:bodyPr rtlCol="0" anchor="ctr"/>
+          <a:lstStyle/>
+          <a:p>
+            <a:pPr algn="ctr"/>
+            <a:endParaRPr lang="en-US"/>
+          </a:p>
+        </p:txBody>
+      </p:sp>
+      <p:pic>
+        <p:nvPicPr>
+          <p:cNvPr id="5" name="Content Placeholder 4" descr="A picture containing text&#10;&#10;Description automatically generated">
+            <a:extLst>
+              <a:ext uri="{FF2B5EF4-FFF2-40B4-BE49-F238E27FC236}">
+                <a16:creationId xmlns:a16="http://schemas.microsoft.com/office/drawing/2014/main" id="{1B4D539E-9D72-43E8-82DD-903EA0566CCA}"/>
+              </a:ext>
+            </a:extLst>
+          </p:cNvPr>
+          <p:cNvPicPr>
+            <a:picLocks noGrp="1" noChangeAspect="1"/>
+          </p:cNvPicPr>
+          <p:nvPr>
+            <p:ph idx="1"/>
+          </p:nvPr>
+        </p:nvPicPr>
+        <p:blipFill rotWithShape="1">
+          <a:blip r:embed="rId3">
+            <a:extLst>
+              <a:ext uri="{28A0092B-C50C-407E-A947-70E740481C1C}">
+                <a14:useLocalDpi xmlns:a14="http://schemas.microsoft.com/office/drawing/2010/main" val="0"/>
+              </a:ext>
+              <a:ext uri="{837473B0-CC2E-450A-ABE3-18F120FF3D39}">
+                <a1611:picAttrSrcUrl xmlns:a1611="http://schemas.microsoft.com/office/drawing/2016/11/main" r:id="rId4"/>
+              </a:ext>
+            </a:extLst>
+          </a:blip>
+          <a:srcRect l="2491" r="1138" b="-3"/>
+          <a:stretch/>
+        </p:blipFill>
+        <p:spPr>
+          <a:xfrm>
+            <a:off x="294085" y="484632"/>
+            <a:ext cx="8527554" cy="5733872"/>
+          </a:xfrm>
+          <a:prstGeom prst="rect">
+            <a:avLst/>
+          </a:prstGeom>
+          <a:effectLst/>
+        </p:spPr>
+      </p:pic>
+      <p:sp>
+        <p:nvSpPr>
+          <p:cNvPr id="6" name="TextBox 5">
+            <a:extLst>
+              <a:ext uri="{FF2B5EF4-FFF2-40B4-BE49-F238E27FC236}">
+                <a16:creationId xmlns:a16="http://schemas.microsoft.com/office/drawing/2014/main" id="{BEB4B268-4AB9-5F48-F534-96CE9B4633AB}"/>
+              </a:ext>
+            </a:extLst>
+          </p:cNvPr>
+          <p:cNvSpPr txBox="1"/>
+          <p:nvPr/>
+        </p:nvSpPr>
+        <p:spPr>
+          <a:xfrm>
+            <a:off x="89143" y="6593380"/>
+            <a:ext cx="2582904" cy="200055"/>
+          </a:xfrm>
+          <a:prstGeom prst="rect">
+            <a:avLst/>
+          </a:prstGeom>
+          <a:solidFill>
+            <a:srgbClr val="000000"/>
+          </a:solidFill>
+        </p:spPr>
+        <p:txBody>
+          <a:bodyPr wrap="square" rtlCol="0">
+            <a:spAutoFit/>
+          </a:bodyPr>
+          <a:lstStyle/>
+          <a:p>
+            <a:pPr algn="r">
+              <a:spcAft>
+                <a:spcPts val="600"/>
+              </a:spcAft>
+            </a:pPr>
+            <a:r>
+              <a:rPr lang="en-CA" sz="700" dirty="0">
+                <a:solidFill>
+                  <a:srgbClr val="FFFFFF"/>
+                </a:solidFill>
+                <a:hlinkClick r:id="rId4" tooltip="https://www.ictworks.org/valuable-github-repositories-digital-development/">
+                  <a:extLst>
+                    <a:ext uri="{A12FA001-AC4F-418D-AE19-62706E023703}">
+                      <ahyp:hlinkClr xmlns:ahyp="http://schemas.microsoft.com/office/drawing/2018/hyperlinkcolor" val="tx"/>
+                    </a:ext>
+                  </a:extLst>
+                </a:hlinkClick>
+              </a:rPr>
+              <a:t>This Photo</a:t>
+            </a:r>
+            <a:r>
+              <a:rPr lang="en-CA" sz="700" dirty="0">
+                <a:solidFill>
+                  <a:srgbClr val="FFFFFF"/>
+                </a:solidFill>
+              </a:rPr>
+              <a:t> by Unknown Author is licensed under </a:t>
+            </a:r>
+            <a:r>
+              <a:rPr lang="en-CA" sz="700" dirty="0">
+                <a:solidFill>
+                  <a:srgbClr val="FFFFFF"/>
+                </a:solidFill>
+                <a:hlinkClick r:id="rId5" tooltip="https://creativecommons.org/licenses/by-nc-sa/3.0/">
+                  <a:extLst>
+                    <a:ext uri="{A12FA001-AC4F-418D-AE19-62706E023703}">
+                      <ahyp:hlinkClr xmlns:ahyp="http://schemas.microsoft.com/office/drawing/2018/hyperlinkcolor" val="tx"/>
+                    </a:ext>
+                  </a:extLst>
+                </a:hlinkClick>
+              </a:rPr>
+              <a:t>CC BY-SA-NC</a:t>
+            </a:r>
+            <a:endParaRPr lang="en-CA" sz="700" dirty="0">
+              <a:solidFill>
+                <a:srgbClr val="FFFFFF"/>
+              </a:solidFill>
+            </a:endParaRPr>
+          </a:p>
+        </p:txBody>
+      </p:sp>
+    </p:spTree>
+    <p:extLst>
+      <p:ext uri="{BB962C8B-B14F-4D97-AF65-F5344CB8AC3E}">
+        <p14:creationId xmlns:p14="http://schemas.microsoft.com/office/powerpoint/2010/main" val="1228298807"/>
+      </p:ext>
+    </p:extLst>
+  </p:cSld>
+  <p:clrMapOvr>
+    <a:masterClrMapping/>
+  </p:clrMapOvr>
+  <mc:AlternateContent xmlns:mc="http://schemas.openxmlformats.org/markup-compatibility/2006">
+    <mc:Choice xmlns:p14="http://schemas.microsoft.com/office/powerpoint/2010/main" Requires="p14">
+      <p:transition spd="slow" p14:dur="800">
+        <p:circle/>
+      </p:transition>
+    </mc:Choice>
+    <mc:Fallback>
+      <p:transition spd="slow">
+        <p:circle/>
+      </p:transition>
+    </mc:Fallback>
+  </mc:AlternateContent>
+</p:sld>
+</file>
+
+<file path=ppt/slides/slide7.xml><?xml version="1.0" encoding="utf-8"?>
+<p:sld xmlns:a="http://schemas.openxmlformats.org/drawingml/2006/main" xmlns:r="http://schemas.openxmlformats.org/officeDocument/2006/relationships" xmlns:p="http://schemas.openxmlformats.org/presentationml/2006/main">
   <p:cSld>
     <p:bg>
       <p:bgPr>
@@ -7404,12 +12346,192 @@
           <a:chExt cx="0" cy="0"/>
         </a:xfrm>
       </p:grpSpPr>
+      <p:pic>
+        <p:nvPicPr>
+          <p:cNvPr id="7" name="Picture 6" descr="A close up of a tire">
+            <a:extLst>
+              <a:ext uri="{FF2B5EF4-FFF2-40B4-BE49-F238E27FC236}">
+                <a16:creationId xmlns:a16="http://schemas.microsoft.com/office/drawing/2014/main" id="{7CC89EB2-7EEA-E242-1830-2F14389B73CA}"/>
+              </a:ext>
+            </a:extLst>
+          </p:cNvPr>
+          <p:cNvPicPr>
+            <a:picLocks noChangeAspect="1"/>
+          </p:cNvPicPr>
+          <p:nvPr/>
+        </p:nvPicPr>
+        <p:blipFill rotWithShape="1">
+          <a:blip r:embed="rId3">
+            <a:extLst>
+              <a:ext uri="{28A0092B-C50C-407E-A947-70E740481C1C}">
+                <a14:useLocalDpi xmlns:a14="http://schemas.microsoft.com/office/drawing/2010/main" val="0"/>
+              </a:ext>
+              <a:ext uri="{837473B0-CC2E-450A-ABE3-18F120FF3D39}">
+                <a1611:picAttrSrcUrl xmlns:a1611="http://schemas.microsoft.com/office/drawing/2016/11/main" r:id="rId4"/>
+              </a:ext>
+            </a:extLst>
+          </a:blip>
+          <a:srcRect b="25000"/>
+          <a:stretch/>
+        </p:blipFill>
+        <p:spPr>
+          <a:xfrm>
+            <a:off x="-1" y="10"/>
+            <a:ext cx="12192000" cy="6857990"/>
+          </a:xfrm>
+          <a:prstGeom prst="rect">
+            <a:avLst/>
+          </a:prstGeom>
+        </p:spPr>
+      </p:pic>
+      <p:sp>
+        <p:nvSpPr>
+          <p:cNvPr id="25" name="Freeform 5">
+            <a:extLst>
+              <a:ext uri="{FF2B5EF4-FFF2-40B4-BE49-F238E27FC236}">
+                <a16:creationId xmlns:a16="http://schemas.microsoft.com/office/drawing/2014/main" id="{3CD9DF72-87A3-404E-A828-84CBF11A8303}"/>
+              </a:ext>
+              <a:ext uri="{C183D7F6-B498-43B3-948B-1728B52AA6E4}">
+                <adec:decorative xmlns:adec="http://schemas.microsoft.com/office/drawing/2017/decorative" val="1"/>
+              </a:ext>
+            </a:extLst>
+          </p:cNvPr>
+          <p:cNvSpPr>
+            <a:spLocks noGrp="1" noRot="1" noChangeAspect="1" noMove="1" noResize="1" noEditPoints="1" noAdjustHandles="1" noChangeArrowheads="1" noChangeShapeType="1" noTextEdit="1"/>
+          </p:cNvSpPr>
+          <p:nvPr>
+            <p:extLst>
+              <p:ext uri="{386F3935-93C4-4BCD-93E2-E3B085C9AB24}">
+                <p16:designElem xmlns:p16="http://schemas.microsoft.com/office/powerpoint/2015/main" val="1"/>
+              </p:ext>
+            </p:extLst>
+          </p:nvPr>
+        </p:nvSpPr>
+        <p:spPr bwMode="grayWhite">
+          <a:xfrm flipH="1">
+            <a:off x="0" y="998175"/>
+            <a:ext cx="6017172" cy="5859825"/>
+          </a:xfrm>
+          <a:custGeom>
+            <a:avLst/>
+            <a:gdLst>
+              <a:gd name="T0" fmla="*/ 1333 w 1333"/>
+              <a:gd name="T1" fmla="*/ 1031 h 1298"/>
+              <a:gd name="T2" fmla="*/ 1333 w 1333"/>
+              <a:gd name="T3" fmla="*/ 380 h 1298"/>
+              <a:gd name="T4" fmla="*/ 706 w 1333"/>
+              <a:gd name="T5" fmla="*/ 0 h 1298"/>
+              <a:gd name="T6" fmla="*/ 0 w 1333"/>
+              <a:gd name="T7" fmla="*/ 706 h 1298"/>
+              <a:gd name="T8" fmla="*/ 323 w 1333"/>
+              <a:gd name="T9" fmla="*/ 1298 h 1298"/>
+              <a:gd name="T10" fmla="*/ 1090 w 1333"/>
+              <a:gd name="T11" fmla="*/ 1298 h 1298"/>
+              <a:gd name="T12" fmla="*/ 1333 w 1333"/>
+              <a:gd name="T13" fmla="*/ 1031 h 1298"/>
+            </a:gdLst>
+            <a:ahLst/>
+            <a:cxnLst>
+              <a:cxn ang="0">
+                <a:pos x="T0" y="T1"/>
+              </a:cxn>
+              <a:cxn ang="0">
+                <a:pos x="T2" y="T3"/>
+              </a:cxn>
+              <a:cxn ang="0">
+                <a:pos x="T4" y="T5"/>
+              </a:cxn>
+              <a:cxn ang="0">
+                <a:pos x="T6" y="T7"/>
+              </a:cxn>
+              <a:cxn ang="0">
+                <a:pos x="T8" y="T9"/>
+              </a:cxn>
+              <a:cxn ang="0">
+                <a:pos x="T10" y="T11"/>
+              </a:cxn>
+              <a:cxn ang="0">
+                <a:pos x="T12" y="T13"/>
+              </a:cxn>
+            </a:cxnLst>
+            <a:rect l="0" t="0" r="r" b="b"/>
+            <a:pathLst>
+              <a:path w="1333" h="1298">
+                <a:moveTo>
+                  <a:pt x="1333" y="1031"/>
+                </a:moveTo>
+                <a:cubicBezTo>
+                  <a:pt x="1333" y="380"/>
+                  <a:pt x="1333" y="380"/>
+                  <a:pt x="1333" y="380"/>
+                </a:cubicBezTo>
+                <a:cubicBezTo>
+                  <a:pt x="1215" y="154"/>
+                  <a:pt x="979" y="0"/>
+                  <a:pt x="706" y="0"/>
+                </a:cubicBezTo>
+                <a:cubicBezTo>
+                  <a:pt x="317" y="0"/>
+                  <a:pt x="0" y="316"/>
+                  <a:pt x="0" y="706"/>
+                </a:cubicBezTo>
+                <a:cubicBezTo>
+                  <a:pt x="0" y="954"/>
+                  <a:pt x="129" y="1172"/>
+                  <a:pt x="323" y="1298"/>
+                </a:cubicBezTo>
+                <a:cubicBezTo>
+                  <a:pt x="1090" y="1298"/>
+                  <a:pt x="1090" y="1298"/>
+                  <a:pt x="1090" y="1298"/>
+                </a:cubicBezTo>
+                <a:cubicBezTo>
+                  <a:pt x="1193" y="1232"/>
+                  <a:pt x="1276" y="1140"/>
+                  <a:pt x="1333" y="1031"/>
+                </a:cubicBezTo>
+                <a:close/>
+              </a:path>
+            </a:pathLst>
+          </a:custGeom>
+          <a:solidFill>
+            <a:schemeClr val="bg1">
+              <a:alpha val="75000"/>
+            </a:schemeClr>
+          </a:solidFill>
+          <a:ln w="50800" cap="sq" cmpd="dbl">
+            <a:noFill/>
+            <a:miter lim="800000"/>
+          </a:ln>
+          <a:effectLst/>
+        </p:spPr>
+        <p:txBody>
+          <a:bodyPr vert="horz" lIns="91440" tIns="45720" rIns="91440" bIns="45720" rtlCol="0" anchor="t">
+            <a:normAutofit/>
+          </a:bodyPr>
+          <a:lstStyle/>
+          <a:p>
+            <a:pPr algn="ctr">
+              <a:spcAft>
+                <a:spcPts val="1000"/>
+              </a:spcAft>
+              <a:buClr>
+                <a:schemeClr val="tx1"/>
+              </a:buClr>
+              <a:buSzPct val="100000"/>
+              <a:buFont typeface="Arial"/>
+              <a:buNone/>
+            </a:pPr>
+            <a:endParaRPr lang="en-US" sz="1600" cap="all"/>
+          </a:p>
+        </p:txBody>
+      </p:sp>
       <p:sp>
         <p:nvSpPr>
           <p:cNvPr id="2" name="Title 1">
             <a:extLst>
               <a:ext uri="{FF2B5EF4-FFF2-40B4-BE49-F238E27FC236}">
-                <a16:creationId xmlns:a16="http://schemas.microsoft.com/office/drawing/2014/main" id="{A2022381-E588-66E4-D789-DDB8EADFE8BB}"/>
+                <a16:creationId xmlns:a16="http://schemas.microsoft.com/office/drawing/2014/main" id="{4E1B0C33-0EDD-5FD3-0D02-FCC6AAEF2D90}"/>
               </a:ext>
             </a:extLst>
           </p:cNvPr>
@@ -7422,8 +12544,8 @@
         </p:nvSpPr>
         <p:spPr>
           <a:xfrm>
-            <a:off x="648930" y="629267"/>
-            <a:ext cx="9252154" cy="1016654"/>
+            <a:off x="709448" y="1913950"/>
+            <a:ext cx="4204137" cy="1342754"/>
           </a:xfrm>
         </p:spPr>
         <p:txBody>
@@ -7432,26 +12554,76 @@
           </a:bodyPr>
           <a:lstStyle/>
           <a:p>
+            <a:pPr algn="ctr"/>
             <a:r>
-              <a:rPr lang="en-US" b="0" i="0" kern="1200" dirty="0">
-                <a:solidFill>
-                  <a:srgbClr val="EBEBEB"/>
-                </a:solidFill>
-                <a:latin typeface="+mj-lt"/>
-                <a:ea typeface="+mj-ea"/>
-                <a:cs typeface="+mj-cs"/>
-              </a:rPr>
-              <a:t>Layered Software Architecture</a:t>
+              <a:rPr lang="en-US" sz="3600" dirty="0"/>
+              <a:t>Problem Statement</a:t>
             </a:r>
           </a:p>
         </p:txBody>
       </p:sp>
+      <p:cxnSp>
+        <p:nvCxnSpPr>
+          <p:cNvPr id="27" name="Straight Connector 26">
+            <a:extLst>
+              <a:ext uri="{FF2B5EF4-FFF2-40B4-BE49-F238E27FC236}">
+                <a16:creationId xmlns:a16="http://schemas.microsoft.com/office/drawing/2014/main" id="{20E3A342-4D61-4E3F-AF90-1AB42AEB96CC}"/>
+              </a:ext>
+              <a:ext uri="{C183D7F6-B498-43B3-948B-1728B52AA6E4}">
+                <adec:decorative xmlns:adec="http://schemas.microsoft.com/office/drawing/2017/decorative" val="1"/>
+              </a:ext>
+            </a:extLst>
+          </p:cNvPr>
+          <p:cNvCxnSpPr>
+            <a:cxnSpLocks noGrp="1" noRot="1" noChangeAspect="1" noMove="1" noResize="1" noEditPoints="1" noAdjustHandles="1" noChangeArrowheads="1" noChangeShapeType="1"/>
+          </p:cNvCxnSpPr>
+          <p:nvPr>
+            <p:extLst>
+              <p:ext uri="{386F3935-93C4-4BCD-93E2-E3B085C9AB24}">
+                <p16:designElem xmlns:p16="http://schemas.microsoft.com/office/powerpoint/2015/main" val="1"/>
+              </p:ext>
+            </p:extLst>
+          </p:nvPr>
+        </p:nvCxnSpPr>
+        <p:spPr>
+          <a:xfrm>
+            <a:off x="2287051" y="3337139"/>
+            <a:ext cx="935420" cy="0"/>
+          </a:xfrm>
+          <a:prstGeom prst="line">
+            <a:avLst/>
+          </a:prstGeom>
+          <a:ln w="25400" cap="sq">
+            <a:solidFill>
+              <a:schemeClr val="tx1">
+                <a:lumMod val="85000"/>
+                <a:lumOff val="15000"/>
+              </a:schemeClr>
+            </a:solidFill>
+            <a:bevel/>
+          </a:ln>
+        </p:spPr>
+        <p:style>
+          <a:lnRef idx="1">
+            <a:schemeClr val="accent1"/>
+          </a:lnRef>
+          <a:fillRef idx="0">
+            <a:schemeClr val="accent1"/>
+          </a:fillRef>
+          <a:effectRef idx="0">
+            <a:schemeClr val="accent1"/>
+          </a:effectRef>
+          <a:fontRef idx="minor">
+            <a:schemeClr val="tx1"/>
+          </a:fontRef>
+        </p:style>
+      </p:cxnSp>
       <p:sp>
         <p:nvSpPr>
-          <p:cNvPr id="1134" name="Content Placeholder 1083">
+          <p:cNvPr id="6" name="Content Placeholder 5">
             <a:extLst>
               <a:ext uri="{FF2B5EF4-FFF2-40B4-BE49-F238E27FC236}">
-                <a16:creationId xmlns:a16="http://schemas.microsoft.com/office/drawing/2014/main" id="{FFE58B92-15ED-3B2F-7FD2-015E6AEB8CA1}"/>
+                <a16:creationId xmlns:a16="http://schemas.microsoft.com/office/drawing/2014/main" id="{A2434039-4204-232D-98A8-0B15CC03A6CA}"/>
               </a:ext>
             </a:extLst>
           </p:cNvPr>
@@ -7464,81 +12636,348 @@
         </p:nvSpPr>
         <p:spPr>
           <a:xfrm>
-            <a:off x="648931" y="2548281"/>
-            <a:ext cx="4516456" cy="3711424"/>
+            <a:off x="525516" y="3417573"/>
+            <a:ext cx="4593021" cy="2619839"/>
           </a:xfrm>
         </p:spPr>
         <p:txBody>
-          <a:bodyPr>
+          <a:bodyPr anchor="ctr">
             <a:normAutofit/>
           </a:bodyPr>
           <a:lstStyle/>
           <a:p>
-            <a:endParaRPr lang="en-US" dirty="0"/>
+            <a:pPr marL="0" indent="0">
+              <a:buNone/>
+            </a:pPr>
+            <a:r>
+              <a:rPr lang="en-CA" dirty="0"/>
+              <a:t>Health Care companies require an in-house solution to manage both their caregivers’ information along side patient data</a:t>
+            </a:r>
+          </a:p>
+          <a:p>
+            <a:endParaRPr lang="en-CA" sz="4000" dirty="0"/>
           </a:p>
         </p:txBody>
       </p:sp>
-      <p:pic>
-        <p:nvPicPr>
-          <p:cNvPr id="1026" name="Picture 2" descr="Widget web app architecture diagram">
+      <p:sp>
+        <p:nvSpPr>
+          <p:cNvPr id="8" name="TextBox 7">
             <a:extLst>
               <a:ext uri="{FF2B5EF4-FFF2-40B4-BE49-F238E27FC236}">
-                <a16:creationId xmlns:a16="http://schemas.microsoft.com/office/drawing/2014/main" id="{6A563422-0417-4240-1843-6A2B1361814B}"/>
+                <a16:creationId xmlns:a16="http://schemas.microsoft.com/office/drawing/2014/main" id="{58C3C2EE-CDF5-F001-F78A-2A9811703E4A}"/>
               </a:ext>
             </a:extLst>
           </p:cNvPr>
-          <p:cNvPicPr>
-            <a:picLocks noChangeAspect="1" noChangeArrowheads="1"/>
-          </p:cNvPicPr>
+          <p:cNvSpPr txBox="1"/>
           <p:nvPr/>
-        </p:nvPicPr>
-        <p:blipFill>
-          <a:blip r:embed="rId2">
-            <a:extLst>
-              <a:ext uri="{28A0092B-C50C-407E-A947-70E740481C1C}">
-                <a14:useLocalDpi xmlns:a14="http://schemas.microsoft.com/office/drawing/2010/main" val="0"/>
-              </a:ext>
-            </a:extLst>
-          </a:blip>
-          <a:stretch>
-            <a:fillRect/>
-          </a:stretch>
-        </p:blipFill>
-        <p:spPr bwMode="auto">
+        </p:nvSpPr>
+        <p:spPr>
           <a:xfrm>
-            <a:off x="5160200" y="2476884"/>
-            <a:ext cx="7031799" cy="4215746"/>
+            <a:off x="9751908" y="6657945"/>
+            <a:ext cx="2440091" cy="200055"/>
           </a:xfrm>
           <a:prstGeom prst="rect">
             <a:avLst/>
           </a:prstGeom>
-          <a:noFill/>
-          <a:effectLst/>
-          <a:extLst>
-            <a:ext uri="{909E8E84-426E-40DD-AFC4-6F175D3DCCD1}">
-              <a14:hiddenFill xmlns:a14="http://schemas.microsoft.com/office/drawing/2010/main">
+          <a:solidFill>
+            <a:srgbClr val="000000"/>
+          </a:solidFill>
+        </p:spPr>
+        <p:txBody>
+          <a:bodyPr wrap="none" rtlCol="0">
+            <a:spAutoFit/>
+          </a:bodyPr>
+          <a:lstStyle/>
+          <a:p>
+            <a:pPr algn="r">
+              <a:spcAft>
+                <a:spcPts val="600"/>
+              </a:spcAft>
+            </a:pPr>
+            <a:r>
+              <a:rPr lang="en-CA" sz="700">
                 <a:solidFill>
                   <a:srgbClr val="FFFFFF"/>
                 </a:solidFill>
-              </a14:hiddenFill>
-            </a:ext>
-          </a:extLst>
-        </p:spPr>
-      </p:pic>
+                <a:hlinkClick r:id="rId4" tooltip="https://mysteriesshortandsweet.blogspot.com/2018/01/wherein-blogger-pontificates.html">
+                  <a:extLst>
+                    <a:ext uri="{A12FA001-AC4F-418D-AE19-62706E023703}">
+                      <ahyp:hlinkClr xmlns:ahyp="http://schemas.microsoft.com/office/drawing/2018/hyperlinkcolor" val="tx"/>
+                    </a:ext>
+                  </a:extLst>
+                </a:hlinkClick>
+              </a:rPr>
+              <a:t>This Photo</a:t>
+            </a:r>
+            <a:r>
+              <a:rPr lang="en-CA" sz="700">
+                <a:solidFill>
+                  <a:srgbClr val="FFFFFF"/>
+                </a:solidFill>
+              </a:rPr>
+              <a:t> by Unknown Author is licensed under </a:t>
+            </a:r>
+            <a:r>
+              <a:rPr lang="en-CA" sz="700">
+                <a:solidFill>
+                  <a:srgbClr val="FFFFFF"/>
+                </a:solidFill>
+                <a:hlinkClick r:id="rId5" tooltip="https://creativecommons.org/licenses/by-nc-sa/3.0/">
+                  <a:extLst>
+                    <a:ext uri="{A12FA001-AC4F-418D-AE19-62706E023703}">
+                      <ahyp:hlinkClr xmlns:ahyp="http://schemas.microsoft.com/office/drawing/2018/hyperlinkcolor" val="tx"/>
+                    </a:ext>
+                  </a:extLst>
+                </a:hlinkClick>
+              </a:rPr>
+              <a:t>CC BY-SA-NC</a:t>
+            </a:r>
+            <a:endParaRPr lang="en-CA" sz="700">
+              <a:solidFill>
+                <a:srgbClr val="FFFFFF"/>
+              </a:solidFill>
+            </a:endParaRPr>
+          </a:p>
+        </p:txBody>
+      </p:sp>
+      <p:grpSp>
+        <p:nvGrpSpPr>
+          <p:cNvPr id="14" name="Group 13">
+            <a:extLst>
+              <a:ext uri="{FF2B5EF4-FFF2-40B4-BE49-F238E27FC236}">
+                <a16:creationId xmlns:a16="http://schemas.microsoft.com/office/drawing/2014/main" id="{B30DA727-0D4F-D68A-E891-2E71E76B3D58}"/>
+              </a:ext>
+            </a:extLst>
+          </p:cNvPr>
+          <p:cNvGrpSpPr/>
+          <p:nvPr/>
+        </p:nvGrpSpPr>
+        <p:grpSpPr>
+          <a:xfrm>
+            <a:off x="6726620" y="739747"/>
+            <a:ext cx="5033914" cy="5033914"/>
+            <a:chOff x="6726620" y="739747"/>
+            <a:chExt cx="5033914" cy="5033914"/>
+          </a:xfrm>
+        </p:grpSpPr>
+        <p:pic>
+          <p:nvPicPr>
+            <p:cNvPr id="10" name="Picture 9">
+              <a:extLst>
+                <a:ext uri="{FF2B5EF4-FFF2-40B4-BE49-F238E27FC236}">
+                  <a16:creationId xmlns:a16="http://schemas.microsoft.com/office/drawing/2014/main" id="{4B0A5F15-EE76-594B-B8BC-E8BF09CAB725}"/>
+                </a:ext>
+              </a:extLst>
+            </p:cNvPr>
+            <p:cNvPicPr>
+              <a:picLocks noChangeAspect="1"/>
+            </p:cNvPicPr>
+            <p:nvPr/>
+          </p:nvPicPr>
+          <p:blipFill>
+            <a:blip r:embed="rId6"/>
+            <a:stretch>
+              <a:fillRect/>
+            </a:stretch>
+          </p:blipFill>
+          <p:spPr>
+            <a:xfrm>
+              <a:off x="6726620" y="739747"/>
+              <a:ext cx="5033914" cy="5033914"/>
+            </a:xfrm>
+            <a:prstGeom prst="rect">
+              <a:avLst/>
+            </a:prstGeom>
+          </p:spPr>
+        </p:pic>
+        <p:sp>
+          <p:nvSpPr>
+            <p:cNvPr id="12" name="TextBox 11">
+              <a:extLst>
+                <a:ext uri="{FF2B5EF4-FFF2-40B4-BE49-F238E27FC236}">
+                  <a16:creationId xmlns:a16="http://schemas.microsoft.com/office/drawing/2014/main" id="{08621FAD-C21B-385A-13C9-DCA5E240B279}"/>
+                </a:ext>
+              </a:extLst>
+            </p:cNvPr>
+            <p:cNvSpPr txBox="1"/>
+            <p:nvPr/>
+          </p:nvSpPr>
+          <p:spPr>
+            <a:xfrm rot="20497684">
+              <a:off x="8408709" y="2894029"/>
+              <a:ext cx="1809947" cy="646331"/>
+            </a:xfrm>
+            <a:prstGeom prst="rect">
+              <a:avLst/>
+            </a:prstGeom>
+            <a:noFill/>
+          </p:spPr>
+          <p:txBody>
+            <a:bodyPr wrap="square" rtlCol="0">
+              <a:spAutoFit/>
+            </a:bodyPr>
+            <a:lstStyle/>
+            <a:p>
+              <a:r>
+                <a:rPr lang="en-CA" dirty="0"/>
+                <a:t> Full Stack</a:t>
+              </a:r>
+            </a:p>
+            <a:p>
+              <a:r>
+                <a:rPr lang="en-CA" dirty="0"/>
+                <a:t>Web Application</a:t>
+              </a:r>
+            </a:p>
+          </p:txBody>
+        </p:sp>
+      </p:grpSp>
     </p:spTree>
     <p:extLst>
       <p:ext uri="{BB962C8B-B14F-4D97-AF65-F5344CB8AC3E}">
-        <p14:creationId xmlns:p14="http://schemas.microsoft.com/office/powerpoint/2010/main" val="4216673047"/>
+        <p14:creationId xmlns:p14="http://schemas.microsoft.com/office/powerpoint/2010/main" val="253268017"/>
       </p:ext>
     </p:extLst>
   </p:cSld>
   <p:clrMapOvr>
-    <a:overrideClrMapping bg1="lt1" tx1="dk1" bg2="lt2" tx2="dk2" accent1="accent1" accent2="accent2" accent3="accent3" accent4="accent4" accent5="accent5" accent6="accent6" hlink="hlink" folHlink="folHlink"/>
+    <a:masterClrMapping/>
   </p:clrMapOvr>
+  <p:transition spd="slow">
+    <p:wipe/>
+  </p:transition>
+  <p:timing>
+    <p:tnLst>
+      <p:par>
+        <p:cTn id="1" dur="indefinite" restart="never" nodeType="tmRoot">
+          <p:childTnLst>
+            <p:seq concurrent="1" nextAc="seek">
+              <p:cTn id="2" dur="indefinite" nodeType="mainSeq">
+                <p:childTnLst>
+                  <p:par>
+                    <p:cTn id="3" fill="hold">
+                      <p:stCondLst>
+                        <p:cond delay="indefinite"/>
+                      </p:stCondLst>
+                      <p:childTnLst>
+                        <p:par>
+                          <p:cTn id="4" fill="hold">
+                            <p:stCondLst>
+                              <p:cond delay="0"/>
+                            </p:stCondLst>
+                            <p:childTnLst>
+                              <p:par>
+                                <p:cTn id="5" presetID="42" presetClass="entr" presetSubtype="0" fill="hold" nodeType="clickEffect">
+                                  <p:stCondLst>
+                                    <p:cond delay="0"/>
+                                  </p:stCondLst>
+                                  <p:childTnLst>
+                                    <p:set>
+                                      <p:cBhvr>
+                                        <p:cTn id="6" dur="1" fill="hold">
+                                          <p:stCondLst>
+                                            <p:cond delay="0"/>
+                                          </p:stCondLst>
+                                        </p:cTn>
+                                        <p:tgtEl>
+                                          <p:spTgt spid="14"/>
+                                        </p:tgtEl>
+                                        <p:attrNameLst>
+                                          <p:attrName>style.visibility</p:attrName>
+                                        </p:attrNameLst>
+                                      </p:cBhvr>
+                                      <p:to>
+                                        <p:strVal val="visible"/>
+                                      </p:to>
+                                    </p:set>
+                                    <p:animEffect transition="in" filter="fade">
+                                      <p:cBhvr>
+                                        <p:cTn id="7" dur="1000"/>
+                                        <p:tgtEl>
+                                          <p:spTgt spid="14"/>
+                                        </p:tgtEl>
+                                      </p:cBhvr>
+                                    </p:animEffect>
+                                    <p:anim calcmode="lin" valueType="num">
+                                      <p:cBhvr>
+                                        <p:cTn id="8" dur="1000" fill="hold"/>
+                                        <p:tgtEl>
+                                          <p:spTgt spid="14"/>
+                                        </p:tgtEl>
+                                        <p:attrNameLst>
+                                          <p:attrName>ppt_x</p:attrName>
+                                        </p:attrNameLst>
+                                      </p:cBhvr>
+                                      <p:tavLst>
+                                        <p:tav tm="0">
+                                          <p:val>
+                                            <p:strVal val="#ppt_x"/>
+                                          </p:val>
+                                        </p:tav>
+                                        <p:tav tm="100000">
+                                          <p:val>
+                                            <p:strVal val="#ppt_x"/>
+                                          </p:val>
+                                        </p:tav>
+                                      </p:tavLst>
+                                    </p:anim>
+                                    <p:anim calcmode="lin" valueType="num">
+                                      <p:cBhvr>
+                                        <p:cTn id="9" dur="1000" fill="hold"/>
+                                        <p:tgtEl>
+                                          <p:spTgt spid="14"/>
+                                        </p:tgtEl>
+                                        <p:attrNameLst>
+                                          <p:attrName>ppt_y</p:attrName>
+                                        </p:attrNameLst>
+                                      </p:cBhvr>
+                                      <p:tavLst>
+                                        <p:tav tm="0">
+                                          <p:val>
+                                            <p:strVal val="#ppt_y+.1"/>
+                                          </p:val>
+                                        </p:tav>
+                                        <p:tav tm="100000">
+                                          <p:val>
+                                            <p:strVal val="#ppt_y"/>
+                                          </p:val>
+                                        </p:tav>
+                                      </p:tavLst>
+                                    </p:anim>
+                                  </p:childTnLst>
+                                </p:cTn>
+                              </p:par>
+                            </p:childTnLst>
+                          </p:cTn>
+                        </p:par>
+                      </p:childTnLst>
+                    </p:cTn>
+                  </p:par>
+                </p:childTnLst>
+              </p:cTn>
+              <p:prevCondLst>
+                <p:cond evt="onPrev" delay="0">
+                  <p:tgtEl>
+                    <p:sldTgt/>
+                  </p:tgtEl>
+                </p:cond>
+              </p:prevCondLst>
+              <p:nextCondLst>
+                <p:cond evt="onNext" delay="0">
+                  <p:tgtEl>
+                    <p:sldTgt/>
+                  </p:tgtEl>
+                </p:cond>
+              </p:nextCondLst>
+            </p:seq>
+          </p:childTnLst>
+        </p:cTn>
+      </p:par>
+    </p:tnLst>
+  </p:timing>
 </p:sld>
 </file>
 
-<file path=ppt/slides/slide6.xml><?xml version="1.0" encoding="utf-8"?>
+<file path=ppt/slides/slide8.xml><?xml version="1.0" encoding="utf-8"?>
 <p:sld xmlns:a="http://schemas.openxmlformats.org/drawingml/2006/main" xmlns:r="http://schemas.openxmlformats.org/officeDocument/2006/relationships" xmlns:p="http://schemas.openxmlformats.org/presentationml/2006/main">
   <p:cSld>
     <p:bg>
@@ -7793,7 +13232,7 @@
         </p:nvSpPr>
         <p:spPr>
           <a:xfrm>
-            <a:off x="5336603" y="6574352"/>
+            <a:off x="-74382" y="6555499"/>
             <a:ext cx="6094428" cy="369332"/>
           </a:xfrm>
           <a:prstGeom prst="rect">
@@ -7827,10 +13266,13 @@
   <p:clrMapOvr>
     <a:masterClrMapping/>
   </p:clrMapOvr>
+  <p:transition spd="slow">
+    <p:push dir="u"/>
+  </p:transition>
 </p:sld>
 </file>
 
-<file path=ppt/slides/slide7.xml><?xml version="1.0" encoding="utf-8"?>
+<file path=ppt/slides/slide9.xml><?xml version="1.0" encoding="utf-8"?>
 <p:sld xmlns:a="http://schemas.openxmlformats.org/drawingml/2006/main" xmlns:r="http://schemas.openxmlformats.org/officeDocument/2006/relationships" xmlns:p="http://schemas.openxmlformats.org/presentationml/2006/main">
   <p:cSld>
     <p:bg>
@@ -7857,10 +13299,10 @@
       </p:grpSpPr>
       <p:sp useBgFill="1">
         <p:nvSpPr>
-          <p:cNvPr id="10" name="Rectangle 9">
+          <p:cNvPr id="9" name="Rectangle 8">
             <a:extLst>
               <a:ext uri="{FF2B5EF4-FFF2-40B4-BE49-F238E27FC236}">
-                <a16:creationId xmlns:a16="http://schemas.microsoft.com/office/drawing/2014/main" id="{A3363022-C969-41E9-8EB2-E4C94908C1FA}"/>
+                <a16:creationId xmlns:a16="http://schemas.microsoft.com/office/drawing/2014/main" id="{6F40FBDA-CEB1-40F0-9AB9-BD9C402D70FE}"/>
               </a:ext>
               <a:ext uri="{C183D7F6-B498-43B3-948B-1728B52AA6E4}">
                 <adec:decorative xmlns:adec="http://schemas.microsoft.com/office/drawing/2017/decorative" val="1"/>
@@ -7880,8 +13322,8 @@
         </p:nvSpPr>
         <p:spPr>
           <a:xfrm>
-            <a:off x="0" y="-1"/>
-            <a:ext cx="12191695" cy="6852025"/>
+            <a:off x="0" y="0"/>
+            <a:ext cx="12192000" cy="6858000"/>
           </a:xfrm>
           <a:prstGeom prst="rect">
             <a:avLst/>
@@ -7915,12 +13357,43 @@
           </a:p>
         </p:txBody>
       </p:sp>
+      <p:pic>
+        <p:nvPicPr>
+          <p:cNvPr id="5" name="Picture 4" descr="Head of bass guitar">
+            <a:extLst>
+              <a:ext uri="{FF2B5EF4-FFF2-40B4-BE49-F238E27FC236}">
+                <a16:creationId xmlns:a16="http://schemas.microsoft.com/office/drawing/2014/main" id="{1386D827-BB6B-F5F2-2C69-BB778AFF2A31}"/>
+              </a:ext>
+            </a:extLst>
+          </p:cNvPr>
+          <p:cNvPicPr>
+            <a:picLocks noChangeAspect="1"/>
+          </p:cNvPicPr>
+          <p:nvPr/>
+        </p:nvPicPr>
+        <p:blipFill rotWithShape="1">
+          <a:blip r:embed="rId2">
+            <a:alphaModFix amt="45000"/>
+          </a:blip>
+          <a:srcRect t="5604" b="9490"/>
+          <a:stretch/>
+        </p:blipFill>
+        <p:spPr>
+          <a:xfrm>
+            <a:off x="20" y="10"/>
+            <a:ext cx="12191980" cy="6857990"/>
+          </a:xfrm>
+          <a:prstGeom prst="rect">
+            <a:avLst/>
+          </a:prstGeom>
+        </p:spPr>
+      </p:pic>
       <p:sp>
         <p:nvSpPr>
-          <p:cNvPr id="12" name="Rectangle 11">
+          <p:cNvPr id="11" name="Rectangle 10">
             <a:extLst>
               <a:ext uri="{FF2B5EF4-FFF2-40B4-BE49-F238E27FC236}">
-                <a16:creationId xmlns:a16="http://schemas.microsoft.com/office/drawing/2014/main" id="{8D1AD6B3-BE88-4CEB-BA17-790657CC4729}"/>
+                <a16:creationId xmlns:a16="http://schemas.microsoft.com/office/drawing/2014/main" id="{0344D4FE-ABEF-4230-9E4E-AD5782FC78AC}"/>
               </a:ext>
               <a:ext uri="{C183D7F6-B498-43B3-948B-1728B52AA6E4}">
                 <adec:decorative xmlns:adec="http://schemas.microsoft.com/office/drawing/2017/decorative" val="1"/>
@@ -7940,50 +13413,34 @@
         </p:nvSpPr>
         <p:spPr>
           <a:xfrm>
-            <a:off x="305" y="0"/>
-            <a:ext cx="12191695" cy="6858000"/>
+            <a:off x="1307870" y="1267730"/>
+            <a:ext cx="9576262" cy="4307950"/>
           </a:xfrm>
           <a:prstGeom prst="rect">
             <a:avLst/>
           </a:prstGeom>
-          <a:solidFill>
-            <a:schemeClr val="bg1"/>
-          </a:solidFill>
-          <a:ln>
-            <a:noFill/>
+          <a:noFill/>
+          <a:ln w="9525" cap="sq" cmpd="sng" algn="ctr">
+            <a:solidFill>
+              <a:schemeClr val="tx1">
+                <a:lumMod val="75000"/>
+                <a:lumOff val="25000"/>
+              </a:schemeClr>
+            </a:solidFill>
+            <a:prstDash val="solid"/>
+            <a:miter lim="800000"/>
           </a:ln>
+          <a:effectLst>
+            <a:softEdge rad="0"/>
+          </a:effectLst>
         </p:spPr>
-        <p:style>
-          <a:lnRef idx="2">
-            <a:schemeClr val="accent1">
-              <a:shade val="50000"/>
-            </a:schemeClr>
-          </a:lnRef>
-          <a:fillRef idx="1">
-            <a:schemeClr val="accent1"/>
-          </a:fillRef>
-          <a:effectRef idx="0">
-            <a:schemeClr val="accent1"/>
-          </a:effectRef>
-          <a:fontRef idx="minor">
-            <a:schemeClr val="lt1"/>
-          </a:fontRef>
-        </p:style>
-        <p:txBody>
-          <a:bodyPr rtlCol="0" anchor="ctr"/>
-          <a:lstStyle/>
-          <a:p>
-            <a:pPr algn="ctr"/>
-            <a:endParaRPr lang="en-US"/>
-          </a:p>
-        </p:txBody>
       </p:sp>
       <p:sp>
         <p:nvSpPr>
           <p:cNvPr id="2" name="Title 1">
             <a:extLst>
               <a:ext uri="{FF2B5EF4-FFF2-40B4-BE49-F238E27FC236}">
-                <a16:creationId xmlns:a16="http://schemas.microsoft.com/office/drawing/2014/main" id="{211BED96-43A1-207E-9CB3-253AE78D260A}"/>
+                <a16:creationId xmlns:a16="http://schemas.microsoft.com/office/drawing/2014/main" id="{DA76B74D-C19E-772B-0631-FE189C1CE4F9}"/>
               </a:ext>
             </a:extLst>
           </p:cNvPr>
@@ -7996,105 +13453,39 @@
         </p:nvSpPr>
         <p:spPr>
           <a:xfrm>
-            <a:off x="6590662" y="4267832"/>
-            <a:ext cx="4805996" cy="1297115"/>
+            <a:off x="1769532" y="1695576"/>
+            <a:ext cx="8652938" cy="2857191"/>
           </a:xfrm>
         </p:spPr>
         <p:txBody>
-          <a:bodyPr vert="horz" lIns="91440" tIns="45720" rIns="91440" bIns="45720" rtlCol="0" anchor="t">
+          <a:bodyPr vert="horz" lIns="91440" tIns="45720" rIns="91440" bIns="45720" rtlCol="0" anchor="ctr">
             <a:normAutofit/>
           </a:bodyPr>
           <a:lstStyle/>
           <a:p>
+            <a:pPr algn="ctr"/>
             <a:r>
-              <a:rPr lang="en-US" sz="4000" kern="1200">
-                <a:solidFill>
-                  <a:schemeClr val="tx2"/>
-                </a:solidFill>
-                <a:latin typeface="+mj-lt"/>
-                <a:ea typeface="+mj-ea"/>
-                <a:cs typeface="+mj-cs"/>
-              </a:rPr>
-              <a:t>Database</a:t>
+              <a:rPr lang="en-US" sz="8000"/>
+              <a:t>Demo</a:t>
             </a:r>
           </a:p>
         </p:txBody>
       </p:sp>
-      <p:pic>
-        <p:nvPicPr>
-          <p:cNvPr id="7" name="Graphic 6" descr="Database">
+      <p:sp>
+        <p:nvSpPr>
+          <p:cNvPr id="13" name="Rectangle 12">
             <a:extLst>
               <a:ext uri="{FF2B5EF4-FFF2-40B4-BE49-F238E27FC236}">
-                <a16:creationId xmlns:a16="http://schemas.microsoft.com/office/drawing/2014/main" id="{0F0F353E-44AC-59C3-94C7-200D36169659}"/>
+                <a16:creationId xmlns:a16="http://schemas.microsoft.com/office/drawing/2014/main" id="{9325F979-D3F9-4926-81B7-7ACCB31A501B}"/>
+              </a:ext>
+              <a:ext uri="{C183D7F6-B498-43B3-948B-1728B52AA6E4}">
+                <adec:decorative xmlns:adec="http://schemas.microsoft.com/office/drawing/2017/decorative" val="1"/>
               </a:ext>
             </a:extLst>
           </p:cNvPr>
-          <p:cNvPicPr>
-            <a:picLocks noChangeAspect="1"/>
-          </p:cNvPicPr>
-          <p:nvPr/>
-        </p:nvPicPr>
-        <p:blipFill>
-          <a:blip r:embed="rId2">
-            <a:extLst>
-              <a:ext uri="{28A0092B-C50C-407E-A947-70E740481C1C}">
-                <a14:useLocalDpi xmlns:a14="http://schemas.microsoft.com/office/drawing/2010/main" val="0"/>
-              </a:ext>
-              <a:ext uri="{96DAC541-7B7A-43D3-8B79-37D633B846F1}">
-                <asvg:svgBlip xmlns:asvg="http://schemas.microsoft.com/office/drawing/2016/SVG/main" r:embed="rId3"/>
-              </a:ext>
-            </a:extLst>
-          </a:blip>
-          <a:stretch>
-            <a:fillRect/>
-          </a:stretch>
-        </p:blipFill>
-        <p:spPr>
-          <a:xfrm>
-            <a:off x="340470" y="1815320"/>
-            <a:ext cx="4141760" cy="4141760"/>
-          </a:xfrm>
-          <a:custGeom>
-            <a:avLst/>
-            <a:gdLst/>
-            <a:ahLst/>
-            <a:cxnLst/>
-            <a:rect l="l" t="t" r="r" b="b"/>
-            <a:pathLst>
-              <a:path w="4141760" h="4377846">
-                <a:moveTo>
-                  <a:pt x="0" y="0"/>
-                </a:moveTo>
-                <a:lnTo>
-                  <a:pt x="4141760" y="0"/>
-                </a:lnTo>
-                <a:lnTo>
-                  <a:pt x="4141760" y="4377846"/>
-                </a:lnTo>
-                <a:lnTo>
-                  <a:pt x="0" y="4377846"/>
-                </a:lnTo>
-                <a:close/>
-              </a:path>
-            </a:pathLst>
-          </a:custGeom>
-        </p:spPr>
-      </p:pic>
-      <p:grpSp>
-        <p:nvGrpSpPr>
-          <p:cNvPr id="14" name="Group 13">
-            <a:extLst>
-              <a:ext uri="{FF2B5EF4-FFF2-40B4-BE49-F238E27FC236}">
-                <a16:creationId xmlns:a16="http://schemas.microsoft.com/office/drawing/2014/main" id="{89D1390B-7E13-4B4F-9CB2-391063412E54}"/>
-              </a:ext>
-              <a:ext uri="{C183D7F6-B498-43B3-948B-1728B52AA6E4}">
-                <adec:decorative xmlns:adec="http://schemas.microsoft.com/office/drawing/2017/decorative" val="1"/>
-              </a:ext>
-            </a:extLst>
-          </p:cNvPr>
-          <p:cNvGrpSpPr>
-            <a:grpSpLocks noGrp="1" noUngrp="1" noRot="1" noChangeAspect="1" noMove="1" noResize="1"/>
-          </p:cNvGrpSpPr>
+          <p:cNvSpPr>
+            <a:spLocks noGrp="1" noRot="1" noChangeAspect="1" noMove="1" noResize="1" noEditPoints="1" noAdjustHandles="1" noChangeArrowheads="1" noChangeShapeType="1" noTextEdit="1"/>
+          </p:cNvSpPr>
           <p:nvPr>
             <p:extLst>
               <p:ext uri="{386F3935-93C4-4BCD-93E2-E3B085C9AB24}">
@@ -8102,2272 +13493,52 @@
               </p:ext>
             </p:extLst>
           </p:nvPr>
-        </p:nvGrpSpPr>
-        <p:grpSpPr>
+        </p:nvSpPr>
+        <p:spPr>
           <a:xfrm>
-            <a:off x="-4253" y="-5977"/>
-            <a:ext cx="6238675" cy="6863979"/>
-            <a:chOff x="305" y="-5977"/>
-            <a:chExt cx="6238675" cy="6863979"/>
+            <a:off x="1447801" y="1411615"/>
+            <a:ext cx="9296400" cy="4034770"/>
           </a:xfrm>
-        </p:grpSpPr>
-        <p:sp>
-          <p:nvSpPr>
-            <p:cNvPr id="15" name="Freeform: Shape 14">
-              <a:extLst>
-                <a:ext uri="{FF2B5EF4-FFF2-40B4-BE49-F238E27FC236}">
-                  <a16:creationId xmlns:a16="http://schemas.microsoft.com/office/drawing/2014/main" id="{9E720206-AA49-4786-A932-A2650DE09183}"/>
-                </a:ext>
-                <a:ext uri="{C183D7F6-B498-43B3-948B-1728B52AA6E4}">
-                  <adec:decorative xmlns:adec="http://schemas.microsoft.com/office/drawing/2017/decorative" val="1"/>
-                </a:ext>
-              </a:extLst>
-            </p:cNvPr>
-            <p:cNvSpPr/>
-            <p:nvPr>
-              <p:extLst>
-                <p:ext uri="{386F3935-93C4-4BCD-93E2-E3B085C9AB24}">
-                  <p16:designElem xmlns:p16="http://schemas.microsoft.com/office/powerpoint/2015/main" val="1"/>
-                </p:ext>
-              </p:extLst>
-            </p:nvPr>
-          </p:nvSpPr>
-          <p:spPr>
-            <a:xfrm flipH="1">
-              <a:off x="305" y="34854"/>
-              <a:ext cx="6028697" cy="6817170"/>
-            </a:xfrm>
-            <a:custGeom>
-              <a:avLst/>
-              <a:gdLst>
-                <a:gd name="connsiteX0" fmla="*/ 6028697 w 6028697"/>
-                <a:gd name="connsiteY0" fmla="*/ 6155323 h 6817170"/>
-                <a:gd name="connsiteX1" fmla="*/ 6028697 w 6028697"/>
-                <a:gd name="connsiteY1" fmla="*/ 6817170 h 6817170"/>
-                <a:gd name="connsiteX2" fmla="*/ 5157862 w 6028697"/>
-                <a:gd name="connsiteY2" fmla="*/ 6817170 h 6817170"/>
-                <a:gd name="connsiteX3" fmla="*/ 5347156 w 6028697"/>
-                <a:gd name="connsiteY3" fmla="*/ 6687553 h 6817170"/>
-                <a:gd name="connsiteX4" fmla="*/ 5487470 w 6028697"/>
-                <a:gd name="connsiteY4" fmla="*/ 6581714 h 6817170"/>
-                <a:gd name="connsiteX5" fmla="*/ 5627642 w 6028697"/>
-                <a:gd name="connsiteY5" fmla="*/ 6472328 h 6817170"/>
-                <a:gd name="connsiteX6" fmla="*/ 5911392 w 6028697"/>
-                <a:gd name="connsiteY6" fmla="*/ 6245328 h 6817170"/>
-                <a:gd name="connsiteX7" fmla="*/ 4481066 w 6028697"/>
-                <a:gd name="connsiteY7" fmla="*/ 478 h 6817170"/>
-                <a:gd name="connsiteX8" fmla="*/ 4672258 w 6028697"/>
-                <a:gd name="connsiteY8" fmla="*/ 7519 h 6817170"/>
-                <a:gd name="connsiteX9" fmla="*/ 5429869 w 6028697"/>
-                <a:gd name="connsiteY9" fmla="*/ 125134 h 6817170"/>
-                <a:gd name="connsiteX10" fmla="*/ 5976319 w 6028697"/>
-                <a:gd name="connsiteY10" fmla="*/ 314893 h 6817170"/>
-                <a:gd name="connsiteX11" fmla="*/ 6028697 w 6028697"/>
-                <a:gd name="connsiteY11" fmla="*/ 339901 h 6817170"/>
-                <a:gd name="connsiteX12" fmla="*/ 6028697 w 6028697"/>
-                <a:gd name="connsiteY12" fmla="*/ 732458 h 6817170"/>
-                <a:gd name="connsiteX13" fmla="*/ 5990985 w 6028697"/>
-                <a:gd name="connsiteY13" fmla="*/ 712211 h 6817170"/>
-                <a:gd name="connsiteX14" fmla="*/ 5341339 w 6028697"/>
-                <a:gd name="connsiteY14" fmla="*/ 475281 h 6817170"/>
-                <a:gd name="connsiteX15" fmla="*/ 4651969 w 6028697"/>
-                <a:gd name="connsiteY15" fmla="*/ 377104 h 6817170"/>
-                <a:gd name="connsiteX16" fmla="*/ 3953093 w 6028697"/>
-                <a:gd name="connsiteY16" fmla="*/ 402498 h 6817170"/>
-                <a:gd name="connsiteX17" fmla="*/ 3267413 w 6028697"/>
-                <a:gd name="connsiteY17" fmla="*/ 546643 h 6817170"/>
-                <a:gd name="connsiteX18" fmla="*/ 1439498 w 6028697"/>
-                <a:gd name="connsiteY18" fmla="*/ 1568141 h 6817170"/>
-                <a:gd name="connsiteX19" fmla="*/ 960671 w 6028697"/>
-                <a:gd name="connsiteY19" fmla="*/ 2082013 h 6817170"/>
-                <a:gd name="connsiteX20" fmla="*/ 581866 w 6028697"/>
-                <a:gd name="connsiteY20" fmla="*/ 2672638 h 6817170"/>
-                <a:gd name="connsiteX21" fmla="*/ 324789 w 6028697"/>
-                <a:gd name="connsiteY21" fmla="*/ 3325262 h 6817170"/>
-                <a:gd name="connsiteX22" fmla="*/ 231151 w 6028697"/>
-                <a:gd name="connsiteY22" fmla="*/ 4022292 h 6817170"/>
-                <a:gd name="connsiteX23" fmla="*/ 270592 w 6028697"/>
-                <a:gd name="connsiteY23" fmla="*/ 4362792 h 6817170"/>
-                <a:gd name="connsiteX24" fmla="*/ 387213 w 6028697"/>
-                <a:gd name="connsiteY24" fmla="*/ 4681585 h 6817170"/>
-                <a:gd name="connsiteX25" fmla="*/ 468507 w 6028697"/>
-                <a:gd name="connsiteY25" fmla="*/ 4831546 h 6817170"/>
-                <a:gd name="connsiteX26" fmla="*/ 561862 w 6028697"/>
-                <a:gd name="connsiteY26" fmla="*/ 4976826 h 6817170"/>
-                <a:gd name="connsiteX27" fmla="*/ 777511 w 6028697"/>
-                <a:gd name="connsiteY27" fmla="*/ 5257597 h 6817170"/>
-                <a:gd name="connsiteX28" fmla="*/ 1010895 w 6028697"/>
-                <a:gd name="connsiteY28" fmla="*/ 5540494 h 6817170"/>
-                <a:gd name="connsiteX29" fmla="*/ 1126948 w 6028697"/>
-                <a:gd name="connsiteY29" fmla="*/ 5688186 h 6817170"/>
-                <a:gd name="connsiteX30" fmla="*/ 1182706 w 6028697"/>
-                <a:gd name="connsiteY30" fmla="*/ 5760543 h 6817170"/>
-                <a:gd name="connsiteX31" fmla="*/ 1237327 w 6028697"/>
-                <a:gd name="connsiteY31" fmla="*/ 5830060 h 6817170"/>
-                <a:gd name="connsiteX32" fmla="*/ 1706649 w 6028697"/>
-                <a:gd name="connsiteY32" fmla="*/ 6342797 h 6817170"/>
-                <a:gd name="connsiteX33" fmla="*/ 1956207 w 6028697"/>
-                <a:gd name="connsiteY33" fmla="*/ 6573484 h 6817170"/>
-                <a:gd name="connsiteX34" fmla="*/ 2217681 w 6028697"/>
-                <a:gd name="connsiteY34" fmla="*/ 6786297 h 6817170"/>
-                <a:gd name="connsiteX35" fmla="*/ 2260820 w 6028697"/>
-                <a:gd name="connsiteY35" fmla="*/ 6817170 h 6817170"/>
-                <a:gd name="connsiteX36" fmla="*/ 1429497 w 6028697"/>
-                <a:gd name="connsiteY36" fmla="*/ 6817170 h 6817170"/>
-                <a:gd name="connsiteX37" fmla="*/ 1327275 w 6028697"/>
-                <a:gd name="connsiteY37" fmla="*/ 6713800 h 6817170"/>
-                <a:gd name="connsiteX38" fmla="*/ 1080556 w 6028697"/>
-                <a:gd name="connsiteY38" fmla="*/ 6414443 h 6817170"/>
-                <a:gd name="connsiteX39" fmla="*/ 865189 w 6028697"/>
-                <a:gd name="connsiteY39" fmla="*/ 6097496 h 6817170"/>
-                <a:gd name="connsiteX40" fmla="*/ 814823 w 6028697"/>
-                <a:gd name="connsiteY40" fmla="*/ 6016911 h 6817170"/>
-                <a:gd name="connsiteX41" fmla="*/ 766729 w 6028697"/>
-                <a:gd name="connsiteY41" fmla="*/ 5938453 h 6817170"/>
-                <a:gd name="connsiteX42" fmla="*/ 671672 w 6028697"/>
-                <a:gd name="connsiteY42" fmla="*/ 5786648 h 6817170"/>
-                <a:gd name="connsiteX43" fmla="*/ 474608 w 6028697"/>
-                <a:gd name="connsiteY43" fmla="*/ 5474664 h 6817170"/>
-                <a:gd name="connsiteX44" fmla="*/ 282652 w 6028697"/>
-                <a:gd name="connsiteY44" fmla="*/ 5146508 h 6817170"/>
-                <a:gd name="connsiteX45" fmla="*/ 196108 w 6028697"/>
-                <a:gd name="connsiteY45" fmla="*/ 4972712 h 6817170"/>
-                <a:gd name="connsiteX46" fmla="*/ 122474 w 6028697"/>
-                <a:gd name="connsiteY46" fmla="*/ 4791821 h 6817170"/>
-                <a:gd name="connsiteX47" fmla="*/ 65724 w 6028697"/>
-                <a:gd name="connsiteY47" fmla="*/ 4603129 h 6817170"/>
-                <a:gd name="connsiteX48" fmla="*/ 44727 w 6028697"/>
-                <a:gd name="connsiteY48" fmla="*/ 4506937 h 6817170"/>
-                <a:gd name="connsiteX49" fmla="*/ 35505 w 6028697"/>
-                <a:gd name="connsiteY49" fmla="*/ 4458699 h 6817170"/>
-                <a:gd name="connsiteX50" fmla="*/ 27845 w 6028697"/>
-                <a:gd name="connsiteY50" fmla="*/ 4410320 h 6817170"/>
-                <a:gd name="connsiteX51" fmla="*/ 37 w 6028697"/>
-                <a:gd name="connsiteY51" fmla="*/ 4022292 h 6817170"/>
-                <a:gd name="connsiteX52" fmla="*/ 78777 w 6028697"/>
-                <a:gd name="connsiteY52" fmla="*/ 3267236 h 6817170"/>
-                <a:gd name="connsiteX53" fmla="*/ 315424 w 6028697"/>
-                <a:gd name="connsiteY53" fmla="*/ 2543673 h 6817170"/>
-                <a:gd name="connsiteX54" fmla="*/ 1202710 w 6028697"/>
-                <a:gd name="connsiteY54" fmla="*/ 1314895 h 6817170"/>
-                <a:gd name="connsiteX55" fmla="*/ 1791065 w 6028697"/>
-                <a:gd name="connsiteY55" fmla="*/ 833514 h 6817170"/>
-                <a:gd name="connsiteX56" fmla="*/ 3908404 w 6028697"/>
-                <a:gd name="connsiteY56" fmla="*/ 29794 h 6817170"/>
-                <a:gd name="connsiteX57" fmla="*/ 4481066 w 6028697"/>
-                <a:gd name="connsiteY57" fmla="*/ 478 h 6817170"/>
-              </a:gdLst>
-              <a:ahLst/>
-              <a:cxnLst>
-                <a:cxn ang="0">
-                  <a:pos x="connsiteX0" y="connsiteY0"/>
-                </a:cxn>
-                <a:cxn ang="0">
-                  <a:pos x="connsiteX1" y="connsiteY1"/>
-                </a:cxn>
-                <a:cxn ang="0">
-                  <a:pos x="connsiteX2" y="connsiteY2"/>
-                </a:cxn>
-                <a:cxn ang="0">
-                  <a:pos x="connsiteX3" y="connsiteY3"/>
-                </a:cxn>
-                <a:cxn ang="0">
-                  <a:pos x="connsiteX4" y="connsiteY4"/>
-                </a:cxn>
-                <a:cxn ang="0">
-                  <a:pos x="connsiteX5" y="connsiteY5"/>
-                </a:cxn>
-                <a:cxn ang="0">
-                  <a:pos x="connsiteX6" y="connsiteY6"/>
-                </a:cxn>
-                <a:cxn ang="0">
-                  <a:pos x="connsiteX7" y="connsiteY7"/>
-                </a:cxn>
-                <a:cxn ang="0">
-                  <a:pos x="connsiteX8" y="connsiteY8"/>
-                </a:cxn>
-                <a:cxn ang="0">
-                  <a:pos x="connsiteX9" y="connsiteY9"/>
-                </a:cxn>
-                <a:cxn ang="0">
-                  <a:pos x="connsiteX10" y="connsiteY10"/>
-                </a:cxn>
-                <a:cxn ang="0">
-                  <a:pos x="connsiteX11" y="connsiteY11"/>
-                </a:cxn>
-                <a:cxn ang="0">
-                  <a:pos x="connsiteX12" y="connsiteY12"/>
-                </a:cxn>
-                <a:cxn ang="0">
-                  <a:pos x="connsiteX13" y="connsiteY13"/>
-                </a:cxn>
-                <a:cxn ang="0">
-                  <a:pos x="connsiteX14" y="connsiteY14"/>
-                </a:cxn>
-                <a:cxn ang="0">
-                  <a:pos x="connsiteX15" y="connsiteY15"/>
-                </a:cxn>
-                <a:cxn ang="0">
-                  <a:pos x="connsiteX16" y="connsiteY16"/>
-                </a:cxn>
-                <a:cxn ang="0">
-                  <a:pos x="connsiteX17" y="connsiteY17"/>
-                </a:cxn>
-                <a:cxn ang="0">
-                  <a:pos x="connsiteX18" y="connsiteY18"/>
-                </a:cxn>
-                <a:cxn ang="0">
-                  <a:pos x="connsiteX19" y="connsiteY19"/>
-                </a:cxn>
-                <a:cxn ang="0">
-                  <a:pos x="connsiteX20" y="connsiteY20"/>
-                </a:cxn>
-                <a:cxn ang="0">
-                  <a:pos x="connsiteX21" y="connsiteY21"/>
-                </a:cxn>
-                <a:cxn ang="0">
-                  <a:pos x="connsiteX22" y="connsiteY22"/>
-                </a:cxn>
-                <a:cxn ang="0">
-                  <a:pos x="connsiteX23" y="connsiteY23"/>
-                </a:cxn>
-                <a:cxn ang="0">
-                  <a:pos x="connsiteX24" y="connsiteY24"/>
-                </a:cxn>
-                <a:cxn ang="0">
-                  <a:pos x="connsiteX25" y="connsiteY25"/>
-                </a:cxn>
-                <a:cxn ang="0">
-                  <a:pos x="connsiteX26" y="connsiteY26"/>
-                </a:cxn>
-                <a:cxn ang="0">
-                  <a:pos x="connsiteX27" y="connsiteY27"/>
-                </a:cxn>
-                <a:cxn ang="0">
-                  <a:pos x="connsiteX28" y="connsiteY28"/>
-                </a:cxn>
-                <a:cxn ang="0">
-                  <a:pos x="connsiteX29" y="connsiteY29"/>
-                </a:cxn>
-                <a:cxn ang="0">
-                  <a:pos x="connsiteX30" y="connsiteY30"/>
-                </a:cxn>
-                <a:cxn ang="0">
-                  <a:pos x="connsiteX31" y="connsiteY31"/>
-                </a:cxn>
-                <a:cxn ang="0">
-                  <a:pos x="connsiteX32" y="connsiteY32"/>
-                </a:cxn>
-                <a:cxn ang="0">
-                  <a:pos x="connsiteX33" y="connsiteY33"/>
-                </a:cxn>
-                <a:cxn ang="0">
-                  <a:pos x="connsiteX34" y="connsiteY34"/>
-                </a:cxn>
-                <a:cxn ang="0">
-                  <a:pos x="connsiteX35" y="connsiteY35"/>
-                </a:cxn>
-                <a:cxn ang="0">
-                  <a:pos x="connsiteX36" y="connsiteY36"/>
-                </a:cxn>
-                <a:cxn ang="0">
-                  <a:pos x="connsiteX37" y="connsiteY37"/>
-                </a:cxn>
-                <a:cxn ang="0">
-                  <a:pos x="connsiteX38" y="connsiteY38"/>
-                </a:cxn>
-                <a:cxn ang="0">
-                  <a:pos x="connsiteX39" y="connsiteY39"/>
-                </a:cxn>
-                <a:cxn ang="0">
-                  <a:pos x="connsiteX40" y="connsiteY40"/>
-                </a:cxn>
-                <a:cxn ang="0">
-                  <a:pos x="connsiteX41" y="connsiteY41"/>
-                </a:cxn>
-                <a:cxn ang="0">
-                  <a:pos x="connsiteX42" y="connsiteY42"/>
-                </a:cxn>
-                <a:cxn ang="0">
-                  <a:pos x="connsiteX43" y="connsiteY43"/>
-                </a:cxn>
-                <a:cxn ang="0">
-                  <a:pos x="connsiteX44" y="connsiteY44"/>
-                </a:cxn>
-                <a:cxn ang="0">
-                  <a:pos x="connsiteX45" y="connsiteY45"/>
-                </a:cxn>
-                <a:cxn ang="0">
-                  <a:pos x="connsiteX46" y="connsiteY46"/>
-                </a:cxn>
-                <a:cxn ang="0">
-                  <a:pos x="connsiteX47" y="connsiteY47"/>
-                </a:cxn>
-                <a:cxn ang="0">
-                  <a:pos x="connsiteX48" y="connsiteY48"/>
-                </a:cxn>
-                <a:cxn ang="0">
-                  <a:pos x="connsiteX49" y="connsiteY49"/>
-                </a:cxn>
-                <a:cxn ang="0">
-                  <a:pos x="connsiteX50" y="connsiteY50"/>
-                </a:cxn>
-                <a:cxn ang="0">
-                  <a:pos x="connsiteX51" y="connsiteY51"/>
-                </a:cxn>
-                <a:cxn ang="0">
-                  <a:pos x="connsiteX52" y="connsiteY52"/>
-                </a:cxn>
-                <a:cxn ang="0">
-                  <a:pos x="connsiteX53" y="connsiteY53"/>
-                </a:cxn>
-                <a:cxn ang="0">
-                  <a:pos x="connsiteX54" y="connsiteY54"/>
-                </a:cxn>
-                <a:cxn ang="0">
-                  <a:pos x="connsiteX55" y="connsiteY55"/>
-                </a:cxn>
-                <a:cxn ang="0">
-                  <a:pos x="connsiteX56" y="connsiteY56"/>
-                </a:cxn>
-                <a:cxn ang="0">
-                  <a:pos x="connsiteX57" y="connsiteY57"/>
-                </a:cxn>
-              </a:cxnLst>
-              <a:rect l="l" t="t" r="r" b="b"/>
-              <a:pathLst>
-                <a:path w="6028697" h="6817170">
-                  <a:moveTo>
-                    <a:pt x="6028697" y="6155323"/>
-                  </a:moveTo>
-                  <a:lnTo>
-                    <a:pt x="6028697" y="6817170"/>
-                  </a:lnTo>
-                  <a:lnTo>
-                    <a:pt x="5157862" y="6817170"/>
-                  </a:lnTo>
-                  <a:lnTo>
-                    <a:pt x="5347156" y="6687553"/>
-                  </a:lnTo>
-                  <a:cubicBezTo>
-                    <a:pt x="5394117" y="6653219"/>
-                    <a:pt x="5440793" y="6617608"/>
-                    <a:pt x="5487470" y="6581714"/>
-                  </a:cubicBezTo>
-                  <a:cubicBezTo>
-                    <a:pt x="5534147" y="6545820"/>
-                    <a:pt x="5580966" y="6509358"/>
-                    <a:pt x="5627642" y="6472328"/>
-                  </a:cubicBezTo>
-                  <a:lnTo>
-                    <a:pt x="5911392" y="6245328"/>
-                  </a:lnTo>
-                  <a:close/>
-                  <a:moveTo>
-                    <a:pt x="4481066" y="478"/>
-                  </a:moveTo>
-                  <a:cubicBezTo>
-                    <a:pt x="4544817" y="1422"/>
-                    <a:pt x="4608563" y="3769"/>
-                    <a:pt x="4672258" y="7519"/>
-                  </a:cubicBezTo>
-                  <a:cubicBezTo>
-                    <a:pt x="4927973" y="22364"/>
-                    <a:pt x="5181687" y="61751"/>
-                    <a:pt x="5429869" y="125134"/>
-                  </a:cubicBezTo>
-                  <a:cubicBezTo>
-                    <a:pt x="5617090" y="173104"/>
-                    <a:pt x="5799867" y="236595"/>
-                    <a:pt x="5976319" y="314893"/>
-                  </a:cubicBezTo>
-                  <a:lnTo>
-                    <a:pt x="6028697" y="339901"/>
-                  </a:lnTo>
-                  <a:lnTo>
-                    <a:pt x="6028697" y="732458"/>
-                  </a:lnTo>
-                  <a:lnTo>
-                    <a:pt x="5990985" y="712211"/>
-                  </a:lnTo>
-                  <a:cubicBezTo>
-                    <a:pt x="5783917" y="609342"/>
-                    <a:pt x="5566013" y="529876"/>
-                    <a:pt x="5341339" y="475281"/>
-                  </a:cubicBezTo>
-                  <a:cubicBezTo>
-                    <a:pt x="5115233" y="420503"/>
-                    <a:pt x="4884375" y="387624"/>
-                    <a:pt x="4651969" y="377104"/>
-                  </a:cubicBezTo>
-                  <a:cubicBezTo>
-                    <a:pt x="4418713" y="365171"/>
-                    <a:pt x="4184861" y="373670"/>
-                    <a:pt x="3953093" y="402498"/>
-                  </a:cubicBezTo>
-                  <a:cubicBezTo>
-                    <a:pt x="3721001" y="431832"/>
-                    <a:pt x="3491675" y="480040"/>
-                    <a:pt x="3267413" y="546643"/>
-                  </a:cubicBezTo>
-                  <a:cubicBezTo>
-                    <a:pt x="2591323" y="750761"/>
-                    <a:pt x="1967642" y="1099289"/>
-                    <a:pt x="1439498" y="1568141"/>
-                  </a:cubicBezTo>
-                  <a:cubicBezTo>
-                    <a:pt x="1265589" y="1725523"/>
-                    <a:pt x="1105393" y="1897434"/>
-                    <a:pt x="960671" y="2082013"/>
-                  </a:cubicBezTo>
-                  <a:cubicBezTo>
-                    <a:pt x="815775" y="2266294"/>
-                    <a:pt x="688923" y="2464081"/>
-                    <a:pt x="581866" y="2672638"/>
-                  </a:cubicBezTo>
-                  <a:cubicBezTo>
-                    <a:pt x="473765" y="2880669"/>
-                    <a:pt x="387610" y="3099397"/>
-                    <a:pt x="324789" y="3325262"/>
-                  </a:cubicBezTo>
-                  <a:cubicBezTo>
-                    <a:pt x="262714" y="3552403"/>
-                    <a:pt x="231223" y="3786822"/>
-                    <a:pt x="231151" y="4022292"/>
-                  </a:cubicBezTo>
-                  <a:cubicBezTo>
-                    <a:pt x="231413" y="4136912"/>
-                    <a:pt x="244645" y="4251136"/>
-                    <a:pt x="270592" y="4362792"/>
-                  </a:cubicBezTo>
-                  <a:cubicBezTo>
-                    <a:pt x="297885" y="4472943"/>
-                    <a:pt x="336983" y="4579833"/>
-                    <a:pt x="387213" y="4681585"/>
-                  </a:cubicBezTo>
-                  <a:cubicBezTo>
-                    <a:pt x="412042" y="4732517"/>
-                    <a:pt x="439423" y="4782457"/>
-                    <a:pt x="468507" y="4831546"/>
-                  </a:cubicBezTo>
-                  <a:cubicBezTo>
-                    <a:pt x="497591" y="4880636"/>
-                    <a:pt x="529230" y="4929015"/>
-                    <a:pt x="561862" y="4976826"/>
-                  </a:cubicBezTo>
-                  <a:cubicBezTo>
-                    <a:pt x="627975" y="5072166"/>
-                    <a:pt x="701466" y="5164668"/>
-                    <a:pt x="777511" y="5257597"/>
-                  </a:cubicBezTo>
-                  <a:cubicBezTo>
-                    <a:pt x="853556" y="5350524"/>
-                    <a:pt x="933574" y="5443594"/>
-                    <a:pt x="1010895" y="5540494"/>
-                  </a:cubicBezTo>
-                  <a:cubicBezTo>
-                    <a:pt x="1049957" y="5588732"/>
-                    <a:pt x="1088642" y="5637963"/>
-                    <a:pt x="1126948" y="5688186"/>
-                  </a:cubicBezTo>
-                  <a:lnTo>
-                    <a:pt x="1182706" y="5760543"/>
-                  </a:lnTo>
-                  <a:cubicBezTo>
-                    <a:pt x="1201007" y="5783669"/>
-                    <a:pt x="1218458" y="5807503"/>
-                    <a:pt x="1237327" y="5830060"/>
-                  </a:cubicBezTo>
-                  <a:cubicBezTo>
-                    <a:pt x="1383714" y="6009916"/>
-                    <a:pt x="1540413" y="6181116"/>
-                    <a:pt x="1706649" y="6342797"/>
-                  </a:cubicBezTo>
-                  <a:cubicBezTo>
-                    <a:pt x="1788084" y="6422531"/>
-                    <a:pt x="1871265" y="6499427"/>
-                    <a:pt x="1956207" y="6573484"/>
-                  </a:cubicBezTo>
-                  <a:cubicBezTo>
-                    <a:pt x="2041332" y="6647402"/>
-                    <a:pt x="2127733" y="6718907"/>
-                    <a:pt x="2217681" y="6786297"/>
-                  </a:cubicBezTo>
-                  <a:lnTo>
-                    <a:pt x="2260820" y="6817170"/>
-                  </a:lnTo>
-                  <a:lnTo>
-                    <a:pt x="1429497" y="6817170"/>
-                  </a:lnTo>
-                  <a:lnTo>
-                    <a:pt x="1327275" y="6713800"/>
-                  </a:lnTo>
-                  <a:cubicBezTo>
-                    <a:pt x="1239186" y="6618984"/>
-                    <a:pt x="1156797" y="6519019"/>
-                    <a:pt x="1080556" y="6414443"/>
-                  </a:cubicBezTo>
-                  <a:cubicBezTo>
-                    <a:pt x="1004653" y="6310734"/>
-                    <a:pt x="932439" y="6205177"/>
-                    <a:pt x="865189" y="6097496"/>
-                  </a:cubicBezTo>
-                  <a:cubicBezTo>
-                    <a:pt x="847881" y="6070823"/>
-                    <a:pt x="831565" y="6043725"/>
-                    <a:pt x="814823" y="6016911"/>
-                  </a:cubicBezTo>
-                  <a:lnTo>
-                    <a:pt x="766729" y="5938453"/>
-                  </a:lnTo>
-                  <a:cubicBezTo>
-                    <a:pt x="735941" y="5887947"/>
-                    <a:pt x="703878" y="5837581"/>
-                    <a:pt x="671672" y="5786648"/>
-                  </a:cubicBezTo>
-                  <a:lnTo>
-                    <a:pt x="474608" y="5474664"/>
-                  </a:lnTo>
-                  <a:cubicBezTo>
-                    <a:pt x="408778" y="5368968"/>
-                    <a:pt x="343516" y="5260008"/>
-                    <a:pt x="282652" y="5146508"/>
-                  </a:cubicBezTo>
-                  <a:cubicBezTo>
-                    <a:pt x="252290" y="5089759"/>
-                    <a:pt x="223065" y="5032015"/>
-                    <a:pt x="196108" y="4972712"/>
-                  </a:cubicBezTo>
-                  <a:cubicBezTo>
-                    <a:pt x="169152" y="4913408"/>
-                    <a:pt x="144607" y="4853111"/>
-                    <a:pt x="122474" y="4791821"/>
-                  </a:cubicBezTo>
-                  <a:cubicBezTo>
-                    <a:pt x="100342" y="4730532"/>
-                    <a:pt x="81757" y="4666830"/>
-                    <a:pt x="65724" y="4603129"/>
-                  </a:cubicBezTo>
-                  <a:cubicBezTo>
-                    <a:pt x="58205" y="4571064"/>
-                    <a:pt x="50828" y="4539143"/>
-                    <a:pt x="44727" y="4506937"/>
-                  </a:cubicBezTo>
-                  <a:lnTo>
-                    <a:pt x="35505" y="4458699"/>
-                  </a:lnTo>
-                  <a:lnTo>
-                    <a:pt x="27845" y="4410320"/>
-                  </a:lnTo>
-                  <a:cubicBezTo>
-                    <a:pt x="8635" y="4281881"/>
-                    <a:pt x="-661" y="4152150"/>
-                    <a:pt x="37" y="4022292"/>
-                  </a:cubicBezTo>
-                  <a:cubicBezTo>
-                    <a:pt x="712" y="3768592"/>
-                    <a:pt x="27094" y="3515615"/>
-                    <a:pt x="78777" y="3267236"/>
-                  </a:cubicBezTo>
-                  <a:cubicBezTo>
-                    <a:pt x="130048" y="3017876"/>
-                    <a:pt x="209439" y="2775142"/>
-                    <a:pt x="315424" y="2543673"/>
-                  </a:cubicBezTo>
-                  <a:cubicBezTo>
-                    <a:pt x="528236" y="2081161"/>
-                    <a:pt x="838234" y="1667312"/>
-                    <a:pt x="1202710" y="1314895"/>
-                  </a:cubicBezTo>
-                  <a:cubicBezTo>
-                    <a:pt x="1385514" y="1138814"/>
-                    <a:pt x="1582282" y="977831"/>
-                    <a:pt x="1791065" y="833514"/>
-                  </a:cubicBezTo>
-                  <a:cubicBezTo>
-                    <a:pt x="2420037" y="395614"/>
-                    <a:pt x="3147288" y="119557"/>
-                    <a:pt x="3908404" y="29794"/>
-                  </a:cubicBezTo>
-                  <a:cubicBezTo>
-                    <a:pt x="4098509" y="7429"/>
-                    <a:pt x="4289811" y="-2355"/>
-                    <a:pt x="4481066" y="478"/>
-                  </a:cubicBezTo>
-                  <a:close/>
-                </a:path>
-              </a:pathLst>
-            </a:custGeom>
-            <a:gradFill>
-              <a:gsLst>
-                <a:gs pos="2000">
-                  <a:schemeClr val="bg1">
-                    <a:alpha val="10000"/>
-                  </a:schemeClr>
-                </a:gs>
-                <a:gs pos="16000">
-                  <a:schemeClr val="accent6">
-                    <a:alpha val="10000"/>
-                  </a:schemeClr>
-                </a:gs>
-                <a:gs pos="100000">
-                  <a:schemeClr val="bg1">
-                    <a:alpha val="10000"/>
-                  </a:schemeClr>
-                </a:gs>
-                <a:gs pos="85000">
-                  <a:schemeClr val="accent1">
-                    <a:alpha val="10000"/>
-                  </a:schemeClr>
-                </a:gs>
-              </a:gsLst>
-              <a:lin ang="12000000" scaled="0"/>
-            </a:gradFill>
-            <a:ln>
-              <a:noFill/>
-            </a:ln>
-          </p:spPr>
-          <p:style>
-            <a:lnRef idx="2">
-              <a:schemeClr val="accent1">
-                <a:shade val="50000"/>
+          <a:prstGeom prst="rect">
+            <a:avLst/>
+          </a:prstGeom>
+          <a:noFill/>
+          <a:ln w="9525" cap="sq" cmpd="sng" algn="ctr">
+            <a:solidFill>
+              <a:schemeClr val="tx1">
+                <a:lumMod val="75000"/>
+                <a:lumOff val="25000"/>
+                <a:alpha val="80000"/>
               </a:schemeClr>
-            </a:lnRef>
-            <a:fillRef idx="1">
-              <a:schemeClr val="accent1"/>
-            </a:fillRef>
-            <a:effectRef idx="0">
-              <a:schemeClr val="accent1"/>
-            </a:effectRef>
-            <a:fontRef idx="minor">
-              <a:schemeClr val="lt1"/>
-            </a:fontRef>
-          </p:style>
-          <p:txBody>
-            <a:bodyPr rtlCol="0" anchor="ctr"/>
-            <a:lstStyle/>
-            <a:p>
-              <a:pPr algn="ctr"/>
-              <a:endParaRPr lang="en-US" dirty="0"/>
-            </a:p>
-          </p:txBody>
-        </p:sp>
-        <p:sp>
-          <p:nvSpPr>
-            <p:cNvPr id="16" name="Freeform: Shape 15">
-              <a:extLst>
-                <a:ext uri="{FF2B5EF4-FFF2-40B4-BE49-F238E27FC236}">
-                  <a16:creationId xmlns:a16="http://schemas.microsoft.com/office/drawing/2014/main" id="{C72F6EE6-EDE9-45A5-8F6D-02B9B7CB2C2F}"/>
-                </a:ext>
-                <a:ext uri="{C183D7F6-B498-43B3-948B-1728B52AA6E4}">
-                  <adec:decorative xmlns:adec="http://schemas.microsoft.com/office/drawing/2017/decorative" val="1"/>
-                </a:ext>
-              </a:extLst>
-            </p:cNvPr>
-            <p:cNvSpPr/>
-            <p:nvPr>
-              <p:extLst>
-                <p:ext uri="{386F3935-93C4-4BCD-93E2-E3B085C9AB24}">
-                  <p16:designElem xmlns:p16="http://schemas.microsoft.com/office/powerpoint/2015/main" val="1"/>
-                </p:ext>
-              </p:extLst>
-            </p:nvPr>
-          </p:nvSpPr>
-          <p:spPr>
-            <a:xfrm flipH="1">
-              <a:off x="305" y="1"/>
-              <a:ext cx="6165116" cy="6858001"/>
-            </a:xfrm>
-            <a:custGeom>
-              <a:avLst/>
-              <a:gdLst>
-                <a:gd name="connsiteX0" fmla="*/ 6264586 w 6264586"/>
-                <a:gd name="connsiteY0" fmla="*/ 6646464 h 6858001"/>
-                <a:gd name="connsiteX1" fmla="*/ 6264586 w 6264586"/>
-                <a:gd name="connsiteY1" fmla="*/ 6858001 h 6858001"/>
-                <a:gd name="connsiteX2" fmla="*/ 5997170 w 6264586"/>
-                <a:gd name="connsiteY2" fmla="*/ 6858001 h 6858001"/>
-                <a:gd name="connsiteX3" fmla="*/ 6121512 w 6264586"/>
-                <a:gd name="connsiteY3" fmla="*/ 6761029 h 6858001"/>
-                <a:gd name="connsiteX4" fmla="*/ 2693206 w 6264586"/>
-                <a:gd name="connsiteY4" fmla="*/ 0 h 6858001"/>
-                <a:gd name="connsiteX5" fmla="*/ 5872285 w 6264586"/>
-                <a:gd name="connsiteY5" fmla="*/ 0 h 6858001"/>
-                <a:gd name="connsiteX6" fmla="*/ 6024875 w 6264586"/>
-                <a:gd name="connsiteY6" fmla="*/ 68385 h 6858001"/>
-                <a:gd name="connsiteX7" fmla="*/ 6206432 w 6264586"/>
-                <a:gd name="connsiteY7" fmla="*/ 162336 h 6858001"/>
-                <a:gd name="connsiteX8" fmla="*/ 6264586 w 6264586"/>
-                <a:gd name="connsiteY8" fmla="*/ 196704 h 6858001"/>
-                <a:gd name="connsiteX9" fmla="*/ 6264586 w 6264586"/>
-                <a:gd name="connsiteY9" fmla="*/ 537242 h 6858001"/>
-                <a:gd name="connsiteX10" fmla="*/ 6230189 w 6264586"/>
-                <a:gd name="connsiteY10" fmla="*/ 517260 h 6858001"/>
-                <a:gd name="connsiteX11" fmla="*/ 5540536 w 6264586"/>
-                <a:gd name="connsiteY11" fmla="*/ 249543 h 6858001"/>
-                <a:gd name="connsiteX12" fmla="*/ 5178896 w 6264586"/>
-                <a:gd name="connsiteY12" fmla="*/ 178606 h 6858001"/>
-                <a:gd name="connsiteX13" fmla="*/ 4814279 w 6264586"/>
-                <a:gd name="connsiteY13" fmla="*/ 146683 h 6858001"/>
-                <a:gd name="connsiteX14" fmla="*/ 4655095 w 6264586"/>
-                <a:gd name="connsiteY14" fmla="*/ 143421 h 6858001"/>
-                <a:gd name="connsiteX15" fmla="*/ 4081069 w 6264586"/>
-                <a:gd name="connsiteY15" fmla="*/ 185983 h 6858001"/>
-                <a:gd name="connsiteX16" fmla="*/ 3720566 w 6264586"/>
-                <a:gd name="connsiteY16" fmla="*/ 256921 h 6858001"/>
-                <a:gd name="connsiteX17" fmla="*/ 3365879 w 6264586"/>
-                <a:gd name="connsiteY17" fmla="*/ 357651 h 6858001"/>
-                <a:gd name="connsiteX18" fmla="*/ 3020555 w 6264586"/>
-                <a:gd name="connsiteY18" fmla="*/ 486190 h 6858001"/>
-                <a:gd name="connsiteX19" fmla="*/ 2685163 w 6264586"/>
-                <a:gd name="connsiteY19" fmla="*/ 641542 h 6858001"/>
-                <a:gd name="connsiteX20" fmla="*/ 2047720 w 6264586"/>
-                <a:gd name="connsiteY20" fmla="*/ 1025030 h 6858001"/>
-                <a:gd name="connsiteX21" fmla="*/ 1897333 w 6264586"/>
-                <a:gd name="connsiteY21" fmla="*/ 1134983 h 6858001"/>
-                <a:gd name="connsiteX22" fmla="*/ 1835758 w 6264586"/>
-                <a:gd name="connsiteY22" fmla="*/ 1182227 h 6858001"/>
-                <a:gd name="connsiteX23" fmla="*/ 1823273 w 6264586"/>
-                <a:gd name="connsiteY23" fmla="*/ 1192016 h 6858001"/>
-                <a:gd name="connsiteX24" fmla="*/ 1750918 w 6264586"/>
-                <a:gd name="connsiteY24" fmla="*/ 1249760 h 6858001"/>
-                <a:gd name="connsiteX25" fmla="*/ 1469297 w 6264586"/>
-                <a:gd name="connsiteY25" fmla="*/ 1496906 h 6858001"/>
-                <a:gd name="connsiteX26" fmla="*/ 967769 w 6264586"/>
-                <a:gd name="connsiteY26" fmla="*/ 2056602 h 6858001"/>
-                <a:gd name="connsiteX27" fmla="*/ 754105 w 6264586"/>
-                <a:gd name="connsiteY27" fmla="*/ 2368727 h 6858001"/>
-                <a:gd name="connsiteX28" fmla="*/ 572364 w 6264586"/>
-                <a:gd name="connsiteY28" fmla="*/ 2701140 h 6858001"/>
-                <a:gd name="connsiteX29" fmla="*/ 532497 w 6264586"/>
-                <a:gd name="connsiteY29" fmla="*/ 2786265 h 6858001"/>
-                <a:gd name="connsiteX30" fmla="*/ 512918 w 6264586"/>
-                <a:gd name="connsiteY30" fmla="*/ 2828827 h 6858001"/>
-                <a:gd name="connsiteX31" fmla="*/ 494475 w 6264586"/>
-                <a:gd name="connsiteY31" fmla="*/ 2872240 h 6858001"/>
-                <a:gd name="connsiteX32" fmla="*/ 491637 w 6264586"/>
-                <a:gd name="connsiteY32" fmla="*/ 2878908 h 6858001"/>
-                <a:gd name="connsiteX33" fmla="*/ 459290 w 6264586"/>
-                <a:gd name="connsiteY33" fmla="*/ 2959635 h 6858001"/>
-                <a:gd name="connsiteX34" fmla="*/ 446805 w 6264586"/>
-                <a:gd name="connsiteY34" fmla="*/ 2992408 h 6858001"/>
-                <a:gd name="connsiteX35" fmla="*/ 426090 w 6264586"/>
-                <a:gd name="connsiteY35" fmla="*/ 3049158 h 6858001"/>
-                <a:gd name="connsiteX36" fmla="*/ 426090 w 6264586"/>
-                <a:gd name="connsiteY36" fmla="*/ 3049867 h 6858001"/>
-                <a:gd name="connsiteX37" fmla="*/ 318124 w 6264586"/>
-                <a:gd name="connsiteY37" fmla="*/ 3414202 h 6858001"/>
-                <a:gd name="connsiteX38" fmla="*/ 230729 w 6264586"/>
-                <a:gd name="connsiteY38" fmla="*/ 4169260 h 6858001"/>
-                <a:gd name="connsiteX39" fmla="*/ 268893 w 6264586"/>
-                <a:gd name="connsiteY39" fmla="*/ 4544236 h 6858001"/>
-                <a:gd name="connsiteX40" fmla="*/ 379840 w 6264586"/>
-                <a:gd name="connsiteY40" fmla="*/ 4900056 h 6858001"/>
-                <a:gd name="connsiteX41" fmla="*/ 406512 w 6264586"/>
-                <a:gd name="connsiteY41" fmla="*/ 4960211 h 6858001"/>
-                <a:gd name="connsiteX42" fmla="*/ 417862 w 6264586"/>
-                <a:gd name="connsiteY42" fmla="*/ 4984613 h 6858001"/>
-                <a:gd name="connsiteX43" fmla="*/ 428077 w 6264586"/>
-                <a:gd name="connsiteY43" fmla="*/ 5005043 h 6858001"/>
-                <a:gd name="connsiteX44" fmla="*/ 460140 w 6264586"/>
-                <a:gd name="connsiteY44" fmla="*/ 5067327 h 6858001"/>
-                <a:gd name="connsiteX45" fmla="*/ 555197 w 6264586"/>
-                <a:gd name="connsiteY45" fmla="*/ 5229773 h 6858001"/>
-                <a:gd name="connsiteX46" fmla="*/ 660611 w 6264586"/>
-                <a:gd name="connsiteY46" fmla="*/ 5387396 h 6858001"/>
-                <a:gd name="connsiteX47" fmla="*/ 774110 w 6264586"/>
-                <a:gd name="connsiteY47" fmla="*/ 5542182 h 6858001"/>
-                <a:gd name="connsiteX48" fmla="*/ 917829 w 6264586"/>
-                <a:gd name="connsiteY48" fmla="*/ 5727896 h 6858001"/>
-                <a:gd name="connsiteX49" fmla="*/ 1012885 w 6264586"/>
-                <a:gd name="connsiteY49" fmla="*/ 5849767 h 6858001"/>
-                <a:gd name="connsiteX50" fmla="*/ 1133053 w 6264586"/>
-                <a:gd name="connsiteY50" fmla="*/ 6006822 h 6858001"/>
-                <a:gd name="connsiteX51" fmla="*/ 1194343 w 6264586"/>
-                <a:gd name="connsiteY51" fmla="*/ 6090245 h 6858001"/>
-                <a:gd name="connsiteX52" fmla="*/ 1249390 w 6264586"/>
-                <a:gd name="connsiteY52" fmla="*/ 6165155 h 6858001"/>
-                <a:gd name="connsiteX53" fmla="*/ 1345724 w 6264586"/>
-                <a:gd name="connsiteY53" fmla="*/ 6292132 h 6858001"/>
-                <a:gd name="connsiteX54" fmla="*/ 1364310 w 6264586"/>
-                <a:gd name="connsiteY54" fmla="*/ 6316251 h 6858001"/>
-                <a:gd name="connsiteX55" fmla="*/ 1373673 w 6264586"/>
-                <a:gd name="connsiteY55" fmla="*/ 6327885 h 6858001"/>
-                <a:gd name="connsiteX56" fmla="*/ 1484619 w 6264586"/>
-                <a:gd name="connsiteY56" fmla="*/ 6462240 h 6858001"/>
-                <a:gd name="connsiteX57" fmla="*/ 1739000 w 6264586"/>
-                <a:gd name="connsiteY57" fmla="*/ 6737335 h 6858001"/>
-                <a:gd name="connsiteX58" fmla="*/ 1866801 w 6264586"/>
-                <a:gd name="connsiteY58" fmla="*/ 6858001 h 6858001"/>
-                <a:gd name="connsiteX59" fmla="*/ 1144149 w 6264586"/>
-                <a:gd name="connsiteY59" fmla="*/ 6858001 h 6858001"/>
-                <a:gd name="connsiteX60" fmla="*/ 1058349 w 6264586"/>
-                <a:gd name="connsiteY60" fmla="*/ 6766452 h 6858001"/>
-                <a:gd name="connsiteX61" fmla="*/ 580309 w 6264586"/>
-                <a:gd name="connsiteY61" fmla="*/ 6105000 h 6858001"/>
-                <a:gd name="connsiteX62" fmla="*/ 1 w 6264586"/>
-                <a:gd name="connsiteY62" fmla="*/ 3960094 h 6858001"/>
-                <a:gd name="connsiteX63" fmla="*/ 2599292 w 6264586"/>
-                <a:gd name="connsiteY63" fmla="*/ 37050 h 6858001"/>
-              </a:gdLst>
-              <a:ahLst/>
-              <a:cxnLst>
-                <a:cxn ang="0">
-                  <a:pos x="connsiteX0" y="connsiteY0"/>
-                </a:cxn>
-                <a:cxn ang="0">
-                  <a:pos x="connsiteX1" y="connsiteY1"/>
-                </a:cxn>
-                <a:cxn ang="0">
-                  <a:pos x="connsiteX2" y="connsiteY2"/>
-                </a:cxn>
-                <a:cxn ang="0">
-                  <a:pos x="connsiteX3" y="connsiteY3"/>
-                </a:cxn>
-                <a:cxn ang="0">
-                  <a:pos x="connsiteX4" y="connsiteY4"/>
-                </a:cxn>
-                <a:cxn ang="0">
-                  <a:pos x="connsiteX5" y="connsiteY5"/>
-                </a:cxn>
-                <a:cxn ang="0">
-                  <a:pos x="connsiteX6" y="connsiteY6"/>
-                </a:cxn>
-                <a:cxn ang="0">
-                  <a:pos x="connsiteX7" y="connsiteY7"/>
-                </a:cxn>
-                <a:cxn ang="0">
-                  <a:pos x="connsiteX8" y="connsiteY8"/>
-                </a:cxn>
-                <a:cxn ang="0">
-                  <a:pos x="connsiteX9" y="connsiteY9"/>
-                </a:cxn>
-                <a:cxn ang="0">
-                  <a:pos x="connsiteX10" y="connsiteY10"/>
-                </a:cxn>
-                <a:cxn ang="0">
-                  <a:pos x="connsiteX11" y="connsiteY11"/>
-                </a:cxn>
-                <a:cxn ang="0">
-                  <a:pos x="connsiteX12" y="connsiteY12"/>
-                </a:cxn>
-                <a:cxn ang="0">
-                  <a:pos x="connsiteX13" y="connsiteY13"/>
-                </a:cxn>
-                <a:cxn ang="0">
-                  <a:pos x="connsiteX14" y="connsiteY14"/>
-                </a:cxn>
-                <a:cxn ang="0">
-                  <a:pos x="connsiteX15" y="connsiteY15"/>
-                </a:cxn>
-                <a:cxn ang="0">
-                  <a:pos x="connsiteX16" y="connsiteY16"/>
-                </a:cxn>
-                <a:cxn ang="0">
-                  <a:pos x="connsiteX17" y="connsiteY17"/>
-                </a:cxn>
-                <a:cxn ang="0">
-                  <a:pos x="connsiteX18" y="connsiteY18"/>
-                </a:cxn>
-                <a:cxn ang="0">
-                  <a:pos x="connsiteX19" y="connsiteY19"/>
-                </a:cxn>
-                <a:cxn ang="0">
-                  <a:pos x="connsiteX20" y="connsiteY20"/>
-                </a:cxn>
-                <a:cxn ang="0">
-                  <a:pos x="connsiteX21" y="connsiteY21"/>
-                </a:cxn>
-                <a:cxn ang="0">
-                  <a:pos x="connsiteX22" y="connsiteY22"/>
-                </a:cxn>
-                <a:cxn ang="0">
-                  <a:pos x="connsiteX23" y="connsiteY23"/>
-                </a:cxn>
-                <a:cxn ang="0">
-                  <a:pos x="connsiteX24" y="connsiteY24"/>
-                </a:cxn>
-                <a:cxn ang="0">
-                  <a:pos x="connsiteX25" y="connsiteY25"/>
-                </a:cxn>
-                <a:cxn ang="0">
-                  <a:pos x="connsiteX26" y="connsiteY26"/>
-                </a:cxn>
-                <a:cxn ang="0">
-                  <a:pos x="connsiteX27" y="connsiteY27"/>
-                </a:cxn>
-                <a:cxn ang="0">
-                  <a:pos x="connsiteX28" y="connsiteY28"/>
-                </a:cxn>
-                <a:cxn ang="0">
-                  <a:pos x="connsiteX29" y="connsiteY29"/>
-                </a:cxn>
-                <a:cxn ang="0">
-                  <a:pos x="connsiteX30" y="connsiteY30"/>
-                </a:cxn>
-                <a:cxn ang="0">
-                  <a:pos x="connsiteX31" y="connsiteY31"/>
-                </a:cxn>
-                <a:cxn ang="0">
-                  <a:pos x="connsiteX32" y="connsiteY32"/>
-                </a:cxn>
-                <a:cxn ang="0">
-                  <a:pos x="connsiteX33" y="connsiteY33"/>
-                </a:cxn>
-                <a:cxn ang="0">
-                  <a:pos x="connsiteX34" y="connsiteY34"/>
-                </a:cxn>
-                <a:cxn ang="0">
-                  <a:pos x="connsiteX35" y="connsiteY35"/>
-                </a:cxn>
-                <a:cxn ang="0">
-                  <a:pos x="connsiteX36" y="connsiteY36"/>
-                </a:cxn>
-                <a:cxn ang="0">
-                  <a:pos x="connsiteX37" y="connsiteY37"/>
-                </a:cxn>
-                <a:cxn ang="0">
-                  <a:pos x="connsiteX38" y="connsiteY38"/>
-                </a:cxn>
-                <a:cxn ang="0">
-                  <a:pos x="connsiteX39" y="connsiteY39"/>
-                </a:cxn>
-                <a:cxn ang="0">
-                  <a:pos x="connsiteX40" y="connsiteY40"/>
-                </a:cxn>
-                <a:cxn ang="0">
-                  <a:pos x="connsiteX41" y="connsiteY41"/>
-                </a:cxn>
-                <a:cxn ang="0">
-                  <a:pos x="connsiteX42" y="connsiteY42"/>
-                </a:cxn>
-                <a:cxn ang="0">
-                  <a:pos x="connsiteX43" y="connsiteY43"/>
-                </a:cxn>
-                <a:cxn ang="0">
-                  <a:pos x="connsiteX44" y="connsiteY44"/>
-                </a:cxn>
-                <a:cxn ang="0">
-                  <a:pos x="connsiteX45" y="connsiteY45"/>
-                </a:cxn>
-                <a:cxn ang="0">
-                  <a:pos x="connsiteX46" y="connsiteY46"/>
-                </a:cxn>
-                <a:cxn ang="0">
-                  <a:pos x="connsiteX47" y="connsiteY47"/>
-                </a:cxn>
-                <a:cxn ang="0">
-                  <a:pos x="connsiteX48" y="connsiteY48"/>
-                </a:cxn>
-                <a:cxn ang="0">
-                  <a:pos x="connsiteX49" y="connsiteY49"/>
-                </a:cxn>
-                <a:cxn ang="0">
-                  <a:pos x="connsiteX50" y="connsiteY50"/>
-                </a:cxn>
-                <a:cxn ang="0">
-                  <a:pos x="connsiteX51" y="connsiteY51"/>
-                </a:cxn>
-                <a:cxn ang="0">
-                  <a:pos x="connsiteX52" y="connsiteY52"/>
-                </a:cxn>
-                <a:cxn ang="0">
-                  <a:pos x="connsiteX53" y="connsiteY53"/>
-                </a:cxn>
-                <a:cxn ang="0">
-                  <a:pos x="connsiteX54" y="connsiteY54"/>
-                </a:cxn>
-                <a:cxn ang="0">
-                  <a:pos x="connsiteX55" y="connsiteY55"/>
-                </a:cxn>
-                <a:cxn ang="0">
-                  <a:pos x="connsiteX56" y="connsiteY56"/>
-                </a:cxn>
-                <a:cxn ang="0">
-                  <a:pos x="connsiteX57" y="connsiteY57"/>
-                </a:cxn>
-                <a:cxn ang="0">
-                  <a:pos x="connsiteX58" y="connsiteY58"/>
-                </a:cxn>
-                <a:cxn ang="0">
-                  <a:pos x="connsiteX59" y="connsiteY59"/>
-                </a:cxn>
-                <a:cxn ang="0">
-                  <a:pos x="connsiteX60" y="connsiteY60"/>
-                </a:cxn>
-                <a:cxn ang="0">
-                  <a:pos x="connsiteX61" y="connsiteY61"/>
-                </a:cxn>
-                <a:cxn ang="0">
-                  <a:pos x="connsiteX62" y="connsiteY62"/>
-                </a:cxn>
-                <a:cxn ang="0">
-                  <a:pos x="connsiteX63" y="connsiteY63"/>
-                </a:cxn>
-              </a:cxnLst>
-              <a:rect l="l" t="t" r="r" b="b"/>
-              <a:pathLst>
-                <a:path w="6264586" h="6858001">
-                  <a:moveTo>
-                    <a:pt x="6264586" y="6646464"/>
-                  </a:moveTo>
-                  <a:lnTo>
-                    <a:pt x="6264586" y="6858001"/>
-                  </a:lnTo>
-                  <a:lnTo>
-                    <a:pt x="5997170" y="6858001"/>
-                  </a:lnTo>
-                  <a:lnTo>
-                    <a:pt x="6121512" y="6761029"/>
-                  </a:lnTo>
-                  <a:close/>
-                  <a:moveTo>
-                    <a:pt x="2693206" y="0"/>
-                  </a:moveTo>
-                  <a:lnTo>
-                    <a:pt x="5872285" y="0"/>
-                  </a:lnTo>
-                  <a:lnTo>
-                    <a:pt x="6024875" y="68385"/>
-                  </a:lnTo>
-                  <a:cubicBezTo>
-                    <a:pt x="6086250" y="97989"/>
-                    <a:pt x="6146793" y="129318"/>
-                    <a:pt x="6206432" y="162336"/>
-                  </a:cubicBezTo>
-                  <a:lnTo>
-                    <a:pt x="6264586" y="196704"/>
-                  </a:lnTo>
-                  <a:lnTo>
-                    <a:pt x="6264586" y="537242"/>
-                  </a:lnTo>
-                  <a:lnTo>
-                    <a:pt x="6230189" y="517260"/>
-                  </a:lnTo>
-                  <a:cubicBezTo>
-                    <a:pt x="6012226" y="399931"/>
-                    <a:pt x="5780573" y="310008"/>
-                    <a:pt x="5540536" y="249543"/>
-                  </a:cubicBezTo>
-                  <a:cubicBezTo>
-                    <a:pt x="5421375" y="219324"/>
-                    <a:pt x="5300641" y="195644"/>
-                    <a:pt x="5178896" y="178606"/>
-                  </a:cubicBezTo>
-                  <a:cubicBezTo>
-                    <a:pt x="5057977" y="161840"/>
-                    <a:pt x="4936276" y="151186"/>
-                    <a:pt x="4814279" y="146683"/>
-                  </a:cubicBezTo>
-                  <a:cubicBezTo>
-                    <a:pt x="4761501" y="144556"/>
-                    <a:pt x="4708015" y="143421"/>
-                    <a:pt x="4655095" y="143421"/>
-                  </a:cubicBezTo>
-                  <a:cubicBezTo>
-                    <a:pt x="4462968" y="143573"/>
-                    <a:pt x="4271111" y="157799"/>
-                    <a:pt x="4081069" y="185983"/>
-                  </a:cubicBezTo>
-                  <a:cubicBezTo>
-                    <a:pt x="3956361" y="205703"/>
-                    <a:pt x="3835058" y="229396"/>
-                    <a:pt x="3720566" y="256921"/>
-                  </a:cubicBezTo>
-                  <a:cubicBezTo>
-                    <a:pt x="3596708" y="286714"/>
-                    <a:pt x="3477677" y="320905"/>
-                    <a:pt x="3365879" y="357651"/>
-                  </a:cubicBezTo>
-                  <a:cubicBezTo>
-                    <a:pt x="3249257" y="395958"/>
-                    <a:pt x="3133487" y="438945"/>
-                    <a:pt x="3020555" y="486190"/>
-                  </a:cubicBezTo>
-                  <a:cubicBezTo>
-                    <a:pt x="2907623" y="533434"/>
-                    <a:pt x="2794832" y="585786"/>
-                    <a:pt x="2685163" y="641542"/>
-                  </a:cubicBezTo>
-                  <a:cubicBezTo>
-                    <a:pt x="2463995" y="754348"/>
-                    <a:pt x="2250998" y="882488"/>
-                    <a:pt x="2047720" y="1025030"/>
-                  </a:cubicBezTo>
-                  <a:cubicBezTo>
-                    <a:pt x="2006151" y="1054399"/>
-                    <a:pt x="1951528" y="1093415"/>
-                    <a:pt x="1897333" y="1134983"/>
-                  </a:cubicBezTo>
-                  <a:cubicBezTo>
-                    <a:pt x="1876761" y="1150164"/>
-                    <a:pt x="1855905" y="1166479"/>
-                    <a:pt x="1835758" y="1182227"/>
-                  </a:cubicBezTo>
-                  <a:lnTo>
-                    <a:pt x="1823273" y="1192016"/>
-                  </a:lnTo>
-                  <a:cubicBezTo>
-                    <a:pt x="1797027" y="1211879"/>
-                    <a:pt x="1772057" y="1232309"/>
-                    <a:pt x="1750918" y="1249760"/>
-                  </a:cubicBezTo>
-                  <a:cubicBezTo>
-                    <a:pt x="1645931" y="1335737"/>
-                    <a:pt x="1554422" y="1416605"/>
-                    <a:pt x="1469297" y="1496906"/>
-                  </a:cubicBezTo>
-                  <a:cubicBezTo>
-                    <a:pt x="1286595" y="1668957"/>
-                    <a:pt x="1118818" y="1856190"/>
-                    <a:pt x="967769" y="2056602"/>
-                  </a:cubicBezTo>
-                  <a:cubicBezTo>
-                    <a:pt x="890731" y="2159603"/>
-                    <a:pt x="818800" y="2264590"/>
-                    <a:pt x="754105" y="2368727"/>
-                  </a:cubicBezTo>
-                  <a:cubicBezTo>
-                    <a:pt x="681749" y="2488328"/>
-                    <a:pt x="622304" y="2596720"/>
-                    <a:pt x="572364" y="2701140"/>
-                  </a:cubicBezTo>
-                  <a:cubicBezTo>
-                    <a:pt x="557609" y="2730507"/>
-                    <a:pt x="543989" y="2760443"/>
-                    <a:pt x="532497" y="2786265"/>
-                  </a:cubicBezTo>
-                  <a:lnTo>
-                    <a:pt x="512918" y="2828827"/>
-                  </a:lnTo>
-                  <a:lnTo>
-                    <a:pt x="494475" y="2872240"/>
-                  </a:lnTo>
-                  <a:lnTo>
-                    <a:pt x="491637" y="2878908"/>
-                  </a:lnTo>
-                  <a:cubicBezTo>
-                    <a:pt x="480146" y="2906575"/>
-                    <a:pt x="469220" y="2932821"/>
-                    <a:pt x="459290" y="2959635"/>
-                  </a:cubicBezTo>
-                  <a:cubicBezTo>
-                    <a:pt x="455176" y="2970559"/>
-                    <a:pt x="451060" y="2981484"/>
-                    <a:pt x="446805" y="2992408"/>
-                  </a:cubicBezTo>
-                  <a:cubicBezTo>
-                    <a:pt x="439427" y="3012412"/>
-                    <a:pt x="432333" y="3030572"/>
-                    <a:pt x="426090" y="3049158"/>
-                  </a:cubicBezTo>
-                  <a:lnTo>
-                    <a:pt x="426090" y="3049867"/>
-                  </a:lnTo>
-                  <a:cubicBezTo>
-                    <a:pt x="383010" y="3169099"/>
-                    <a:pt x="346959" y="3290756"/>
-                    <a:pt x="318124" y="3414202"/>
-                  </a:cubicBezTo>
-                  <a:cubicBezTo>
-                    <a:pt x="260107" y="3661703"/>
-                    <a:pt x="230780" y="3915049"/>
-                    <a:pt x="230729" y="4169260"/>
-                  </a:cubicBezTo>
-                  <a:cubicBezTo>
-                    <a:pt x="231621" y="4295173"/>
-                    <a:pt x="244398" y="4420719"/>
-                    <a:pt x="268893" y="4544236"/>
-                  </a:cubicBezTo>
-                  <a:cubicBezTo>
-                    <a:pt x="293708" y="4666304"/>
-                    <a:pt x="330882" y="4785521"/>
-                    <a:pt x="379840" y="4900056"/>
-                  </a:cubicBezTo>
-                  <a:cubicBezTo>
-                    <a:pt x="387926" y="4919919"/>
-                    <a:pt x="397006" y="4939498"/>
-                    <a:pt x="406512" y="4960211"/>
-                  </a:cubicBezTo>
-                  <a:cubicBezTo>
-                    <a:pt x="410343" y="4968299"/>
-                    <a:pt x="414173" y="4976385"/>
-                    <a:pt x="417862" y="4984613"/>
-                  </a:cubicBezTo>
-                  <a:lnTo>
-                    <a:pt x="428077" y="5005043"/>
-                  </a:lnTo>
-                  <a:cubicBezTo>
-                    <a:pt x="438860" y="5026751"/>
-                    <a:pt x="449075" y="5047181"/>
-                    <a:pt x="460140" y="5067327"/>
-                  </a:cubicBezTo>
-                  <a:cubicBezTo>
-                    <a:pt x="485536" y="5116273"/>
-                    <a:pt x="514763" y="5165789"/>
-                    <a:pt x="555197" y="5229773"/>
-                  </a:cubicBezTo>
-                  <a:cubicBezTo>
-                    <a:pt x="586836" y="5280282"/>
-                    <a:pt x="620318" y="5329511"/>
-                    <a:pt x="660611" y="5387396"/>
-                  </a:cubicBezTo>
-                  <a:cubicBezTo>
-                    <a:pt x="698065" y="5440741"/>
-                    <a:pt x="737223" y="5493094"/>
-                    <a:pt x="774110" y="5542182"/>
-                  </a:cubicBezTo>
-                  <a:cubicBezTo>
-                    <a:pt x="821070" y="5604324"/>
-                    <a:pt x="870301" y="5667173"/>
-                    <a:pt x="917829" y="5727896"/>
-                  </a:cubicBezTo>
-                  <a:cubicBezTo>
-                    <a:pt x="949042" y="5767762"/>
-                    <a:pt x="979828" y="5807063"/>
-                    <a:pt x="1012885" y="5849767"/>
-                  </a:cubicBezTo>
-                  <a:cubicBezTo>
-                    <a:pt x="1045942" y="5892471"/>
-                    <a:pt x="1089497" y="5948796"/>
-                    <a:pt x="1133053" y="6006822"/>
-                  </a:cubicBezTo>
-                  <a:cubicBezTo>
-                    <a:pt x="1153624" y="6034345"/>
-                    <a:pt x="1175332" y="6063998"/>
-                    <a:pt x="1194343" y="6090245"/>
-                  </a:cubicBezTo>
-                  <a:cubicBezTo>
-                    <a:pt x="1213355" y="6116491"/>
-                    <a:pt x="1231372" y="6141178"/>
-                    <a:pt x="1249390" y="6165155"/>
-                  </a:cubicBezTo>
-                  <a:cubicBezTo>
-                    <a:pt x="1280461" y="6208000"/>
-                    <a:pt x="1313659" y="6250847"/>
-                    <a:pt x="1345724" y="6292132"/>
-                  </a:cubicBezTo>
-                  <a:lnTo>
-                    <a:pt x="1364310" y="6316251"/>
-                  </a:lnTo>
-                  <a:lnTo>
-                    <a:pt x="1373673" y="6327885"/>
-                  </a:lnTo>
-                  <a:cubicBezTo>
-                    <a:pt x="1409566" y="6372433"/>
-                    <a:pt x="1446738" y="6418542"/>
-                    <a:pt x="1484619" y="6462240"/>
-                  </a:cubicBezTo>
-                  <a:cubicBezTo>
-                    <a:pt x="1567899" y="6559850"/>
-                    <a:pt x="1653876" y="6652211"/>
-                    <a:pt x="1739000" y="6737335"/>
-                  </a:cubicBezTo>
-                  <a:lnTo>
-                    <a:pt x="1866801" y="6858001"/>
-                  </a:lnTo>
-                  <a:lnTo>
-                    <a:pt x="1144149" y="6858001"/>
-                  </a:lnTo>
-                  <a:lnTo>
-                    <a:pt x="1058349" y="6766452"/>
-                  </a:lnTo>
-                  <a:cubicBezTo>
-                    <a:pt x="878978" y="6562465"/>
-                    <a:pt x="718756" y="6341104"/>
-                    <a:pt x="580309" y="6105000"/>
-                  </a:cubicBezTo>
-                  <a:cubicBezTo>
-                    <a:pt x="200401" y="5454007"/>
-                    <a:pt x="146" y="4713831"/>
-                    <a:pt x="1" y="3960094"/>
-                  </a:cubicBezTo>
-                  <a:cubicBezTo>
-                    <a:pt x="-335" y="2196754"/>
-                    <a:pt x="1071479" y="683605"/>
-                    <a:pt x="2599292" y="37050"/>
-                  </a:cubicBezTo>
-                  <a:close/>
-                </a:path>
-              </a:pathLst>
-            </a:custGeom>
-            <a:gradFill>
-              <a:gsLst>
-                <a:gs pos="2000">
-                  <a:schemeClr val="bg1">
-                    <a:alpha val="10000"/>
-                  </a:schemeClr>
-                </a:gs>
-                <a:gs pos="16000">
-                  <a:schemeClr val="accent6">
-                    <a:alpha val="10000"/>
-                  </a:schemeClr>
-                </a:gs>
-                <a:gs pos="100000">
-                  <a:schemeClr val="bg1">
-                    <a:alpha val="10000"/>
-                  </a:schemeClr>
-                </a:gs>
-                <a:gs pos="85000">
-                  <a:schemeClr val="accent1">
-                    <a:alpha val="10000"/>
-                  </a:schemeClr>
-                </a:gs>
-              </a:gsLst>
-              <a:lin ang="12000000" scaled="0"/>
-            </a:gradFill>
-            <a:ln>
-              <a:noFill/>
-            </a:ln>
-          </p:spPr>
-          <p:style>
-            <a:lnRef idx="2">
-              <a:schemeClr val="accent1">
-                <a:shade val="50000"/>
-              </a:schemeClr>
-            </a:lnRef>
-            <a:fillRef idx="1">
-              <a:schemeClr val="accent1"/>
-            </a:fillRef>
-            <a:effectRef idx="0">
-              <a:schemeClr val="accent1"/>
-            </a:effectRef>
-            <a:fontRef idx="minor">
-              <a:schemeClr val="lt1"/>
-            </a:fontRef>
-          </p:style>
-          <p:txBody>
-            <a:bodyPr rtlCol="0" anchor="ctr"/>
-            <a:lstStyle/>
-            <a:p>
-              <a:pPr algn="ctr"/>
-              <a:endParaRPr lang="en-US" dirty="0"/>
-            </a:p>
-          </p:txBody>
-        </p:sp>
-        <p:sp>
-          <p:nvSpPr>
-            <p:cNvPr id="17" name="Freeform: Shape 16">
-              <a:extLst>
-                <a:ext uri="{FF2B5EF4-FFF2-40B4-BE49-F238E27FC236}">
-                  <a16:creationId xmlns:a16="http://schemas.microsoft.com/office/drawing/2014/main" id="{C093DC50-3BD7-46B1-A300-CD207E152FF4}"/>
-                </a:ext>
-                <a:ext uri="{C183D7F6-B498-43B3-948B-1728B52AA6E4}">
-                  <adec:decorative xmlns:adec="http://schemas.microsoft.com/office/drawing/2017/decorative" val="1"/>
-                </a:ext>
-              </a:extLst>
-            </p:cNvPr>
-            <p:cNvSpPr/>
-            <p:nvPr>
-              <p:extLst>
-                <p:ext uri="{386F3935-93C4-4BCD-93E2-E3B085C9AB24}">
-                  <p16:designElem xmlns:p16="http://schemas.microsoft.com/office/powerpoint/2015/main" val="1"/>
-                </p:ext>
-              </p:extLst>
-            </p:nvPr>
-          </p:nvSpPr>
-          <p:spPr>
-            <a:xfrm flipH="1">
-              <a:off x="305" y="-5977"/>
-              <a:ext cx="6238675" cy="6858001"/>
-            </a:xfrm>
-            <a:custGeom>
-              <a:avLst/>
-              <a:gdLst>
-                <a:gd name="connsiteX0" fmla="*/ 6264586 w 6264586"/>
-                <a:gd name="connsiteY0" fmla="*/ 6646464 h 6858001"/>
-                <a:gd name="connsiteX1" fmla="*/ 6264586 w 6264586"/>
-                <a:gd name="connsiteY1" fmla="*/ 6858001 h 6858001"/>
-                <a:gd name="connsiteX2" fmla="*/ 5997170 w 6264586"/>
-                <a:gd name="connsiteY2" fmla="*/ 6858001 h 6858001"/>
-                <a:gd name="connsiteX3" fmla="*/ 6121512 w 6264586"/>
-                <a:gd name="connsiteY3" fmla="*/ 6761029 h 6858001"/>
-                <a:gd name="connsiteX4" fmla="*/ 2693206 w 6264586"/>
-                <a:gd name="connsiteY4" fmla="*/ 0 h 6858001"/>
-                <a:gd name="connsiteX5" fmla="*/ 5872285 w 6264586"/>
-                <a:gd name="connsiteY5" fmla="*/ 0 h 6858001"/>
-                <a:gd name="connsiteX6" fmla="*/ 6024875 w 6264586"/>
-                <a:gd name="connsiteY6" fmla="*/ 68385 h 6858001"/>
-                <a:gd name="connsiteX7" fmla="*/ 6206432 w 6264586"/>
-                <a:gd name="connsiteY7" fmla="*/ 162336 h 6858001"/>
-                <a:gd name="connsiteX8" fmla="*/ 6264586 w 6264586"/>
-                <a:gd name="connsiteY8" fmla="*/ 196704 h 6858001"/>
-                <a:gd name="connsiteX9" fmla="*/ 6264586 w 6264586"/>
-                <a:gd name="connsiteY9" fmla="*/ 537242 h 6858001"/>
-                <a:gd name="connsiteX10" fmla="*/ 6230189 w 6264586"/>
-                <a:gd name="connsiteY10" fmla="*/ 517260 h 6858001"/>
-                <a:gd name="connsiteX11" fmla="*/ 5540536 w 6264586"/>
-                <a:gd name="connsiteY11" fmla="*/ 249543 h 6858001"/>
-                <a:gd name="connsiteX12" fmla="*/ 5178896 w 6264586"/>
-                <a:gd name="connsiteY12" fmla="*/ 178606 h 6858001"/>
-                <a:gd name="connsiteX13" fmla="*/ 4814279 w 6264586"/>
-                <a:gd name="connsiteY13" fmla="*/ 146683 h 6858001"/>
-                <a:gd name="connsiteX14" fmla="*/ 4655095 w 6264586"/>
-                <a:gd name="connsiteY14" fmla="*/ 143421 h 6858001"/>
-                <a:gd name="connsiteX15" fmla="*/ 4081069 w 6264586"/>
-                <a:gd name="connsiteY15" fmla="*/ 185983 h 6858001"/>
-                <a:gd name="connsiteX16" fmla="*/ 3720566 w 6264586"/>
-                <a:gd name="connsiteY16" fmla="*/ 256921 h 6858001"/>
-                <a:gd name="connsiteX17" fmla="*/ 3365879 w 6264586"/>
-                <a:gd name="connsiteY17" fmla="*/ 357651 h 6858001"/>
-                <a:gd name="connsiteX18" fmla="*/ 3020555 w 6264586"/>
-                <a:gd name="connsiteY18" fmla="*/ 486190 h 6858001"/>
-                <a:gd name="connsiteX19" fmla="*/ 2685163 w 6264586"/>
-                <a:gd name="connsiteY19" fmla="*/ 641542 h 6858001"/>
-                <a:gd name="connsiteX20" fmla="*/ 2047720 w 6264586"/>
-                <a:gd name="connsiteY20" fmla="*/ 1025030 h 6858001"/>
-                <a:gd name="connsiteX21" fmla="*/ 1897333 w 6264586"/>
-                <a:gd name="connsiteY21" fmla="*/ 1134983 h 6858001"/>
-                <a:gd name="connsiteX22" fmla="*/ 1835758 w 6264586"/>
-                <a:gd name="connsiteY22" fmla="*/ 1182227 h 6858001"/>
-                <a:gd name="connsiteX23" fmla="*/ 1823273 w 6264586"/>
-                <a:gd name="connsiteY23" fmla="*/ 1192016 h 6858001"/>
-                <a:gd name="connsiteX24" fmla="*/ 1750918 w 6264586"/>
-                <a:gd name="connsiteY24" fmla="*/ 1249760 h 6858001"/>
-                <a:gd name="connsiteX25" fmla="*/ 1469297 w 6264586"/>
-                <a:gd name="connsiteY25" fmla="*/ 1496906 h 6858001"/>
-                <a:gd name="connsiteX26" fmla="*/ 967769 w 6264586"/>
-                <a:gd name="connsiteY26" fmla="*/ 2056602 h 6858001"/>
-                <a:gd name="connsiteX27" fmla="*/ 754105 w 6264586"/>
-                <a:gd name="connsiteY27" fmla="*/ 2368727 h 6858001"/>
-                <a:gd name="connsiteX28" fmla="*/ 572364 w 6264586"/>
-                <a:gd name="connsiteY28" fmla="*/ 2701140 h 6858001"/>
-                <a:gd name="connsiteX29" fmla="*/ 532497 w 6264586"/>
-                <a:gd name="connsiteY29" fmla="*/ 2786265 h 6858001"/>
-                <a:gd name="connsiteX30" fmla="*/ 512918 w 6264586"/>
-                <a:gd name="connsiteY30" fmla="*/ 2828827 h 6858001"/>
-                <a:gd name="connsiteX31" fmla="*/ 494475 w 6264586"/>
-                <a:gd name="connsiteY31" fmla="*/ 2872240 h 6858001"/>
-                <a:gd name="connsiteX32" fmla="*/ 491637 w 6264586"/>
-                <a:gd name="connsiteY32" fmla="*/ 2878908 h 6858001"/>
-                <a:gd name="connsiteX33" fmla="*/ 459290 w 6264586"/>
-                <a:gd name="connsiteY33" fmla="*/ 2959635 h 6858001"/>
-                <a:gd name="connsiteX34" fmla="*/ 446805 w 6264586"/>
-                <a:gd name="connsiteY34" fmla="*/ 2992408 h 6858001"/>
-                <a:gd name="connsiteX35" fmla="*/ 426090 w 6264586"/>
-                <a:gd name="connsiteY35" fmla="*/ 3049158 h 6858001"/>
-                <a:gd name="connsiteX36" fmla="*/ 426090 w 6264586"/>
-                <a:gd name="connsiteY36" fmla="*/ 3049867 h 6858001"/>
-                <a:gd name="connsiteX37" fmla="*/ 318124 w 6264586"/>
-                <a:gd name="connsiteY37" fmla="*/ 3414202 h 6858001"/>
-                <a:gd name="connsiteX38" fmla="*/ 230729 w 6264586"/>
-                <a:gd name="connsiteY38" fmla="*/ 4169260 h 6858001"/>
-                <a:gd name="connsiteX39" fmla="*/ 268893 w 6264586"/>
-                <a:gd name="connsiteY39" fmla="*/ 4544236 h 6858001"/>
-                <a:gd name="connsiteX40" fmla="*/ 379840 w 6264586"/>
-                <a:gd name="connsiteY40" fmla="*/ 4900056 h 6858001"/>
-                <a:gd name="connsiteX41" fmla="*/ 406512 w 6264586"/>
-                <a:gd name="connsiteY41" fmla="*/ 4960211 h 6858001"/>
-                <a:gd name="connsiteX42" fmla="*/ 417862 w 6264586"/>
-                <a:gd name="connsiteY42" fmla="*/ 4984613 h 6858001"/>
-                <a:gd name="connsiteX43" fmla="*/ 428077 w 6264586"/>
-                <a:gd name="connsiteY43" fmla="*/ 5005043 h 6858001"/>
-                <a:gd name="connsiteX44" fmla="*/ 460140 w 6264586"/>
-                <a:gd name="connsiteY44" fmla="*/ 5067327 h 6858001"/>
-                <a:gd name="connsiteX45" fmla="*/ 555197 w 6264586"/>
-                <a:gd name="connsiteY45" fmla="*/ 5229773 h 6858001"/>
-                <a:gd name="connsiteX46" fmla="*/ 660611 w 6264586"/>
-                <a:gd name="connsiteY46" fmla="*/ 5387396 h 6858001"/>
-                <a:gd name="connsiteX47" fmla="*/ 774110 w 6264586"/>
-                <a:gd name="connsiteY47" fmla="*/ 5542182 h 6858001"/>
-                <a:gd name="connsiteX48" fmla="*/ 917829 w 6264586"/>
-                <a:gd name="connsiteY48" fmla="*/ 5727896 h 6858001"/>
-                <a:gd name="connsiteX49" fmla="*/ 1012885 w 6264586"/>
-                <a:gd name="connsiteY49" fmla="*/ 5849767 h 6858001"/>
-                <a:gd name="connsiteX50" fmla="*/ 1133053 w 6264586"/>
-                <a:gd name="connsiteY50" fmla="*/ 6006822 h 6858001"/>
-                <a:gd name="connsiteX51" fmla="*/ 1194343 w 6264586"/>
-                <a:gd name="connsiteY51" fmla="*/ 6090245 h 6858001"/>
-                <a:gd name="connsiteX52" fmla="*/ 1249390 w 6264586"/>
-                <a:gd name="connsiteY52" fmla="*/ 6165155 h 6858001"/>
-                <a:gd name="connsiteX53" fmla="*/ 1345724 w 6264586"/>
-                <a:gd name="connsiteY53" fmla="*/ 6292132 h 6858001"/>
-                <a:gd name="connsiteX54" fmla="*/ 1364310 w 6264586"/>
-                <a:gd name="connsiteY54" fmla="*/ 6316251 h 6858001"/>
-                <a:gd name="connsiteX55" fmla="*/ 1373673 w 6264586"/>
-                <a:gd name="connsiteY55" fmla="*/ 6327885 h 6858001"/>
-                <a:gd name="connsiteX56" fmla="*/ 1484619 w 6264586"/>
-                <a:gd name="connsiteY56" fmla="*/ 6462240 h 6858001"/>
-                <a:gd name="connsiteX57" fmla="*/ 1739000 w 6264586"/>
-                <a:gd name="connsiteY57" fmla="*/ 6737335 h 6858001"/>
-                <a:gd name="connsiteX58" fmla="*/ 1866801 w 6264586"/>
-                <a:gd name="connsiteY58" fmla="*/ 6858001 h 6858001"/>
-                <a:gd name="connsiteX59" fmla="*/ 1144149 w 6264586"/>
-                <a:gd name="connsiteY59" fmla="*/ 6858001 h 6858001"/>
-                <a:gd name="connsiteX60" fmla="*/ 1058349 w 6264586"/>
-                <a:gd name="connsiteY60" fmla="*/ 6766452 h 6858001"/>
-                <a:gd name="connsiteX61" fmla="*/ 580309 w 6264586"/>
-                <a:gd name="connsiteY61" fmla="*/ 6105000 h 6858001"/>
-                <a:gd name="connsiteX62" fmla="*/ 1 w 6264586"/>
-                <a:gd name="connsiteY62" fmla="*/ 3960094 h 6858001"/>
-                <a:gd name="connsiteX63" fmla="*/ 2599292 w 6264586"/>
-                <a:gd name="connsiteY63" fmla="*/ 37050 h 6858001"/>
-              </a:gdLst>
-              <a:ahLst/>
-              <a:cxnLst>
-                <a:cxn ang="0">
-                  <a:pos x="connsiteX0" y="connsiteY0"/>
-                </a:cxn>
-                <a:cxn ang="0">
-                  <a:pos x="connsiteX1" y="connsiteY1"/>
-                </a:cxn>
-                <a:cxn ang="0">
-                  <a:pos x="connsiteX2" y="connsiteY2"/>
-                </a:cxn>
-                <a:cxn ang="0">
-                  <a:pos x="connsiteX3" y="connsiteY3"/>
-                </a:cxn>
-                <a:cxn ang="0">
-                  <a:pos x="connsiteX4" y="connsiteY4"/>
-                </a:cxn>
-                <a:cxn ang="0">
-                  <a:pos x="connsiteX5" y="connsiteY5"/>
-                </a:cxn>
-                <a:cxn ang="0">
-                  <a:pos x="connsiteX6" y="connsiteY6"/>
-                </a:cxn>
-                <a:cxn ang="0">
-                  <a:pos x="connsiteX7" y="connsiteY7"/>
-                </a:cxn>
-                <a:cxn ang="0">
-                  <a:pos x="connsiteX8" y="connsiteY8"/>
-                </a:cxn>
-                <a:cxn ang="0">
-                  <a:pos x="connsiteX9" y="connsiteY9"/>
-                </a:cxn>
-                <a:cxn ang="0">
-                  <a:pos x="connsiteX10" y="connsiteY10"/>
-                </a:cxn>
-                <a:cxn ang="0">
-                  <a:pos x="connsiteX11" y="connsiteY11"/>
-                </a:cxn>
-                <a:cxn ang="0">
-                  <a:pos x="connsiteX12" y="connsiteY12"/>
-                </a:cxn>
-                <a:cxn ang="0">
-                  <a:pos x="connsiteX13" y="connsiteY13"/>
-                </a:cxn>
-                <a:cxn ang="0">
-                  <a:pos x="connsiteX14" y="connsiteY14"/>
-                </a:cxn>
-                <a:cxn ang="0">
-                  <a:pos x="connsiteX15" y="connsiteY15"/>
-                </a:cxn>
-                <a:cxn ang="0">
-                  <a:pos x="connsiteX16" y="connsiteY16"/>
-                </a:cxn>
-                <a:cxn ang="0">
-                  <a:pos x="connsiteX17" y="connsiteY17"/>
-                </a:cxn>
-                <a:cxn ang="0">
-                  <a:pos x="connsiteX18" y="connsiteY18"/>
-                </a:cxn>
-                <a:cxn ang="0">
-                  <a:pos x="connsiteX19" y="connsiteY19"/>
-                </a:cxn>
-                <a:cxn ang="0">
-                  <a:pos x="connsiteX20" y="connsiteY20"/>
-                </a:cxn>
-                <a:cxn ang="0">
-                  <a:pos x="connsiteX21" y="connsiteY21"/>
-                </a:cxn>
-                <a:cxn ang="0">
-                  <a:pos x="connsiteX22" y="connsiteY22"/>
-                </a:cxn>
-                <a:cxn ang="0">
-                  <a:pos x="connsiteX23" y="connsiteY23"/>
-                </a:cxn>
-                <a:cxn ang="0">
-                  <a:pos x="connsiteX24" y="connsiteY24"/>
-                </a:cxn>
-                <a:cxn ang="0">
-                  <a:pos x="connsiteX25" y="connsiteY25"/>
-                </a:cxn>
-                <a:cxn ang="0">
-                  <a:pos x="connsiteX26" y="connsiteY26"/>
-                </a:cxn>
-                <a:cxn ang="0">
-                  <a:pos x="connsiteX27" y="connsiteY27"/>
-                </a:cxn>
-                <a:cxn ang="0">
-                  <a:pos x="connsiteX28" y="connsiteY28"/>
-                </a:cxn>
-                <a:cxn ang="0">
-                  <a:pos x="connsiteX29" y="connsiteY29"/>
-                </a:cxn>
-                <a:cxn ang="0">
-                  <a:pos x="connsiteX30" y="connsiteY30"/>
-                </a:cxn>
-                <a:cxn ang="0">
-                  <a:pos x="connsiteX31" y="connsiteY31"/>
-                </a:cxn>
-                <a:cxn ang="0">
-                  <a:pos x="connsiteX32" y="connsiteY32"/>
-                </a:cxn>
-                <a:cxn ang="0">
-                  <a:pos x="connsiteX33" y="connsiteY33"/>
-                </a:cxn>
-                <a:cxn ang="0">
-                  <a:pos x="connsiteX34" y="connsiteY34"/>
-                </a:cxn>
-                <a:cxn ang="0">
-                  <a:pos x="connsiteX35" y="connsiteY35"/>
-                </a:cxn>
-                <a:cxn ang="0">
-                  <a:pos x="connsiteX36" y="connsiteY36"/>
-                </a:cxn>
-                <a:cxn ang="0">
-                  <a:pos x="connsiteX37" y="connsiteY37"/>
-                </a:cxn>
-                <a:cxn ang="0">
-                  <a:pos x="connsiteX38" y="connsiteY38"/>
-                </a:cxn>
-                <a:cxn ang="0">
-                  <a:pos x="connsiteX39" y="connsiteY39"/>
-                </a:cxn>
-                <a:cxn ang="0">
-                  <a:pos x="connsiteX40" y="connsiteY40"/>
-                </a:cxn>
-                <a:cxn ang="0">
-                  <a:pos x="connsiteX41" y="connsiteY41"/>
-                </a:cxn>
-                <a:cxn ang="0">
-                  <a:pos x="connsiteX42" y="connsiteY42"/>
-                </a:cxn>
-                <a:cxn ang="0">
-                  <a:pos x="connsiteX43" y="connsiteY43"/>
-                </a:cxn>
-                <a:cxn ang="0">
-                  <a:pos x="connsiteX44" y="connsiteY44"/>
-                </a:cxn>
-                <a:cxn ang="0">
-                  <a:pos x="connsiteX45" y="connsiteY45"/>
-                </a:cxn>
-                <a:cxn ang="0">
-                  <a:pos x="connsiteX46" y="connsiteY46"/>
-                </a:cxn>
-                <a:cxn ang="0">
-                  <a:pos x="connsiteX47" y="connsiteY47"/>
-                </a:cxn>
-                <a:cxn ang="0">
-                  <a:pos x="connsiteX48" y="connsiteY48"/>
-                </a:cxn>
-                <a:cxn ang="0">
-                  <a:pos x="connsiteX49" y="connsiteY49"/>
-                </a:cxn>
-                <a:cxn ang="0">
-                  <a:pos x="connsiteX50" y="connsiteY50"/>
-                </a:cxn>
-                <a:cxn ang="0">
-                  <a:pos x="connsiteX51" y="connsiteY51"/>
-                </a:cxn>
-                <a:cxn ang="0">
-                  <a:pos x="connsiteX52" y="connsiteY52"/>
-                </a:cxn>
-                <a:cxn ang="0">
-                  <a:pos x="connsiteX53" y="connsiteY53"/>
-                </a:cxn>
-                <a:cxn ang="0">
-                  <a:pos x="connsiteX54" y="connsiteY54"/>
-                </a:cxn>
-                <a:cxn ang="0">
-                  <a:pos x="connsiteX55" y="connsiteY55"/>
-                </a:cxn>
-                <a:cxn ang="0">
-                  <a:pos x="connsiteX56" y="connsiteY56"/>
-                </a:cxn>
-                <a:cxn ang="0">
-                  <a:pos x="connsiteX57" y="connsiteY57"/>
-                </a:cxn>
-                <a:cxn ang="0">
-                  <a:pos x="connsiteX58" y="connsiteY58"/>
-                </a:cxn>
-                <a:cxn ang="0">
-                  <a:pos x="connsiteX59" y="connsiteY59"/>
-                </a:cxn>
-                <a:cxn ang="0">
-                  <a:pos x="connsiteX60" y="connsiteY60"/>
-                </a:cxn>
-                <a:cxn ang="0">
-                  <a:pos x="connsiteX61" y="connsiteY61"/>
-                </a:cxn>
-                <a:cxn ang="0">
-                  <a:pos x="connsiteX62" y="connsiteY62"/>
-                </a:cxn>
-                <a:cxn ang="0">
-                  <a:pos x="connsiteX63" y="connsiteY63"/>
-                </a:cxn>
-              </a:cxnLst>
-              <a:rect l="l" t="t" r="r" b="b"/>
-              <a:pathLst>
-                <a:path w="6264586" h="6858001">
-                  <a:moveTo>
-                    <a:pt x="6264586" y="6646464"/>
-                  </a:moveTo>
-                  <a:lnTo>
-                    <a:pt x="6264586" y="6858001"/>
-                  </a:lnTo>
-                  <a:lnTo>
-                    <a:pt x="5997170" y="6858001"/>
-                  </a:lnTo>
-                  <a:lnTo>
-                    <a:pt x="6121512" y="6761029"/>
-                  </a:lnTo>
-                  <a:close/>
-                  <a:moveTo>
-                    <a:pt x="2693206" y="0"/>
-                  </a:moveTo>
-                  <a:lnTo>
-                    <a:pt x="5872285" y="0"/>
-                  </a:lnTo>
-                  <a:lnTo>
-                    <a:pt x="6024875" y="68385"/>
-                  </a:lnTo>
-                  <a:cubicBezTo>
-                    <a:pt x="6086250" y="97989"/>
-                    <a:pt x="6146793" y="129318"/>
-                    <a:pt x="6206432" y="162336"/>
-                  </a:cubicBezTo>
-                  <a:lnTo>
-                    <a:pt x="6264586" y="196704"/>
-                  </a:lnTo>
-                  <a:lnTo>
-                    <a:pt x="6264586" y="537242"/>
-                  </a:lnTo>
-                  <a:lnTo>
-                    <a:pt x="6230189" y="517260"/>
-                  </a:lnTo>
-                  <a:cubicBezTo>
-                    <a:pt x="6012226" y="399931"/>
-                    <a:pt x="5780573" y="310008"/>
-                    <a:pt x="5540536" y="249543"/>
-                  </a:cubicBezTo>
-                  <a:cubicBezTo>
-                    <a:pt x="5421375" y="219324"/>
-                    <a:pt x="5300641" y="195644"/>
-                    <a:pt x="5178896" y="178606"/>
-                  </a:cubicBezTo>
-                  <a:cubicBezTo>
-                    <a:pt x="5057977" y="161840"/>
-                    <a:pt x="4936276" y="151186"/>
-                    <a:pt x="4814279" y="146683"/>
-                  </a:cubicBezTo>
-                  <a:cubicBezTo>
-                    <a:pt x="4761501" y="144556"/>
-                    <a:pt x="4708015" y="143421"/>
-                    <a:pt x="4655095" y="143421"/>
-                  </a:cubicBezTo>
-                  <a:cubicBezTo>
-                    <a:pt x="4462968" y="143573"/>
-                    <a:pt x="4271111" y="157799"/>
-                    <a:pt x="4081069" y="185983"/>
-                  </a:cubicBezTo>
-                  <a:cubicBezTo>
-                    <a:pt x="3956361" y="205703"/>
-                    <a:pt x="3835058" y="229396"/>
-                    <a:pt x="3720566" y="256921"/>
-                  </a:cubicBezTo>
-                  <a:cubicBezTo>
-                    <a:pt x="3596708" y="286714"/>
-                    <a:pt x="3477677" y="320905"/>
-                    <a:pt x="3365879" y="357651"/>
-                  </a:cubicBezTo>
-                  <a:cubicBezTo>
-                    <a:pt x="3249257" y="395958"/>
-                    <a:pt x="3133487" y="438945"/>
-                    <a:pt x="3020555" y="486190"/>
-                  </a:cubicBezTo>
-                  <a:cubicBezTo>
-                    <a:pt x="2907623" y="533434"/>
-                    <a:pt x="2794832" y="585786"/>
-                    <a:pt x="2685163" y="641542"/>
-                  </a:cubicBezTo>
-                  <a:cubicBezTo>
-                    <a:pt x="2463995" y="754348"/>
-                    <a:pt x="2250998" y="882488"/>
-                    <a:pt x="2047720" y="1025030"/>
-                  </a:cubicBezTo>
-                  <a:cubicBezTo>
-                    <a:pt x="2006151" y="1054399"/>
-                    <a:pt x="1951528" y="1093415"/>
-                    <a:pt x="1897333" y="1134983"/>
-                  </a:cubicBezTo>
-                  <a:cubicBezTo>
-                    <a:pt x="1876761" y="1150164"/>
-                    <a:pt x="1855905" y="1166479"/>
-                    <a:pt x="1835758" y="1182227"/>
-                  </a:cubicBezTo>
-                  <a:lnTo>
-                    <a:pt x="1823273" y="1192016"/>
-                  </a:lnTo>
-                  <a:cubicBezTo>
-                    <a:pt x="1797027" y="1211879"/>
-                    <a:pt x="1772057" y="1232309"/>
-                    <a:pt x="1750918" y="1249760"/>
-                  </a:cubicBezTo>
-                  <a:cubicBezTo>
-                    <a:pt x="1645931" y="1335737"/>
-                    <a:pt x="1554422" y="1416605"/>
-                    <a:pt x="1469297" y="1496906"/>
-                  </a:cubicBezTo>
-                  <a:cubicBezTo>
-                    <a:pt x="1286595" y="1668957"/>
-                    <a:pt x="1118818" y="1856190"/>
-                    <a:pt x="967769" y="2056602"/>
-                  </a:cubicBezTo>
-                  <a:cubicBezTo>
-                    <a:pt x="890731" y="2159603"/>
-                    <a:pt x="818800" y="2264590"/>
-                    <a:pt x="754105" y="2368727"/>
-                  </a:cubicBezTo>
-                  <a:cubicBezTo>
-                    <a:pt x="681749" y="2488328"/>
-                    <a:pt x="622304" y="2596720"/>
-                    <a:pt x="572364" y="2701140"/>
-                  </a:cubicBezTo>
-                  <a:cubicBezTo>
-                    <a:pt x="557609" y="2730507"/>
-                    <a:pt x="543989" y="2760443"/>
-                    <a:pt x="532497" y="2786265"/>
-                  </a:cubicBezTo>
-                  <a:lnTo>
-                    <a:pt x="512918" y="2828827"/>
-                  </a:lnTo>
-                  <a:lnTo>
-                    <a:pt x="494475" y="2872240"/>
-                  </a:lnTo>
-                  <a:lnTo>
-                    <a:pt x="491637" y="2878908"/>
-                  </a:lnTo>
-                  <a:cubicBezTo>
-                    <a:pt x="480146" y="2906575"/>
-                    <a:pt x="469220" y="2932821"/>
-                    <a:pt x="459290" y="2959635"/>
-                  </a:cubicBezTo>
-                  <a:cubicBezTo>
-                    <a:pt x="455176" y="2970559"/>
-                    <a:pt x="451060" y="2981484"/>
-                    <a:pt x="446805" y="2992408"/>
-                  </a:cubicBezTo>
-                  <a:cubicBezTo>
-                    <a:pt x="439427" y="3012412"/>
-                    <a:pt x="432333" y="3030572"/>
-                    <a:pt x="426090" y="3049158"/>
-                  </a:cubicBezTo>
-                  <a:lnTo>
-                    <a:pt x="426090" y="3049867"/>
-                  </a:lnTo>
-                  <a:cubicBezTo>
-                    <a:pt x="383010" y="3169099"/>
-                    <a:pt x="346959" y="3290756"/>
-                    <a:pt x="318124" y="3414202"/>
-                  </a:cubicBezTo>
-                  <a:cubicBezTo>
-                    <a:pt x="260107" y="3661703"/>
-                    <a:pt x="230780" y="3915049"/>
-                    <a:pt x="230729" y="4169260"/>
-                  </a:cubicBezTo>
-                  <a:cubicBezTo>
-                    <a:pt x="231621" y="4295173"/>
-                    <a:pt x="244398" y="4420719"/>
-                    <a:pt x="268893" y="4544236"/>
-                  </a:cubicBezTo>
-                  <a:cubicBezTo>
-                    <a:pt x="293708" y="4666304"/>
-                    <a:pt x="330882" y="4785521"/>
-                    <a:pt x="379840" y="4900056"/>
-                  </a:cubicBezTo>
-                  <a:cubicBezTo>
-                    <a:pt x="387926" y="4919919"/>
-                    <a:pt x="397006" y="4939498"/>
-                    <a:pt x="406512" y="4960211"/>
-                  </a:cubicBezTo>
-                  <a:cubicBezTo>
-                    <a:pt x="410343" y="4968299"/>
-                    <a:pt x="414173" y="4976385"/>
-                    <a:pt x="417862" y="4984613"/>
-                  </a:cubicBezTo>
-                  <a:lnTo>
-                    <a:pt x="428077" y="5005043"/>
-                  </a:lnTo>
-                  <a:cubicBezTo>
-                    <a:pt x="438860" y="5026751"/>
-                    <a:pt x="449075" y="5047181"/>
-                    <a:pt x="460140" y="5067327"/>
-                  </a:cubicBezTo>
-                  <a:cubicBezTo>
-                    <a:pt x="485536" y="5116273"/>
-                    <a:pt x="514763" y="5165789"/>
-                    <a:pt x="555197" y="5229773"/>
-                  </a:cubicBezTo>
-                  <a:cubicBezTo>
-                    <a:pt x="586836" y="5280282"/>
-                    <a:pt x="620318" y="5329511"/>
-                    <a:pt x="660611" y="5387396"/>
-                  </a:cubicBezTo>
-                  <a:cubicBezTo>
-                    <a:pt x="698065" y="5440741"/>
-                    <a:pt x="737223" y="5493094"/>
-                    <a:pt x="774110" y="5542182"/>
-                  </a:cubicBezTo>
-                  <a:cubicBezTo>
-                    <a:pt x="821070" y="5604324"/>
-                    <a:pt x="870301" y="5667173"/>
-                    <a:pt x="917829" y="5727896"/>
-                  </a:cubicBezTo>
-                  <a:cubicBezTo>
-                    <a:pt x="949042" y="5767762"/>
-                    <a:pt x="979828" y="5807063"/>
-                    <a:pt x="1012885" y="5849767"/>
-                  </a:cubicBezTo>
-                  <a:cubicBezTo>
-                    <a:pt x="1045942" y="5892471"/>
-                    <a:pt x="1089497" y="5948796"/>
-                    <a:pt x="1133053" y="6006822"/>
-                  </a:cubicBezTo>
-                  <a:cubicBezTo>
-                    <a:pt x="1153624" y="6034345"/>
-                    <a:pt x="1175332" y="6063998"/>
-                    <a:pt x="1194343" y="6090245"/>
-                  </a:cubicBezTo>
-                  <a:cubicBezTo>
-                    <a:pt x="1213355" y="6116491"/>
-                    <a:pt x="1231372" y="6141178"/>
-                    <a:pt x="1249390" y="6165155"/>
-                  </a:cubicBezTo>
-                  <a:cubicBezTo>
-                    <a:pt x="1280461" y="6208000"/>
-                    <a:pt x="1313659" y="6250847"/>
-                    <a:pt x="1345724" y="6292132"/>
-                  </a:cubicBezTo>
-                  <a:lnTo>
-                    <a:pt x="1364310" y="6316251"/>
-                  </a:lnTo>
-                  <a:lnTo>
-                    <a:pt x="1373673" y="6327885"/>
-                  </a:lnTo>
-                  <a:cubicBezTo>
-                    <a:pt x="1409566" y="6372433"/>
-                    <a:pt x="1446738" y="6418542"/>
-                    <a:pt x="1484619" y="6462240"/>
-                  </a:cubicBezTo>
-                  <a:cubicBezTo>
-                    <a:pt x="1567899" y="6559850"/>
-                    <a:pt x="1653876" y="6652211"/>
-                    <a:pt x="1739000" y="6737335"/>
-                  </a:cubicBezTo>
-                  <a:lnTo>
-                    <a:pt x="1866801" y="6858001"/>
-                  </a:lnTo>
-                  <a:lnTo>
-                    <a:pt x="1144149" y="6858001"/>
-                  </a:lnTo>
-                  <a:lnTo>
-                    <a:pt x="1058349" y="6766452"/>
-                  </a:lnTo>
-                  <a:cubicBezTo>
-                    <a:pt x="878978" y="6562465"/>
-                    <a:pt x="718756" y="6341104"/>
-                    <a:pt x="580309" y="6105000"/>
-                  </a:cubicBezTo>
-                  <a:cubicBezTo>
-                    <a:pt x="200401" y="5454007"/>
-                    <a:pt x="146" y="4713831"/>
-                    <a:pt x="1" y="3960094"/>
-                  </a:cubicBezTo>
-                  <a:cubicBezTo>
-                    <a:pt x="-335" y="2196754"/>
-                    <a:pt x="1071479" y="683605"/>
-                    <a:pt x="2599292" y="37050"/>
-                  </a:cubicBezTo>
-                  <a:close/>
-                </a:path>
-              </a:pathLst>
-            </a:custGeom>
-            <a:gradFill>
-              <a:gsLst>
-                <a:gs pos="2000">
-                  <a:schemeClr val="bg1">
-                    <a:alpha val="10000"/>
-                  </a:schemeClr>
-                </a:gs>
-                <a:gs pos="16000">
-                  <a:schemeClr val="accent6">
-                    <a:alpha val="10000"/>
-                  </a:schemeClr>
-                </a:gs>
-                <a:gs pos="100000">
-                  <a:schemeClr val="bg1">
-                    <a:alpha val="10000"/>
-                  </a:schemeClr>
-                </a:gs>
-                <a:gs pos="85000">
-                  <a:schemeClr val="accent1">
-                    <a:alpha val="10000"/>
-                  </a:schemeClr>
-                </a:gs>
-              </a:gsLst>
-              <a:lin ang="12000000" scaled="0"/>
-            </a:gradFill>
-            <a:ln>
-              <a:noFill/>
-            </a:ln>
-          </p:spPr>
-          <p:style>
-            <a:lnRef idx="2">
-              <a:schemeClr val="accent1">
-                <a:shade val="50000"/>
-              </a:schemeClr>
-            </a:lnRef>
-            <a:fillRef idx="1">
-              <a:schemeClr val="accent1"/>
-            </a:fillRef>
-            <a:effectRef idx="0">
-              <a:schemeClr val="accent1"/>
-            </a:effectRef>
-            <a:fontRef idx="minor">
-              <a:schemeClr val="lt1"/>
-            </a:fontRef>
-          </p:style>
-          <p:txBody>
-            <a:bodyPr rtlCol="0" anchor="ctr"/>
-            <a:lstStyle/>
-            <a:p>
-              <a:pPr algn="ctr"/>
-              <a:endParaRPr lang="en-US" dirty="0"/>
-            </a:p>
-          </p:txBody>
-        </p:sp>
-      </p:grpSp>
+            </a:solidFill>
+            <a:prstDash val="solid"/>
+            <a:miter lim="800000"/>
+          </a:ln>
+          <a:effectLst/>
+        </p:spPr>
+      </p:sp>
     </p:spTree>
     <p:extLst>
       <p:ext uri="{BB962C8B-B14F-4D97-AF65-F5344CB8AC3E}">
-        <p14:creationId xmlns:p14="http://schemas.microsoft.com/office/powerpoint/2010/main" val="652739044"/>
+        <p14:creationId xmlns:p14="http://schemas.microsoft.com/office/powerpoint/2010/main" val="1750510218"/>
       </p:ext>
     </p:extLst>
   </p:cSld>
   <p:clrMapOvr>
-    <a:masterClrMapping/>
+    <a:overrideClrMapping bg1="dk1" tx1="lt1" bg2="dk2" tx2="lt2" accent1="accent1" accent2="accent2" accent3="accent3" accent4="accent4" accent5="accent5" accent6="accent6" hlink="hlink" folHlink="folHlink"/>
   </p:clrMapOvr>
-</p:sld>
-</file>
-
-<file path=ppt/slides/slide8.xml><?xml version="1.0" encoding="utf-8"?>
-<p:sld xmlns:a="http://schemas.openxmlformats.org/drawingml/2006/main" xmlns:r="http://schemas.openxmlformats.org/officeDocument/2006/relationships" xmlns:p="http://schemas.openxmlformats.org/presentationml/2006/main">
-  <p:cSld>
-    <p:bg>
-      <p:bgPr>
-        <a:blipFill rotWithShape="1">
-          <a:blip r:embed="rId2">
-            <a:duotone>
-              <a:schemeClr val="bg2">
-                <a:shade val="69000"/>
-                <a:hueMod val="108000"/>
-                <a:satMod val="164000"/>
-                <a:lumMod val="74000"/>
-              </a:schemeClr>
-              <a:schemeClr val="bg2">
-                <a:tint val="96000"/>
-                <a:hueMod val="88000"/>
-                <a:satMod val="140000"/>
-                <a:lumMod val="132000"/>
-              </a:schemeClr>
-            </a:duotone>
-          </a:blip>
-          <a:stretch/>
-        </a:blipFill>
-        <a:effectLst/>
-      </p:bgPr>
-    </p:bg>
-    <p:spTree>
-      <p:nvGrpSpPr>
-        <p:cNvPr id="1" name=""/>
-        <p:cNvGrpSpPr/>
-        <p:nvPr/>
-      </p:nvGrpSpPr>
-      <p:grpSpPr>
-        <a:xfrm>
-          <a:off x="0" y="0"/>
-          <a:ext cx="0" cy="0"/>
-          <a:chOff x="0" y="0"/>
-          <a:chExt cx="0" cy="0"/>
-        </a:xfrm>
-      </p:grpSpPr>
-      <p:pic>
-        <p:nvPicPr>
-          <p:cNvPr id="5" name="Picture 4" descr="Electronics protoboard">
-            <a:extLst>
-              <a:ext uri="{FF2B5EF4-FFF2-40B4-BE49-F238E27FC236}">
-                <a16:creationId xmlns:a16="http://schemas.microsoft.com/office/drawing/2014/main" id="{08CDE630-94DE-5837-C62D-70353197DEB8}"/>
-              </a:ext>
-            </a:extLst>
-          </p:cNvPr>
-          <p:cNvPicPr>
-            <a:picLocks noChangeAspect="1"/>
-          </p:cNvPicPr>
-          <p:nvPr/>
-        </p:nvPicPr>
-        <p:blipFill rotWithShape="1">
-          <a:blip r:embed="rId3">
-            <a:duotone>
-              <a:prstClr val="black"/>
-              <a:schemeClr val="accent5">
-                <a:tint val="45000"/>
-                <a:satMod val="400000"/>
-              </a:schemeClr>
-            </a:duotone>
-            <a:alphaModFix amt="25000"/>
-          </a:blip>
-          <a:srcRect t="15730"/>
-          <a:stretch/>
-        </p:blipFill>
-        <p:spPr>
-          <a:xfrm>
-            <a:off x="20" y="10"/>
-            <a:ext cx="12191980" cy="6857990"/>
-          </a:xfrm>
-          <a:prstGeom prst="rect">
-            <a:avLst/>
-          </a:prstGeom>
-        </p:spPr>
-      </p:pic>
-      <p:sp>
-        <p:nvSpPr>
-          <p:cNvPr id="2" name="Title 1">
-            <a:extLst>
-              <a:ext uri="{FF2B5EF4-FFF2-40B4-BE49-F238E27FC236}">
-                <a16:creationId xmlns:a16="http://schemas.microsoft.com/office/drawing/2014/main" id="{BBB23CA6-3DD1-7510-F2B9-324E2A514F1B}"/>
-              </a:ext>
-            </a:extLst>
-          </p:cNvPr>
-          <p:cNvSpPr>
-            <a:spLocks noGrp="1"/>
-          </p:cNvSpPr>
-          <p:nvPr>
-            <p:ph type="title"/>
-          </p:nvPr>
-        </p:nvSpPr>
-        <p:spPr>
-          <a:xfrm>
-            <a:off x="1154955" y="1447800"/>
-            <a:ext cx="8825658" cy="3329581"/>
-          </a:xfrm>
-        </p:spPr>
-        <p:txBody>
-          <a:bodyPr vert="horz" lIns="91440" tIns="45720" rIns="91440" bIns="45720" rtlCol="0" anchor="b">
-            <a:normAutofit/>
-          </a:bodyPr>
-          <a:lstStyle/>
-          <a:p>
-            <a:r>
-              <a:rPr lang="en-US" sz="7200" dirty="0"/>
-              <a:t>Processing tools </a:t>
-            </a:r>
-            <a:br>
-              <a:rPr lang="en-US" sz="7200" dirty="0"/>
-            </a:br>
-            <a:endParaRPr lang="en-US" sz="7200" dirty="0"/>
-          </a:p>
-        </p:txBody>
-      </p:sp>
-    </p:spTree>
-    <p:extLst>
-      <p:ext uri="{BB962C8B-B14F-4D97-AF65-F5344CB8AC3E}">
-        <p14:creationId xmlns:p14="http://schemas.microsoft.com/office/powerpoint/2010/main" val="3439925928"/>
-      </p:ext>
-    </p:extLst>
-  </p:cSld>
-  <p:clrMapOvr>
-    <a:masterClrMapping/>
-  </p:clrMapOvr>
-</p:sld>
-</file>
-
-<file path=ppt/slides/slide9.xml><?xml version="1.0" encoding="utf-8"?>
-<p:sld xmlns:a="http://schemas.openxmlformats.org/drawingml/2006/main" xmlns:r="http://schemas.openxmlformats.org/officeDocument/2006/relationships" xmlns:p="http://schemas.openxmlformats.org/presentationml/2006/main">
-  <p:cSld>
-    <p:spTree>
-      <p:nvGrpSpPr>
-        <p:cNvPr id="1" name=""/>
-        <p:cNvGrpSpPr/>
-        <p:nvPr/>
-      </p:nvGrpSpPr>
-      <p:grpSpPr>
-        <a:xfrm>
-          <a:off x="0" y="0"/>
-          <a:ext cx="0" cy="0"/>
-          <a:chOff x="0" y="0"/>
-          <a:chExt cx="0" cy="0"/>
-        </a:xfrm>
-      </p:grpSpPr>
-      <p:sp>
-        <p:nvSpPr>
-          <p:cNvPr id="2" name="Title 1">
-            <a:extLst>
-              <a:ext uri="{FF2B5EF4-FFF2-40B4-BE49-F238E27FC236}">
-                <a16:creationId xmlns:a16="http://schemas.microsoft.com/office/drawing/2014/main" id="{449E1758-3CFC-AB11-510E-69963EA80A99}"/>
-              </a:ext>
-            </a:extLst>
-          </p:cNvPr>
-          <p:cNvSpPr>
-            <a:spLocks noGrp="1"/>
-          </p:cNvSpPr>
-          <p:nvPr>
-            <p:ph type="title"/>
-          </p:nvPr>
-        </p:nvSpPr>
-        <p:spPr/>
-        <p:txBody>
-          <a:bodyPr/>
-          <a:lstStyle/>
-          <a:p>
-            <a:r>
-              <a:rPr lang="en-CA" dirty="0"/>
-              <a:t>Vue </a:t>
-            </a:r>
-            <a:r>
-              <a:rPr lang="en-CA" dirty="0" err="1"/>
-              <a:t>js</a:t>
-            </a:r>
-            <a:endParaRPr lang="en-CA" dirty="0"/>
-          </a:p>
-        </p:txBody>
-      </p:sp>
-      <p:sp>
-        <p:nvSpPr>
-          <p:cNvPr id="3" name="Content Placeholder 2">
-            <a:extLst>
-              <a:ext uri="{FF2B5EF4-FFF2-40B4-BE49-F238E27FC236}">
-                <a16:creationId xmlns:a16="http://schemas.microsoft.com/office/drawing/2014/main" id="{6A35357F-CA81-2376-C8DC-BED30A646FAE}"/>
-              </a:ext>
-            </a:extLst>
-          </p:cNvPr>
-          <p:cNvSpPr>
-            <a:spLocks noGrp="1"/>
-          </p:cNvSpPr>
-          <p:nvPr>
-            <p:ph idx="1"/>
-          </p:nvPr>
-        </p:nvSpPr>
-        <p:spPr/>
-        <p:txBody>
-          <a:bodyPr/>
-          <a:lstStyle/>
-          <a:p>
-            <a:endParaRPr lang="en-CA" dirty="0"/>
-          </a:p>
-        </p:txBody>
-      </p:sp>
-    </p:spTree>
-    <p:extLst>
-      <p:ext uri="{BB962C8B-B14F-4D97-AF65-F5344CB8AC3E}">
-        <p14:creationId xmlns:p14="http://schemas.microsoft.com/office/powerpoint/2010/main" val="3740905003"/>
-      </p:ext>
-    </p:extLst>
-  </p:cSld>
-  <p:clrMapOvr>
-    <a:masterClrMapping/>
-  </p:clrMapOvr>
+  <mc:AlternateContent xmlns:mc="http://schemas.openxmlformats.org/markup-compatibility/2006">
+    <mc:Choice xmlns:p14="http://schemas.microsoft.com/office/powerpoint/2010/main" Requires="p14">
+      <p:transition spd="med" p14:dur="700">
+        <p:fade/>
+      </p:transition>
+    </mc:Choice>
+    <mc:Fallback>
+      <p:transition spd="med">
+        <p:fade/>
+      </p:transition>
+    </mc:Fallback>
+  </mc:AlternateContent>
 </p:sld>
 </file>
 

--- a/CaregiverApp.pptx
+++ b/CaregiverApp.pptx
@@ -138,7 +138,7 @@
   <pc:docChgLst>
     <pc:chgData name="Nathan" userId="35cc2d6d4da03de6" providerId="LiveId" clId="{D4FBA732-C0CB-4103-A539-6BB95830CC07}"/>
     <pc:docChg chg="undo redo custSel addSld delSld modSld sldOrd">
-      <pc:chgData name="Nathan" userId="35cc2d6d4da03de6" providerId="LiveId" clId="{D4FBA732-C0CB-4103-A539-6BB95830CC07}" dt="2022-12-08T17:19:11.698" v="6214"/>
+      <pc:chgData name="Nathan" userId="35cc2d6d4da03de6" providerId="LiveId" clId="{D4FBA732-C0CB-4103-A539-6BB95830CC07}" dt="2022-12-09T13:55:25.057" v="6218" actId="20577"/>
       <pc:docMkLst>
         <pc:docMk/>
       </pc:docMkLst>
@@ -533,7 +533,7 @@
         </pc:spChg>
       </pc:sldChg>
       <pc:sldChg chg="addSp delSp modSp mod modTransition setBg setClrOvrMap delDesignElem modShow">
-        <pc:chgData name="Nathan" userId="35cc2d6d4da03de6" providerId="LiveId" clId="{D4FBA732-C0CB-4103-A539-6BB95830CC07}" dt="2022-12-08T17:04:42.281" v="6187" actId="1036"/>
+        <pc:chgData name="Nathan" userId="35cc2d6d4da03de6" providerId="LiveId" clId="{D4FBA732-C0CB-4103-A539-6BB95830CC07}" dt="2022-12-09T13:55:25.057" v="6218" actId="20577"/>
         <pc:sldMkLst>
           <pc:docMk/>
           <pc:sldMk cId="4216673047" sldId="258"/>
@@ -547,7 +547,7 @@
           </ac:spMkLst>
         </pc:spChg>
         <pc:spChg chg="add mod">
-          <ac:chgData name="Nathan" userId="35cc2d6d4da03de6" providerId="LiveId" clId="{D4FBA732-C0CB-4103-A539-6BB95830CC07}" dt="2022-12-08T17:03:07.584" v="6147" actId="1036"/>
+          <ac:chgData name="Nathan" userId="35cc2d6d4da03de6" providerId="LiveId" clId="{D4FBA732-C0CB-4103-A539-6BB95830CC07}" dt="2022-12-09T13:55:25.057" v="6218" actId="20577"/>
           <ac:spMkLst>
             <pc:docMk/>
             <pc:sldMk cId="4216673047" sldId="258"/>
@@ -3825,7 +3825,7 @@
           <a:p>
             <a:fld id="{A56F1B0E-0E60-48B3-8953-3A0DD8948655}" type="datetimeFigureOut">
               <a:rPr lang="en-CA" smtClean="0"/>
-              <a:t>2022-12-08</a:t>
+              <a:t>2022-12-09</a:t>
             </a:fld>
             <a:endParaRPr lang="en-CA"/>
           </a:p>
@@ -4497,7 +4497,7 @@
           <a:p>
             <a:fld id="{D341B595-366B-43E2-A22E-EA6A78C03F06}" type="datetimeFigureOut">
               <a:rPr lang="en-US" smtClean="0"/>
-              <a:t>12/8/2022</a:t>
+              <a:t>12/9/2022</a:t>
             </a:fld>
             <a:endParaRPr lang="en-US" dirty="0"/>
           </a:p>
@@ -4697,7 +4697,7 @@
           <a:p>
             <a:fld id="{D341B595-366B-43E2-A22E-EA6A78C03F06}" type="datetimeFigureOut">
               <a:rPr lang="en-US" smtClean="0"/>
-              <a:t>12/8/2022</a:t>
+              <a:t>12/9/2022</a:t>
             </a:fld>
             <a:endParaRPr lang="en-US" dirty="0"/>
           </a:p>
@@ -4907,7 +4907,7 @@
           <a:p>
             <a:fld id="{D341B595-366B-43E2-A22E-EA6A78C03F06}" type="datetimeFigureOut">
               <a:rPr lang="en-US" smtClean="0"/>
-              <a:t>12/8/2022</a:t>
+              <a:t>12/9/2022</a:t>
             </a:fld>
             <a:endParaRPr lang="en-US" dirty="0"/>
           </a:p>
@@ -5107,7 +5107,7 @@
           <a:p>
             <a:fld id="{D341B595-366B-43E2-A22E-EA6A78C03F06}" type="datetimeFigureOut">
               <a:rPr lang="en-US" smtClean="0"/>
-              <a:t>12/8/2022</a:t>
+              <a:t>12/9/2022</a:t>
             </a:fld>
             <a:endParaRPr lang="en-US" dirty="0"/>
           </a:p>
@@ -5383,7 +5383,7 @@
           <a:p>
             <a:fld id="{D341B595-366B-43E2-A22E-EA6A78C03F06}" type="datetimeFigureOut">
               <a:rPr lang="en-US" smtClean="0"/>
-              <a:t>12/8/2022</a:t>
+              <a:t>12/9/2022</a:t>
             </a:fld>
             <a:endParaRPr lang="en-US" dirty="0"/>
           </a:p>
@@ -5651,7 +5651,7 @@
           <a:p>
             <a:fld id="{D341B595-366B-43E2-A22E-EA6A78C03F06}" type="datetimeFigureOut">
               <a:rPr lang="en-US" smtClean="0"/>
-              <a:t>12/8/2022</a:t>
+              <a:t>12/9/2022</a:t>
             </a:fld>
             <a:endParaRPr lang="en-US" dirty="0"/>
           </a:p>
@@ -6066,7 +6066,7 @@
           <a:p>
             <a:fld id="{D341B595-366B-43E2-A22E-EA6A78C03F06}" type="datetimeFigureOut">
               <a:rPr lang="en-US" smtClean="0"/>
-              <a:t>12/8/2022</a:t>
+              <a:t>12/9/2022</a:t>
             </a:fld>
             <a:endParaRPr lang="en-US" dirty="0"/>
           </a:p>
@@ -6208,7 +6208,7 @@
           <a:p>
             <a:fld id="{D341B595-366B-43E2-A22E-EA6A78C03F06}" type="datetimeFigureOut">
               <a:rPr lang="en-US" smtClean="0"/>
-              <a:t>12/8/2022</a:t>
+              <a:t>12/9/2022</a:t>
             </a:fld>
             <a:endParaRPr lang="en-US" dirty="0"/>
           </a:p>
@@ -6321,7 +6321,7 @@
           <a:p>
             <a:fld id="{D341B595-366B-43E2-A22E-EA6A78C03F06}" type="datetimeFigureOut">
               <a:rPr lang="en-US" smtClean="0"/>
-              <a:t>12/8/2022</a:t>
+              <a:t>12/9/2022</a:t>
             </a:fld>
             <a:endParaRPr lang="en-US" dirty="0"/>
           </a:p>
@@ -6634,7 +6634,7 @@
           <a:p>
             <a:fld id="{D341B595-366B-43E2-A22E-EA6A78C03F06}" type="datetimeFigureOut">
               <a:rPr lang="en-US" smtClean="0"/>
-              <a:t>12/8/2022</a:t>
+              <a:t>12/9/2022</a:t>
             </a:fld>
             <a:endParaRPr lang="en-US" dirty="0"/>
           </a:p>
@@ -6923,7 +6923,7 @@
           <a:p>
             <a:fld id="{D341B595-366B-43E2-A22E-EA6A78C03F06}" type="datetimeFigureOut">
               <a:rPr lang="en-US" smtClean="0"/>
-              <a:t>12/8/2022</a:t>
+              <a:t>12/9/2022</a:t>
             </a:fld>
             <a:endParaRPr lang="en-US" dirty="0"/>
           </a:p>
@@ -7166,7 +7166,7 @@
           <a:p>
             <a:fld id="{D341B595-366B-43E2-A22E-EA6A78C03F06}" type="datetimeFigureOut">
               <a:rPr lang="en-US" smtClean="0"/>
-              <a:t>12/8/2022</a:t>
+              <a:t>12/9/2022</a:t>
             </a:fld>
             <a:endParaRPr lang="en-US" dirty="0"/>
           </a:p>
@@ -8502,13 +8502,13 @@
   <p:clrMapOvr>
     <a:overrideClrMapping bg1="dk1" tx1="lt1" bg2="dk2" tx2="lt2" accent1="accent1" accent2="accent2" accent3="accent3" accent4="accent4" accent5="accent5" accent6="accent6" hlink="hlink" folHlink="folHlink"/>
   </p:clrMapOvr>
-  <mc:AlternateContent xmlns:mc="http://schemas.openxmlformats.org/markup-compatibility/2006">
-    <mc:Choice xmlns:p14="http://schemas.microsoft.com/office/powerpoint/2010/main" Requires="p14">
+  <mc:AlternateContent xmlns:mc="http://schemas.openxmlformats.org/markup-compatibility/2006" xmlns:p14="http://schemas.microsoft.com/office/powerpoint/2010/main">
+    <mc:Choice Requires="p14">
       <p:transition spd="slow" p14:dur="3900">
         <p14:glitter pattern="hexagon"/>
       </p:transition>
     </mc:Choice>
-    <mc:Fallback>
+    <mc:Fallback xmlns="">
       <p:transition spd="slow">
         <p:fade/>
       </p:transition>
@@ -10848,7 +10848,15 @@
           <a:p>
             <a:r>
               <a:rPr lang="en-US" dirty="0"/>
-              <a:t>Follows the acid principle</a:t>
+              <a:t>Follows </a:t>
+            </a:r>
+            <a:r>
+              <a:rPr lang="en-US"/>
+              <a:t>the ACID </a:t>
+            </a:r>
+            <a:r>
+              <a:rPr lang="en-US" dirty="0"/>
+              <a:t>principle</a:t>
             </a:r>
           </a:p>
           <a:p>
@@ -12306,13 +12314,13 @@
   <p:clrMapOvr>
     <a:masterClrMapping/>
   </p:clrMapOvr>
-  <mc:AlternateContent xmlns:mc="http://schemas.openxmlformats.org/markup-compatibility/2006">
-    <mc:Choice xmlns:p14="http://schemas.microsoft.com/office/powerpoint/2010/main" Requires="p14">
+  <mc:AlternateContent xmlns:mc="http://schemas.openxmlformats.org/markup-compatibility/2006" xmlns:p14="http://schemas.microsoft.com/office/powerpoint/2010/main">
+    <mc:Choice Requires="p14">
       <p:transition spd="slow" p14:dur="800">
         <p:circle/>
       </p:transition>
     </mc:Choice>
-    <mc:Fallback>
+    <mc:Fallback xmlns="">
       <p:transition spd="slow">
         <p:circle/>
       </p:transition>
@@ -13527,13 +13535,13 @@
   <p:clrMapOvr>
     <a:overrideClrMapping bg1="dk1" tx1="lt1" bg2="dk2" tx2="lt2" accent1="accent1" accent2="accent2" accent3="accent3" accent4="accent4" accent5="accent5" accent6="accent6" hlink="hlink" folHlink="folHlink"/>
   </p:clrMapOvr>
-  <mc:AlternateContent xmlns:mc="http://schemas.openxmlformats.org/markup-compatibility/2006">
-    <mc:Choice xmlns:p14="http://schemas.microsoft.com/office/powerpoint/2010/main" Requires="p14">
+  <mc:AlternateContent xmlns:mc="http://schemas.openxmlformats.org/markup-compatibility/2006" xmlns:p14="http://schemas.microsoft.com/office/powerpoint/2010/main">
+    <mc:Choice Requires="p14">
       <p:transition spd="med" p14:dur="700">
         <p:fade/>
       </p:transition>
     </mc:Choice>
-    <mc:Fallback>
+    <mc:Fallback xmlns="">
       <p:transition spd="med">
         <p:fade/>
       </p:transition>
